--- a/Design/BloomOverview.pptx
+++ b/Design/BloomOverview.pptx
@@ -6,39 +6,47 @@
     <p:sldMasterId id="2147483708" r:id="rId2"/>
   </p:sldMasterIdLst>
   <p:notesMasterIdLst>
-    <p:notesMasterId r:id="rId30"/>
+    <p:notesMasterId r:id="rId38"/>
   </p:notesMasterIdLst>
   <p:handoutMasterIdLst>
-    <p:handoutMasterId r:id="rId31"/>
+    <p:handoutMasterId r:id="rId39"/>
   </p:handoutMasterIdLst>
   <p:sldIdLst>
     <p:sldId id="279" r:id="rId3"/>
-    <p:sldId id="280" r:id="rId4"/>
-    <p:sldId id="285" r:id="rId5"/>
-    <p:sldId id="281" r:id="rId6"/>
-    <p:sldId id="256" r:id="rId7"/>
-    <p:sldId id="283" r:id="rId8"/>
-    <p:sldId id="284" r:id="rId9"/>
-    <p:sldId id="258" r:id="rId10"/>
-    <p:sldId id="260" r:id="rId11"/>
-    <p:sldId id="286" r:id="rId12"/>
-    <p:sldId id="287" r:id="rId13"/>
-    <p:sldId id="261" r:id="rId14"/>
-    <p:sldId id="262" r:id="rId15"/>
-    <p:sldId id="263" r:id="rId16"/>
+    <p:sldId id="291" r:id="rId4"/>
+    <p:sldId id="280" r:id="rId5"/>
+    <p:sldId id="285" r:id="rId6"/>
+    <p:sldId id="292" r:id="rId7"/>
+    <p:sldId id="256" r:id="rId8"/>
+    <p:sldId id="290" r:id="rId9"/>
+    <p:sldId id="293" r:id="rId10"/>
+    <p:sldId id="283" r:id="rId11"/>
+    <p:sldId id="284" r:id="rId12"/>
+    <p:sldId id="258" r:id="rId13"/>
+    <p:sldId id="260" r:id="rId14"/>
+    <p:sldId id="286" r:id="rId15"/>
+    <p:sldId id="287" r:id="rId16"/>
     <p:sldId id="265" r:id="rId17"/>
-    <p:sldId id="266" r:id="rId18"/>
-    <p:sldId id="267" r:id="rId19"/>
-    <p:sldId id="268" r:id="rId20"/>
-    <p:sldId id="269" r:id="rId21"/>
-    <p:sldId id="270" r:id="rId22"/>
-    <p:sldId id="276" r:id="rId23"/>
-    <p:sldId id="277" r:id="rId24"/>
-    <p:sldId id="275" r:id="rId25"/>
-    <p:sldId id="271" r:id="rId26"/>
-    <p:sldId id="272" r:id="rId27"/>
-    <p:sldId id="273" r:id="rId28"/>
-    <p:sldId id="274" r:id="rId29"/>
+    <p:sldId id="288" r:id="rId18"/>
+    <p:sldId id="266" r:id="rId19"/>
+    <p:sldId id="294" r:id="rId20"/>
+    <p:sldId id="295" r:id="rId21"/>
+    <p:sldId id="296" r:id="rId22"/>
+    <p:sldId id="267" r:id="rId23"/>
+    <p:sldId id="261" r:id="rId24"/>
+    <p:sldId id="262" r:id="rId25"/>
+    <p:sldId id="263" r:id="rId26"/>
+    <p:sldId id="268" r:id="rId27"/>
+    <p:sldId id="269" r:id="rId28"/>
+    <p:sldId id="270" r:id="rId29"/>
+    <p:sldId id="276" r:id="rId30"/>
+    <p:sldId id="277" r:id="rId31"/>
+    <p:sldId id="275" r:id="rId32"/>
+    <p:sldId id="271" r:id="rId33"/>
+    <p:sldId id="272" r:id="rId34"/>
+    <p:sldId id="273" r:id="rId35"/>
+    <p:sldId id="274" r:id="rId36"/>
+    <p:sldId id="289" r:id="rId37"/>
   </p:sldIdLst>
   <p:sldSz cx="10080625" cy="7559675"/>
   <p:notesSz cx="7772400" cy="10058400"/>
@@ -970,50 +978,56 @@
         <p:nvSpPr>
           <p:cNvPr id="2" name="Slide Image Placeholder 1"/>
           <p:cNvSpPr>
-            <a:spLocks noGrp="1" noRot="1" noChangeAspect="1" noResize="1"/>
+            <a:spLocks noGrp="1" noRot="1" noChangeAspect="1"/>
           </p:cNvSpPr>
           <p:nvPr>
             <p:ph type="sldImg"/>
           </p:nvPr>
         </p:nvSpPr>
-        <p:spPr>
-          <a:xfrm>
-            <a:off x="1371600" y="763588"/>
-            <a:ext cx="5029200" cy="3771900"/>
-          </a:xfrm>
-          <a:solidFill>
-            <a:schemeClr val="accent1"/>
-          </a:solidFill>
-          <a:ln w="25400">
-            <a:solidFill>
-              <a:schemeClr val="accent1">
-                <a:shade val="50000"/>
-              </a:schemeClr>
-            </a:solidFill>
-            <a:prstDash val="solid"/>
-          </a:ln>
-        </p:spPr>
+        <p:spPr/>
       </p:sp>
       <p:sp>
         <p:nvSpPr>
           <p:cNvPr id="3" name="Notes Placeholder 2"/>
-          <p:cNvSpPr txBox="1">
-            <a:spLocks noGrp="1"/>
-          </p:cNvSpPr>
-          <p:nvPr>
-            <p:ph type="body" sz="quarter" idx="1"/>
-          </p:nvPr>
-        </p:nvSpPr>
-        <p:spPr>
-          <a:xfrm>
-            <a:off x="777239" y="4777560"/>
-            <a:ext cx="6217560" cy="4435920"/>
-          </a:xfrm>
-        </p:spPr>
+          <p:cNvSpPr>
+            <a:spLocks noGrp="1"/>
+          </p:cNvSpPr>
+          <p:nvPr>
+            <p:ph type="body" idx="1"/>
+          </p:nvPr>
+        </p:nvSpPr>
+        <p:spPr/>
+        <p:txBody>
+          <a:bodyPr>
+            <a:normAutofit/>
+          </a:bodyPr>
+          <a:lstStyle/>
+          <a:p>
+            <a:endParaRPr lang="en-US"/>
+          </a:p>
+        </p:txBody>
+      </p:sp>
+      <p:sp>
+        <p:nvSpPr>
+          <p:cNvPr id="4" name="Slide Number Placeholder 3"/>
+          <p:cNvSpPr>
+            <a:spLocks noGrp="1"/>
+          </p:cNvSpPr>
+          <p:nvPr>
+            <p:ph type="sldNum" sz="quarter" idx="10"/>
+          </p:nvPr>
+        </p:nvSpPr>
+        <p:spPr/>
         <p:txBody>
           <a:bodyPr/>
           <a:lstStyle/>
           <a:p>
+            <a:pPr lvl="0"/>
+            <a:fld id="{B049C0A8-8D97-4391-9591-EB0DFC3A5A20}" type="slidenum">
+              <a:rPr lang="en-US" smtClean="0"/>
+              <a:pPr lvl="0"/>
+              <a:t>5</a:t>
+            </a:fld>
             <a:endParaRPr lang="en-US"/>
           </a:p>
         </p:txBody>
@@ -2181,6 +2195,314 @@
 </p:notes>
 </file>
 
+<file path=ppt/notesSlides/notesSlide24.xml><?xml version="1.0" encoding="utf-8"?>
+<p:notes xmlns:a="http://schemas.openxmlformats.org/drawingml/2006/main" xmlns:r="http://schemas.openxmlformats.org/officeDocument/2006/relationships" xmlns:p="http://schemas.openxmlformats.org/presentationml/2006/main">
+  <p:cSld>
+    <p:spTree>
+      <p:nvGrpSpPr>
+        <p:cNvPr id="1" name=""/>
+        <p:cNvGrpSpPr/>
+        <p:nvPr/>
+      </p:nvGrpSpPr>
+      <p:grpSpPr>
+        <a:xfrm>
+          <a:off x="0" y="0"/>
+          <a:ext cx="0" cy="0"/>
+          <a:chOff x="0" y="0"/>
+          <a:chExt cx="0" cy="0"/>
+        </a:xfrm>
+      </p:grpSpPr>
+      <p:sp>
+        <p:nvSpPr>
+          <p:cNvPr id="2" name="Slide Image Placeholder 1"/>
+          <p:cNvSpPr>
+            <a:spLocks noGrp="1" noRot="1" noChangeAspect="1" noResize="1"/>
+          </p:cNvSpPr>
+          <p:nvPr>
+            <p:ph type="sldImg"/>
+          </p:nvPr>
+        </p:nvSpPr>
+        <p:spPr>
+          <a:xfrm>
+            <a:off x="1371600" y="763588"/>
+            <a:ext cx="5029200" cy="3771900"/>
+          </a:xfrm>
+          <a:solidFill>
+            <a:schemeClr val="accent1"/>
+          </a:solidFill>
+          <a:ln w="25400">
+            <a:solidFill>
+              <a:schemeClr val="accent1">
+                <a:shade val="50000"/>
+              </a:schemeClr>
+            </a:solidFill>
+            <a:prstDash val="solid"/>
+          </a:ln>
+        </p:spPr>
+      </p:sp>
+      <p:sp>
+        <p:nvSpPr>
+          <p:cNvPr id="3" name="Notes Placeholder 2"/>
+          <p:cNvSpPr txBox="1">
+            <a:spLocks noGrp="1"/>
+          </p:cNvSpPr>
+          <p:nvPr>
+            <p:ph type="body" sz="quarter" idx="1"/>
+          </p:nvPr>
+        </p:nvSpPr>
+        <p:spPr>
+          <a:xfrm>
+            <a:off x="777239" y="4777560"/>
+            <a:ext cx="6217560" cy="4526280"/>
+          </a:xfrm>
+        </p:spPr>
+        <p:txBody>
+          <a:bodyPr/>
+          <a:lstStyle/>
+          <a:p>
+            <a:endParaRPr lang="en-US"/>
+          </a:p>
+        </p:txBody>
+      </p:sp>
+    </p:spTree>
+  </p:cSld>
+  <p:clrMapOvr>
+    <a:masterClrMapping/>
+  </p:clrMapOvr>
+</p:notes>
+</file>
+
+<file path=ppt/notesSlides/notesSlide25.xml><?xml version="1.0" encoding="utf-8"?>
+<p:notes xmlns:a="http://schemas.openxmlformats.org/drawingml/2006/main" xmlns:r="http://schemas.openxmlformats.org/officeDocument/2006/relationships" xmlns:p="http://schemas.openxmlformats.org/presentationml/2006/main">
+  <p:cSld>
+    <p:spTree>
+      <p:nvGrpSpPr>
+        <p:cNvPr id="1" name=""/>
+        <p:cNvGrpSpPr/>
+        <p:nvPr/>
+      </p:nvGrpSpPr>
+      <p:grpSpPr>
+        <a:xfrm>
+          <a:off x="0" y="0"/>
+          <a:ext cx="0" cy="0"/>
+          <a:chOff x="0" y="0"/>
+          <a:chExt cx="0" cy="0"/>
+        </a:xfrm>
+      </p:grpSpPr>
+      <p:sp>
+        <p:nvSpPr>
+          <p:cNvPr id="2" name="Slide Image Placeholder 1"/>
+          <p:cNvSpPr>
+            <a:spLocks noGrp="1" noRot="1" noChangeAspect="1" noResize="1"/>
+          </p:cNvSpPr>
+          <p:nvPr>
+            <p:ph type="sldImg"/>
+          </p:nvPr>
+        </p:nvSpPr>
+        <p:spPr>
+          <a:xfrm>
+            <a:off x="1371600" y="763588"/>
+            <a:ext cx="5029200" cy="3771900"/>
+          </a:xfrm>
+          <a:solidFill>
+            <a:schemeClr val="accent1"/>
+          </a:solidFill>
+          <a:ln w="25400">
+            <a:solidFill>
+              <a:schemeClr val="accent1">
+                <a:shade val="50000"/>
+              </a:schemeClr>
+            </a:solidFill>
+            <a:prstDash val="solid"/>
+          </a:ln>
+        </p:spPr>
+      </p:sp>
+      <p:sp>
+        <p:nvSpPr>
+          <p:cNvPr id="3" name="Notes Placeholder 2"/>
+          <p:cNvSpPr txBox="1">
+            <a:spLocks noGrp="1"/>
+          </p:cNvSpPr>
+          <p:nvPr>
+            <p:ph type="body" sz="quarter" idx="1"/>
+          </p:nvPr>
+        </p:nvSpPr>
+        <p:spPr>
+          <a:xfrm>
+            <a:off x="777239" y="4777560"/>
+            <a:ext cx="6217560" cy="4526280"/>
+          </a:xfrm>
+        </p:spPr>
+        <p:txBody>
+          <a:bodyPr/>
+          <a:lstStyle/>
+          <a:p>
+            <a:endParaRPr lang="en-US"/>
+          </a:p>
+        </p:txBody>
+      </p:sp>
+    </p:spTree>
+  </p:cSld>
+  <p:clrMapOvr>
+    <a:masterClrMapping/>
+  </p:clrMapOvr>
+</p:notes>
+</file>
+
+<file path=ppt/notesSlides/notesSlide26.xml><?xml version="1.0" encoding="utf-8"?>
+<p:notes xmlns:a="http://schemas.openxmlformats.org/drawingml/2006/main" xmlns:r="http://schemas.openxmlformats.org/officeDocument/2006/relationships" xmlns:p="http://schemas.openxmlformats.org/presentationml/2006/main">
+  <p:cSld>
+    <p:spTree>
+      <p:nvGrpSpPr>
+        <p:cNvPr id="1" name=""/>
+        <p:cNvGrpSpPr/>
+        <p:nvPr/>
+      </p:nvGrpSpPr>
+      <p:grpSpPr>
+        <a:xfrm>
+          <a:off x="0" y="0"/>
+          <a:ext cx="0" cy="0"/>
+          <a:chOff x="0" y="0"/>
+          <a:chExt cx="0" cy="0"/>
+        </a:xfrm>
+      </p:grpSpPr>
+      <p:sp>
+        <p:nvSpPr>
+          <p:cNvPr id="2" name="Slide Image Placeholder 1"/>
+          <p:cNvSpPr>
+            <a:spLocks noGrp="1" noRot="1" noChangeAspect="1" noResize="1"/>
+          </p:cNvSpPr>
+          <p:nvPr>
+            <p:ph type="sldImg"/>
+          </p:nvPr>
+        </p:nvSpPr>
+        <p:spPr>
+          <a:xfrm>
+            <a:off x="1371600" y="763588"/>
+            <a:ext cx="5029200" cy="3771900"/>
+          </a:xfrm>
+          <a:solidFill>
+            <a:schemeClr val="accent1"/>
+          </a:solidFill>
+          <a:ln w="25400">
+            <a:solidFill>
+              <a:schemeClr val="accent1">
+                <a:shade val="50000"/>
+              </a:schemeClr>
+            </a:solidFill>
+            <a:prstDash val="solid"/>
+          </a:ln>
+        </p:spPr>
+      </p:sp>
+      <p:sp>
+        <p:nvSpPr>
+          <p:cNvPr id="3" name="Notes Placeholder 2"/>
+          <p:cNvSpPr txBox="1">
+            <a:spLocks noGrp="1"/>
+          </p:cNvSpPr>
+          <p:nvPr>
+            <p:ph type="body" sz="quarter" idx="1"/>
+          </p:nvPr>
+        </p:nvSpPr>
+        <p:spPr>
+          <a:xfrm>
+            <a:off x="777239" y="4777560"/>
+            <a:ext cx="6217560" cy="4526280"/>
+          </a:xfrm>
+        </p:spPr>
+        <p:txBody>
+          <a:bodyPr/>
+          <a:lstStyle/>
+          <a:p>
+            <a:endParaRPr lang="en-US"/>
+          </a:p>
+        </p:txBody>
+      </p:sp>
+    </p:spTree>
+  </p:cSld>
+  <p:clrMapOvr>
+    <a:masterClrMapping/>
+  </p:clrMapOvr>
+</p:notes>
+</file>
+
+<file path=ppt/notesSlides/notesSlide27.xml><?xml version="1.0" encoding="utf-8"?>
+<p:notes xmlns:a="http://schemas.openxmlformats.org/drawingml/2006/main" xmlns:r="http://schemas.openxmlformats.org/officeDocument/2006/relationships" xmlns:p="http://schemas.openxmlformats.org/presentationml/2006/main">
+  <p:cSld>
+    <p:spTree>
+      <p:nvGrpSpPr>
+        <p:cNvPr id="1" name=""/>
+        <p:cNvGrpSpPr/>
+        <p:nvPr/>
+      </p:nvGrpSpPr>
+      <p:grpSpPr>
+        <a:xfrm>
+          <a:off x="0" y="0"/>
+          <a:ext cx="0" cy="0"/>
+          <a:chOff x="0" y="0"/>
+          <a:chExt cx="0" cy="0"/>
+        </a:xfrm>
+      </p:grpSpPr>
+      <p:sp>
+        <p:nvSpPr>
+          <p:cNvPr id="2" name="Slide Image Placeholder 1"/>
+          <p:cNvSpPr>
+            <a:spLocks noGrp="1" noRot="1" noChangeAspect="1" noResize="1"/>
+          </p:cNvSpPr>
+          <p:nvPr>
+            <p:ph type="sldImg"/>
+          </p:nvPr>
+        </p:nvSpPr>
+        <p:spPr>
+          <a:xfrm>
+            <a:off x="1371600" y="763588"/>
+            <a:ext cx="5029200" cy="3771900"/>
+          </a:xfrm>
+          <a:solidFill>
+            <a:schemeClr val="accent1"/>
+          </a:solidFill>
+          <a:ln w="25400">
+            <a:solidFill>
+              <a:schemeClr val="accent1">
+                <a:shade val="50000"/>
+              </a:schemeClr>
+            </a:solidFill>
+            <a:prstDash val="solid"/>
+          </a:ln>
+        </p:spPr>
+      </p:sp>
+      <p:sp>
+        <p:nvSpPr>
+          <p:cNvPr id="3" name="Notes Placeholder 2"/>
+          <p:cNvSpPr txBox="1">
+            <a:spLocks noGrp="1"/>
+          </p:cNvSpPr>
+          <p:nvPr>
+            <p:ph type="body" sz="quarter" idx="1"/>
+          </p:nvPr>
+        </p:nvSpPr>
+        <p:spPr>
+          <a:xfrm>
+            <a:off x="777239" y="4777560"/>
+            <a:ext cx="6217560" cy="4526280"/>
+          </a:xfrm>
+        </p:spPr>
+        <p:txBody>
+          <a:bodyPr/>
+          <a:lstStyle/>
+          <a:p>
+            <a:endParaRPr lang="en-US"/>
+          </a:p>
+        </p:txBody>
+      </p:sp>
+    </p:spTree>
+  </p:cSld>
+  <p:clrMapOvr>
+    <a:masterClrMapping/>
+  </p:clrMapOvr>
+</p:notes>
+</file>
+
 <file path=ppt/notesSlides/notesSlide3.xml><?xml version="1.0" encoding="utf-8"?>
 <p:notes xmlns:a="http://schemas.openxmlformats.org/drawingml/2006/main" xmlns:r="http://schemas.openxmlformats.org/officeDocument/2006/relationships" xmlns:p="http://schemas.openxmlformats.org/presentationml/2006/main">
   <p:cSld>
@@ -2316,7 +2638,7 @@
         <p:spPr>
           <a:xfrm>
             <a:off x="777239" y="4777560"/>
-            <a:ext cx="6217560" cy="4526280"/>
+            <a:ext cx="6217560" cy="4435920"/>
           </a:xfrm>
         </p:spPr>
         <p:txBody>
@@ -2902,7 +3224,7 @@
             <a:fld id="{F4BE94FE-0590-477B-80AF-AB5621389EFE}" type="datetimeFigureOut">
               <a:rPr lang="en-US" smtClean="0"/>
               <a:pPr/>
-              <a:t>1/8/2010</a:t>
+              <a:t>1/19/2010</a:t>
             </a:fld>
             <a:endParaRPr lang="en-US"/>
           </a:p>
@@ -3069,7 +3391,7 @@
             <a:fld id="{F4BE94FE-0590-477B-80AF-AB5621389EFE}" type="datetimeFigureOut">
               <a:rPr lang="en-US" smtClean="0"/>
               <a:pPr/>
-              <a:t>1/8/2010</a:t>
+              <a:t>1/19/2010</a:t>
             </a:fld>
             <a:endParaRPr lang="en-US"/>
           </a:p>
@@ -3246,7 +3568,7 @@
             <a:fld id="{F4BE94FE-0590-477B-80AF-AB5621389EFE}" type="datetimeFigureOut">
               <a:rPr lang="en-US" smtClean="0"/>
               <a:pPr/>
-              <a:t>1/8/2010</a:t>
+              <a:t>1/19/2010</a:t>
             </a:fld>
             <a:endParaRPr lang="en-US"/>
           </a:p>
@@ -3485,7 +3807,7 @@
             <a:fld id="{F4BE94FE-0590-477B-80AF-AB5621389EFE}" type="datetimeFigureOut">
               <a:rPr lang="en-US" smtClean="0"/>
               <a:pPr/>
-              <a:t>1/8/2010</a:t>
+              <a:t>1/19/2010</a:t>
             </a:fld>
             <a:endParaRPr lang="en-US"/>
           </a:p>
@@ -3629,7 +3951,7 @@
             <a:fld id="{F4BE94FE-0590-477B-80AF-AB5621389EFE}" type="datetimeFigureOut">
               <a:rPr lang="en-US" smtClean="0"/>
               <a:pPr/>
-              <a:t>1/8/2010</a:t>
+              <a:t>1/19/2010</a:t>
             </a:fld>
             <a:endParaRPr lang="en-US"/>
           </a:p>
@@ -3872,7 +4194,7 @@
             <a:fld id="{F4BE94FE-0590-477B-80AF-AB5621389EFE}" type="datetimeFigureOut">
               <a:rPr lang="en-US" smtClean="0"/>
               <a:pPr/>
-              <a:t>1/8/2010</a:t>
+              <a:t>1/19/2010</a:t>
             </a:fld>
             <a:endParaRPr lang="en-US"/>
           </a:p>
@@ -4157,7 +4479,7 @@
             <a:fld id="{F4BE94FE-0590-477B-80AF-AB5621389EFE}" type="datetimeFigureOut">
               <a:rPr lang="en-US" smtClean="0"/>
               <a:pPr/>
-              <a:t>1/8/2010</a:t>
+              <a:t>1/19/2010</a:t>
             </a:fld>
             <a:endParaRPr lang="en-US"/>
           </a:p>
@@ -4576,7 +4898,7 @@
             <a:fld id="{F4BE94FE-0590-477B-80AF-AB5621389EFE}" type="datetimeFigureOut">
               <a:rPr lang="en-US" smtClean="0"/>
               <a:pPr/>
-              <a:t>1/8/2010</a:t>
+              <a:t>1/19/2010</a:t>
             </a:fld>
             <a:endParaRPr lang="en-US"/>
           </a:p>
@@ -4691,7 +5013,7 @@
             <a:fld id="{F4BE94FE-0590-477B-80AF-AB5621389EFE}" type="datetimeFigureOut">
               <a:rPr lang="en-US" smtClean="0"/>
               <a:pPr/>
-              <a:t>1/8/2010</a:t>
+              <a:t>1/19/2010</a:t>
             </a:fld>
             <a:endParaRPr lang="en-US"/>
           </a:p>
@@ -4783,7 +5105,7 @@
             <a:fld id="{F4BE94FE-0590-477B-80AF-AB5621389EFE}" type="datetimeFigureOut">
               <a:rPr lang="en-US" smtClean="0"/>
               <a:pPr/>
-              <a:t>1/8/2010</a:t>
+              <a:t>1/19/2010</a:t>
             </a:fld>
             <a:endParaRPr lang="en-US"/>
           </a:p>
@@ -5057,7 +5379,7 @@
             <a:fld id="{F4BE94FE-0590-477B-80AF-AB5621389EFE}" type="datetimeFigureOut">
               <a:rPr lang="en-US" smtClean="0"/>
               <a:pPr/>
-              <a:t>1/8/2010</a:t>
+              <a:t>1/19/2010</a:t>
             </a:fld>
             <a:endParaRPr lang="en-US"/>
           </a:p>
@@ -5201,7 +5523,7 @@
             <a:fld id="{F4BE94FE-0590-477B-80AF-AB5621389EFE}" type="datetimeFigureOut">
               <a:rPr lang="en-US" smtClean="0"/>
               <a:pPr/>
-              <a:t>1/8/2010</a:t>
+              <a:t>1/19/2010</a:t>
             </a:fld>
             <a:endParaRPr lang="en-US"/>
           </a:p>
@@ -5451,7 +5773,7 @@
             <a:fld id="{F4BE94FE-0590-477B-80AF-AB5621389EFE}" type="datetimeFigureOut">
               <a:rPr lang="en-US" smtClean="0"/>
               <a:pPr/>
-              <a:t>1/8/2010</a:t>
+              <a:t>1/19/2010</a:t>
             </a:fld>
             <a:endParaRPr lang="en-US"/>
           </a:p>
@@ -5618,7 +5940,7 @@
             <a:fld id="{F4BE94FE-0590-477B-80AF-AB5621389EFE}" type="datetimeFigureOut">
               <a:rPr lang="en-US" smtClean="0"/>
               <a:pPr/>
-              <a:t>1/8/2010</a:t>
+              <a:t>1/19/2010</a:t>
             </a:fld>
             <a:endParaRPr lang="en-US"/>
           </a:p>
@@ -5795,7 +6117,7 @@
             <a:fld id="{F4BE94FE-0590-477B-80AF-AB5621389EFE}" type="datetimeFigureOut">
               <a:rPr lang="en-US" smtClean="0"/>
               <a:pPr/>
-              <a:t>1/8/2010</a:t>
+              <a:t>1/19/2010</a:t>
             </a:fld>
             <a:endParaRPr lang="en-US"/>
           </a:p>
@@ -6038,7 +6360,7 @@
             <a:fld id="{F4BE94FE-0590-477B-80AF-AB5621389EFE}" type="datetimeFigureOut">
               <a:rPr lang="en-US" smtClean="0"/>
               <a:pPr/>
-              <a:t>1/8/2010</a:t>
+              <a:t>1/19/2010</a:t>
             </a:fld>
             <a:endParaRPr lang="en-US"/>
           </a:p>
@@ -6323,7 +6645,7 @@
             <a:fld id="{F4BE94FE-0590-477B-80AF-AB5621389EFE}" type="datetimeFigureOut">
               <a:rPr lang="en-US" smtClean="0"/>
               <a:pPr/>
-              <a:t>1/8/2010</a:t>
+              <a:t>1/19/2010</a:t>
             </a:fld>
             <a:endParaRPr lang="en-US"/>
           </a:p>
@@ -6742,7 +7064,7 @@
             <a:fld id="{F4BE94FE-0590-477B-80AF-AB5621389EFE}" type="datetimeFigureOut">
               <a:rPr lang="en-US" smtClean="0"/>
               <a:pPr/>
-              <a:t>1/8/2010</a:t>
+              <a:t>1/19/2010</a:t>
             </a:fld>
             <a:endParaRPr lang="en-US"/>
           </a:p>
@@ -6857,7 +7179,7 @@
             <a:fld id="{F4BE94FE-0590-477B-80AF-AB5621389EFE}" type="datetimeFigureOut">
               <a:rPr lang="en-US" smtClean="0"/>
               <a:pPr/>
-              <a:t>1/8/2010</a:t>
+              <a:t>1/19/2010</a:t>
             </a:fld>
             <a:endParaRPr lang="en-US"/>
           </a:p>
@@ -6949,7 +7271,7 @@
             <a:fld id="{F4BE94FE-0590-477B-80AF-AB5621389EFE}" type="datetimeFigureOut">
               <a:rPr lang="en-US" smtClean="0"/>
               <a:pPr/>
-              <a:t>1/8/2010</a:t>
+              <a:t>1/19/2010</a:t>
             </a:fld>
             <a:endParaRPr lang="en-US"/>
           </a:p>
@@ -7223,7 +7545,7 @@
             <a:fld id="{F4BE94FE-0590-477B-80AF-AB5621389EFE}" type="datetimeFigureOut">
               <a:rPr lang="en-US" smtClean="0"/>
               <a:pPr/>
-              <a:t>1/8/2010</a:t>
+              <a:t>1/19/2010</a:t>
             </a:fld>
             <a:endParaRPr lang="en-US"/>
           </a:p>
@@ -7473,7 +7795,7 @@
             <a:fld id="{F4BE94FE-0590-477B-80AF-AB5621389EFE}" type="datetimeFigureOut">
               <a:rPr lang="en-US" smtClean="0"/>
               <a:pPr/>
-              <a:t>1/8/2010</a:t>
+              <a:t>1/19/2010</a:t>
             </a:fld>
             <a:endParaRPr lang="en-US"/>
           </a:p>
@@ -7567,7 +7889,7 @@
             <a:avLst/>
           </a:prstGeom>
           <a:solidFill>
-            <a:srgbClr val="FCE94F"/>
+            <a:srgbClr val="283C50"/>
           </a:solidFill>
           <a:effectLst>
             <a:outerShdw blurRad="1270000" dist="50800" dir="5400000" sx="1000" sy="1000" algn="ctr" rotWithShape="0">
@@ -7687,8 +8009,19 @@
             <a:pPr lvl="4"/>
             <a:r>
               <a:rPr lang="en-US" dirty="0" smtClean="0"/>
-              <a:t>Fifth level</a:t>
-            </a:r>
+              <a:t>Fifth </a:t>
+            </a:r>
+            <a:r>
+              <a:rPr lang="en-US" dirty="0" smtClean="0"/>
+              <a:t>level</a:t>
+            </a:r>
+          </a:p>
+          <a:p>
+            <a:pPr lvl="4"/>
+            <a:endParaRPr lang="en-US" dirty="0" smtClean="0"/>
+          </a:p>
+          <a:p>
+            <a:pPr lvl="0"/>
             <a:endParaRPr lang="en-US" dirty="0"/>
           </a:p>
         </p:txBody>
@@ -7729,7 +8062,7 @@
             <a:fld id="{F4BE94FE-0590-477B-80AF-AB5621389EFE}" type="datetimeFigureOut">
               <a:rPr lang="en-US" smtClean="0"/>
               <a:pPr/>
-              <a:t>1/8/2010</a:t>
+              <a:t>1/19/2010</a:t>
             </a:fld>
             <a:endParaRPr lang="en-US"/>
           </a:p>
@@ -7816,7 +8149,7 @@
       </p:sp>
       <p:pic>
         <p:nvPicPr>
-          <p:cNvPr id="7" name="Picture 6" descr="icon100x100.png"/>
+          <p:cNvPr id="10" name="Picture 9" descr="Logo.png"/>
           <p:cNvPicPr>
             <a:picLocks noChangeAspect="1"/>
           </p:cNvPicPr>
@@ -7830,17 +8163,12 @@
         </p:blipFill>
         <p:spPr>
           <a:xfrm>
-            <a:off x="0" y="274637"/>
-            <a:ext cx="1017969" cy="1028149"/>
+            <a:off x="138112" y="198437"/>
+            <a:ext cx="635000" cy="762000"/>
           </a:xfrm>
           <a:prstGeom prst="rect">
             <a:avLst/>
           </a:prstGeom>
-          <a:effectLst>
-            <a:outerShdw blurRad="1270000" dist="50800" dir="5400000" sx="1000" sy="1000" algn="ctr" rotWithShape="0">
-              <a:srgbClr val="000000"/>
-            </a:outerShdw>
-          </a:effectLst>
         </p:spPr>
       </p:pic>
     </p:spTree>
@@ -7879,8 +8207,11 @@
     <p:bodyStyle>
       <a:lvl1pPr marL="342900" indent="-342900" algn="l" defTabSz="914400" rtl="0" eaLnBrk="1" latinLnBrk="0" hangingPunct="1">
         <a:spcBef>
-          <a:spcPct val="20000"/>
+          <a:spcPts val="1800"/>
         </a:spcBef>
+        <a:spcAft>
+          <a:spcPts val="0"/>
+        </a:spcAft>
         <a:buFont typeface="Arial" pitchFamily="34" charset="0"/>
         <a:buChar char="•"/>
         <a:defRPr sz="3200" kern="1200">
@@ -7942,7 +8273,7 @@
           <a:spcPct val="20000"/>
         </a:spcBef>
         <a:buFont typeface="Arial" pitchFamily="34" charset="0"/>
-        <a:buChar char="»"/>
+        <a:buNone/>
         <a:defRPr sz="2000" kern="1200">
           <a:solidFill>
             <a:schemeClr val="tx1"/>
@@ -8136,7 +8467,223 @@
       </p:grpSpPr>
       <p:sp>
         <p:nvSpPr>
-          <p:cNvPr id="8" name="Rectangle 7"/>
+          <p:cNvPr id="2" name="Title Placeholder 1"/>
+          <p:cNvSpPr>
+            <a:spLocks noGrp="1"/>
+          </p:cNvSpPr>
+          <p:nvPr>
+            <p:ph type="title"/>
+          </p:nvPr>
+        </p:nvSpPr>
+        <p:spPr>
+          <a:xfrm>
+            <a:off x="1230312" y="303213"/>
+            <a:ext cx="8347076" cy="1258887"/>
+          </a:xfrm>
+          <a:prstGeom prst="rect">
+            <a:avLst/>
+          </a:prstGeom>
+        </p:spPr>
+        <p:txBody>
+          <a:bodyPr vert="horz" lIns="91440" tIns="45720" rIns="91440" bIns="45720" rtlCol="0" anchor="ctr">
+            <a:normAutofit/>
+          </a:bodyPr>
+          <a:lstStyle/>
+          <a:p>
+            <a:r>
+              <a:rPr lang="en-US" smtClean="0"/>
+              <a:t>Click to edit Master title style</a:t>
+            </a:r>
+            <a:endParaRPr lang="en-US"/>
+          </a:p>
+        </p:txBody>
+      </p:sp>
+      <p:sp>
+        <p:nvSpPr>
+          <p:cNvPr id="3" name="Text Placeholder 2"/>
+          <p:cNvSpPr>
+            <a:spLocks noGrp="1"/>
+          </p:cNvSpPr>
+          <p:nvPr>
+            <p:ph type="body" idx="1"/>
+          </p:nvPr>
+        </p:nvSpPr>
+        <p:spPr>
+          <a:xfrm>
+            <a:off x="1230312" y="1763713"/>
+            <a:ext cx="8347076" cy="4989512"/>
+          </a:xfrm>
+          <a:prstGeom prst="rect">
+            <a:avLst/>
+          </a:prstGeom>
+        </p:spPr>
+        <p:txBody>
+          <a:bodyPr vert="horz" lIns="91440" tIns="45720" rIns="91440" bIns="45720" rtlCol="0">
+            <a:normAutofit/>
+          </a:bodyPr>
+          <a:lstStyle/>
+          <a:p>
+            <a:pPr lvl="0"/>
+            <a:r>
+              <a:rPr lang="en-US" dirty="0" smtClean="0"/>
+              <a:t>Click to edit Master text styles</a:t>
+            </a:r>
+          </a:p>
+          <a:p>
+            <a:pPr lvl="1"/>
+            <a:r>
+              <a:rPr lang="en-US" dirty="0" smtClean="0"/>
+              <a:t>Second level</a:t>
+            </a:r>
+          </a:p>
+          <a:p>
+            <a:pPr lvl="2"/>
+            <a:r>
+              <a:rPr lang="en-US" dirty="0" smtClean="0"/>
+              <a:t>Third level</a:t>
+            </a:r>
+          </a:p>
+          <a:p>
+            <a:pPr lvl="3"/>
+            <a:r>
+              <a:rPr lang="en-US" dirty="0" smtClean="0"/>
+              <a:t>Fourth level</a:t>
+            </a:r>
+          </a:p>
+          <a:p>
+            <a:pPr lvl="4"/>
+            <a:r>
+              <a:rPr lang="en-US" dirty="0" smtClean="0"/>
+              <a:t>Fifth level</a:t>
+            </a:r>
+            <a:endParaRPr lang="en-US" dirty="0"/>
+          </a:p>
+        </p:txBody>
+      </p:sp>
+      <p:sp>
+        <p:nvSpPr>
+          <p:cNvPr id="4" name="Date Placeholder 3"/>
+          <p:cNvSpPr>
+            <a:spLocks noGrp="1"/>
+          </p:cNvSpPr>
+          <p:nvPr>
+            <p:ph type="dt" sz="half" idx="2"/>
+          </p:nvPr>
+        </p:nvSpPr>
+        <p:spPr>
+          <a:xfrm>
+            <a:off x="504825" y="7007225"/>
+            <a:ext cx="2351088" cy="401638"/>
+          </a:xfrm>
+          <a:prstGeom prst="rect">
+            <a:avLst/>
+          </a:prstGeom>
+        </p:spPr>
+        <p:txBody>
+          <a:bodyPr vert="horz" lIns="91440" tIns="45720" rIns="91440" bIns="45720" rtlCol="0" anchor="ctr"/>
+          <a:lstStyle>
+            <a:lvl1pPr algn="l">
+              <a:defRPr sz="1200">
+                <a:solidFill>
+                  <a:schemeClr val="tx1">
+                    <a:tint val="75000"/>
+                  </a:schemeClr>
+                </a:solidFill>
+              </a:defRPr>
+            </a:lvl1pPr>
+          </a:lstStyle>
+          <a:p>
+            <a:fld id="{F4BE94FE-0590-477B-80AF-AB5621389EFE}" type="datetimeFigureOut">
+              <a:rPr lang="en-US" smtClean="0"/>
+              <a:pPr/>
+              <a:t>1/19/2010</a:t>
+            </a:fld>
+            <a:endParaRPr lang="en-US"/>
+          </a:p>
+        </p:txBody>
+      </p:sp>
+      <p:sp>
+        <p:nvSpPr>
+          <p:cNvPr id="5" name="Footer Placeholder 4"/>
+          <p:cNvSpPr>
+            <a:spLocks noGrp="1"/>
+          </p:cNvSpPr>
+          <p:nvPr>
+            <p:ph type="ftr" sz="quarter" idx="3"/>
+          </p:nvPr>
+        </p:nvSpPr>
+        <p:spPr>
+          <a:xfrm>
+            <a:off x="3444875" y="7007225"/>
+            <a:ext cx="3190875" cy="401638"/>
+          </a:xfrm>
+          <a:prstGeom prst="rect">
+            <a:avLst/>
+          </a:prstGeom>
+        </p:spPr>
+        <p:txBody>
+          <a:bodyPr vert="horz" lIns="91440" tIns="45720" rIns="91440" bIns="45720" rtlCol="0" anchor="ctr"/>
+          <a:lstStyle>
+            <a:lvl1pPr algn="ctr">
+              <a:defRPr sz="1200">
+                <a:solidFill>
+                  <a:schemeClr val="tx1">
+                    <a:tint val="75000"/>
+                  </a:schemeClr>
+                </a:solidFill>
+              </a:defRPr>
+            </a:lvl1pPr>
+          </a:lstStyle>
+          <a:p>
+            <a:endParaRPr lang="en-US"/>
+          </a:p>
+        </p:txBody>
+      </p:sp>
+      <p:sp>
+        <p:nvSpPr>
+          <p:cNvPr id="6" name="Slide Number Placeholder 5"/>
+          <p:cNvSpPr>
+            <a:spLocks noGrp="1"/>
+          </p:cNvSpPr>
+          <p:nvPr>
+            <p:ph type="sldNum" sz="quarter" idx="4"/>
+          </p:nvPr>
+        </p:nvSpPr>
+        <p:spPr>
+          <a:xfrm>
+            <a:off x="7224713" y="7007225"/>
+            <a:ext cx="2352675" cy="401638"/>
+          </a:xfrm>
+          <a:prstGeom prst="rect">
+            <a:avLst/>
+          </a:prstGeom>
+        </p:spPr>
+        <p:txBody>
+          <a:bodyPr vert="horz" lIns="91440" tIns="45720" rIns="91440" bIns="45720" rtlCol="0" anchor="ctr"/>
+          <a:lstStyle>
+            <a:lvl1pPr algn="r">
+              <a:defRPr sz="1200">
+                <a:solidFill>
+                  <a:schemeClr val="tx1">
+                    <a:tint val="75000"/>
+                  </a:schemeClr>
+                </a:solidFill>
+              </a:defRPr>
+            </a:lvl1pPr>
+          </a:lstStyle>
+          <a:p>
+            <a:fld id="{B584427C-CF5B-4BE0-915D-E762BB49CF1C}" type="slidenum">
+              <a:rPr lang="en-US" smtClean="0"/>
+              <a:pPr/>
+              <a:t>‹#›</a:t>
+            </a:fld>
+            <a:endParaRPr lang="en-US"/>
+          </a:p>
+        </p:txBody>
+      </p:sp>
+      <p:sp>
+        <p:nvSpPr>
+          <p:cNvPr id="9" name="Rectangle 8"/>
           <p:cNvSpPr/>
           <p:nvPr userDrawn="1"/>
         </p:nvSpPr>
@@ -8149,7 +8696,7 @@
             <a:avLst/>
           </a:prstGeom>
           <a:solidFill>
-            <a:srgbClr val="FCE94F"/>
+            <a:srgbClr val="283C50"/>
           </a:solidFill>
           <a:effectLst>
             <a:outerShdw blurRad="1270000" dist="50800" dir="5400000" sx="1000" sy="1000" algn="ctr" rotWithShape="0">
@@ -8176,222 +8723,6 @@
           <a:lstStyle/>
           <a:p>
             <a:pPr algn="ctr"/>
-            <a:endParaRPr lang="en-US"/>
-          </a:p>
-        </p:txBody>
-      </p:sp>
-      <p:sp>
-        <p:nvSpPr>
-          <p:cNvPr id="2" name="Title Placeholder 1"/>
-          <p:cNvSpPr>
-            <a:spLocks noGrp="1"/>
-          </p:cNvSpPr>
-          <p:nvPr>
-            <p:ph type="title"/>
-          </p:nvPr>
-        </p:nvSpPr>
-        <p:spPr>
-          <a:xfrm>
-            <a:off x="1230312" y="303213"/>
-            <a:ext cx="8347076" cy="1258887"/>
-          </a:xfrm>
-          <a:prstGeom prst="rect">
-            <a:avLst/>
-          </a:prstGeom>
-        </p:spPr>
-        <p:txBody>
-          <a:bodyPr vert="horz" lIns="91440" tIns="45720" rIns="91440" bIns="45720" rtlCol="0" anchor="ctr">
-            <a:normAutofit/>
-          </a:bodyPr>
-          <a:lstStyle/>
-          <a:p>
-            <a:r>
-              <a:rPr lang="en-US" smtClean="0"/>
-              <a:t>Click to edit Master title style</a:t>
-            </a:r>
-            <a:endParaRPr lang="en-US"/>
-          </a:p>
-        </p:txBody>
-      </p:sp>
-      <p:sp>
-        <p:nvSpPr>
-          <p:cNvPr id="3" name="Text Placeholder 2"/>
-          <p:cNvSpPr>
-            <a:spLocks noGrp="1"/>
-          </p:cNvSpPr>
-          <p:nvPr>
-            <p:ph type="body" idx="1"/>
-          </p:nvPr>
-        </p:nvSpPr>
-        <p:spPr>
-          <a:xfrm>
-            <a:off x="1230312" y="1763713"/>
-            <a:ext cx="8347076" cy="4989512"/>
-          </a:xfrm>
-          <a:prstGeom prst="rect">
-            <a:avLst/>
-          </a:prstGeom>
-        </p:spPr>
-        <p:txBody>
-          <a:bodyPr vert="horz" lIns="91440" tIns="45720" rIns="91440" bIns="45720" rtlCol="0">
-            <a:normAutofit/>
-          </a:bodyPr>
-          <a:lstStyle/>
-          <a:p>
-            <a:pPr lvl="0"/>
-            <a:r>
-              <a:rPr lang="en-US" dirty="0" smtClean="0"/>
-              <a:t>Click to edit Master text styles</a:t>
-            </a:r>
-          </a:p>
-          <a:p>
-            <a:pPr lvl="1"/>
-            <a:r>
-              <a:rPr lang="en-US" dirty="0" smtClean="0"/>
-              <a:t>Second level</a:t>
-            </a:r>
-          </a:p>
-          <a:p>
-            <a:pPr lvl="2"/>
-            <a:r>
-              <a:rPr lang="en-US" dirty="0" smtClean="0"/>
-              <a:t>Third level</a:t>
-            </a:r>
-          </a:p>
-          <a:p>
-            <a:pPr lvl="3"/>
-            <a:r>
-              <a:rPr lang="en-US" dirty="0" smtClean="0"/>
-              <a:t>Fourth level</a:t>
-            </a:r>
-          </a:p>
-          <a:p>
-            <a:pPr lvl="4"/>
-            <a:r>
-              <a:rPr lang="en-US" dirty="0" smtClean="0"/>
-              <a:t>Fifth level</a:t>
-            </a:r>
-            <a:endParaRPr lang="en-US" dirty="0"/>
-          </a:p>
-        </p:txBody>
-      </p:sp>
-      <p:sp>
-        <p:nvSpPr>
-          <p:cNvPr id="4" name="Date Placeholder 3"/>
-          <p:cNvSpPr>
-            <a:spLocks noGrp="1"/>
-          </p:cNvSpPr>
-          <p:nvPr>
-            <p:ph type="dt" sz="half" idx="2"/>
-          </p:nvPr>
-        </p:nvSpPr>
-        <p:spPr>
-          <a:xfrm>
-            <a:off x="504825" y="7007225"/>
-            <a:ext cx="2351088" cy="401638"/>
-          </a:xfrm>
-          <a:prstGeom prst="rect">
-            <a:avLst/>
-          </a:prstGeom>
-        </p:spPr>
-        <p:txBody>
-          <a:bodyPr vert="horz" lIns="91440" tIns="45720" rIns="91440" bIns="45720" rtlCol="0" anchor="ctr"/>
-          <a:lstStyle>
-            <a:lvl1pPr algn="l">
-              <a:defRPr sz="1200">
-                <a:solidFill>
-                  <a:schemeClr val="tx1">
-                    <a:tint val="75000"/>
-                  </a:schemeClr>
-                </a:solidFill>
-              </a:defRPr>
-            </a:lvl1pPr>
-          </a:lstStyle>
-          <a:p>
-            <a:fld id="{F4BE94FE-0590-477B-80AF-AB5621389EFE}" type="datetimeFigureOut">
-              <a:rPr lang="en-US" smtClean="0"/>
-              <a:pPr/>
-              <a:t>1/8/2010</a:t>
-            </a:fld>
-            <a:endParaRPr lang="en-US"/>
-          </a:p>
-        </p:txBody>
-      </p:sp>
-      <p:sp>
-        <p:nvSpPr>
-          <p:cNvPr id="5" name="Footer Placeholder 4"/>
-          <p:cNvSpPr>
-            <a:spLocks noGrp="1"/>
-          </p:cNvSpPr>
-          <p:nvPr>
-            <p:ph type="ftr" sz="quarter" idx="3"/>
-          </p:nvPr>
-        </p:nvSpPr>
-        <p:spPr>
-          <a:xfrm>
-            <a:off x="3444875" y="7007225"/>
-            <a:ext cx="3190875" cy="401638"/>
-          </a:xfrm>
-          <a:prstGeom prst="rect">
-            <a:avLst/>
-          </a:prstGeom>
-        </p:spPr>
-        <p:txBody>
-          <a:bodyPr vert="horz" lIns="91440" tIns="45720" rIns="91440" bIns="45720" rtlCol="0" anchor="ctr"/>
-          <a:lstStyle>
-            <a:lvl1pPr algn="ctr">
-              <a:defRPr sz="1200">
-                <a:solidFill>
-                  <a:schemeClr val="tx1">
-                    <a:tint val="75000"/>
-                  </a:schemeClr>
-                </a:solidFill>
-              </a:defRPr>
-            </a:lvl1pPr>
-          </a:lstStyle>
-          <a:p>
-            <a:endParaRPr lang="en-US"/>
-          </a:p>
-        </p:txBody>
-      </p:sp>
-      <p:sp>
-        <p:nvSpPr>
-          <p:cNvPr id="6" name="Slide Number Placeholder 5"/>
-          <p:cNvSpPr>
-            <a:spLocks noGrp="1"/>
-          </p:cNvSpPr>
-          <p:nvPr>
-            <p:ph type="sldNum" sz="quarter" idx="4"/>
-          </p:nvPr>
-        </p:nvSpPr>
-        <p:spPr>
-          <a:xfrm>
-            <a:off x="7224713" y="7007225"/>
-            <a:ext cx="2352675" cy="401638"/>
-          </a:xfrm>
-          <a:prstGeom prst="rect">
-            <a:avLst/>
-          </a:prstGeom>
-        </p:spPr>
-        <p:txBody>
-          <a:bodyPr vert="horz" lIns="91440" tIns="45720" rIns="91440" bIns="45720" rtlCol="0" anchor="ctr"/>
-          <a:lstStyle>
-            <a:lvl1pPr algn="r">
-              <a:defRPr sz="1200">
-                <a:solidFill>
-                  <a:schemeClr val="tx1">
-                    <a:tint val="75000"/>
-                  </a:schemeClr>
-                </a:solidFill>
-              </a:defRPr>
-            </a:lvl1pPr>
-          </a:lstStyle>
-          <a:p>
-            <a:fld id="{B584427C-CF5B-4BE0-915D-E762BB49CF1C}" type="slidenum">
-              <a:rPr lang="en-US" smtClean="0"/>
-              <a:pPr/>
-              <a:t>‹#›</a:t>
-            </a:fld>
             <a:endParaRPr lang="en-US"/>
           </a:p>
         </p:txBody>
@@ -8684,46 +9015,115 @@
       </p:grpSpPr>
       <p:sp>
         <p:nvSpPr>
-          <p:cNvPr id="2" name="Title 1"/>
-          <p:cNvSpPr>
-            <a:spLocks noGrp="1"/>
-          </p:cNvSpPr>
-          <p:nvPr>
-            <p:ph type="ctrTitle"/>
-          </p:nvPr>
-        </p:nvSpPr>
-        <p:spPr/>
+          <p:cNvPr id="3" name="Subtitle 2"/>
+          <p:cNvSpPr>
+            <a:spLocks noGrp="1"/>
+          </p:cNvSpPr>
+          <p:nvPr>
+            <p:ph type="subTitle" idx="4294967295"/>
+          </p:nvPr>
+        </p:nvSpPr>
+        <p:spPr>
+          <a:xfrm>
+            <a:off x="2174875" y="4008437"/>
+            <a:ext cx="7056437" cy="1931988"/>
+          </a:xfrm>
+        </p:spPr>
         <p:txBody>
           <a:bodyPr/>
           <a:lstStyle/>
           <a:p>
-            <a:r>
-              <a:rPr lang="en-US" dirty="0" smtClean="0"/>
-              <a:t>Bloom</a:t>
-            </a:r>
-            <a:endParaRPr lang="en-US" dirty="0"/>
-          </a:p>
-        </p:txBody>
-      </p:sp>
-      <p:sp>
-        <p:nvSpPr>
-          <p:cNvPr id="3" name="Subtitle 2"/>
-          <p:cNvSpPr>
-            <a:spLocks noGrp="1"/>
-          </p:cNvSpPr>
-          <p:nvPr>
-            <p:ph type="subTitle" idx="1"/>
-          </p:nvPr>
-        </p:nvSpPr>
-        <p:spPr/>
+            <a:pPr marL="0" indent="0">
+              <a:buNone/>
+            </a:pPr>
+            <a:r>
+              <a:rPr lang="en-US" dirty="0" smtClean="0">
+                <a:solidFill>
+                  <a:srgbClr val="283C50"/>
+                </a:solidFill>
+              </a:rPr>
+              <a:t>Easy, Fun Vernacular Book Production</a:t>
+            </a:r>
+            <a:endParaRPr lang="en-US" dirty="0">
+              <a:solidFill>
+                <a:srgbClr val="283C50"/>
+              </a:solidFill>
+            </a:endParaRPr>
+          </a:p>
+        </p:txBody>
+      </p:sp>
+      <p:pic>
+        <p:nvPicPr>
+          <p:cNvPr id="4" name="Picture 3" descr="LogoWithNameOnSide.png"/>
+          <p:cNvPicPr>
+            <a:picLocks noChangeAspect="1"/>
+          </p:cNvPicPr>
+          <p:nvPr/>
+        </p:nvPicPr>
+        <p:blipFill>
+          <a:blip r:embed="rId2" cstate="print"/>
+          <a:stretch>
+            <a:fillRect/>
+          </a:stretch>
+        </p:blipFill>
+        <p:spPr>
+          <a:xfrm>
+            <a:off x="2174875" y="2560637"/>
+            <a:ext cx="3954596" cy="1028195"/>
+          </a:xfrm>
+          <a:prstGeom prst="rect">
+            <a:avLst/>
+          </a:prstGeom>
+        </p:spPr>
+      </p:pic>
+      <p:sp>
+        <p:nvSpPr>
+          <p:cNvPr id="5" name="Date Placeholder 4"/>
+          <p:cNvSpPr>
+            <a:spLocks noGrp="1"/>
+          </p:cNvSpPr>
+          <p:nvPr>
+            <p:ph type="dt" sz="half" idx="10"/>
+          </p:nvPr>
+        </p:nvSpPr>
+        <p:spPr>
+          <a:xfrm>
+            <a:off x="2174875" y="4922837"/>
+            <a:ext cx="4191000" cy="401638"/>
+          </a:xfrm>
+        </p:spPr>
         <p:txBody>
           <a:bodyPr/>
           <a:lstStyle/>
           <a:p>
             <a:r>
-              <a:rPr lang="en-US" dirty="0" smtClean="0"/>
-              <a:t>Simple, Safe, Fun Book Vernacular Production Software</a:t>
-            </a:r>
+              <a:rPr lang="en-US" sz="2000" dirty="0" smtClean="0"/>
+              <a:t>John Hatton</a:t>
+            </a:r>
+          </a:p>
+          <a:p>
+            <a:r>
+              <a:rPr lang="en-US" sz="2000" dirty="0" smtClean="0"/>
+              <a:t>SIL PNG, </a:t>
+            </a:r>
+            <a:r>
+              <a:rPr lang="en-US" sz="2000" dirty="0" err="1" smtClean="0"/>
+              <a:t>Palaso</a:t>
+            </a:r>
+            <a:r>
+              <a:rPr lang="en-US" sz="2000" dirty="0" smtClean="0"/>
+              <a:t>, and SIL International</a:t>
+            </a:r>
+          </a:p>
+          <a:p>
+            <a:r>
+              <a:rPr lang="en-US" sz="2000" dirty="0" smtClean="0"/>
+              <a:t>Document Version: </a:t>
+            </a:r>
+            <a:fld id="{19615034-2B20-4FB6-B104-E640F6FEAD8E}" type="datetime1">
+              <a:rPr lang="en-US" sz="2000" smtClean="0"/>
+              <a:t>1/19/2010</a:t>
+            </a:fld>
             <a:endParaRPr lang="en-US" dirty="0"/>
           </a:p>
         </p:txBody>
@@ -8738,6 +9138,830 @@
 </file>
 
 <file path=ppt/slides/slide10.xml><?xml version="1.0" encoding="utf-8"?>
+<p:sld xmlns:a="http://schemas.openxmlformats.org/drawingml/2006/main" xmlns:r="http://schemas.openxmlformats.org/officeDocument/2006/relationships" xmlns:p="http://schemas.openxmlformats.org/presentationml/2006/main">
+  <p:cSld>
+    <p:spTree>
+      <p:nvGrpSpPr>
+        <p:cNvPr id="1" name=""/>
+        <p:cNvGrpSpPr/>
+        <p:nvPr/>
+      </p:nvGrpSpPr>
+      <p:grpSpPr>
+        <a:xfrm>
+          <a:off x="0" y="0"/>
+          <a:ext cx="0" cy="0"/>
+          <a:chOff x="0" y="0"/>
+          <a:chExt cx="0" cy="0"/>
+        </a:xfrm>
+      </p:grpSpPr>
+      <p:sp>
+        <p:nvSpPr>
+          <p:cNvPr id="6" name="Title 5"/>
+          <p:cNvSpPr>
+            <a:spLocks noGrp="1"/>
+          </p:cNvSpPr>
+          <p:nvPr>
+            <p:ph type="title"/>
+          </p:nvPr>
+        </p:nvSpPr>
+        <p:spPr/>
+        <p:txBody>
+          <a:bodyPr/>
+          <a:lstStyle/>
+          <a:p>
+            <a:pPr algn="l"/>
+            <a:r>
+              <a:rPr lang="en-US" dirty="0" smtClean="0"/>
+              <a:t>Shell Book Templates</a:t>
+            </a:r>
+            <a:endParaRPr lang="en-US" dirty="0"/>
+          </a:p>
+        </p:txBody>
+      </p:sp>
+      <p:sp>
+        <p:nvSpPr>
+          <p:cNvPr id="7" name="Content Placeholder 6"/>
+          <p:cNvSpPr>
+            <a:spLocks noGrp="1"/>
+          </p:cNvSpPr>
+          <p:nvPr>
+            <p:ph idx="1"/>
+          </p:nvPr>
+        </p:nvSpPr>
+        <p:spPr>
+          <a:xfrm>
+            <a:off x="1230312" y="1763713"/>
+            <a:ext cx="4724400" cy="4989512"/>
+          </a:xfrm>
+        </p:spPr>
+        <p:txBody>
+          <a:bodyPr>
+            <a:normAutofit/>
+          </a:bodyPr>
+          <a:lstStyle/>
+          <a:p>
+            <a:pPr marL="0" lvl="0" indent="0" hangingPunct="0">
+              <a:spcBef>
+                <a:spcPts val="0"/>
+              </a:spcBef>
+              <a:buNone/>
+              <a:defRPr sz="2920"/>
+            </a:pPr>
+            <a:r>
+              <a:rPr lang="en-US" dirty="0" smtClean="0">
+                <a:latin typeface="Arial" pitchFamily="18"/>
+                <a:ea typeface="MS Gothic" pitchFamily="2"/>
+                <a:cs typeface="Tahoma" pitchFamily="2"/>
+              </a:rPr>
+              <a:t>At </a:t>
+            </a:r>
+            <a:r>
+              <a:rPr lang="en-US" dirty="0">
+                <a:latin typeface="Arial" pitchFamily="18"/>
+                <a:ea typeface="MS Gothic" pitchFamily="2"/>
+                <a:cs typeface="Tahoma" pitchFamily="2"/>
+              </a:rPr>
+              <a:t>the bottom of the Templates </a:t>
+            </a:r>
+            <a:r>
+              <a:rPr lang="en-US" dirty="0" smtClean="0">
+                <a:latin typeface="Arial" pitchFamily="18"/>
+                <a:ea typeface="MS Gothic" pitchFamily="2"/>
+                <a:cs typeface="Tahoma" pitchFamily="2"/>
+              </a:rPr>
+              <a:t>tab are templates which come with content in one or more major languages. </a:t>
+            </a:r>
+            <a:r>
+              <a:rPr lang="en-US" dirty="0">
+                <a:latin typeface="Arial" pitchFamily="18"/>
+                <a:ea typeface="MS Gothic" pitchFamily="2"/>
+                <a:cs typeface="Tahoma" pitchFamily="2"/>
+              </a:rPr>
+              <a:t>With these, </a:t>
+            </a:r>
+            <a:r>
+              <a:rPr lang="en-US" dirty="0" smtClean="0">
+                <a:latin typeface="Arial" pitchFamily="18"/>
+                <a:ea typeface="MS Gothic" pitchFamily="2"/>
+                <a:cs typeface="Tahoma" pitchFamily="2"/>
+              </a:rPr>
+              <a:t>the user’s job </a:t>
+            </a:r>
+            <a:r>
+              <a:rPr lang="en-US" dirty="0">
+                <a:latin typeface="Arial" pitchFamily="18"/>
+                <a:ea typeface="MS Gothic" pitchFamily="2"/>
+                <a:cs typeface="Tahoma" pitchFamily="2"/>
+              </a:rPr>
+              <a:t>is to translate them. </a:t>
+            </a:r>
+            <a:endParaRPr lang="en-US" dirty="0" smtClean="0">
+              <a:latin typeface="Arial" pitchFamily="18"/>
+              <a:ea typeface="MS Gothic" pitchFamily="2"/>
+              <a:cs typeface="Tahoma" pitchFamily="2"/>
+            </a:endParaRPr>
+          </a:p>
+          <a:p>
+            <a:pPr marL="0" lvl="0" indent="0" hangingPunct="0">
+              <a:spcBef>
+                <a:spcPts val="0"/>
+              </a:spcBef>
+              <a:buNone/>
+              <a:defRPr sz="2920"/>
+            </a:pPr>
+            <a:endParaRPr lang="en-US" sz="1400" dirty="0">
+              <a:latin typeface="Arial" pitchFamily="18"/>
+              <a:ea typeface="MS Gothic" pitchFamily="2"/>
+              <a:cs typeface="Tahoma" pitchFamily="2"/>
+            </a:endParaRPr>
+          </a:p>
+          <a:p>
+            <a:pPr marL="0" lvl="0" indent="0" hangingPunct="0">
+              <a:spcBef>
+                <a:spcPts val="0"/>
+              </a:spcBef>
+              <a:buNone/>
+              <a:defRPr sz="2920"/>
+            </a:pPr>
+            <a:r>
+              <a:rPr lang="en-US" sz="1400" dirty="0" smtClean="0">
+                <a:latin typeface="Arial" pitchFamily="18"/>
+                <a:ea typeface="MS Gothic" pitchFamily="2"/>
+                <a:cs typeface="Tahoma" pitchFamily="2"/>
+              </a:rPr>
+              <a:t>This part of the task should be very similar to Mike Trainum’s “</a:t>
+            </a:r>
+            <a:r>
+              <a:rPr lang="en-US" sz="1400" dirty="0" err="1" smtClean="0">
+                <a:latin typeface="Arial" pitchFamily="18"/>
+                <a:ea typeface="MS Gothic" pitchFamily="2"/>
+                <a:cs typeface="Tahoma" pitchFamily="2"/>
+              </a:rPr>
+              <a:t>ShellBook</a:t>
+            </a:r>
+            <a:r>
+              <a:rPr lang="en-US" sz="1400" dirty="0" smtClean="0">
+                <a:latin typeface="Arial" pitchFamily="18"/>
+                <a:ea typeface="MS Gothic" pitchFamily="2"/>
+                <a:cs typeface="Tahoma" pitchFamily="2"/>
+              </a:rPr>
+              <a:t> Maker” program, so it has not been illustrated in this document.  The user can read what the page says in national language versions, and also read other background material related to the page.  He  cannot add new pages.  </a:t>
+            </a:r>
+            <a:endParaRPr lang="en-US" sz="1400" dirty="0">
+              <a:latin typeface="Arial" pitchFamily="18"/>
+              <a:ea typeface="MS Gothic" pitchFamily="2"/>
+              <a:cs typeface="Tahoma" pitchFamily="2"/>
+            </a:endParaRPr>
+          </a:p>
+          <a:p>
+            <a:pPr marL="0" lvl="0" indent="0" hangingPunct="0">
+              <a:spcBef>
+                <a:spcPts val="0"/>
+              </a:spcBef>
+              <a:buNone/>
+              <a:defRPr sz="2920"/>
+            </a:pPr>
+            <a:endParaRPr lang="en-US" dirty="0">
+              <a:latin typeface="Arial" pitchFamily="18"/>
+              <a:ea typeface="MS Gothic" pitchFamily="2"/>
+              <a:cs typeface="Tahoma" pitchFamily="2"/>
+            </a:endParaRPr>
+          </a:p>
+          <a:p>
+            <a:pPr marL="0" lvl="0" indent="0" hangingPunct="0">
+              <a:spcBef>
+                <a:spcPts val="0"/>
+              </a:spcBef>
+              <a:buNone/>
+              <a:defRPr sz="2920"/>
+            </a:pPr>
+            <a:endParaRPr lang="en-US" dirty="0">
+              <a:latin typeface="Arial" pitchFamily="18"/>
+              <a:ea typeface="MS Gothic" pitchFamily="2"/>
+              <a:cs typeface="Tahoma" pitchFamily="2"/>
+            </a:endParaRPr>
+          </a:p>
+          <a:p>
+            <a:endParaRPr lang="en-US" dirty="0"/>
+          </a:p>
+        </p:txBody>
+      </p:sp>
+      <p:pic>
+        <p:nvPicPr>
+          <p:cNvPr id="8" name="Picture 7"/>
+          <p:cNvPicPr>
+            <a:picLocks noChangeAspect="1"/>
+          </p:cNvPicPr>
+          <p:nvPr/>
+        </p:nvPicPr>
+        <p:blipFill>
+          <a:blip r:embed="rId3" cstate="print"/>
+          <a:srcRect t="3898" r="67493"/>
+          <a:stretch>
+            <a:fillRect/>
+          </a:stretch>
+        </p:blipFill>
+        <p:spPr>
+          <a:xfrm>
+            <a:off x="6411912" y="1265237"/>
+            <a:ext cx="3276600" cy="5635800"/>
+          </a:xfrm>
+          <a:prstGeom prst="rect">
+            <a:avLst/>
+          </a:prstGeom>
+          <a:noFill/>
+          <a:ln>
+            <a:noFill/>
+          </a:ln>
+        </p:spPr>
+      </p:pic>
+      <p:sp>
+        <p:nvSpPr>
+          <p:cNvPr id="9" name="Rectangle 8"/>
+          <p:cNvSpPr/>
+          <p:nvPr/>
+        </p:nvSpPr>
+        <p:spPr>
+          <a:xfrm>
+            <a:off x="6030912" y="1189037"/>
+            <a:ext cx="3810000" cy="2971800"/>
+          </a:xfrm>
+          <a:prstGeom prst="rect">
+            <a:avLst/>
+          </a:prstGeom>
+          <a:solidFill>
+            <a:srgbClr val="FFFFFF">
+              <a:alpha val="80000"/>
+            </a:srgbClr>
+          </a:solidFill>
+          <a:ln>
+            <a:noFill/>
+          </a:ln>
+        </p:spPr>
+        <p:style>
+          <a:lnRef idx="2">
+            <a:schemeClr val="accent1">
+              <a:shade val="50000"/>
+            </a:schemeClr>
+          </a:lnRef>
+          <a:fillRef idx="1">
+            <a:schemeClr val="accent1"/>
+          </a:fillRef>
+          <a:effectRef idx="0">
+            <a:schemeClr val="accent1"/>
+          </a:effectRef>
+          <a:fontRef idx="minor">
+            <a:schemeClr val="lt1"/>
+          </a:fontRef>
+        </p:style>
+        <p:txBody>
+          <a:bodyPr rtlCol="0" anchor="ctr"/>
+          <a:lstStyle/>
+          <a:p>
+            <a:pPr algn="ctr"/>
+            <a:endParaRPr lang="en-US"/>
+          </a:p>
+        </p:txBody>
+      </p:sp>
+    </p:spTree>
+  </p:cSld>
+  <p:clrMapOvr>
+    <a:masterClrMapping/>
+  </p:clrMapOvr>
+  <p:transition/>
+  <p:timing>
+    <p:tnLst>
+      <p:par>
+        <p:cTn id="1" dur="indefinite" restart="never" nodeType="tmRoot"/>
+      </p:par>
+    </p:tnLst>
+  </p:timing>
+</p:sld>
+</file>
+
+<file path=ppt/slides/slide11.xml><?xml version="1.0" encoding="utf-8"?>
+<p:sld xmlns:a="http://schemas.openxmlformats.org/drawingml/2006/main" xmlns:r="http://schemas.openxmlformats.org/officeDocument/2006/relationships" xmlns:p="http://schemas.openxmlformats.org/presentationml/2006/main">
+  <p:cSld name="page3">
+    <p:spTree>
+      <p:nvGrpSpPr>
+        <p:cNvPr id="1" name=""/>
+        <p:cNvGrpSpPr/>
+        <p:nvPr/>
+      </p:nvGrpSpPr>
+      <p:grpSpPr>
+        <a:xfrm>
+          <a:off x="0" y="0"/>
+          <a:ext cx="0" cy="0"/>
+          <a:chOff x="0" y="0"/>
+          <a:chExt cx="0" cy="0"/>
+        </a:xfrm>
+      </p:grpSpPr>
+      <p:sp>
+        <p:nvSpPr>
+          <p:cNvPr id="2" name="TextBox 1"/>
+          <p:cNvSpPr txBox="1"/>
+          <p:nvPr/>
+        </p:nvSpPr>
+        <p:spPr>
+          <a:xfrm>
+            <a:off x="1233721" y="832680"/>
+            <a:ext cx="6415560" cy="3887279"/>
+          </a:xfrm>
+          <a:prstGeom prst="rect">
+            <a:avLst/>
+          </a:prstGeom>
+          <a:noFill/>
+          <a:ln>
+            <a:noFill/>
+          </a:ln>
+        </p:spPr>
+        <p:txBody>
+          <a:bodyPr vert="horz" lIns="90000" tIns="45000" rIns="90000" bIns="45000" compatLnSpc="0"/>
+          <a:lstStyle>
+            <a:defPPr lvl="0">
+              <a:buSzPct val="45000"/>
+              <a:buFont typeface="StarSymbol"/>
+              <a:buNone/>
+            </a:defPPr>
+            <a:lvl1pPr lvl="0">
+              <a:buSzPct val="45000"/>
+              <a:buFont typeface="StarSymbol"/>
+              <a:buChar char="●"/>
+            </a:lvl1pPr>
+            <a:lvl2pPr lvl="1">
+              <a:buSzPct val="45000"/>
+              <a:buFont typeface="StarSymbol"/>
+              <a:buChar char="●"/>
+            </a:lvl2pPr>
+            <a:lvl3pPr lvl="2">
+              <a:buSzPct val="45000"/>
+              <a:buFont typeface="StarSymbol"/>
+              <a:buChar char="●"/>
+            </a:lvl3pPr>
+            <a:lvl4pPr lvl="3">
+              <a:buSzPct val="45000"/>
+              <a:buFont typeface="StarSymbol"/>
+              <a:buChar char="●"/>
+            </a:lvl4pPr>
+            <a:lvl5pPr lvl="4">
+              <a:buSzPct val="45000"/>
+              <a:buFont typeface="StarSymbol"/>
+              <a:buChar char="●"/>
+            </a:lvl5pPr>
+            <a:lvl6pPr lvl="5">
+              <a:buSzPct val="45000"/>
+              <a:buFont typeface="StarSymbol"/>
+              <a:buChar char="●"/>
+            </a:lvl6pPr>
+            <a:lvl7pPr lvl="6">
+              <a:buSzPct val="45000"/>
+              <a:buFont typeface="StarSymbol"/>
+              <a:buChar char="●"/>
+            </a:lvl7pPr>
+            <a:lvl8pPr lvl="7">
+              <a:buSzPct val="45000"/>
+              <a:buFont typeface="StarSymbol"/>
+              <a:buChar char="●"/>
+            </a:lvl8pPr>
+            <a:lvl9pPr lvl="8">
+              <a:buSzPct val="45000"/>
+              <a:buFont typeface="StarSymbol"/>
+              <a:buChar char="●"/>
+            </a:lvl9pPr>
+          </a:lstStyle>
+          <a:p>
+            <a:pPr marL="0" marR="0" lvl="0" indent="0" rtl="0" hangingPunct="0">
+              <a:lnSpc>
+                <a:spcPct val="100000"/>
+              </a:lnSpc>
+              <a:spcBef>
+                <a:spcPts val="0"/>
+              </a:spcBef>
+              <a:spcAft>
+                <a:spcPts val="0"/>
+              </a:spcAft>
+              <a:buNone/>
+              <a:tabLst/>
+              <a:defRPr sz="2920"/>
+            </a:pPr>
+            <a:endParaRPr lang="en-US" sz="2400" b="0" i="0" u="none" strike="noStrike" kern="1200" dirty="0">
+              <a:ln>
+                <a:noFill/>
+              </a:ln>
+              <a:latin typeface="Arial" pitchFamily="18"/>
+              <a:ea typeface="MS Gothic" pitchFamily="2"/>
+              <a:cs typeface="Tahoma" pitchFamily="2"/>
+            </a:endParaRPr>
+          </a:p>
+        </p:txBody>
+      </p:sp>
+      <p:pic>
+        <p:nvPicPr>
+          <p:cNvPr id="4" name="Picture 3"/>
+          <p:cNvPicPr>
+            <a:picLocks noChangeAspect="1"/>
+          </p:cNvPicPr>
+          <p:nvPr/>
+        </p:nvPicPr>
+        <p:blipFill>
+          <a:blip r:embed="rId3" cstate="print"/>
+          <a:srcRect l="756" t="5477" r="87148" b="12663"/>
+          <a:stretch>
+            <a:fillRect/>
+          </a:stretch>
+        </p:blipFill>
+        <p:spPr>
+          <a:xfrm>
+            <a:off x="1447800" y="1951037"/>
+            <a:ext cx="1219200" cy="4800600"/>
+          </a:xfrm>
+          <a:prstGeom prst="rect">
+            <a:avLst/>
+          </a:prstGeom>
+          <a:noFill/>
+          <a:ln>
+            <a:noFill/>
+          </a:ln>
+        </p:spPr>
+      </p:pic>
+      <p:sp>
+        <p:nvSpPr>
+          <p:cNvPr id="5" name="Title 4"/>
+          <p:cNvSpPr>
+            <a:spLocks noGrp="1"/>
+          </p:cNvSpPr>
+          <p:nvPr>
+            <p:ph type="title"/>
+          </p:nvPr>
+        </p:nvSpPr>
+        <p:spPr/>
+        <p:txBody>
+          <a:bodyPr>
+            <a:normAutofit/>
+          </a:bodyPr>
+          <a:lstStyle/>
+          <a:p>
+            <a:pPr lvl="0"/>
+            <a:r>
+              <a:rPr lang="en-US" dirty="0">
+                <a:latin typeface="Arial" pitchFamily="18"/>
+                <a:ea typeface="MS Gothic" pitchFamily="2"/>
+                <a:cs typeface="Tahoma" pitchFamily="2"/>
+              </a:rPr>
+              <a:t>Our </a:t>
+            </a:r>
+            <a:r>
+              <a:rPr lang="en-US" dirty="0" smtClean="0">
+                <a:latin typeface="Arial" pitchFamily="18"/>
+                <a:ea typeface="MS Gothic" pitchFamily="2"/>
+                <a:cs typeface="Tahoma" pitchFamily="2"/>
+              </a:rPr>
+              <a:t>books collection</a:t>
+            </a:r>
+            <a:endParaRPr lang="en-US" dirty="0"/>
+          </a:p>
+        </p:txBody>
+      </p:sp>
+      <p:sp>
+        <p:nvSpPr>
+          <p:cNvPr id="6" name="Content Placeholder 5"/>
+          <p:cNvSpPr>
+            <a:spLocks noGrp="1"/>
+          </p:cNvSpPr>
+          <p:nvPr>
+            <p:ph idx="1"/>
+          </p:nvPr>
+        </p:nvSpPr>
+        <p:spPr>
+          <a:xfrm>
+            <a:off x="3516312" y="3094037"/>
+            <a:ext cx="6019800" cy="4038600"/>
+          </a:xfrm>
+        </p:spPr>
+        <p:txBody>
+          <a:bodyPr>
+            <a:normAutofit fontScale="85000" lnSpcReduction="10000"/>
+          </a:bodyPr>
+          <a:lstStyle/>
+          <a:p>
+            <a:pPr lvl="0">
+              <a:buNone/>
+            </a:pPr>
+            <a:r>
+              <a:rPr lang="en-US" dirty="0"/>
+              <a:t>The collection of vernacular books in our library is shown under a </a:t>
+            </a:r>
+            <a:r>
+              <a:rPr lang="en-US" dirty="0" smtClean="0"/>
+              <a:t>tab.  </a:t>
+            </a:r>
+            <a:r>
+              <a:rPr lang="en-US" dirty="0"/>
+              <a:t>Clicking on one lets us preview, edit, or publish it.</a:t>
+            </a:r>
+          </a:p>
+          <a:p>
+            <a:pPr>
+              <a:buNone/>
+            </a:pPr>
+            <a:r>
+              <a:rPr lang="en-US" dirty="0" smtClean="0"/>
+              <a:t>Notice that the user never has to go find a book on her hard drive. </a:t>
+            </a:r>
+          </a:p>
+          <a:p>
+            <a:pPr>
+              <a:buNone/>
+            </a:pPr>
+            <a:r>
+              <a:rPr lang="en-US" dirty="0" smtClean="0"/>
+              <a:t>If more than one person is working on books, those books will appear in everyone else’s library when they do a Send/Receive.</a:t>
+            </a:r>
+            <a:endParaRPr lang="en-US" dirty="0"/>
+          </a:p>
+        </p:txBody>
+      </p:sp>
+      <p:pic>
+        <p:nvPicPr>
+          <p:cNvPr id="7" name="Picture 6"/>
+          <p:cNvPicPr>
+            <a:picLocks noChangeAspect="1"/>
+          </p:cNvPicPr>
+          <p:nvPr/>
+        </p:nvPicPr>
+        <p:blipFill>
+          <a:blip r:embed="rId4" cstate="print"/>
+          <a:srcRect r="40923" b="88026"/>
+          <a:stretch>
+            <a:fillRect/>
+          </a:stretch>
+        </p:blipFill>
+        <p:spPr>
+          <a:xfrm>
+            <a:off x="1371600" y="1646237"/>
+            <a:ext cx="5954712" cy="702196"/>
+          </a:xfrm>
+          <a:prstGeom prst="rect">
+            <a:avLst/>
+          </a:prstGeom>
+          <a:noFill/>
+          <a:ln>
+            <a:noFill/>
+          </a:ln>
+        </p:spPr>
+      </p:pic>
+    </p:spTree>
+  </p:cSld>
+  <p:clrMapOvr>
+    <a:masterClrMapping/>
+  </p:clrMapOvr>
+  <p:transition/>
+  <p:timing>
+    <p:tnLst>
+      <p:par>
+        <p:cTn id="1" dur="indefinite" restart="never" nodeType="tmRoot"/>
+      </p:par>
+    </p:tnLst>
+  </p:timing>
+</p:sld>
+</file>
+
+<file path=ppt/slides/slide12.xml><?xml version="1.0" encoding="utf-8"?>
+<p:sld xmlns:a="http://schemas.openxmlformats.org/drawingml/2006/main" xmlns:r="http://schemas.openxmlformats.org/officeDocument/2006/relationships" xmlns:p="http://schemas.openxmlformats.org/presentationml/2006/main">
+  <p:cSld name="page5">
+    <p:spTree>
+      <p:nvGrpSpPr>
+        <p:cNvPr id="1" name=""/>
+        <p:cNvGrpSpPr/>
+        <p:nvPr/>
+      </p:nvGrpSpPr>
+      <p:grpSpPr>
+        <a:xfrm>
+          <a:off x="0" y="0"/>
+          <a:ext cx="0" cy="0"/>
+          <a:chOff x="0" y="0"/>
+          <a:chExt cx="0" cy="0"/>
+        </a:xfrm>
+      </p:grpSpPr>
+      <p:pic>
+        <p:nvPicPr>
+          <p:cNvPr id="2" name="Picture 1"/>
+          <p:cNvPicPr>
+            <a:picLocks noChangeAspect="1"/>
+          </p:cNvPicPr>
+          <p:nvPr/>
+        </p:nvPicPr>
+        <p:blipFill>
+          <a:blip r:embed="rId3" cstate="print"/>
+          <a:stretch>
+            <a:fillRect/>
+          </a:stretch>
+        </p:blipFill>
+        <p:spPr>
+          <a:xfrm>
+            <a:off x="985" y="0"/>
+            <a:ext cx="10079640" cy="5864400"/>
+          </a:xfrm>
+          <a:prstGeom prst="rect">
+            <a:avLst/>
+          </a:prstGeom>
+          <a:noFill/>
+          <a:ln>
+            <a:noFill/>
+          </a:ln>
+        </p:spPr>
+      </p:pic>
+      <p:sp>
+        <p:nvSpPr>
+          <p:cNvPr id="4" name="Content Placeholder 3"/>
+          <p:cNvSpPr>
+            <a:spLocks noGrp="1"/>
+          </p:cNvSpPr>
+          <p:nvPr>
+            <p:ph idx="1"/>
+          </p:nvPr>
+        </p:nvSpPr>
+        <p:spPr>
+          <a:xfrm>
+            <a:off x="1077912" y="6142037"/>
+            <a:ext cx="8347076" cy="1220788"/>
+          </a:xfrm>
+        </p:spPr>
+        <p:txBody>
+          <a:bodyPr>
+            <a:normAutofit fontScale="77500" lnSpcReduction="20000"/>
+          </a:bodyPr>
+          <a:lstStyle/>
+          <a:p>
+            <a:r>
+              <a:rPr lang="en-US" dirty="0" smtClean="0"/>
+              <a:t>Here we see the cover of the book, in Edit mode.  The user has 3 things to do. She’s already typed in the title &amp;  chosen an illustration. She hasn’t yet entered the names of the authors.</a:t>
+            </a:r>
+            <a:endParaRPr lang="en-US" dirty="0"/>
+          </a:p>
+        </p:txBody>
+      </p:sp>
+      <p:sp>
+        <p:nvSpPr>
+          <p:cNvPr id="5" name="Rectangle 4"/>
+          <p:cNvSpPr/>
+          <p:nvPr/>
+        </p:nvSpPr>
+        <p:spPr>
+          <a:xfrm>
+            <a:off x="8164511" y="-1"/>
+            <a:ext cx="1916113" cy="5913437"/>
+          </a:xfrm>
+          <a:prstGeom prst="rect">
+            <a:avLst/>
+          </a:prstGeom>
+          <a:solidFill>
+            <a:srgbClr val="FFFFFF">
+              <a:alpha val="69804"/>
+            </a:srgbClr>
+          </a:solidFill>
+          <a:ln>
+            <a:noFill/>
+          </a:ln>
+        </p:spPr>
+        <p:style>
+          <a:lnRef idx="2">
+            <a:schemeClr val="accent1">
+              <a:shade val="50000"/>
+            </a:schemeClr>
+          </a:lnRef>
+          <a:fillRef idx="1">
+            <a:schemeClr val="accent1"/>
+          </a:fillRef>
+          <a:effectRef idx="0">
+            <a:schemeClr val="accent1"/>
+          </a:effectRef>
+          <a:fontRef idx="minor">
+            <a:schemeClr val="lt1"/>
+          </a:fontRef>
+        </p:style>
+        <p:txBody>
+          <a:bodyPr rtlCol="0" anchor="ctr"/>
+          <a:lstStyle/>
+          <a:p>
+            <a:pPr algn="ctr"/>
+            <a:endParaRPr lang="en-US"/>
+          </a:p>
+        </p:txBody>
+      </p:sp>
+      <p:sp>
+        <p:nvSpPr>
+          <p:cNvPr id="6" name="Rectangle 5"/>
+          <p:cNvSpPr/>
+          <p:nvPr/>
+        </p:nvSpPr>
+        <p:spPr>
+          <a:xfrm>
+            <a:off x="0" y="0"/>
+            <a:ext cx="1916113" cy="5913437"/>
+          </a:xfrm>
+          <a:prstGeom prst="rect">
+            <a:avLst/>
+          </a:prstGeom>
+          <a:solidFill>
+            <a:srgbClr val="FFFFFF">
+              <a:alpha val="69804"/>
+            </a:srgbClr>
+          </a:solidFill>
+          <a:ln>
+            <a:noFill/>
+          </a:ln>
+        </p:spPr>
+        <p:style>
+          <a:lnRef idx="2">
+            <a:schemeClr val="accent1">
+              <a:shade val="50000"/>
+            </a:schemeClr>
+          </a:lnRef>
+          <a:fillRef idx="1">
+            <a:schemeClr val="accent1"/>
+          </a:fillRef>
+          <a:effectRef idx="0">
+            <a:schemeClr val="accent1"/>
+          </a:effectRef>
+          <a:fontRef idx="minor">
+            <a:schemeClr val="lt1"/>
+          </a:fontRef>
+        </p:style>
+        <p:txBody>
+          <a:bodyPr rtlCol="0" anchor="ctr"/>
+          <a:lstStyle/>
+          <a:p>
+            <a:pPr algn="ctr"/>
+            <a:endParaRPr lang="en-US"/>
+          </a:p>
+        </p:txBody>
+      </p:sp>
+      <p:sp>
+        <p:nvSpPr>
+          <p:cNvPr id="7" name="Rectangle 6"/>
+          <p:cNvSpPr/>
+          <p:nvPr/>
+        </p:nvSpPr>
+        <p:spPr>
+          <a:xfrm>
+            <a:off x="1916112" y="0"/>
+            <a:ext cx="6270623" cy="960436"/>
+          </a:xfrm>
+          <a:prstGeom prst="rect">
+            <a:avLst/>
+          </a:prstGeom>
+          <a:solidFill>
+            <a:srgbClr val="FFFFFF">
+              <a:alpha val="69804"/>
+            </a:srgbClr>
+          </a:solidFill>
+          <a:ln>
+            <a:noFill/>
+          </a:ln>
+        </p:spPr>
+        <p:style>
+          <a:lnRef idx="2">
+            <a:schemeClr val="accent1">
+              <a:shade val="50000"/>
+            </a:schemeClr>
+          </a:lnRef>
+          <a:fillRef idx="1">
+            <a:schemeClr val="accent1"/>
+          </a:fillRef>
+          <a:effectRef idx="0">
+            <a:schemeClr val="accent1"/>
+          </a:effectRef>
+          <a:fontRef idx="minor">
+            <a:schemeClr val="lt1"/>
+          </a:fontRef>
+        </p:style>
+        <p:txBody>
+          <a:bodyPr rtlCol="0" anchor="ctr"/>
+          <a:lstStyle/>
+          <a:p>
+            <a:pPr algn="ctr"/>
+            <a:endParaRPr lang="en-US"/>
+          </a:p>
+        </p:txBody>
+      </p:sp>
+    </p:spTree>
+  </p:cSld>
+  <p:clrMapOvr>
+    <a:masterClrMapping/>
+  </p:clrMapOvr>
+  <p:transition/>
+  <p:timing>
+    <p:tnLst>
+      <p:par>
+        <p:cTn id="1" dur="indefinite" restart="never" nodeType="tmRoot"/>
+      </p:par>
+    </p:tnLst>
+  </p:timing>
+</p:sld>
+</file>
+
+<file path=ppt/slides/slide13.xml><?xml version="1.0" encoding="utf-8"?>
 <p:sld xmlns:a="http://schemas.openxmlformats.org/drawingml/2006/main" xmlns:r="http://schemas.openxmlformats.org/officeDocument/2006/relationships" xmlns:p="http://schemas.openxmlformats.org/presentationml/2006/main">
   <p:cSld>
     <p:spTree>
@@ -8972,7 +10196,7 @@
 </p:sld>
 </file>
 
-<file path=ppt/slides/slide11.xml><?xml version="1.0" encoding="utf-8"?>
+<file path=ppt/slides/slide14.xml><?xml version="1.0" encoding="utf-8"?>
 <p:sld xmlns:a="http://schemas.openxmlformats.org/drawingml/2006/main" xmlns:r="http://schemas.openxmlformats.org/officeDocument/2006/relationships" xmlns:p="http://schemas.openxmlformats.org/presentationml/2006/main">
   <p:cSld>
     <p:spTree>
@@ -9188,328 +10412,6 @@
           <a:p>
             <a:pPr algn="ctr"/>
             <a:endParaRPr lang="en-US"/>
-          </a:p>
-        </p:txBody>
-      </p:sp>
-    </p:spTree>
-  </p:cSld>
-  <p:clrMapOvr>
-    <a:masterClrMapping/>
-  </p:clrMapOvr>
-  <p:transition/>
-  <p:timing>
-    <p:tnLst>
-      <p:par>
-        <p:cTn id="1" dur="indefinite" restart="never" nodeType="tmRoot"/>
-      </p:par>
-    </p:tnLst>
-  </p:timing>
-</p:sld>
-</file>
-
-<file path=ppt/slides/slide12.xml><?xml version="1.0" encoding="utf-8"?>
-<p:sld xmlns:a="http://schemas.openxmlformats.org/drawingml/2006/main" xmlns:r="http://schemas.openxmlformats.org/officeDocument/2006/relationships" xmlns:p="http://schemas.openxmlformats.org/presentationml/2006/main">
-  <p:cSld name="page6">
-    <p:spTree>
-      <p:nvGrpSpPr>
-        <p:cNvPr id="1" name=""/>
-        <p:cNvGrpSpPr/>
-        <p:nvPr/>
-      </p:nvGrpSpPr>
-      <p:grpSpPr>
-        <a:xfrm>
-          <a:off x="0" y="0"/>
-          <a:ext cx="0" cy="0"/>
-          <a:chOff x="0" y="0"/>
-          <a:chExt cx="0" cy="0"/>
-        </a:xfrm>
-      </p:grpSpPr>
-      <p:sp>
-        <p:nvSpPr>
-          <p:cNvPr id="4" name="Title 3"/>
-          <p:cNvSpPr>
-            <a:spLocks noGrp="1"/>
-          </p:cNvSpPr>
-          <p:nvPr>
-            <p:ph type="title"/>
-          </p:nvPr>
-        </p:nvSpPr>
-        <p:spPr/>
-        <p:txBody>
-          <a:bodyPr>
-            <a:normAutofit/>
-          </a:bodyPr>
-          <a:lstStyle/>
-          <a:p>
-            <a:pPr lvl="0"/>
-            <a:r>
-              <a:rPr lang="en-US" dirty="0" err="1" smtClean="0">
-                <a:latin typeface="Arial" pitchFamily="18"/>
-                <a:ea typeface="MS Gothic" pitchFamily="2"/>
-                <a:cs typeface="Tahoma" pitchFamily="2"/>
-              </a:rPr>
-              <a:t>MetaData</a:t>
-            </a:r>
-            <a:endParaRPr lang="en-US" dirty="0"/>
-          </a:p>
-        </p:txBody>
-      </p:sp>
-      <p:sp>
-        <p:nvSpPr>
-          <p:cNvPr id="5" name="Content Placeholder 4"/>
-          <p:cNvSpPr>
-            <a:spLocks noGrp="1"/>
-          </p:cNvSpPr>
-          <p:nvPr>
-            <p:ph idx="1"/>
-          </p:nvPr>
-        </p:nvSpPr>
-        <p:spPr/>
-        <p:txBody>
-          <a:bodyPr/>
-          <a:lstStyle/>
-          <a:p>
-            <a:pPr lvl="0" hangingPunct="0">
-              <a:spcBef>
-                <a:spcPts val="0"/>
-              </a:spcBef>
-              <a:defRPr sz="2920"/>
-            </a:pPr>
-            <a:r>
-              <a:rPr lang="en-US" dirty="0" smtClean="0">
-                <a:latin typeface="Arial" pitchFamily="18"/>
-                <a:ea typeface="MS Gothic" pitchFamily="2"/>
-                <a:cs typeface="Tahoma" pitchFamily="2"/>
-              </a:rPr>
-              <a:t>An important task in book making is getting all the meta data together.  Who holds the copyright?  How is it licensed?  Who to contact for more copies? ISBN number, etc.</a:t>
-            </a:r>
-          </a:p>
-          <a:p>
-            <a:pPr lvl="0" hangingPunct="0">
-              <a:spcBef>
-                <a:spcPts val="0"/>
-              </a:spcBef>
-              <a:defRPr sz="2920"/>
-            </a:pPr>
-            <a:endParaRPr lang="en-US" dirty="0" smtClean="0">
-              <a:latin typeface="Arial" pitchFamily="18"/>
-              <a:ea typeface="MS Gothic" pitchFamily="2"/>
-              <a:cs typeface="Tahoma" pitchFamily="2"/>
-            </a:endParaRPr>
-          </a:p>
-        </p:txBody>
-      </p:sp>
-    </p:spTree>
-  </p:cSld>
-  <p:clrMapOvr>
-    <a:masterClrMapping/>
-  </p:clrMapOvr>
-  <p:transition/>
-  <p:timing>
-    <p:tnLst>
-      <p:par>
-        <p:cTn id="1" dur="indefinite" restart="never" nodeType="tmRoot"/>
-      </p:par>
-    </p:tnLst>
-  </p:timing>
-</p:sld>
-</file>
-
-<file path=ppt/slides/slide13.xml><?xml version="1.0" encoding="utf-8"?>
-<p:sld xmlns:a="http://schemas.openxmlformats.org/drawingml/2006/main" xmlns:r="http://schemas.openxmlformats.org/officeDocument/2006/relationships" xmlns:p="http://schemas.openxmlformats.org/presentationml/2006/main">
-  <p:cSld name="page7">
-    <p:spTree>
-      <p:nvGrpSpPr>
-        <p:cNvPr id="1" name=""/>
-        <p:cNvGrpSpPr/>
-        <p:nvPr/>
-      </p:nvGrpSpPr>
-      <p:grpSpPr>
-        <a:xfrm>
-          <a:off x="0" y="0"/>
-          <a:ext cx="0" cy="0"/>
-          <a:chOff x="0" y="0"/>
-          <a:chExt cx="0" cy="0"/>
-        </a:xfrm>
-      </p:grpSpPr>
-      <p:pic>
-        <p:nvPicPr>
-          <p:cNvPr id="2" name="Picture 1"/>
-          <p:cNvPicPr>
-            <a:picLocks noChangeAspect="1"/>
-          </p:cNvPicPr>
-          <p:nvPr/>
-        </p:nvPicPr>
-        <p:blipFill>
-          <a:blip r:embed="rId3" cstate="print"/>
-          <a:stretch>
-            <a:fillRect/>
-          </a:stretch>
-        </p:blipFill>
-        <p:spPr>
-          <a:xfrm>
-            <a:off x="0" y="0"/>
-            <a:ext cx="10079640" cy="5864400"/>
-          </a:xfrm>
-          <a:prstGeom prst="rect">
-            <a:avLst/>
-          </a:prstGeom>
-          <a:noFill/>
-          <a:ln>
-            <a:noFill/>
-          </a:ln>
-        </p:spPr>
-      </p:pic>
-      <p:sp>
-        <p:nvSpPr>
-          <p:cNvPr id="3" name="TextBox 2"/>
-          <p:cNvSpPr txBox="1"/>
-          <p:nvPr/>
-        </p:nvSpPr>
-        <p:spPr>
-          <a:xfrm>
-            <a:off x="925512" y="6142037"/>
-            <a:ext cx="8915400" cy="646331"/>
-          </a:xfrm>
-          <a:prstGeom prst="rect">
-            <a:avLst/>
-          </a:prstGeom>
-          <a:noFill/>
-        </p:spPr>
-        <p:txBody>
-          <a:bodyPr wrap="square" rtlCol="0">
-            <a:spAutoFit/>
-          </a:bodyPr>
-          <a:lstStyle/>
-          <a:p>
-            <a:pPr lvl="0"/>
-            <a:r>
-              <a:rPr lang="en-US" dirty="0" smtClean="0">
-                <a:latin typeface="Arial" pitchFamily="18"/>
-                <a:ea typeface="MS Gothic" pitchFamily="2"/>
-                <a:cs typeface="Tahoma" pitchFamily="2"/>
-              </a:rPr>
-              <a:t>Notice </a:t>
-            </a:r>
-            <a:r>
-              <a:rPr lang="en-US" dirty="0" smtClean="0">
-                <a:latin typeface="Arial" pitchFamily="18"/>
-                <a:ea typeface="MS Gothic" pitchFamily="2"/>
-                <a:cs typeface="Tahoma" pitchFamily="2"/>
-              </a:rPr>
-              <a:t>the “Edit” tab doesn't attempt to give WYSIWYG... instead it is optimized to help you know what to do.  </a:t>
-            </a:r>
-          </a:p>
-        </p:txBody>
-      </p:sp>
-    </p:spTree>
-  </p:cSld>
-  <p:clrMapOvr>
-    <a:masterClrMapping/>
-  </p:clrMapOvr>
-  <p:transition/>
-  <p:timing>
-    <p:tnLst>
-      <p:par>
-        <p:cTn id="1" dur="indefinite" restart="never" nodeType="tmRoot"/>
-      </p:par>
-    </p:tnLst>
-  </p:timing>
-</p:sld>
-</file>
-
-<file path=ppt/slides/slide14.xml><?xml version="1.0" encoding="utf-8"?>
-<p:sld xmlns:a="http://schemas.openxmlformats.org/drawingml/2006/main" xmlns:r="http://schemas.openxmlformats.org/officeDocument/2006/relationships" xmlns:p="http://schemas.openxmlformats.org/presentationml/2006/main">
-  <p:cSld name="page8">
-    <p:spTree>
-      <p:nvGrpSpPr>
-        <p:cNvPr id="1" name=""/>
-        <p:cNvGrpSpPr/>
-        <p:nvPr/>
-      </p:nvGrpSpPr>
-      <p:grpSpPr>
-        <a:xfrm>
-          <a:off x="0" y="0"/>
-          <a:ext cx="0" cy="0"/>
-          <a:chOff x="0" y="0"/>
-          <a:chExt cx="0" cy="0"/>
-        </a:xfrm>
-      </p:grpSpPr>
-      <p:pic>
-        <p:nvPicPr>
-          <p:cNvPr id="2" name="Picture 1"/>
-          <p:cNvPicPr>
-            <a:picLocks noChangeAspect="1"/>
-          </p:cNvPicPr>
-          <p:nvPr/>
-        </p:nvPicPr>
-        <p:blipFill>
-          <a:blip r:embed="rId3" cstate="print"/>
-          <a:stretch>
-            <a:fillRect/>
-          </a:stretch>
-        </p:blipFill>
-        <p:spPr>
-          <a:xfrm>
-            <a:off x="985" y="0"/>
-            <a:ext cx="10079640" cy="5864400"/>
-          </a:xfrm>
-          <a:prstGeom prst="rect">
-            <a:avLst/>
-          </a:prstGeom>
-          <a:noFill/>
-          <a:ln>
-            <a:noFill/>
-          </a:ln>
-        </p:spPr>
-      </p:pic>
-      <p:sp>
-        <p:nvSpPr>
-          <p:cNvPr id="3" name="TextBox 2"/>
-          <p:cNvSpPr txBox="1"/>
-          <p:nvPr/>
-        </p:nvSpPr>
-        <p:spPr>
-          <a:xfrm>
-            <a:off x="925512" y="6446837"/>
-            <a:ext cx="8763000" cy="369332"/>
-          </a:xfrm>
-          <a:prstGeom prst="rect">
-            <a:avLst/>
-          </a:prstGeom>
-          <a:noFill/>
-        </p:spPr>
-        <p:txBody>
-          <a:bodyPr wrap="square" rtlCol="0">
-            <a:spAutoFit/>
-          </a:bodyPr>
-          <a:lstStyle/>
-          <a:p>
-            <a:r>
-              <a:rPr lang="en-US" dirty="0" smtClean="0">
-                <a:latin typeface="Arial" pitchFamily="18"/>
-                <a:ea typeface="MS Gothic" pitchFamily="2"/>
-                <a:cs typeface="Tahoma" pitchFamily="2"/>
-              </a:rPr>
-              <a:t>Then in “preview”, </a:t>
-            </a:r>
-            <a:r>
-              <a:rPr lang="en-US" dirty="0" smtClean="0">
-                <a:latin typeface="Arial" pitchFamily="18"/>
-                <a:ea typeface="MS Gothic" pitchFamily="2"/>
-                <a:cs typeface="Tahoma" pitchFamily="2"/>
-              </a:rPr>
-              <a:t>we see </a:t>
-            </a:r>
-            <a:r>
-              <a:rPr lang="en-US" dirty="0" smtClean="0">
-                <a:latin typeface="Arial" pitchFamily="18"/>
-                <a:ea typeface="MS Gothic" pitchFamily="2"/>
-                <a:cs typeface="Tahoma" pitchFamily="2"/>
-              </a:rPr>
-              <a:t>how that data will appear in the printed document.</a:t>
-            </a:r>
-            <a:endParaRPr lang="en-US" dirty="0"/>
           </a:p>
         </p:txBody>
       </p:sp>
@@ -9622,344 +10524,7 @@
 
 <file path=ppt/slides/slide16.xml><?xml version="1.0" encoding="utf-8"?>
 <p:sld xmlns:a="http://schemas.openxmlformats.org/drawingml/2006/main" xmlns:r="http://schemas.openxmlformats.org/officeDocument/2006/relationships" xmlns:p="http://schemas.openxmlformats.org/presentationml/2006/main">
-  <p:cSld name="page11">
-    <p:spTree>
-      <p:nvGrpSpPr>
-        <p:cNvPr id="1" name=""/>
-        <p:cNvGrpSpPr/>
-        <p:nvPr/>
-      </p:nvGrpSpPr>
-      <p:grpSpPr>
-        <a:xfrm>
-          <a:off x="0" y="0"/>
-          <a:ext cx="0" cy="0"/>
-          <a:chOff x="0" y="0"/>
-          <a:chExt cx="0" cy="0"/>
-        </a:xfrm>
-      </p:grpSpPr>
-      <p:sp>
-        <p:nvSpPr>
-          <p:cNvPr id="2" name="TextBox 1"/>
-          <p:cNvSpPr txBox="1"/>
-          <p:nvPr/>
-        </p:nvSpPr>
-        <p:spPr>
-          <a:xfrm>
-            <a:off x="1233721" y="832679"/>
-            <a:ext cx="6415560" cy="5834160"/>
-          </a:xfrm>
-          <a:prstGeom prst="rect">
-            <a:avLst/>
-          </a:prstGeom>
-          <a:noFill/>
-          <a:ln>
-            <a:noFill/>
-          </a:ln>
-        </p:spPr>
-        <p:txBody>
-          <a:bodyPr vert="horz" lIns="90000" tIns="45000" rIns="90000" bIns="45000" compatLnSpc="0"/>
-          <a:lstStyle>
-            <a:defPPr lvl="0">
-              <a:buSzPct val="45000"/>
-              <a:buFont typeface="StarSymbol"/>
-              <a:buNone/>
-            </a:defPPr>
-            <a:lvl1pPr lvl="0">
-              <a:buSzPct val="45000"/>
-              <a:buFont typeface="StarSymbol"/>
-              <a:buChar char="●"/>
-            </a:lvl1pPr>
-            <a:lvl2pPr lvl="1">
-              <a:buSzPct val="45000"/>
-              <a:buFont typeface="StarSymbol"/>
-              <a:buChar char="●"/>
-            </a:lvl2pPr>
-            <a:lvl3pPr lvl="2">
-              <a:buSzPct val="45000"/>
-              <a:buFont typeface="StarSymbol"/>
-              <a:buChar char="●"/>
-            </a:lvl3pPr>
-            <a:lvl4pPr lvl="3">
-              <a:buSzPct val="45000"/>
-              <a:buFont typeface="StarSymbol"/>
-              <a:buChar char="●"/>
-            </a:lvl4pPr>
-            <a:lvl5pPr lvl="4">
-              <a:buSzPct val="45000"/>
-              <a:buFont typeface="StarSymbol"/>
-              <a:buChar char="●"/>
-            </a:lvl5pPr>
-            <a:lvl6pPr lvl="5">
-              <a:buSzPct val="45000"/>
-              <a:buFont typeface="StarSymbol"/>
-              <a:buChar char="●"/>
-            </a:lvl6pPr>
-            <a:lvl7pPr lvl="6">
-              <a:buSzPct val="45000"/>
-              <a:buFont typeface="StarSymbol"/>
-              <a:buChar char="●"/>
-            </a:lvl7pPr>
-            <a:lvl8pPr lvl="7">
-              <a:buSzPct val="45000"/>
-              <a:buFont typeface="StarSymbol"/>
-              <a:buChar char="●"/>
-            </a:lvl8pPr>
-            <a:lvl9pPr lvl="8">
-              <a:buSzPct val="45000"/>
-              <a:buFont typeface="StarSymbol"/>
-              <a:buChar char="●"/>
-            </a:lvl9pPr>
-          </a:lstStyle>
-          <a:p>
-            <a:pPr marL="0" marR="0" lvl="0" indent="0" rtl="0" hangingPunct="0">
-              <a:lnSpc>
-                <a:spcPct val="100000"/>
-              </a:lnSpc>
-              <a:spcBef>
-                <a:spcPts val="0"/>
-              </a:spcBef>
-              <a:spcAft>
-                <a:spcPts val="0"/>
-              </a:spcAft>
-              <a:buNone/>
-              <a:tabLst/>
-              <a:defRPr sz="2920"/>
-            </a:pPr>
-            <a:endParaRPr lang="en-US" sz="2400" b="0" i="0" u="none" strike="noStrike" kern="1200" dirty="0">
-              <a:ln>
-                <a:noFill/>
-              </a:ln>
-              <a:latin typeface="Arial" pitchFamily="18"/>
-              <a:ea typeface="MS Gothic" pitchFamily="2"/>
-              <a:cs typeface="Tahoma" pitchFamily="2"/>
-            </a:endParaRPr>
-          </a:p>
-        </p:txBody>
-      </p:sp>
-      <p:sp>
-        <p:nvSpPr>
-          <p:cNvPr id="3" name="TextBox 2"/>
-          <p:cNvSpPr txBox="1"/>
-          <p:nvPr/>
-        </p:nvSpPr>
-        <p:spPr>
-          <a:xfrm>
-            <a:off x="740159" y="277560"/>
-            <a:ext cx="2714400" cy="1110600"/>
-          </a:xfrm>
-          <a:prstGeom prst="rect">
-            <a:avLst/>
-          </a:prstGeom>
-          <a:noFill/>
-          <a:ln>
-            <a:noFill/>
-          </a:ln>
-        </p:spPr>
-        <p:txBody>
-          <a:bodyPr vert="horz" lIns="90000" tIns="45000" rIns="90000" bIns="45000" compatLnSpc="0"/>
-          <a:lstStyle>
-            <a:defPPr lvl="0">
-              <a:buSzPct val="45000"/>
-              <a:buFont typeface="StarSymbol"/>
-              <a:buNone/>
-            </a:defPPr>
-            <a:lvl1pPr lvl="0">
-              <a:buSzPct val="45000"/>
-              <a:buFont typeface="StarSymbol"/>
-              <a:buChar char="●"/>
-            </a:lvl1pPr>
-            <a:lvl2pPr lvl="1">
-              <a:buSzPct val="45000"/>
-              <a:buFont typeface="StarSymbol"/>
-              <a:buChar char="●"/>
-            </a:lvl2pPr>
-            <a:lvl3pPr lvl="2">
-              <a:buSzPct val="45000"/>
-              <a:buFont typeface="StarSymbol"/>
-              <a:buChar char="●"/>
-            </a:lvl3pPr>
-            <a:lvl4pPr lvl="3">
-              <a:buSzPct val="45000"/>
-              <a:buFont typeface="StarSymbol"/>
-              <a:buChar char="●"/>
-            </a:lvl4pPr>
-            <a:lvl5pPr lvl="4">
-              <a:buSzPct val="45000"/>
-              <a:buFont typeface="StarSymbol"/>
-              <a:buChar char="●"/>
-            </a:lvl5pPr>
-            <a:lvl6pPr lvl="5">
-              <a:buSzPct val="45000"/>
-              <a:buFont typeface="StarSymbol"/>
-              <a:buChar char="●"/>
-            </a:lvl6pPr>
-            <a:lvl7pPr lvl="6">
-              <a:buSzPct val="45000"/>
-              <a:buFont typeface="StarSymbol"/>
-              <a:buChar char="●"/>
-            </a:lvl7pPr>
-            <a:lvl8pPr lvl="7">
-              <a:buSzPct val="45000"/>
-              <a:buFont typeface="StarSymbol"/>
-              <a:buChar char="●"/>
-            </a:lvl8pPr>
-            <a:lvl9pPr lvl="8">
-              <a:buSzPct val="45000"/>
-              <a:buFont typeface="StarSymbol"/>
-              <a:buChar char="●"/>
-            </a:lvl9pPr>
-          </a:lstStyle>
-          <a:p>
-            <a:pPr marL="0" marR="0" lvl="0" indent="0" rtl="0" hangingPunct="0">
-              <a:lnSpc>
-                <a:spcPct val="100000"/>
-              </a:lnSpc>
-              <a:spcBef>
-                <a:spcPts val="0"/>
-              </a:spcBef>
-              <a:spcAft>
-                <a:spcPts val="0"/>
-              </a:spcAft>
-              <a:buNone/>
-              <a:tabLst/>
-              <a:defRPr sz="2920"/>
-            </a:pPr>
-            <a:endParaRPr lang="en-US" sz="2400" b="0" i="0" u="none" strike="noStrike" kern="1200" dirty="0">
-              <a:ln>
-                <a:noFill/>
-              </a:ln>
-              <a:latin typeface="Arial" pitchFamily="18"/>
-              <a:ea typeface="MS Gothic" pitchFamily="2"/>
-              <a:cs typeface="Tahoma" pitchFamily="2"/>
-            </a:endParaRPr>
-          </a:p>
-        </p:txBody>
-      </p:sp>
-      <p:sp>
-        <p:nvSpPr>
-          <p:cNvPr id="4" name="Title 3"/>
-          <p:cNvSpPr>
-            <a:spLocks noGrp="1"/>
-          </p:cNvSpPr>
-          <p:nvPr>
-            <p:ph type="title"/>
-          </p:nvPr>
-        </p:nvSpPr>
-        <p:spPr/>
-        <p:txBody>
-          <a:bodyPr>
-            <a:normAutofit/>
-          </a:bodyPr>
-          <a:lstStyle/>
-          <a:p>
-            <a:pPr lvl="0"/>
-            <a:r>
-              <a:rPr lang="en-US" dirty="0" smtClean="0">
-                <a:latin typeface="Arial" pitchFamily="18"/>
-                <a:ea typeface="MS Gothic" pitchFamily="2"/>
-                <a:cs typeface="Tahoma" pitchFamily="2"/>
-              </a:rPr>
-              <a:t>Illustrations</a:t>
-            </a:r>
-            <a:endParaRPr lang="en-US" dirty="0"/>
-          </a:p>
-        </p:txBody>
-      </p:sp>
-      <p:sp>
-        <p:nvSpPr>
-          <p:cNvPr id="5" name="Content Placeholder 4"/>
-          <p:cNvSpPr>
-            <a:spLocks noGrp="1"/>
-          </p:cNvSpPr>
-          <p:nvPr>
-            <p:ph idx="1"/>
-          </p:nvPr>
-        </p:nvSpPr>
-        <p:spPr/>
-        <p:txBody>
-          <a:bodyPr>
-            <a:normAutofit fontScale="92500" lnSpcReduction="10000"/>
-          </a:bodyPr>
-          <a:lstStyle/>
-          <a:p>
-            <a:pPr lvl="0" hangingPunct="0">
-              <a:spcBef>
-                <a:spcPts val="0"/>
-              </a:spcBef>
-              <a:defRPr sz="2920"/>
-            </a:pPr>
-            <a:r>
-              <a:rPr lang="en-US" dirty="0" smtClean="0">
-                <a:latin typeface="Arial" pitchFamily="18"/>
-                <a:ea typeface="MS Gothic" pitchFamily="2"/>
-                <a:cs typeface="Tahoma" pitchFamily="2"/>
-              </a:rPr>
-              <a:t>When the template has an illustration frame, it provides buttons for getting the illustration in.  The adviser will enable the buttons which make sense for this user.  These might include getting a picture from a disk, from a gallery (e.g. Art of Reading), a scanner, or a digital camera (with some automatic filter for turning the image into hi-contrast line art, if that's possible).</a:t>
-            </a:r>
-          </a:p>
-          <a:p>
-            <a:pPr lvl="0" hangingPunct="0">
-              <a:spcBef>
-                <a:spcPts val="0"/>
-              </a:spcBef>
-              <a:defRPr sz="2920"/>
-            </a:pPr>
-            <a:endParaRPr lang="en-US" dirty="0" smtClean="0">
-              <a:latin typeface="Arial" pitchFamily="18"/>
-              <a:ea typeface="MS Gothic" pitchFamily="2"/>
-              <a:cs typeface="Tahoma" pitchFamily="2"/>
-            </a:endParaRPr>
-          </a:p>
-          <a:p>
-            <a:pPr lvl="0" hangingPunct="0">
-              <a:spcBef>
-                <a:spcPts val="0"/>
-              </a:spcBef>
-              <a:defRPr sz="2920"/>
-            </a:pPr>
-            <a:r>
-              <a:rPr lang="en-US" dirty="0" smtClean="0">
-                <a:latin typeface="Arial" pitchFamily="18"/>
-                <a:ea typeface="MS Gothic" pitchFamily="2"/>
-                <a:cs typeface="Tahoma" pitchFamily="2"/>
-              </a:rPr>
-              <a:t>We would try to avoid cropping and sizing options, at least initially, doing as much as possible automatically (e.g. expanding the image to fit the frame).</a:t>
-            </a:r>
-          </a:p>
-          <a:p>
-            <a:pPr lvl="0" hangingPunct="0">
-              <a:spcBef>
-                <a:spcPts val="0"/>
-              </a:spcBef>
-              <a:defRPr sz="2920"/>
-            </a:pPr>
-            <a:endParaRPr lang="en-US" dirty="0" smtClean="0">
-              <a:latin typeface="Arial" pitchFamily="18"/>
-              <a:ea typeface="MS Gothic" pitchFamily="2"/>
-              <a:cs typeface="Tahoma" pitchFamily="2"/>
-            </a:endParaRPr>
-          </a:p>
-        </p:txBody>
-      </p:sp>
-    </p:spTree>
-  </p:cSld>
-  <p:clrMapOvr>
-    <a:masterClrMapping/>
-  </p:clrMapOvr>
-  <p:transition/>
-  <p:timing>
-    <p:tnLst>
-      <p:par>
-        <p:cTn id="1" dur="indefinite" restart="never" nodeType="tmRoot"/>
-      </p:par>
-    </p:tnLst>
-  </p:timing>
-</p:sld>
-</file>
-
-<file path=ppt/slides/slide17.xml><?xml version="1.0" encoding="utf-8"?>
-<p:sld xmlns:a="http://schemas.openxmlformats.org/drawingml/2006/main" xmlns:r="http://schemas.openxmlformats.org/officeDocument/2006/relationships" xmlns:p="http://schemas.openxmlformats.org/presentationml/2006/main">
-  <p:cSld name="page12">
+  <p:cSld>
     <p:spTree>
       <p:nvGrpSpPr>
         <p:cNvPr id="1" name=""/>
@@ -9976,7 +10541,399 @@
       </p:grpSpPr>
       <p:pic>
         <p:nvPicPr>
-          <p:cNvPr id="2" name="Picture 1"/>
+          <p:cNvPr id="1026" name="Picture 2" descr="C:\Users\John\AppData\Roaming\PixelMetrics\CaptureWiz\LastCaptures\2010-01-19_08-23-46-781.png"/>
+          <p:cNvPicPr>
+            <a:picLocks noChangeAspect="1" noChangeArrowheads="1"/>
+          </p:cNvPicPr>
+          <p:nvPr/>
+        </p:nvPicPr>
+        <p:blipFill>
+          <a:blip r:embed="rId2" cstate="print"/>
+          <a:srcRect l="48372" t="57785"/>
+          <a:stretch>
+            <a:fillRect/>
+          </a:stretch>
+        </p:blipFill>
+        <p:spPr bwMode="auto">
+          <a:xfrm>
+            <a:off x="7173912" y="3932237"/>
+            <a:ext cx="2114550" cy="2505075"/>
+          </a:xfrm>
+          <a:prstGeom prst="rect">
+            <a:avLst/>
+          </a:prstGeom>
+          <a:noFill/>
+        </p:spPr>
+      </p:pic>
+      <p:sp>
+        <p:nvSpPr>
+          <p:cNvPr id="5" name="Title 4"/>
+          <p:cNvSpPr>
+            <a:spLocks noGrp="1"/>
+          </p:cNvSpPr>
+          <p:nvPr>
+            <p:ph type="title"/>
+          </p:nvPr>
+        </p:nvSpPr>
+        <p:spPr/>
+        <p:txBody>
+          <a:bodyPr/>
+          <a:lstStyle/>
+          <a:p>
+            <a:r>
+              <a:rPr lang="en-US" dirty="0" smtClean="0"/>
+              <a:t>Text Sizing</a:t>
+            </a:r>
+            <a:endParaRPr lang="en-US" dirty="0"/>
+          </a:p>
+        </p:txBody>
+      </p:sp>
+      <p:sp>
+        <p:nvSpPr>
+          <p:cNvPr id="6" name="Content Placeholder 5"/>
+          <p:cNvSpPr>
+            <a:spLocks noGrp="1"/>
+          </p:cNvSpPr>
+          <p:nvPr>
+            <p:ph idx="1"/>
+          </p:nvPr>
+        </p:nvSpPr>
+        <p:spPr>
+          <a:xfrm>
+            <a:off x="1230312" y="1763713"/>
+            <a:ext cx="5562600" cy="4835524"/>
+          </a:xfrm>
+        </p:spPr>
+        <p:txBody>
+          <a:bodyPr>
+            <a:normAutofit fontScale="55000" lnSpcReduction="20000"/>
+          </a:bodyPr>
+          <a:lstStyle/>
+          <a:p>
+            <a:r>
+              <a:rPr lang="en-US" dirty="0" smtClean="0"/>
+              <a:t>What to do when the amount of text exceeds the room we have to put it in?  In some situations, it may be OK to automatically shrink the text.  The template would define a ideal font size, and a minimum size.  If these two numbers are the same, then you can only type until the box is filled up.  If the minimum is smaller, then once the box is filled, but you keep typing, the text gets smaller.  When the font reaches the minimum size for that box, you can’t type any more.</a:t>
+            </a:r>
+          </a:p>
+          <a:p>
+            <a:endParaRPr lang="en-US" dirty="0" smtClean="0"/>
+          </a:p>
+          <a:p>
+            <a:r>
+              <a:rPr lang="en-US" dirty="0" smtClean="0"/>
+              <a:t>I’m unable to say how often this will be useful. For sure, we’ve been told that in some situations, like a primer, we want to keep the font size consistent throughout.   In that case, we would like to be able to shrink pictures to fit.  This may be complicated to pull off, as it may require that page elements know their relationship to each other, for example, in the illustration here, the page knows that the text should wrap around the picture.   It’s unlikely that early versions of Bloom would have that feature.</a:t>
+            </a:r>
+          </a:p>
+        </p:txBody>
+      </p:sp>
+    </p:spTree>
+  </p:cSld>
+  <p:clrMapOvr>
+    <a:masterClrMapping/>
+  </p:clrMapOvr>
+</p:sld>
+</file>
+
+<file path=ppt/slides/slide17.xml><?xml version="1.0" encoding="utf-8"?>
+<p:sld xmlns:a="http://schemas.openxmlformats.org/drawingml/2006/main" xmlns:r="http://schemas.openxmlformats.org/officeDocument/2006/relationships" xmlns:p="http://schemas.openxmlformats.org/presentationml/2006/main">
+  <p:cSld name="page11">
+    <p:spTree>
+      <p:nvGrpSpPr>
+        <p:cNvPr id="1" name=""/>
+        <p:cNvGrpSpPr/>
+        <p:nvPr/>
+      </p:nvGrpSpPr>
+      <p:grpSpPr>
+        <a:xfrm>
+          <a:off x="0" y="0"/>
+          <a:ext cx="0" cy="0"/>
+          <a:chOff x="0" y="0"/>
+          <a:chExt cx="0" cy="0"/>
+        </a:xfrm>
+      </p:grpSpPr>
+      <p:sp>
+        <p:nvSpPr>
+          <p:cNvPr id="2" name="TextBox 1"/>
+          <p:cNvSpPr txBox="1"/>
+          <p:nvPr/>
+        </p:nvSpPr>
+        <p:spPr>
+          <a:xfrm>
+            <a:off x="1233721" y="832679"/>
+            <a:ext cx="6415560" cy="5834160"/>
+          </a:xfrm>
+          <a:prstGeom prst="rect">
+            <a:avLst/>
+          </a:prstGeom>
+          <a:noFill/>
+          <a:ln>
+            <a:noFill/>
+          </a:ln>
+        </p:spPr>
+        <p:txBody>
+          <a:bodyPr vert="horz" lIns="90000" tIns="45000" rIns="90000" bIns="45000" compatLnSpc="0"/>
+          <a:lstStyle>
+            <a:defPPr lvl="0">
+              <a:buSzPct val="45000"/>
+              <a:buFont typeface="StarSymbol"/>
+              <a:buNone/>
+            </a:defPPr>
+            <a:lvl1pPr lvl="0">
+              <a:buSzPct val="45000"/>
+              <a:buFont typeface="StarSymbol"/>
+              <a:buChar char="●"/>
+            </a:lvl1pPr>
+            <a:lvl2pPr lvl="1">
+              <a:buSzPct val="45000"/>
+              <a:buFont typeface="StarSymbol"/>
+              <a:buChar char="●"/>
+            </a:lvl2pPr>
+            <a:lvl3pPr lvl="2">
+              <a:buSzPct val="45000"/>
+              <a:buFont typeface="StarSymbol"/>
+              <a:buChar char="●"/>
+            </a:lvl3pPr>
+            <a:lvl4pPr lvl="3">
+              <a:buSzPct val="45000"/>
+              <a:buFont typeface="StarSymbol"/>
+              <a:buChar char="●"/>
+            </a:lvl4pPr>
+            <a:lvl5pPr lvl="4">
+              <a:buSzPct val="45000"/>
+              <a:buFont typeface="StarSymbol"/>
+              <a:buChar char="●"/>
+            </a:lvl5pPr>
+            <a:lvl6pPr lvl="5">
+              <a:buSzPct val="45000"/>
+              <a:buFont typeface="StarSymbol"/>
+              <a:buChar char="●"/>
+            </a:lvl6pPr>
+            <a:lvl7pPr lvl="6">
+              <a:buSzPct val="45000"/>
+              <a:buFont typeface="StarSymbol"/>
+              <a:buChar char="●"/>
+            </a:lvl7pPr>
+            <a:lvl8pPr lvl="7">
+              <a:buSzPct val="45000"/>
+              <a:buFont typeface="StarSymbol"/>
+              <a:buChar char="●"/>
+            </a:lvl8pPr>
+            <a:lvl9pPr lvl="8">
+              <a:buSzPct val="45000"/>
+              <a:buFont typeface="StarSymbol"/>
+              <a:buChar char="●"/>
+            </a:lvl9pPr>
+          </a:lstStyle>
+          <a:p>
+            <a:pPr marL="0" marR="0" lvl="0" indent="0" rtl="0" hangingPunct="0">
+              <a:lnSpc>
+                <a:spcPct val="100000"/>
+              </a:lnSpc>
+              <a:spcBef>
+                <a:spcPts val="0"/>
+              </a:spcBef>
+              <a:spcAft>
+                <a:spcPts val="0"/>
+              </a:spcAft>
+              <a:buNone/>
+              <a:tabLst/>
+              <a:defRPr sz="2920"/>
+            </a:pPr>
+            <a:endParaRPr lang="en-US" sz="2400" b="0" i="0" u="none" strike="noStrike" kern="1200" dirty="0">
+              <a:ln>
+                <a:noFill/>
+              </a:ln>
+              <a:latin typeface="Arial" pitchFamily="18"/>
+              <a:ea typeface="MS Gothic" pitchFamily="2"/>
+              <a:cs typeface="Tahoma" pitchFamily="2"/>
+            </a:endParaRPr>
+          </a:p>
+        </p:txBody>
+      </p:sp>
+      <p:sp>
+        <p:nvSpPr>
+          <p:cNvPr id="3" name="TextBox 2"/>
+          <p:cNvSpPr txBox="1"/>
+          <p:nvPr/>
+        </p:nvSpPr>
+        <p:spPr>
+          <a:xfrm>
+            <a:off x="740159" y="277560"/>
+            <a:ext cx="2714400" cy="1110600"/>
+          </a:xfrm>
+          <a:prstGeom prst="rect">
+            <a:avLst/>
+          </a:prstGeom>
+          <a:noFill/>
+          <a:ln>
+            <a:noFill/>
+          </a:ln>
+        </p:spPr>
+        <p:txBody>
+          <a:bodyPr vert="horz" lIns="90000" tIns="45000" rIns="90000" bIns="45000" compatLnSpc="0"/>
+          <a:lstStyle>
+            <a:defPPr lvl="0">
+              <a:buSzPct val="45000"/>
+              <a:buFont typeface="StarSymbol"/>
+              <a:buNone/>
+            </a:defPPr>
+            <a:lvl1pPr lvl="0">
+              <a:buSzPct val="45000"/>
+              <a:buFont typeface="StarSymbol"/>
+              <a:buChar char="●"/>
+            </a:lvl1pPr>
+            <a:lvl2pPr lvl="1">
+              <a:buSzPct val="45000"/>
+              <a:buFont typeface="StarSymbol"/>
+              <a:buChar char="●"/>
+            </a:lvl2pPr>
+            <a:lvl3pPr lvl="2">
+              <a:buSzPct val="45000"/>
+              <a:buFont typeface="StarSymbol"/>
+              <a:buChar char="●"/>
+            </a:lvl3pPr>
+            <a:lvl4pPr lvl="3">
+              <a:buSzPct val="45000"/>
+              <a:buFont typeface="StarSymbol"/>
+              <a:buChar char="●"/>
+            </a:lvl4pPr>
+            <a:lvl5pPr lvl="4">
+              <a:buSzPct val="45000"/>
+              <a:buFont typeface="StarSymbol"/>
+              <a:buChar char="●"/>
+            </a:lvl5pPr>
+            <a:lvl6pPr lvl="5">
+              <a:buSzPct val="45000"/>
+              <a:buFont typeface="StarSymbol"/>
+              <a:buChar char="●"/>
+            </a:lvl6pPr>
+            <a:lvl7pPr lvl="6">
+              <a:buSzPct val="45000"/>
+              <a:buFont typeface="StarSymbol"/>
+              <a:buChar char="●"/>
+            </a:lvl7pPr>
+            <a:lvl8pPr lvl="7">
+              <a:buSzPct val="45000"/>
+              <a:buFont typeface="StarSymbol"/>
+              <a:buChar char="●"/>
+            </a:lvl8pPr>
+            <a:lvl9pPr lvl="8">
+              <a:buSzPct val="45000"/>
+              <a:buFont typeface="StarSymbol"/>
+              <a:buChar char="●"/>
+            </a:lvl9pPr>
+          </a:lstStyle>
+          <a:p>
+            <a:pPr marL="0" marR="0" lvl="0" indent="0" rtl="0" hangingPunct="0">
+              <a:lnSpc>
+                <a:spcPct val="100000"/>
+              </a:lnSpc>
+              <a:spcBef>
+                <a:spcPts val="0"/>
+              </a:spcBef>
+              <a:spcAft>
+                <a:spcPts val="0"/>
+              </a:spcAft>
+              <a:buNone/>
+              <a:tabLst/>
+              <a:defRPr sz="2920"/>
+            </a:pPr>
+            <a:endParaRPr lang="en-US" sz="2400" b="0" i="0" u="none" strike="noStrike" kern="1200" dirty="0">
+              <a:ln>
+                <a:noFill/>
+              </a:ln>
+              <a:latin typeface="Arial" pitchFamily="18"/>
+              <a:ea typeface="MS Gothic" pitchFamily="2"/>
+              <a:cs typeface="Tahoma" pitchFamily="2"/>
+            </a:endParaRPr>
+          </a:p>
+        </p:txBody>
+      </p:sp>
+      <p:sp>
+        <p:nvSpPr>
+          <p:cNvPr id="4" name="Title 3"/>
+          <p:cNvSpPr>
+            <a:spLocks noGrp="1"/>
+          </p:cNvSpPr>
+          <p:nvPr>
+            <p:ph type="title"/>
+          </p:nvPr>
+        </p:nvSpPr>
+        <p:spPr/>
+        <p:txBody>
+          <a:bodyPr>
+            <a:normAutofit/>
+          </a:bodyPr>
+          <a:lstStyle/>
+          <a:p>
+            <a:pPr lvl="0"/>
+            <a:r>
+              <a:rPr lang="en-US" dirty="0" smtClean="0">
+                <a:latin typeface="Arial" pitchFamily="18"/>
+                <a:ea typeface="MS Gothic" pitchFamily="2"/>
+                <a:cs typeface="Tahoma" pitchFamily="2"/>
+              </a:rPr>
+              <a:t>Illustrations</a:t>
+            </a:r>
+            <a:endParaRPr lang="en-US" dirty="0"/>
+          </a:p>
+        </p:txBody>
+      </p:sp>
+      <p:sp>
+        <p:nvSpPr>
+          <p:cNvPr id="5" name="Content Placeholder 4"/>
+          <p:cNvSpPr>
+            <a:spLocks noGrp="1"/>
+          </p:cNvSpPr>
+          <p:nvPr>
+            <p:ph idx="1"/>
+          </p:nvPr>
+        </p:nvSpPr>
+        <p:spPr>
+          <a:xfrm>
+            <a:off x="1230312" y="1763713"/>
+            <a:ext cx="4419600" cy="4989512"/>
+          </a:xfrm>
+        </p:spPr>
+        <p:txBody>
+          <a:bodyPr>
+            <a:normAutofit fontScale="85000" lnSpcReduction="10000"/>
+          </a:bodyPr>
+          <a:lstStyle/>
+          <a:p>
+            <a:pPr lvl="0" hangingPunct="0">
+              <a:spcBef>
+                <a:spcPts val="0"/>
+              </a:spcBef>
+              <a:defRPr sz="2920"/>
+            </a:pPr>
+            <a:r>
+              <a:rPr lang="en-US" dirty="0" smtClean="0">
+                <a:latin typeface="Arial" pitchFamily="18"/>
+                <a:ea typeface="MS Gothic" pitchFamily="2"/>
+                <a:cs typeface="Tahoma" pitchFamily="2"/>
+              </a:rPr>
+              <a:t>When the template has an illustration frame, it provides buttons for getting the illustration in.  The adviser will enable the buttons which make sense for this user.  These might include getting a picture from a disk, from a gallery (e.g. Art of Reading), a scanner, or a digital camera (with some automatic filter for turning the image into hi-contrast line art, if that's possible</a:t>
+            </a:r>
+            <a:r>
+              <a:rPr lang="en-US" dirty="0" smtClean="0">
+                <a:latin typeface="Arial" pitchFamily="18"/>
+                <a:ea typeface="MS Gothic" pitchFamily="2"/>
+                <a:cs typeface="Tahoma" pitchFamily="2"/>
+              </a:rPr>
+              <a:t>).</a:t>
+            </a:r>
+            <a:endParaRPr lang="en-US" dirty="0" smtClean="0">
+              <a:latin typeface="Arial" pitchFamily="18"/>
+              <a:ea typeface="MS Gothic" pitchFamily="2"/>
+              <a:cs typeface="Tahoma" pitchFamily="2"/>
+            </a:endParaRPr>
+          </a:p>
+        </p:txBody>
+      </p:sp>
+      <p:pic>
+        <p:nvPicPr>
+          <p:cNvPr id="6" name="Picture 5"/>
           <p:cNvPicPr>
             <a:picLocks noChangeAspect="1"/>
           </p:cNvPicPr>
@@ -9984,14 +10941,15 @@
         </p:nvPicPr>
         <p:blipFill>
           <a:blip r:embed="rId3" cstate="print"/>
+          <a:srcRect l="32608" t="46263" r="32617" b="5661"/>
           <a:stretch>
             <a:fillRect/>
           </a:stretch>
         </p:blipFill>
         <p:spPr>
           <a:xfrm>
-            <a:off x="985" y="0"/>
-            <a:ext cx="10079640" cy="5864400"/>
+            <a:off x="5878512" y="1951037"/>
+            <a:ext cx="3505200" cy="2819400"/>
           </a:xfrm>
           <a:prstGeom prst="rect">
             <a:avLst/>
@@ -10020,7 +10978,7 @@
 
 <file path=ppt/slides/slide18.xml><?xml version="1.0" encoding="utf-8"?>
 <p:sld xmlns:a="http://schemas.openxmlformats.org/drawingml/2006/main" xmlns:r="http://schemas.openxmlformats.org/officeDocument/2006/relationships" xmlns:p="http://schemas.openxmlformats.org/presentationml/2006/main">
-  <p:cSld name="page13">
+  <p:cSld>
     <p:spTree>
       <p:nvGrpSpPr>
         <p:cNvPr id="1" name=""/>
@@ -10043,8 +11001,8 @@
         </p:nvSpPr>
         <p:spPr>
           <a:xfrm>
-            <a:off x="1233721" y="832680"/>
-            <a:ext cx="6415560" cy="3887279"/>
+            <a:off x="1233721" y="832679"/>
+            <a:ext cx="6415560" cy="5834160"/>
           </a:xfrm>
           <a:prstGeom prst="rect">
             <a:avLst/>
@@ -10257,7 +11215,7 @@
                 <a:ea typeface="MS Gothic" pitchFamily="2"/>
                 <a:cs typeface="Tahoma" pitchFamily="2"/>
               </a:rPr>
-              <a:t>Publish Mode</a:t>
+              <a:t>Illustrations</a:t>
             </a:r>
             <a:endParaRPr lang="en-US" dirty="0"/>
           </a:p>
@@ -10275,17 +11233,24 @@
         </p:nvSpPr>
         <p:spPr/>
         <p:txBody>
-          <a:bodyPr/>
-          <a:lstStyle/>
-          <a:p>
-            <a:pPr lvl="0"/>
+          <a:bodyPr>
+            <a:normAutofit fontScale="85000" lnSpcReduction="20000"/>
+          </a:bodyPr>
+          <a:lstStyle/>
+          <a:p>
+            <a:pPr lvl="0" hangingPunct="0">
+              <a:spcBef>
+                <a:spcPts val="0"/>
+              </a:spcBef>
+              <a:defRPr sz="2920"/>
+            </a:pPr>
             <a:r>
               <a:rPr lang="en-US" dirty="0" smtClean="0">
                 <a:latin typeface="Arial" pitchFamily="18"/>
                 <a:ea typeface="MS Gothic" pitchFamily="2"/>
                 <a:cs typeface="Tahoma" pitchFamily="2"/>
               </a:rPr>
-              <a:t>Here, I'm trying to see how much Bloom could help people with the physical act of printing and assembling books.  The following is of course specific to this pesky landscape A5 format of the selected book.  Other formats would have different instructions.  We could easily include a short video, as well</a:t>
+              <a:t>We </a:t>
             </a:r>
             <a:r>
               <a:rPr lang="en-US" dirty="0" smtClean="0">
@@ -10293,8 +11258,100 @@
                 <a:ea typeface="MS Gothic" pitchFamily="2"/>
                 <a:cs typeface="Tahoma" pitchFamily="2"/>
               </a:rPr>
-              <a:t>.</a:t>
-            </a:r>
+              <a:t>would try to avoid cropping and sizing options, at least initially, doing as much as possible automatically (e.g. expanding the image to fit the frame</a:t>
+            </a:r>
+            <a:r>
+              <a:rPr lang="en-US" dirty="0" smtClean="0">
+                <a:latin typeface="Arial" pitchFamily="18"/>
+                <a:ea typeface="MS Gothic" pitchFamily="2"/>
+                <a:cs typeface="Tahoma" pitchFamily="2"/>
+              </a:rPr>
+              <a:t>).</a:t>
+            </a:r>
+          </a:p>
+          <a:p>
+            <a:pPr lvl="0" hangingPunct="0">
+              <a:spcBef>
+                <a:spcPts val="0"/>
+              </a:spcBef>
+              <a:defRPr sz="2920"/>
+            </a:pPr>
+            <a:endParaRPr lang="en-US" dirty="0" smtClean="0">
+              <a:latin typeface="Arial" pitchFamily="18"/>
+              <a:ea typeface="MS Gothic" pitchFamily="2"/>
+              <a:cs typeface="Tahoma" pitchFamily="2"/>
+            </a:endParaRPr>
+          </a:p>
+          <a:p>
+            <a:pPr lvl="0" hangingPunct="0">
+              <a:defRPr sz="2920"/>
+            </a:pPr>
+            <a:r>
+              <a:rPr lang="en-US" dirty="0" smtClean="0">
+                <a:latin typeface="Arial" pitchFamily="18"/>
+                <a:ea typeface="MS Gothic" pitchFamily="2"/>
+                <a:cs typeface="Tahoma" pitchFamily="2"/>
+              </a:rPr>
+              <a:t>Some automatic things we could do:</a:t>
+            </a:r>
+          </a:p>
+          <a:p>
+            <a:pPr lvl="0" hangingPunct="0">
+              <a:buFont typeface="Arial" pitchFamily="34" charset="0"/>
+              <a:buChar char="•"/>
+              <a:defRPr sz="2920"/>
+            </a:pPr>
+            <a:r>
+              <a:rPr lang="en-US" dirty="0" smtClean="0">
+                <a:latin typeface="Arial" pitchFamily="18"/>
+                <a:ea typeface="MS Gothic" pitchFamily="2"/>
+                <a:cs typeface="Tahoma" pitchFamily="2"/>
+              </a:rPr>
+              <a:t>Illustrations would be copied into the document itself, so that the picture cannot be accidentally separated from the document.</a:t>
+            </a:r>
+          </a:p>
+          <a:p>
+            <a:pPr lvl="0" hangingPunct="0">
+              <a:buFont typeface="Arial" pitchFamily="34" charset="0"/>
+              <a:buChar char="•"/>
+              <a:defRPr sz="2920"/>
+            </a:pPr>
+            <a:r>
+              <a:rPr lang="en-US" dirty="0" smtClean="0">
+                <a:latin typeface="Arial" pitchFamily="18"/>
+                <a:ea typeface="MS Gothic" pitchFamily="2"/>
+                <a:cs typeface="Tahoma" pitchFamily="2"/>
+              </a:rPr>
+              <a:t>Large photos would be compressed down to what makes sense for printing.</a:t>
+            </a:r>
+          </a:p>
+          <a:p>
+            <a:pPr lvl="0" hangingPunct="0">
+              <a:buFont typeface="Arial" pitchFamily="34" charset="0"/>
+              <a:buChar char="•"/>
+              <a:defRPr sz="2920"/>
+            </a:pPr>
+            <a:r>
+              <a:rPr lang="en-US" dirty="0" smtClean="0">
+                <a:latin typeface="Arial" pitchFamily="18"/>
+                <a:ea typeface="MS Gothic" pitchFamily="2"/>
+                <a:cs typeface="Tahoma" pitchFamily="2"/>
+              </a:rPr>
+              <a:t>When scanning or photographing a line drawing, an image filter could be automatically applied to improve the contrast and filter out noise.</a:t>
+            </a:r>
+            <a:endParaRPr lang="en-US" dirty="0" smtClean="0">
+              <a:latin typeface="Arial" pitchFamily="18"/>
+              <a:ea typeface="MS Gothic" pitchFamily="2"/>
+              <a:cs typeface="Tahoma" pitchFamily="2"/>
+            </a:endParaRPr>
+          </a:p>
+          <a:p>
+            <a:pPr lvl="0" hangingPunct="0">
+              <a:spcBef>
+                <a:spcPts val="0"/>
+              </a:spcBef>
+              <a:defRPr sz="2920"/>
+            </a:pPr>
             <a:endParaRPr lang="en-US" dirty="0" smtClean="0">
               <a:latin typeface="Arial" pitchFamily="18"/>
               <a:ea typeface="MS Gothic" pitchFamily="2"/>
@@ -10321,7 +11378,7 @@
 
 <file path=ppt/slides/slide19.xml><?xml version="1.0" encoding="utf-8"?>
 <p:sld xmlns:a="http://schemas.openxmlformats.org/drawingml/2006/main" xmlns:r="http://schemas.openxmlformats.org/officeDocument/2006/relationships" xmlns:p="http://schemas.openxmlformats.org/presentationml/2006/main">
-  <p:cSld name="page14">
+  <p:cSld>
     <p:spTree>
       <p:nvGrpSpPr>
         <p:cNvPr id="1" name=""/>
@@ -10336,25 +11393,16 @@
           <a:chExt cx="0" cy="0"/>
         </a:xfrm>
       </p:grpSpPr>
-      <p:pic>
-        <p:nvPicPr>
-          <p:cNvPr id="2" name="Picture 1"/>
-          <p:cNvPicPr>
-            <a:picLocks noChangeAspect="1"/>
-          </p:cNvPicPr>
+      <p:sp>
+        <p:nvSpPr>
+          <p:cNvPr id="2" name="TextBox 1"/>
+          <p:cNvSpPr txBox="1"/>
           <p:nvPr/>
-        </p:nvPicPr>
-        <p:blipFill>
-          <a:blip r:embed="rId3" cstate="print"/>
-          <a:srcRect b="10540"/>
-          <a:stretch>
-            <a:fillRect/>
-          </a:stretch>
-        </p:blipFill>
-        <p:spPr>
-          <a:xfrm>
-            <a:off x="0" y="361"/>
-            <a:ext cx="10079640" cy="6751276"/>
+        </p:nvSpPr>
+        <p:spPr>
+          <a:xfrm>
+            <a:off x="1233721" y="832679"/>
+            <a:ext cx="6415560" cy="5834160"/>
           </a:xfrm>
           <a:prstGeom prst="rect">
             <a:avLst/>
@@ -10363,6 +11411,279 @@
           <a:ln>
             <a:noFill/>
           </a:ln>
+        </p:spPr>
+        <p:txBody>
+          <a:bodyPr vert="horz" lIns="90000" tIns="45000" rIns="90000" bIns="45000" compatLnSpc="0"/>
+          <a:lstStyle>
+            <a:defPPr lvl="0">
+              <a:buSzPct val="45000"/>
+              <a:buFont typeface="StarSymbol"/>
+              <a:buNone/>
+            </a:defPPr>
+            <a:lvl1pPr lvl="0">
+              <a:buSzPct val="45000"/>
+              <a:buFont typeface="StarSymbol"/>
+              <a:buChar char="●"/>
+            </a:lvl1pPr>
+            <a:lvl2pPr lvl="1">
+              <a:buSzPct val="45000"/>
+              <a:buFont typeface="StarSymbol"/>
+              <a:buChar char="●"/>
+            </a:lvl2pPr>
+            <a:lvl3pPr lvl="2">
+              <a:buSzPct val="45000"/>
+              <a:buFont typeface="StarSymbol"/>
+              <a:buChar char="●"/>
+            </a:lvl3pPr>
+            <a:lvl4pPr lvl="3">
+              <a:buSzPct val="45000"/>
+              <a:buFont typeface="StarSymbol"/>
+              <a:buChar char="●"/>
+            </a:lvl4pPr>
+            <a:lvl5pPr lvl="4">
+              <a:buSzPct val="45000"/>
+              <a:buFont typeface="StarSymbol"/>
+              <a:buChar char="●"/>
+            </a:lvl5pPr>
+            <a:lvl6pPr lvl="5">
+              <a:buSzPct val="45000"/>
+              <a:buFont typeface="StarSymbol"/>
+              <a:buChar char="●"/>
+            </a:lvl6pPr>
+            <a:lvl7pPr lvl="6">
+              <a:buSzPct val="45000"/>
+              <a:buFont typeface="StarSymbol"/>
+              <a:buChar char="●"/>
+            </a:lvl7pPr>
+            <a:lvl8pPr lvl="7">
+              <a:buSzPct val="45000"/>
+              <a:buFont typeface="StarSymbol"/>
+              <a:buChar char="●"/>
+            </a:lvl8pPr>
+            <a:lvl9pPr lvl="8">
+              <a:buSzPct val="45000"/>
+              <a:buFont typeface="StarSymbol"/>
+              <a:buChar char="●"/>
+            </a:lvl9pPr>
+          </a:lstStyle>
+          <a:p>
+            <a:pPr marL="0" marR="0" lvl="0" indent="0" rtl="0" hangingPunct="0">
+              <a:lnSpc>
+                <a:spcPct val="100000"/>
+              </a:lnSpc>
+              <a:spcBef>
+                <a:spcPts val="0"/>
+              </a:spcBef>
+              <a:spcAft>
+                <a:spcPts val="0"/>
+              </a:spcAft>
+              <a:buNone/>
+              <a:tabLst/>
+              <a:defRPr sz="2920"/>
+            </a:pPr>
+            <a:endParaRPr lang="en-US" sz="2400" b="0" i="0" u="none" strike="noStrike" kern="1200" dirty="0">
+              <a:ln>
+                <a:noFill/>
+              </a:ln>
+              <a:latin typeface="Arial" pitchFamily="18"/>
+              <a:ea typeface="MS Gothic" pitchFamily="2"/>
+              <a:cs typeface="Tahoma" pitchFamily="2"/>
+            </a:endParaRPr>
+          </a:p>
+        </p:txBody>
+      </p:sp>
+      <p:sp>
+        <p:nvSpPr>
+          <p:cNvPr id="3" name="TextBox 2"/>
+          <p:cNvSpPr txBox="1"/>
+          <p:nvPr/>
+        </p:nvSpPr>
+        <p:spPr>
+          <a:xfrm>
+            <a:off x="740159" y="277560"/>
+            <a:ext cx="2714400" cy="1110600"/>
+          </a:xfrm>
+          <a:prstGeom prst="rect">
+            <a:avLst/>
+          </a:prstGeom>
+          <a:noFill/>
+          <a:ln>
+            <a:noFill/>
+          </a:ln>
+        </p:spPr>
+        <p:txBody>
+          <a:bodyPr vert="horz" lIns="90000" tIns="45000" rIns="90000" bIns="45000" compatLnSpc="0"/>
+          <a:lstStyle>
+            <a:defPPr lvl="0">
+              <a:buSzPct val="45000"/>
+              <a:buFont typeface="StarSymbol"/>
+              <a:buNone/>
+            </a:defPPr>
+            <a:lvl1pPr lvl="0">
+              <a:buSzPct val="45000"/>
+              <a:buFont typeface="StarSymbol"/>
+              <a:buChar char="●"/>
+            </a:lvl1pPr>
+            <a:lvl2pPr lvl="1">
+              <a:buSzPct val="45000"/>
+              <a:buFont typeface="StarSymbol"/>
+              <a:buChar char="●"/>
+            </a:lvl2pPr>
+            <a:lvl3pPr lvl="2">
+              <a:buSzPct val="45000"/>
+              <a:buFont typeface="StarSymbol"/>
+              <a:buChar char="●"/>
+            </a:lvl3pPr>
+            <a:lvl4pPr lvl="3">
+              <a:buSzPct val="45000"/>
+              <a:buFont typeface="StarSymbol"/>
+              <a:buChar char="●"/>
+            </a:lvl4pPr>
+            <a:lvl5pPr lvl="4">
+              <a:buSzPct val="45000"/>
+              <a:buFont typeface="StarSymbol"/>
+              <a:buChar char="●"/>
+            </a:lvl5pPr>
+            <a:lvl6pPr lvl="5">
+              <a:buSzPct val="45000"/>
+              <a:buFont typeface="StarSymbol"/>
+              <a:buChar char="●"/>
+            </a:lvl6pPr>
+            <a:lvl7pPr lvl="6">
+              <a:buSzPct val="45000"/>
+              <a:buFont typeface="StarSymbol"/>
+              <a:buChar char="●"/>
+            </a:lvl7pPr>
+            <a:lvl8pPr lvl="7">
+              <a:buSzPct val="45000"/>
+              <a:buFont typeface="StarSymbol"/>
+              <a:buChar char="●"/>
+            </a:lvl8pPr>
+            <a:lvl9pPr lvl="8">
+              <a:buSzPct val="45000"/>
+              <a:buFont typeface="StarSymbol"/>
+              <a:buChar char="●"/>
+            </a:lvl9pPr>
+          </a:lstStyle>
+          <a:p>
+            <a:pPr marL="0" marR="0" lvl="0" indent="0" rtl="0" hangingPunct="0">
+              <a:lnSpc>
+                <a:spcPct val="100000"/>
+              </a:lnSpc>
+              <a:spcBef>
+                <a:spcPts val="0"/>
+              </a:spcBef>
+              <a:spcAft>
+                <a:spcPts val="0"/>
+              </a:spcAft>
+              <a:buNone/>
+              <a:tabLst/>
+              <a:defRPr sz="2920"/>
+            </a:pPr>
+            <a:endParaRPr lang="en-US" sz="2400" b="0" i="0" u="none" strike="noStrike" kern="1200" dirty="0">
+              <a:ln>
+                <a:noFill/>
+              </a:ln>
+              <a:latin typeface="Arial" pitchFamily="18"/>
+              <a:ea typeface="MS Gothic" pitchFamily="2"/>
+              <a:cs typeface="Tahoma" pitchFamily="2"/>
+            </a:endParaRPr>
+          </a:p>
+        </p:txBody>
+      </p:sp>
+      <p:sp>
+        <p:nvSpPr>
+          <p:cNvPr id="4" name="Title 3"/>
+          <p:cNvSpPr>
+            <a:spLocks noGrp="1"/>
+          </p:cNvSpPr>
+          <p:nvPr>
+            <p:ph type="title"/>
+          </p:nvPr>
+        </p:nvSpPr>
+        <p:spPr/>
+        <p:txBody>
+          <a:bodyPr>
+            <a:normAutofit/>
+          </a:bodyPr>
+          <a:lstStyle/>
+          <a:p>
+            <a:pPr lvl="0"/>
+            <a:r>
+              <a:rPr lang="en-US" dirty="0" smtClean="0">
+                <a:latin typeface="Arial" pitchFamily="18"/>
+                <a:ea typeface="MS Gothic" pitchFamily="2"/>
+                <a:cs typeface="Tahoma" pitchFamily="2"/>
+              </a:rPr>
+              <a:t>Illustrations</a:t>
+            </a:r>
+            <a:endParaRPr lang="en-US" dirty="0"/>
+          </a:p>
+        </p:txBody>
+      </p:sp>
+      <p:sp>
+        <p:nvSpPr>
+          <p:cNvPr id="5" name="Content Placeholder 4"/>
+          <p:cNvSpPr>
+            <a:spLocks noGrp="1"/>
+          </p:cNvSpPr>
+          <p:nvPr>
+            <p:ph idx="1"/>
+          </p:nvPr>
+        </p:nvSpPr>
+        <p:spPr/>
+        <p:txBody>
+          <a:bodyPr>
+            <a:normAutofit/>
+          </a:bodyPr>
+          <a:lstStyle/>
+          <a:p>
+            <a:pPr lvl="0" hangingPunct="0">
+              <a:spcBef>
+                <a:spcPts val="0"/>
+              </a:spcBef>
+              <a:defRPr sz="2920"/>
+            </a:pPr>
+            <a:r>
+              <a:rPr lang="en-US" dirty="0" smtClean="0">
+                <a:latin typeface="Arial" pitchFamily="18"/>
+                <a:ea typeface="MS Gothic" pitchFamily="2"/>
+                <a:cs typeface="Tahoma" pitchFamily="2"/>
+              </a:rPr>
+              <a:t>The gallery button would open a searchable set of thumbnails, like we have in WeSay.  In addition to SIL’s Art Of Reading, advisors could set up their own galleries.</a:t>
+            </a:r>
+            <a:endParaRPr lang="en-US" dirty="0" smtClean="0">
+              <a:latin typeface="Arial" pitchFamily="18"/>
+              <a:ea typeface="MS Gothic" pitchFamily="2"/>
+              <a:cs typeface="Tahoma" pitchFamily="2"/>
+            </a:endParaRPr>
+          </a:p>
+        </p:txBody>
+      </p:sp>
+      <p:pic>
+        <p:nvPicPr>
+          <p:cNvPr id="2050" name="Picture 2" descr="C:\Users\John\AppData\Roaming\PixelMetrics\CaptureWiz\LastCaptures\2010-01-19_10-32-04-524.png"/>
+          <p:cNvPicPr>
+            <a:picLocks noChangeAspect="1" noChangeArrowheads="1"/>
+          </p:cNvPicPr>
+          <p:nvPr/>
+        </p:nvPicPr>
+        <p:blipFill>
+          <a:blip r:embed="rId3" cstate="print"/>
+          <a:srcRect/>
+          <a:stretch>
+            <a:fillRect/>
+          </a:stretch>
+        </p:blipFill>
+        <p:spPr bwMode="auto">
+          <a:xfrm>
+            <a:off x="3897312" y="3703637"/>
+            <a:ext cx="5210175" cy="3343275"/>
+          </a:xfrm>
+          <a:prstGeom prst="rect">
+            <a:avLst/>
+          </a:prstGeom>
+          <a:noFill/>
         </p:spPr>
       </p:pic>
     </p:spTree>
@@ -10400,7 +11721,7 @@
       </p:grpSpPr>
       <p:sp>
         <p:nvSpPr>
-          <p:cNvPr id="2" name="Title 1"/>
+          <p:cNvPr id="4" name="Title 3"/>
           <p:cNvSpPr>
             <a:spLocks noGrp="1"/>
           </p:cNvSpPr>
@@ -10415,7 +11736,7 @@
           <a:p>
             <a:r>
               <a:rPr lang="en-US" dirty="0" smtClean="0"/>
-              <a:t>Summary</a:t>
+              <a:t>Audience</a:t>
             </a:r>
             <a:endParaRPr lang="en-US" dirty="0"/>
           </a:p>
@@ -10423,7 +11744,7 @@
       </p:sp>
       <p:sp>
         <p:nvSpPr>
-          <p:cNvPr id="3" name="Content Placeholder 2"/>
+          <p:cNvPr id="5" name="Content Placeholder 4"/>
           <p:cNvSpPr>
             <a:spLocks noGrp="1"/>
           </p:cNvSpPr>
@@ -10433,29 +11754,12 @@
         </p:nvSpPr>
         <p:spPr/>
         <p:txBody>
-          <a:bodyPr>
-            <a:normAutofit/>
-          </a:bodyPr>
-          <a:lstStyle/>
-          <a:p>
-            <a:pPr>
-              <a:buNone/>
-            </a:pPr>
+          <a:bodyPr/>
+          <a:lstStyle/>
+          <a:p>
             <a:r>
               <a:rPr lang="en-US" dirty="0" smtClean="0"/>
-              <a:t>Bloom is a proposed desktop computer software </a:t>
-            </a:r>
-            <a:r>
-              <a:rPr lang="en-US" dirty="0" smtClean="0"/>
-              <a:t>application. It aims to encourage a low-</a:t>
-            </a:r>
-            <a:r>
-              <a:rPr lang="en-US" dirty="0" smtClean="0"/>
-              <a:t>training, high-output system where native speakers and their advocates work together to both foster community authorship and access to external material in the ve</a:t>
-            </a:r>
-            <a:r>
-              <a:rPr lang="en-US" dirty="0" smtClean="0"/>
-              <a:t>rnacular.  </a:t>
+              <a:t>This document is intended to help Literacy Consultants understand and give feedback on the Bloom concept.</a:t>
             </a:r>
             <a:endParaRPr lang="en-US" dirty="0"/>
           </a:p>
@@ -10471,7 +11775,7 @@
 
 <file path=ppt/slides/slide20.xml><?xml version="1.0" encoding="utf-8"?>
 <p:sld xmlns:a="http://schemas.openxmlformats.org/drawingml/2006/main" xmlns:r="http://schemas.openxmlformats.org/officeDocument/2006/relationships" xmlns:p="http://schemas.openxmlformats.org/presentationml/2006/main">
-  <p:cSld name="page15">
+  <p:cSld>
     <p:spTree>
       <p:nvGrpSpPr>
         <p:cNvPr id="1" name=""/>
@@ -10494,8 +11798,8 @@
         </p:nvSpPr>
         <p:spPr>
           <a:xfrm>
-            <a:off x="1233721" y="832680"/>
-            <a:ext cx="6415560" cy="3887279"/>
+            <a:off x="1233721" y="832679"/>
+            <a:ext cx="6415560" cy="5834160"/>
           </a:xfrm>
           <a:prstGeom prst="rect">
             <a:avLst/>
@@ -10572,9 +11876,9 @@
               </a:spcAft>
               <a:buNone/>
               <a:tabLst/>
-              <a:defRPr sz="2190"/>
+              <a:defRPr sz="2920"/>
             </a:pPr>
-            <a:endParaRPr lang="en-US" sz="2190" b="0" i="0" u="none" strike="noStrike" kern="1200" dirty="0">
+            <a:endParaRPr lang="en-US" sz="2400" b="0" i="0" u="none" strike="noStrike" kern="1200" dirty="0">
               <a:ln>
                 <a:noFill/>
               </a:ln>
@@ -10671,9 +11975,9 @@
               </a:spcAft>
               <a:buNone/>
               <a:tabLst/>
-              <a:defRPr sz="2190"/>
+              <a:defRPr sz="2920"/>
             </a:pPr>
-            <a:endParaRPr lang="en-US" sz="2190" b="0" i="0" u="none" strike="noStrike" kern="1200" dirty="0">
+            <a:endParaRPr lang="en-US" sz="2400" b="0" i="0" u="none" strike="noStrike" kern="1200" dirty="0">
               <a:ln>
                 <a:noFill/>
               </a:ln>
@@ -10708,88 +12012,63 @@
                 <a:ea typeface="MS Gothic" pitchFamily="2"/>
                 <a:cs typeface="Tahoma" pitchFamily="2"/>
               </a:rPr>
-              <a:t>History &amp; </a:t>
-            </a:r>
+              <a:t>Illustration Licenses</a:t>
+            </a:r>
+            <a:endParaRPr lang="en-US" dirty="0"/>
+          </a:p>
+        </p:txBody>
+      </p:sp>
+      <p:sp>
+        <p:nvSpPr>
+          <p:cNvPr id="5" name="Content Placeholder 4"/>
+          <p:cNvSpPr>
+            <a:spLocks noGrp="1"/>
+          </p:cNvSpPr>
+          <p:nvPr>
+            <p:ph idx="1"/>
+          </p:nvPr>
+        </p:nvSpPr>
+        <p:spPr/>
+        <p:txBody>
+          <a:bodyPr>
+            <a:normAutofit fontScale="85000" lnSpcReduction="10000"/>
+          </a:bodyPr>
+          <a:lstStyle/>
+          <a:p>
+            <a:pPr lvl="0" hangingPunct="0">
+              <a:spcBef>
+                <a:spcPts val="0"/>
+              </a:spcBef>
+              <a:defRPr sz="2920"/>
+            </a:pPr>
             <a:r>
               <a:rPr lang="en-US" dirty="0" smtClean="0">
                 <a:latin typeface="Arial" pitchFamily="18"/>
                 <a:ea typeface="MS Gothic" pitchFamily="2"/>
                 <a:cs typeface="Tahoma" pitchFamily="2"/>
               </a:rPr>
-              <a:t>Notes</a:t>
-            </a:r>
-            <a:endParaRPr lang="en-US" dirty="0"/>
-          </a:p>
-        </p:txBody>
-      </p:sp>
-      <p:sp>
-        <p:nvSpPr>
-          <p:cNvPr id="5" name="Content Placeholder 4"/>
-          <p:cNvSpPr>
-            <a:spLocks noGrp="1"/>
-          </p:cNvSpPr>
-          <p:nvPr>
-            <p:ph idx="1"/>
-          </p:nvPr>
-        </p:nvSpPr>
-        <p:spPr/>
-        <p:txBody>
-          <a:bodyPr/>
-          <a:lstStyle/>
-          <a:p>
-            <a:pPr lvl="0" hangingPunct="0">
-              <a:spcBef>
-                <a:spcPts val="0"/>
-              </a:spcBef>
-              <a:defRPr sz="2190"/>
-            </a:pPr>
+              <a:t>Keeping track of and honoring copyrights and licenses is a little recognized problem, at least in SIL.  It is technically possible to keep this information with each image file.  For example, Art of Reading could easily embed, in each illustration file, the fact that it may be freely used but not modified.  Other images may have an “attribution” license, wher</a:t>
+            </a:r>
             <a:r>
               <a:rPr lang="en-US" dirty="0" smtClean="0">
                 <a:latin typeface="Arial" pitchFamily="18"/>
                 <a:ea typeface="MS Gothic" pitchFamily="2"/>
                 <a:cs typeface="Tahoma" pitchFamily="2"/>
               </a:rPr>
-              <a:t>Using </a:t>
-            </a:r>
-            <a:r>
-              <a:rPr lang="en-US" dirty="0" smtClean="0">
-                <a:latin typeface="Arial" pitchFamily="18"/>
-                <a:ea typeface="MS Gothic" pitchFamily="2"/>
-                <a:cs typeface="Tahoma" pitchFamily="2"/>
-              </a:rPr>
-              <a:t>the Chorus </a:t>
-            </a:r>
-            <a:r>
-              <a:rPr lang="en-US" dirty="0" smtClean="0">
-                <a:latin typeface="Arial" pitchFamily="18"/>
-                <a:ea typeface="MS Gothic" pitchFamily="2"/>
-                <a:cs typeface="Tahoma" pitchFamily="2"/>
-              </a:rPr>
-              <a:t>library, Bloom would be able to send changes and receive the changes of other team members over the internet, via USB </a:t>
-            </a:r>
-            <a:r>
-              <a:rPr lang="en-US" dirty="0" smtClean="0">
-                <a:latin typeface="Arial" pitchFamily="18"/>
-                <a:ea typeface="MS Gothic" pitchFamily="2"/>
-                <a:cs typeface="Tahoma" pitchFamily="2"/>
-              </a:rPr>
-              <a:t>f</a:t>
-            </a:r>
-            <a:r>
-              <a:rPr lang="en-US" dirty="0" smtClean="0">
-                <a:latin typeface="Arial" pitchFamily="18"/>
-                <a:ea typeface="MS Gothic" pitchFamily="2"/>
-                <a:cs typeface="Tahoma" pitchFamily="2"/>
-              </a:rPr>
-              <a:t>lash drives, or a local network.  Thus all of our work is safe &amp; viewable by the advisor.  Also, any new template books that have been built could show up in our list of available templates. </a:t>
-            </a:r>
+              <a:t>e they may be freely used but the work must be attributed to the artist, say, on the meta data page.</a:t>
+            </a:r>
+            <a:endParaRPr lang="en-US" dirty="0" smtClean="0">
+              <a:latin typeface="Arial" pitchFamily="18"/>
+              <a:ea typeface="MS Gothic" pitchFamily="2"/>
+              <a:cs typeface="Tahoma" pitchFamily="2"/>
+            </a:endParaRPr>
           </a:p>
           <a:p>
             <a:pPr lvl="0" hangingPunct="0">
               <a:spcBef>
                 <a:spcPts val="0"/>
               </a:spcBef>
-              <a:defRPr sz="2190"/>
+              <a:defRPr sz="2920"/>
             </a:pPr>
             <a:endParaRPr lang="en-US" dirty="0" smtClean="0">
               <a:latin typeface="Arial" pitchFamily="18"/>
@@ -10802,7 +12081,7 @@
               <a:spcBef>
                 <a:spcPts val="0"/>
               </a:spcBef>
-              <a:defRPr sz="2190"/>
+              <a:defRPr sz="2920"/>
             </a:pPr>
             <a:r>
               <a:rPr lang="en-US" dirty="0" smtClean="0">
@@ -10810,7 +12089,7 @@
                 <a:ea typeface="MS Gothic" pitchFamily="2"/>
                 <a:cs typeface="Tahoma" pitchFamily="2"/>
               </a:rPr>
-              <a:t>In </a:t>
+              <a:t>A nice thing for Bloom to do, then, </a:t>
             </a:r>
             <a:r>
               <a:rPr lang="en-US" dirty="0" smtClean="0">
@@ -10818,7 +12097,7 @@
                 <a:ea typeface="MS Gothic" pitchFamily="2"/>
                 <a:cs typeface="Tahoma" pitchFamily="2"/>
               </a:rPr>
-              <a:t>addition to </a:t>
+              <a:t>would be </a:t>
             </a:r>
             <a:r>
               <a:rPr lang="en-US" dirty="0" smtClean="0">
@@ -10826,54 +12105,52 @@
                 <a:ea typeface="MS Gothic" pitchFamily="2"/>
                 <a:cs typeface="Tahoma" pitchFamily="2"/>
               </a:rPr>
-              <a:t>this sending and receiving, Chorus </a:t>
-            </a:r>
-            <a:r>
-              <a:rPr lang="en-US" dirty="0" smtClean="0">
-                <a:latin typeface="Arial" pitchFamily="18"/>
-                <a:ea typeface="MS Gothic" pitchFamily="2"/>
-                <a:cs typeface="Tahoma" pitchFamily="2"/>
-              </a:rPr>
-              <a:t>opens up the ability to offer History and Notes features.</a:t>
-            </a:r>
-          </a:p>
-          <a:p>
-            <a:pPr lvl="0" hangingPunct="0">
-              <a:spcBef>
-                <a:spcPts val="0"/>
-              </a:spcBef>
-              <a:defRPr sz="2190"/>
-            </a:pPr>
+              <a:t>to help the user ensure that the license applied to the book is compatible with those of the illustrations, and to automatically include any attributions it finds in the illustrations.</a:t>
+            </a:r>
             <a:endParaRPr lang="en-US" dirty="0" smtClean="0">
               <a:latin typeface="Arial" pitchFamily="18"/>
               <a:ea typeface="MS Gothic" pitchFamily="2"/>
               <a:cs typeface="Tahoma" pitchFamily="2"/>
             </a:endParaRPr>
           </a:p>
-          <a:p>
-            <a:pPr lvl="0" hangingPunct="0">
-              <a:spcBef>
-                <a:spcPts val="0"/>
-              </a:spcBef>
-              <a:defRPr sz="2190"/>
-            </a:pPr>
-            <a:r>
-              <a:rPr lang="en-US" dirty="0" smtClean="0">
-                <a:latin typeface="Arial" pitchFamily="18"/>
-                <a:ea typeface="MS Gothic" pitchFamily="2"/>
-                <a:cs typeface="Tahoma" pitchFamily="2"/>
-              </a:rPr>
-              <a:t>In the following slides, I look at how that might look if incorporated into Bloom.</a:t>
-            </a:r>
-          </a:p>
-          <a:p>
-            <a:endParaRPr lang="en-US" dirty="0"/>
-          </a:p>
-        </p:txBody>
-      </p:sp>
+        </p:txBody>
+      </p:sp>
+    </p:spTree>
+  </p:cSld>
+  <p:clrMapOvr>
+    <a:masterClrMapping/>
+  </p:clrMapOvr>
+  <p:transition/>
+  <p:timing>
+    <p:tnLst>
+      <p:par>
+        <p:cTn id="1" dur="indefinite" restart="never" nodeType="tmRoot"/>
+      </p:par>
+    </p:tnLst>
+  </p:timing>
+</p:sld>
+</file>
+
+<file path=ppt/slides/slide21.xml><?xml version="1.0" encoding="utf-8"?>
+<p:sld xmlns:a="http://schemas.openxmlformats.org/drawingml/2006/main" xmlns:r="http://schemas.openxmlformats.org/officeDocument/2006/relationships" xmlns:p="http://schemas.openxmlformats.org/presentationml/2006/main">
+  <p:cSld name="page12">
+    <p:spTree>
+      <p:nvGrpSpPr>
+        <p:cNvPr id="1" name=""/>
+        <p:cNvGrpSpPr/>
+        <p:nvPr/>
+      </p:nvGrpSpPr>
+      <p:grpSpPr>
+        <a:xfrm>
+          <a:off x="0" y="0"/>
+          <a:ext cx="0" cy="0"/>
+          <a:chOff x="0" y="0"/>
+          <a:chExt cx="0" cy="0"/>
+        </a:xfrm>
+      </p:grpSpPr>
       <p:pic>
         <p:nvPicPr>
-          <p:cNvPr id="7" name="Picture 6" descr="chorusLabelled.png"/>
+          <p:cNvPr id="2" name="Picture 1"/>
           <p:cNvPicPr>
             <a:picLocks noChangeAspect="1"/>
           </p:cNvPicPr>
@@ -10887,12 +12164,16 @@
         </p:blipFill>
         <p:spPr>
           <a:xfrm>
-            <a:off x="8316912" y="579437"/>
-            <a:ext cx="980788" cy="1000404"/>
+            <a:off x="985" y="0"/>
+            <a:ext cx="10079640" cy="5864400"/>
           </a:xfrm>
           <a:prstGeom prst="rect">
             <a:avLst/>
           </a:prstGeom>
+          <a:noFill/>
+          <a:ln>
+            <a:noFill/>
+          </a:ln>
         </p:spPr>
       </p:pic>
     </p:spTree>
@@ -10911,7 +12192,1033 @@
 </p:sld>
 </file>
 
-<file path=ppt/slides/slide21.xml><?xml version="1.0" encoding="utf-8"?>
+<file path=ppt/slides/slide22.xml><?xml version="1.0" encoding="utf-8"?>
+<p:sld xmlns:a="http://schemas.openxmlformats.org/drawingml/2006/main" xmlns:r="http://schemas.openxmlformats.org/officeDocument/2006/relationships" xmlns:p="http://schemas.openxmlformats.org/presentationml/2006/main">
+  <p:cSld name="page6">
+    <p:spTree>
+      <p:nvGrpSpPr>
+        <p:cNvPr id="1" name=""/>
+        <p:cNvGrpSpPr/>
+        <p:nvPr/>
+      </p:nvGrpSpPr>
+      <p:grpSpPr>
+        <a:xfrm>
+          <a:off x="0" y="0"/>
+          <a:ext cx="0" cy="0"/>
+          <a:chOff x="0" y="0"/>
+          <a:chExt cx="0" cy="0"/>
+        </a:xfrm>
+      </p:grpSpPr>
+      <p:sp>
+        <p:nvSpPr>
+          <p:cNvPr id="4" name="Title 3"/>
+          <p:cNvSpPr>
+            <a:spLocks noGrp="1"/>
+          </p:cNvSpPr>
+          <p:nvPr>
+            <p:ph type="title"/>
+          </p:nvPr>
+        </p:nvSpPr>
+        <p:spPr/>
+        <p:txBody>
+          <a:bodyPr>
+            <a:normAutofit/>
+          </a:bodyPr>
+          <a:lstStyle/>
+          <a:p>
+            <a:pPr lvl="0"/>
+            <a:r>
+              <a:rPr lang="en-US" dirty="0" err="1" smtClean="0">
+                <a:latin typeface="Arial" pitchFamily="18"/>
+                <a:ea typeface="MS Gothic" pitchFamily="2"/>
+                <a:cs typeface="Tahoma" pitchFamily="2"/>
+              </a:rPr>
+              <a:t>MetaData</a:t>
+            </a:r>
+            <a:endParaRPr lang="en-US" dirty="0"/>
+          </a:p>
+        </p:txBody>
+      </p:sp>
+      <p:sp>
+        <p:nvSpPr>
+          <p:cNvPr id="5" name="Content Placeholder 4"/>
+          <p:cNvSpPr>
+            <a:spLocks noGrp="1"/>
+          </p:cNvSpPr>
+          <p:nvPr>
+            <p:ph idx="1"/>
+          </p:nvPr>
+        </p:nvSpPr>
+        <p:spPr/>
+        <p:txBody>
+          <a:bodyPr/>
+          <a:lstStyle/>
+          <a:p>
+            <a:pPr lvl="0" hangingPunct="0">
+              <a:spcBef>
+                <a:spcPts val="0"/>
+              </a:spcBef>
+              <a:defRPr sz="2920"/>
+            </a:pPr>
+            <a:r>
+              <a:rPr lang="en-US" dirty="0" smtClean="0">
+                <a:latin typeface="Arial" pitchFamily="18"/>
+                <a:ea typeface="MS Gothic" pitchFamily="2"/>
+                <a:cs typeface="Tahoma" pitchFamily="2"/>
+              </a:rPr>
+              <a:t>An important task in book making is getting all the meta data together.  Who holds the copyright?  How is it licensed?  Who to contact for more copies? ISBN number, etc.</a:t>
+            </a:r>
+          </a:p>
+          <a:p>
+            <a:pPr lvl="0" hangingPunct="0">
+              <a:spcBef>
+                <a:spcPts val="0"/>
+              </a:spcBef>
+              <a:defRPr sz="2920"/>
+            </a:pPr>
+            <a:endParaRPr lang="en-US" dirty="0" smtClean="0">
+              <a:latin typeface="Arial" pitchFamily="18"/>
+              <a:ea typeface="MS Gothic" pitchFamily="2"/>
+              <a:cs typeface="Tahoma" pitchFamily="2"/>
+            </a:endParaRPr>
+          </a:p>
+        </p:txBody>
+      </p:sp>
+    </p:spTree>
+  </p:cSld>
+  <p:clrMapOvr>
+    <a:masterClrMapping/>
+  </p:clrMapOvr>
+  <p:transition/>
+  <p:timing>
+    <p:tnLst>
+      <p:par>
+        <p:cTn id="1" dur="indefinite" restart="never" nodeType="tmRoot"/>
+      </p:par>
+    </p:tnLst>
+  </p:timing>
+</p:sld>
+</file>
+
+<file path=ppt/slides/slide23.xml><?xml version="1.0" encoding="utf-8"?>
+<p:sld xmlns:a="http://schemas.openxmlformats.org/drawingml/2006/main" xmlns:r="http://schemas.openxmlformats.org/officeDocument/2006/relationships" xmlns:p="http://schemas.openxmlformats.org/presentationml/2006/main">
+  <p:cSld name="page7">
+    <p:spTree>
+      <p:nvGrpSpPr>
+        <p:cNvPr id="1" name=""/>
+        <p:cNvGrpSpPr/>
+        <p:nvPr/>
+      </p:nvGrpSpPr>
+      <p:grpSpPr>
+        <a:xfrm>
+          <a:off x="0" y="0"/>
+          <a:ext cx="0" cy="0"/>
+          <a:chOff x="0" y="0"/>
+          <a:chExt cx="0" cy="0"/>
+        </a:xfrm>
+      </p:grpSpPr>
+      <p:pic>
+        <p:nvPicPr>
+          <p:cNvPr id="2" name="Picture 1"/>
+          <p:cNvPicPr>
+            <a:picLocks noChangeAspect="1"/>
+          </p:cNvPicPr>
+          <p:nvPr/>
+        </p:nvPicPr>
+        <p:blipFill>
+          <a:blip r:embed="rId3" cstate="print"/>
+          <a:stretch>
+            <a:fillRect/>
+          </a:stretch>
+        </p:blipFill>
+        <p:spPr>
+          <a:xfrm>
+            <a:off x="0" y="0"/>
+            <a:ext cx="10079640" cy="5864400"/>
+          </a:xfrm>
+          <a:prstGeom prst="rect">
+            <a:avLst/>
+          </a:prstGeom>
+          <a:noFill/>
+          <a:ln>
+            <a:noFill/>
+          </a:ln>
+        </p:spPr>
+      </p:pic>
+      <p:sp>
+        <p:nvSpPr>
+          <p:cNvPr id="3" name="TextBox 2"/>
+          <p:cNvSpPr txBox="1"/>
+          <p:nvPr/>
+        </p:nvSpPr>
+        <p:spPr>
+          <a:xfrm>
+            <a:off x="925512" y="6142037"/>
+            <a:ext cx="8915400" cy="646331"/>
+          </a:xfrm>
+          <a:prstGeom prst="rect">
+            <a:avLst/>
+          </a:prstGeom>
+          <a:noFill/>
+        </p:spPr>
+        <p:txBody>
+          <a:bodyPr wrap="square" rtlCol="0">
+            <a:spAutoFit/>
+          </a:bodyPr>
+          <a:lstStyle/>
+          <a:p>
+            <a:pPr lvl="0"/>
+            <a:r>
+              <a:rPr lang="en-US" dirty="0" smtClean="0">
+                <a:latin typeface="Arial" pitchFamily="18"/>
+                <a:ea typeface="MS Gothic" pitchFamily="2"/>
+                <a:cs typeface="Tahoma" pitchFamily="2"/>
+              </a:rPr>
+              <a:t>Notice the “Edit” tab doesn't attempt to give WYSIWYG... instead it is optimized to help you know what to do.  </a:t>
+            </a:r>
+          </a:p>
+        </p:txBody>
+      </p:sp>
+    </p:spTree>
+  </p:cSld>
+  <p:clrMapOvr>
+    <a:masterClrMapping/>
+  </p:clrMapOvr>
+  <p:transition/>
+  <p:timing>
+    <p:tnLst>
+      <p:par>
+        <p:cTn id="1" dur="indefinite" restart="never" nodeType="tmRoot"/>
+      </p:par>
+    </p:tnLst>
+  </p:timing>
+</p:sld>
+</file>
+
+<file path=ppt/slides/slide24.xml><?xml version="1.0" encoding="utf-8"?>
+<p:sld xmlns:a="http://schemas.openxmlformats.org/drawingml/2006/main" xmlns:r="http://schemas.openxmlformats.org/officeDocument/2006/relationships" xmlns:p="http://schemas.openxmlformats.org/presentationml/2006/main">
+  <p:cSld name="page8">
+    <p:spTree>
+      <p:nvGrpSpPr>
+        <p:cNvPr id="1" name=""/>
+        <p:cNvGrpSpPr/>
+        <p:nvPr/>
+      </p:nvGrpSpPr>
+      <p:grpSpPr>
+        <a:xfrm>
+          <a:off x="0" y="0"/>
+          <a:ext cx="0" cy="0"/>
+          <a:chOff x="0" y="0"/>
+          <a:chExt cx="0" cy="0"/>
+        </a:xfrm>
+      </p:grpSpPr>
+      <p:pic>
+        <p:nvPicPr>
+          <p:cNvPr id="2" name="Picture 1"/>
+          <p:cNvPicPr>
+            <a:picLocks noChangeAspect="1"/>
+          </p:cNvPicPr>
+          <p:nvPr/>
+        </p:nvPicPr>
+        <p:blipFill>
+          <a:blip r:embed="rId3" cstate="print"/>
+          <a:stretch>
+            <a:fillRect/>
+          </a:stretch>
+        </p:blipFill>
+        <p:spPr>
+          <a:xfrm>
+            <a:off x="985" y="0"/>
+            <a:ext cx="10079640" cy="5864400"/>
+          </a:xfrm>
+          <a:prstGeom prst="rect">
+            <a:avLst/>
+          </a:prstGeom>
+          <a:noFill/>
+          <a:ln>
+            <a:noFill/>
+          </a:ln>
+        </p:spPr>
+      </p:pic>
+      <p:sp>
+        <p:nvSpPr>
+          <p:cNvPr id="3" name="TextBox 2"/>
+          <p:cNvSpPr txBox="1"/>
+          <p:nvPr/>
+        </p:nvSpPr>
+        <p:spPr>
+          <a:xfrm>
+            <a:off x="925512" y="6446837"/>
+            <a:ext cx="8763000" cy="369332"/>
+          </a:xfrm>
+          <a:prstGeom prst="rect">
+            <a:avLst/>
+          </a:prstGeom>
+          <a:noFill/>
+        </p:spPr>
+        <p:txBody>
+          <a:bodyPr wrap="square" rtlCol="0">
+            <a:spAutoFit/>
+          </a:bodyPr>
+          <a:lstStyle/>
+          <a:p>
+            <a:r>
+              <a:rPr lang="en-US" dirty="0" smtClean="0">
+                <a:latin typeface="Arial" pitchFamily="18"/>
+                <a:ea typeface="MS Gothic" pitchFamily="2"/>
+                <a:cs typeface="Tahoma" pitchFamily="2"/>
+              </a:rPr>
+              <a:t>Then in “preview”, we see how that data will appear in the printed document.</a:t>
+            </a:r>
+            <a:endParaRPr lang="en-US" dirty="0"/>
+          </a:p>
+        </p:txBody>
+      </p:sp>
+    </p:spTree>
+  </p:cSld>
+  <p:clrMapOvr>
+    <a:masterClrMapping/>
+  </p:clrMapOvr>
+  <p:transition/>
+  <p:timing>
+    <p:tnLst>
+      <p:par>
+        <p:cTn id="1" dur="indefinite" restart="never" nodeType="tmRoot"/>
+      </p:par>
+    </p:tnLst>
+  </p:timing>
+</p:sld>
+</file>
+
+<file path=ppt/slides/slide25.xml><?xml version="1.0" encoding="utf-8"?>
+<p:sld xmlns:a="http://schemas.openxmlformats.org/drawingml/2006/main" xmlns:r="http://schemas.openxmlformats.org/officeDocument/2006/relationships" xmlns:p="http://schemas.openxmlformats.org/presentationml/2006/main">
+  <p:cSld name="page13">
+    <p:spTree>
+      <p:nvGrpSpPr>
+        <p:cNvPr id="1" name=""/>
+        <p:cNvGrpSpPr/>
+        <p:nvPr/>
+      </p:nvGrpSpPr>
+      <p:grpSpPr>
+        <a:xfrm>
+          <a:off x="0" y="0"/>
+          <a:ext cx="0" cy="0"/>
+          <a:chOff x="0" y="0"/>
+          <a:chExt cx="0" cy="0"/>
+        </a:xfrm>
+      </p:grpSpPr>
+      <p:sp>
+        <p:nvSpPr>
+          <p:cNvPr id="2" name="TextBox 1"/>
+          <p:cNvSpPr txBox="1"/>
+          <p:nvPr/>
+        </p:nvSpPr>
+        <p:spPr>
+          <a:xfrm>
+            <a:off x="1233721" y="832680"/>
+            <a:ext cx="6415560" cy="3887279"/>
+          </a:xfrm>
+          <a:prstGeom prst="rect">
+            <a:avLst/>
+          </a:prstGeom>
+          <a:noFill/>
+          <a:ln>
+            <a:noFill/>
+          </a:ln>
+        </p:spPr>
+        <p:txBody>
+          <a:bodyPr vert="horz" lIns="90000" tIns="45000" rIns="90000" bIns="45000" compatLnSpc="0"/>
+          <a:lstStyle>
+            <a:defPPr lvl="0">
+              <a:buSzPct val="45000"/>
+              <a:buFont typeface="StarSymbol"/>
+              <a:buNone/>
+            </a:defPPr>
+            <a:lvl1pPr lvl="0">
+              <a:buSzPct val="45000"/>
+              <a:buFont typeface="StarSymbol"/>
+              <a:buChar char="●"/>
+            </a:lvl1pPr>
+            <a:lvl2pPr lvl="1">
+              <a:buSzPct val="45000"/>
+              <a:buFont typeface="StarSymbol"/>
+              <a:buChar char="●"/>
+            </a:lvl2pPr>
+            <a:lvl3pPr lvl="2">
+              <a:buSzPct val="45000"/>
+              <a:buFont typeface="StarSymbol"/>
+              <a:buChar char="●"/>
+            </a:lvl3pPr>
+            <a:lvl4pPr lvl="3">
+              <a:buSzPct val="45000"/>
+              <a:buFont typeface="StarSymbol"/>
+              <a:buChar char="●"/>
+            </a:lvl4pPr>
+            <a:lvl5pPr lvl="4">
+              <a:buSzPct val="45000"/>
+              <a:buFont typeface="StarSymbol"/>
+              <a:buChar char="●"/>
+            </a:lvl5pPr>
+            <a:lvl6pPr lvl="5">
+              <a:buSzPct val="45000"/>
+              <a:buFont typeface="StarSymbol"/>
+              <a:buChar char="●"/>
+            </a:lvl6pPr>
+            <a:lvl7pPr lvl="6">
+              <a:buSzPct val="45000"/>
+              <a:buFont typeface="StarSymbol"/>
+              <a:buChar char="●"/>
+            </a:lvl7pPr>
+            <a:lvl8pPr lvl="7">
+              <a:buSzPct val="45000"/>
+              <a:buFont typeface="StarSymbol"/>
+              <a:buChar char="●"/>
+            </a:lvl8pPr>
+            <a:lvl9pPr lvl="8">
+              <a:buSzPct val="45000"/>
+              <a:buFont typeface="StarSymbol"/>
+              <a:buChar char="●"/>
+            </a:lvl9pPr>
+          </a:lstStyle>
+          <a:p>
+            <a:pPr marL="0" marR="0" lvl="0" indent="0" rtl="0" hangingPunct="0">
+              <a:lnSpc>
+                <a:spcPct val="100000"/>
+              </a:lnSpc>
+              <a:spcBef>
+                <a:spcPts val="0"/>
+              </a:spcBef>
+              <a:spcAft>
+                <a:spcPts val="0"/>
+              </a:spcAft>
+              <a:buNone/>
+              <a:tabLst/>
+              <a:defRPr sz="2920"/>
+            </a:pPr>
+            <a:endParaRPr lang="en-US" sz="2400" b="0" i="0" u="none" strike="noStrike" kern="1200" dirty="0">
+              <a:ln>
+                <a:noFill/>
+              </a:ln>
+              <a:latin typeface="Arial" pitchFamily="18"/>
+              <a:ea typeface="MS Gothic" pitchFamily="2"/>
+              <a:cs typeface="Tahoma" pitchFamily="2"/>
+            </a:endParaRPr>
+          </a:p>
+        </p:txBody>
+      </p:sp>
+      <p:sp>
+        <p:nvSpPr>
+          <p:cNvPr id="3" name="TextBox 2"/>
+          <p:cNvSpPr txBox="1"/>
+          <p:nvPr/>
+        </p:nvSpPr>
+        <p:spPr>
+          <a:xfrm>
+            <a:off x="740159" y="277560"/>
+            <a:ext cx="2714400" cy="1110600"/>
+          </a:xfrm>
+          <a:prstGeom prst="rect">
+            <a:avLst/>
+          </a:prstGeom>
+          <a:noFill/>
+          <a:ln>
+            <a:noFill/>
+          </a:ln>
+        </p:spPr>
+        <p:txBody>
+          <a:bodyPr vert="horz" lIns="90000" tIns="45000" rIns="90000" bIns="45000" compatLnSpc="0"/>
+          <a:lstStyle>
+            <a:defPPr lvl="0">
+              <a:buSzPct val="45000"/>
+              <a:buFont typeface="StarSymbol"/>
+              <a:buNone/>
+            </a:defPPr>
+            <a:lvl1pPr lvl="0">
+              <a:buSzPct val="45000"/>
+              <a:buFont typeface="StarSymbol"/>
+              <a:buChar char="●"/>
+            </a:lvl1pPr>
+            <a:lvl2pPr lvl="1">
+              <a:buSzPct val="45000"/>
+              <a:buFont typeface="StarSymbol"/>
+              <a:buChar char="●"/>
+            </a:lvl2pPr>
+            <a:lvl3pPr lvl="2">
+              <a:buSzPct val="45000"/>
+              <a:buFont typeface="StarSymbol"/>
+              <a:buChar char="●"/>
+            </a:lvl3pPr>
+            <a:lvl4pPr lvl="3">
+              <a:buSzPct val="45000"/>
+              <a:buFont typeface="StarSymbol"/>
+              <a:buChar char="●"/>
+            </a:lvl4pPr>
+            <a:lvl5pPr lvl="4">
+              <a:buSzPct val="45000"/>
+              <a:buFont typeface="StarSymbol"/>
+              <a:buChar char="●"/>
+            </a:lvl5pPr>
+            <a:lvl6pPr lvl="5">
+              <a:buSzPct val="45000"/>
+              <a:buFont typeface="StarSymbol"/>
+              <a:buChar char="●"/>
+            </a:lvl6pPr>
+            <a:lvl7pPr lvl="6">
+              <a:buSzPct val="45000"/>
+              <a:buFont typeface="StarSymbol"/>
+              <a:buChar char="●"/>
+            </a:lvl7pPr>
+            <a:lvl8pPr lvl="7">
+              <a:buSzPct val="45000"/>
+              <a:buFont typeface="StarSymbol"/>
+              <a:buChar char="●"/>
+            </a:lvl8pPr>
+            <a:lvl9pPr lvl="8">
+              <a:buSzPct val="45000"/>
+              <a:buFont typeface="StarSymbol"/>
+              <a:buChar char="●"/>
+            </a:lvl9pPr>
+          </a:lstStyle>
+          <a:p>
+            <a:pPr marL="0" marR="0" lvl="0" indent="0" rtl="0" hangingPunct="0">
+              <a:lnSpc>
+                <a:spcPct val="100000"/>
+              </a:lnSpc>
+              <a:spcBef>
+                <a:spcPts val="0"/>
+              </a:spcBef>
+              <a:spcAft>
+                <a:spcPts val="0"/>
+              </a:spcAft>
+              <a:buNone/>
+              <a:tabLst/>
+              <a:defRPr sz="2920"/>
+            </a:pPr>
+            <a:endParaRPr lang="en-US" sz="2400" b="0" i="0" u="none" strike="noStrike" kern="1200" dirty="0">
+              <a:ln>
+                <a:noFill/>
+              </a:ln>
+              <a:latin typeface="Arial" pitchFamily="18"/>
+              <a:ea typeface="MS Gothic" pitchFamily="2"/>
+              <a:cs typeface="Tahoma" pitchFamily="2"/>
+            </a:endParaRPr>
+          </a:p>
+        </p:txBody>
+      </p:sp>
+      <p:sp>
+        <p:nvSpPr>
+          <p:cNvPr id="4" name="Title 3"/>
+          <p:cNvSpPr>
+            <a:spLocks noGrp="1"/>
+          </p:cNvSpPr>
+          <p:nvPr>
+            <p:ph type="title"/>
+          </p:nvPr>
+        </p:nvSpPr>
+        <p:spPr/>
+        <p:txBody>
+          <a:bodyPr>
+            <a:normAutofit/>
+          </a:bodyPr>
+          <a:lstStyle/>
+          <a:p>
+            <a:pPr lvl="0"/>
+            <a:r>
+              <a:rPr lang="en-US" dirty="0" smtClean="0">
+                <a:latin typeface="Arial" pitchFamily="18"/>
+                <a:ea typeface="MS Gothic" pitchFamily="2"/>
+                <a:cs typeface="Tahoma" pitchFamily="2"/>
+              </a:rPr>
+              <a:t>Publish Mode</a:t>
+            </a:r>
+            <a:endParaRPr lang="en-US" dirty="0"/>
+          </a:p>
+        </p:txBody>
+      </p:sp>
+      <p:sp>
+        <p:nvSpPr>
+          <p:cNvPr id="5" name="Content Placeholder 4"/>
+          <p:cNvSpPr>
+            <a:spLocks noGrp="1"/>
+          </p:cNvSpPr>
+          <p:nvPr>
+            <p:ph idx="1"/>
+          </p:nvPr>
+        </p:nvSpPr>
+        <p:spPr/>
+        <p:txBody>
+          <a:bodyPr/>
+          <a:lstStyle/>
+          <a:p>
+            <a:pPr lvl="0"/>
+            <a:r>
+              <a:rPr lang="en-US" dirty="0" smtClean="0">
+                <a:latin typeface="Arial" pitchFamily="18"/>
+                <a:ea typeface="MS Gothic" pitchFamily="2"/>
+                <a:cs typeface="Tahoma" pitchFamily="2"/>
+              </a:rPr>
+              <a:t>Here, I'm trying to see how much Bloom could help people with the physical act of printing and assembling books.  The following is of course specific to this pesky landscape A5 format of the selected book.  Other formats would have different instructions.  We could easily include a short video, as well.</a:t>
+            </a:r>
+          </a:p>
+        </p:txBody>
+      </p:sp>
+    </p:spTree>
+  </p:cSld>
+  <p:clrMapOvr>
+    <a:masterClrMapping/>
+  </p:clrMapOvr>
+  <p:transition/>
+  <p:timing>
+    <p:tnLst>
+      <p:par>
+        <p:cTn id="1" dur="indefinite" restart="never" nodeType="tmRoot"/>
+      </p:par>
+    </p:tnLst>
+  </p:timing>
+</p:sld>
+</file>
+
+<file path=ppt/slides/slide26.xml><?xml version="1.0" encoding="utf-8"?>
+<p:sld xmlns:a="http://schemas.openxmlformats.org/drawingml/2006/main" xmlns:r="http://schemas.openxmlformats.org/officeDocument/2006/relationships" xmlns:p="http://schemas.openxmlformats.org/presentationml/2006/main">
+  <p:cSld name="page14">
+    <p:spTree>
+      <p:nvGrpSpPr>
+        <p:cNvPr id="1" name=""/>
+        <p:cNvGrpSpPr/>
+        <p:nvPr/>
+      </p:nvGrpSpPr>
+      <p:grpSpPr>
+        <a:xfrm>
+          <a:off x="0" y="0"/>
+          <a:ext cx="0" cy="0"/>
+          <a:chOff x="0" y="0"/>
+          <a:chExt cx="0" cy="0"/>
+        </a:xfrm>
+      </p:grpSpPr>
+      <p:pic>
+        <p:nvPicPr>
+          <p:cNvPr id="2" name="Picture 1"/>
+          <p:cNvPicPr>
+            <a:picLocks noChangeAspect="1"/>
+          </p:cNvPicPr>
+          <p:nvPr/>
+        </p:nvPicPr>
+        <p:blipFill>
+          <a:blip r:embed="rId3" cstate="print"/>
+          <a:srcRect b="10540"/>
+          <a:stretch>
+            <a:fillRect/>
+          </a:stretch>
+        </p:blipFill>
+        <p:spPr>
+          <a:xfrm>
+            <a:off x="0" y="361"/>
+            <a:ext cx="10079640" cy="6751276"/>
+          </a:xfrm>
+          <a:prstGeom prst="rect">
+            <a:avLst/>
+          </a:prstGeom>
+          <a:noFill/>
+          <a:ln>
+            <a:noFill/>
+          </a:ln>
+        </p:spPr>
+      </p:pic>
+    </p:spTree>
+  </p:cSld>
+  <p:clrMapOvr>
+    <a:masterClrMapping/>
+  </p:clrMapOvr>
+  <p:transition/>
+  <p:timing>
+    <p:tnLst>
+      <p:par>
+        <p:cTn id="1" dur="indefinite" restart="never" nodeType="tmRoot"/>
+      </p:par>
+    </p:tnLst>
+  </p:timing>
+</p:sld>
+</file>
+
+<file path=ppt/slides/slide27.xml><?xml version="1.0" encoding="utf-8"?>
+<p:sld xmlns:a="http://schemas.openxmlformats.org/drawingml/2006/main" xmlns:r="http://schemas.openxmlformats.org/officeDocument/2006/relationships" xmlns:p="http://schemas.openxmlformats.org/presentationml/2006/main">
+  <p:cSld name="page15">
+    <p:spTree>
+      <p:nvGrpSpPr>
+        <p:cNvPr id="1" name=""/>
+        <p:cNvGrpSpPr/>
+        <p:nvPr/>
+      </p:nvGrpSpPr>
+      <p:grpSpPr>
+        <a:xfrm>
+          <a:off x="0" y="0"/>
+          <a:ext cx="0" cy="0"/>
+          <a:chOff x="0" y="0"/>
+          <a:chExt cx="0" cy="0"/>
+        </a:xfrm>
+      </p:grpSpPr>
+      <p:sp>
+        <p:nvSpPr>
+          <p:cNvPr id="2" name="TextBox 1"/>
+          <p:cNvSpPr txBox="1"/>
+          <p:nvPr/>
+        </p:nvSpPr>
+        <p:spPr>
+          <a:xfrm>
+            <a:off x="1233721" y="832680"/>
+            <a:ext cx="6415560" cy="3887279"/>
+          </a:xfrm>
+          <a:prstGeom prst="rect">
+            <a:avLst/>
+          </a:prstGeom>
+          <a:noFill/>
+          <a:ln>
+            <a:noFill/>
+          </a:ln>
+        </p:spPr>
+        <p:txBody>
+          <a:bodyPr vert="horz" lIns="90000" tIns="45000" rIns="90000" bIns="45000" compatLnSpc="0"/>
+          <a:lstStyle>
+            <a:defPPr lvl="0">
+              <a:buSzPct val="45000"/>
+              <a:buFont typeface="StarSymbol"/>
+              <a:buNone/>
+            </a:defPPr>
+            <a:lvl1pPr lvl="0">
+              <a:buSzPct val="45000"/>
+              <a:buFont typeface="StarSymbol"/>
+              <a:buChar char="●"/>
+            </a:lvl1pPr>
+            <a:lvl2pPr lvl="1">
+              <a:buSzPct val="45000"/>
+              <a:buFont typeface="StarSymbol"/>
+              <a:buChar char="●"/>
+            </a:lvl2pPr>
+            <a:lvl3pPr lvl="2">
+              <a:buSzPct val="45000"/>
+              <a:buFont typeface="StarSymbol"/>
+              <a:buChar char="●"/>
+            </a:lvl3pPr>
+            <a:lvl4pPr lvl="3">
+              <a:buSzPct val="45000"/>
+              <a:buFont typeface="StarSymbol"/>
+              <a:buChar char="●"/>
+            </a:lvl4pPr>
+            <a:lvl5pPr lvl="4">
+              <a:buSzPct val="45000"/>
+              <a:buFont typeface="StarSymbol"/>
+              <a:buChar char="●"/>
+            </a:lvl5pPr>
+            <a:lvl6pPr lvl="5">
+              <a:buSzPct val="45000"/>
+              <a:buFont typeface="StarSymbol"/>
+              <a:buChar char="●"/>
+            </a:lvl6pPr>
+            <a:lvl7pPr lvl="6">
+              <a:buSzPct val="45000"/>
+              <a:buFont typeface="StarSymbol"/>
+              <a:buChar char="●"/>
+            </a:lvl7pPr>
+            <a:lvl8pPr lvl="7">
+              <a:buSzPct val="45000"/>
+              <a:buFont typeface="StarSymbol"/>
+              <a:buChar char="●"/>
+            </a:lvl8pPr>
+            <a:lvl9pPr lvl="8">
+              <a:buSzPct val="45000"/>
+              <a:buFont typeface="StarSymbol"/>
+              <a:buChar char="●"/>
+            </a:lvl9pPr>
+          </a:lstStyle>
+          <a:p>
+            <a:pPr marL="0" marR="0" lvl="0" indent="0" rtl="0" hangingPunct="0">
+              <a:lnSpc>
+                <a:spcPct val="100000"/>
+              </a:lnSpc>
+              <a:spcBef>
+                <a:spcPts val="0"/>
+              </a:spcBef>
+              <a:spcAft>
+                <a:spcPts val="0"/>
+              </a:spcAft>
+              <a:buNone/>
+              <a:tabLst/>
+              <a:defRPr sz="2190"/>
+            </a:pPr>
+            <a:endParaRPr lang="en-US" sz="2190" b="0" i="0" u="none" strike="noStrike" kern="1200" dirty="0">
+              <a:ln>
+                <a:noFill/>
+              </a:ln>
+              <a:latin typeface="Arial" pitchFamily="18"/>
+              <a:ea typeface="MS Gothic" pitchFamily="2"/>
+              <a:cs typeface="Tahoma" pitchFamily="2"/>
+            </a:endParaRPr>
+          </a:p>
+        </p:txBody>
+      </p:sp>
+      <p:sp>
+        <p:nvSpPr>
+          <p:cNvPr id="3" name="TextBox 2"/>
+          <p:cNvSpPr txBox="1"/>
+          <p:nvPr/>
+        </p:nvSpPr>
+        <p:spPr>
+          <a:xfrm>
+            <a:off x="740159" y="277560"/>
+            <a:ext cx="2714400" cy="1110600"/>
+          </a:xfrm>
+          <a:prstGeom prst="rect">
+            <a:avLst/>
+          </a:prstGeom>
+          <a:noFill/>
+          <a:ln>
+            <a:noFill/>
+          </a:ln>
+        </p:spPr>
+        <p:txBody>
+          <a:bodyPr vert="horz" lIns="90000" tIns="45000" rIns="90000" bIns="45000" compatLnSpc="0"/>
+          <a:lstStyle>
+            <a:defPPr lvl="0">
+              <a:buSzPct val="45000"/>
+              <a:buFont typeface="StarSymbol"/>
+              <a:buNone/>
+            </a:defPPr>
+            <a:lvl1pPr lvl="0">
+              <a:buSzPct val="45000"/>
+              <a:buFont typeface="StarSymbol"/>
+              <a:buChar char="●"/>
+            </a:lvl1pPr>
+            <a:lvl2pPr lvl="1">
+              <a:buSzPct val="45000"/>
+              <a:buFont typeface="StarSymbol"/>
+              <a:buChar char="●"/>
+            </a:lvl2pPr>
+            <a:lvl3pPr lvl="2">
+              <a:buSzPct val="45000"/>
+              <a:buFont typeface="StarSymbol"/>
+              <a:buChar char="●"/>
+            </a:lvl3pPr>
+            <a:lvl4pPr lvl="3">
+              <a:buSzPct val="45000"/>
+              <a:buFont typeface="StarSymbol"/>
+              <a:buChar char="●"/>
+            </a:lvl4pPr>
+            <a:lvl5pPr lvl="4">
+              <a:buSzPct val="45000"/>
+              <a:buFont typeface="StarSymbol"/>
+              <a:buChar char="●"/>
+            </a:lvl5pPr>
+            <a:lvl6pPr lvl="5">
+              <a:buSzPct val="45000"/>
+              <a:buFont typeface="StarSymbol"/>
+              <a:buChar char="●"/>
+            </a:lvl6pPr>
+            <a:lvl7pPr lvl="6">
+              <a:buSzPct val="45000"/>
+              <a:buFont typeface="StarSymbol"/>
+              <a:buChar char="●"/>
+            </a:lvl7pPr>
+            <a:lvl8pPr lvl="7">
+              <a:buSzPct val="45000"/>
+              <a:buFont typeface="StarSymbol"/>
+              <a:buChar char="●"/>
+            </a:lvl8pPr>
+            <a:lvl9pPr lvl="8">
+              <a:buSzPct val="45000"/>
+              <a:buFont typeface="StarSymbol"/>
+              <a:buChar char="●"/>
+            </a:lvl9pPr>
+          </a:lstStyle>
+          <a:p>
+            <a:pPr marL="0" marR="0" lvl="0" indent="0" rtl="0" hangingPunct="0">
+              <a:lnSpc>
+                <a:spcPct val="100000"/>
+              </a:lnSpc>
+              <a:spcBef>
+                <a:spcPts val="0"/>
+              </a:spcBef>
+              <a:spcAft>
+                <a:spcPts val="0"/>
+              </a:spcAft>
+              <a:buNone/>
+              <a:tabLst/>
+              <a:defRPr sz="2190"/>
+            </a:pPr>
+            <a:endParaRPr lang="en-US" sz="2190" b="0" i="0" u="none" strike="noStrike" kern="1200" dirty="0">
+              <a:ln>
+                <a:noFill/>
+              </a:ln>
+              <a:latin typeface="Arial" pitchFamily="18"/>
+              <a:ea typeface="MS Gothic" pitchFamily="2"/>
+              <a:cs typeface="Tahoma" pitchFamily="2"/>
+            </a:endParaRPr>
+          </a:p>
+        </p:txBody>
+      </p:sp>
+      <p:sp>
+        <p:nvSpPr>
+          <p:cNvPr id="4" name="Title 3"/>
+          <p:cNvSpPr>
+            <a:spLocks noGrp="1"/>
+          </p:cNvSpPr>
+          <p:nvPr>
+            <p:ph type="title"/>
+          </p:nvPr>
+        </p:nvSpPr>
+        <p:spPr/>
+        <p:txBody>
+          <a:bodyPr>
+            <a:normAutofit/>
+          </a:bodyPr>
+          <a:lstStyle/>
+          <a:p>
+            <a:pPr lvl="0"/>
+            <a:r>
+              <a:rPr lang="en-US" dirty="0" smtClean="0">
+                <a:latin typeface="Arial" pitchFamily="18"/>
+                <a:ea typeface="MS Gothic" pitchFamily="2"/>
+                <a:cs typeface="Tahoma" pitchFamily="2"/>
+              </a:rPr>
+              <a:t>History &amp; Notes</a:t>
+            </a:r>
+            <a:endParaRPr lang="en-US" dirty="0"/>
+          </a:p>
+        </p:txBody>
+      </p:sp>
+      <p:sp>
+        <p:nvSpPr>
+          <p:cNvPr id="5" name="Content Placeholder 4"/>
+          <p:cNvSpPr>
+            <a:spLocks noGrp="1"/>
+          </p:cNvSpPr>
+          <p:nvPr>
+            <p:ph idx="1"/>
+          </p:nvPr>
+        </p:nvSpPr>
+        <p:spPr/>
+        <p:txBody>
+          <a:bodyPr/>
+          <a:lstStyle/>
+          <a:p>
+            <a:pPr lvl="0" hangingPunct="0">
+              <a:spcBef>
+                <a:spcPts val="0"/>
+              </a:spcBef>
+              <a:defRPr sz="2190"/>
+            </a:pPr>
+            <a:r>
+              <a:rPr lang="en-US" dirty="0" smtClean="0">
+                <a:latin typeface="Arial" pitchFamily="18"/>
+                <a:ea typeface="MS Gothic" pitchFamily="2"/>
+                <a:cs typeface="Tahoma" pitchFamily="2"/>
+              </a:rPr>
+              <a:t>Using the Chorus library, Bloom would be able to send changes and receive the changes of other team members over the internet, via USB flash drives, or a local network.  Thus all of our work is safe &amp; viewable by the advisor.  Also, any new template books that have been built could show up in our list of available templates. </a:t>
+            </a:r>
+          </a:p>
+          <a:p>
+            <a:pPr lvl="0" hangingPunct="0">
+              <a:spcBef>
+                <a:spcPts val="0"/>
+              </a:spcBef>
+              <a:defRPr sz="2190"/>
+            </a:pPr>
+            <a:endParaRPr lang="en-US" dirty="0" smtClean="0">
+              <a:latin typeface="Arial" pitchFamily="18"/>
+              <a:ea typeface="MS Gothic" pitchFamily="2"/>
+              <a:cs typeface="Tahoma" pitchFamily="2"/>
+            </a:endParaRPr>
+          </a:p>
+          <a:p>
+            <a:pPr lvl="0" hangingPunct="0">
+              <a:spcBef>
+                <a:spcPts val="0"/>
+              </a:spcBef>
+              <a:defRPr sz="2190"/>
+            </a:pPr>
+            <a:r>
+              <a:rPr lang="en-US" dirty="0" smtClean="0">
+                <a:latin typeface="Arial" pitchFamily="18"/>
+                <a:ea typeface="MS Gothic" pitchFamily="2"/>
+                <a:cs typeface="Tahoma" pitchFamily="2"/>
+              </a:rPr>
+              <a:t>In addition to this sending and receiving, Chorus opens up the ability to offer History and Notes features.</a:t>
+            </a:r>
+          </a:p>
+          <a:p>
+            <a:pPr lvl="0" hangingPunct="0">
+              <a:spcBef>
+                <a:spcPts val="0"/>
+              </a:spcBef>
+              <a:defRPr sz="2190"/>
+            </a:pPr>
+            <a:endParaRPr lang="en-US" dirty="0" smtClean="0">
+              <a:latin typeface="Arial" pitchFamily="18"/>
+              <a:ea typeface="MS Gothic" pitchFamily="2"/>
+              <a:cs typeface="Tahoma" pitchFamily="2"/>
+            </a:endParaRPr>
+          </a:p>
+          <a:p>
+            <a:pPr lvl="0" hangingPunct="0">
+              <a:spcBef>
+                <a:spcPts val="0"/>
+              </a:spcBef>
+              <a:defRPr sz="2190"/>
+            </a:pPr>
+            <a:r>
+              <a:rPr lang="en-US" dirty="0" smtClean="0">
+                <a:latin typeface="Arial" pitchFamily="18"/>
+                <a:ea typeface="MS Gothic" pitchFamily="2"/>
+                <a:cs typeface="Tahoma" pitchFamily="2"/>
+              </a:rPr>
+              <a:t>In the following slides, I look at how that might look if incorporated into Bloom.</a:t>
+            </a:r>
+          </a:p>
+          <a:p>
+            <a:endParaRPr lang="en-US" dirty="0"/>
+          </a:p>
+        </p:txBody>
+      </p:sp>
+      <p:pic>
+        <p:nvPicPr>
+          <p:cNvPr id="7" name="Picture 6" descr="chorusLabelled.png"/>
+          <p:cNvPicPr>
+            <a:picLocks noChangeAspect="1"/>
+          </p:cNvPicPr>
+          <p:nvPr/>
+        </p:nvPicPr>
+        <p:blipFill>
+          <a:blip r:embed="rId3" cstate="print"/>
+          <a:stretch>
+            <a:fillRect/>
+          </a:stretch>
+        </p:blipFill>
+        <p:spPr>
+          <a:xfrm>
+            <a:off x="8316912" y="579437"/>
+            <a:ext cx="980788" cy="1000404"/>
+          </a:xfrm>
+          <a:prstGeom prst="rect">
+            <a:avLst/>
+          </a:prstGeom>
+        </p:spPr>
+      </p:pic>
+    </p:spTree>
+  </p:cSld>
+  <p:clrMapOvr>
+    <a:masterClrMapping/>
+  </p:clrMapOvr>
+  <p:transition/>
+  <p:timing>
+    <p:tnLst>
+      <p:par>
+        <p:cTn id="1" dur="indefinite" restart="never" nodeType="tmRoot"/>
+      </p:par>
+    </p:tnLst>
+  </p:timing>
+</p:sld>
+</file>
+
+<file path=ppt/slides/slide28.xml><?xml version="1.0" encoding="utf-8"?>
 <p:sld xmlns:a="http://schemas.openxmlformats.org/drawingml/2006/main" xmlns:r="http://schemas.openxmlformats.org/officeDocument/2006/relationships" xmlns:p="http://schemas.openxmlformats.org/presentationml/2006/main">
   <p:cSld name="page21">
     <p:spTree>
@@ -10973,7 +13280,7 @@
 </p:sld>
 </file>
 
-<file path=ppt/slides/slide22.xml><?xml version="1.0" encoding="utf-8"?>
+<file path=ppt/slides/slide29.xml><?xml version="1.0" encoding="utf-8"?>
 <p:sld xmlns:a="http://schemas.openxmlformats.org/drawingml/2006/main" xmlns:r="http://schemas.openxmlformats.org/officeDocument/2006/relationships" xmlns:p="http://schemas.openxmlformats.org/presentationml/2006/main">
   <p:cSld name="page22">
     <p:spTree>
@@ -11009,480 +13316,6 @@
           <a:xfrm>
             <a:off x="0" y="360"/>
             <a:ext cx="10079640" cy="7132277"/>
-          </a:xfrm>
-          <a:prstGeom prst="rect">
-            <a:avLst/>
-          </a:prstGeom>
-          <a:noFill/>
-          <a:ln>
-            <a:noFill/>
-          </a:ln>
-        </p:spPr>
-      </p:pic>
-    </p:spTree>
-  </p:cSld>
-  <p:clrMapOvr>
-    <a:masterClrMapping/>
-  </p:clrMapOvr>
-  <p:transition/>
-  <p:timing>
-    <p:tnLst>
-      <p:par>
-        <p:cTn id="1" dur="indefinite" restart="never" nodeType="tmRoot"/>
-      </p:par>
-    </p:tnLst>
-  </p:timing>
-</p:sld>
-</file>
-
-<file path=ppt/slides/slide23.xml><?xml version="1.0" encoding="utf-8"?>
-<p:sld xmlns:a="http://schemas.openxmlformats.org/drawingml/2006/main" xmlns:r="http://schemas.openxmlformats.org/officeDocument/2006/relationships" xmlns:p="http://schemas.openxmlformats.org/presentationml/2006/main">
-  <p:cSld name="page20">
-    <p:spTree>
-      <p:nvGrpSpPr>
-        <p:cNvPr id="1" name=""/>
-        <p:cNvGrpSpPr/>
-        <p:nvPr/>
-      </p:nvGrpSpPr>
-      <p:grpSpPr>
-        <a:xfrm>
-          <a:off x="0" y="0"/>
-          <a:ext cx="0" cy="0"/>
-          <a:chOff x="0" y="0"/>
-          <a:chExt cx="0" cy="0"/>
-        </a:xfrm>
-      </p:grpSpPr>
-      <p:sp>
-        <p:nvSpPr>
-          <p:cNvPr id="2" name="TextBox 1"/>
-          <p:cNvSpPr txBox="1"/>
-          <p:nvPr/>
-        </p:nvSpPr>
-        <p:spPr>
-          <a:xfrm>
-            <a:off x="1233721" y="832679"/>
-            <a:ext cx="6415560" cy="4167360"/>
-          </a:xfrm>
-          <a:prstGeom prst="rect">
-            <a:avLst/>
-          </a:prstGeom>
-          <a:noFill/>
-          <a:ln>
-            <a:noFill/>
-          </a:ln>
-        </p:spPr>
-        <p:txBody>
-          <a:bodyPr vert="horz" lIns="90000" tIns="45000" rIns="90000" bIns="45000" compatLnSpc="0"/>
-          <a:lstStyle>
-            <a:defPPr lvl="0">
-              <a:buSzPct val="45000"/>
-              <a:buFont typeface="StarSymbol"/>
-              <a:buNone/>
-            </a:defPPr>
-            <a:lvl1pPr lvl="0">
-              <a:buSzPct val="45000"/>
-              <a:buFont typeface="StarSymbol"/>
-              <a:buChar char="●"/>
-            </a:lvl1pPr>
-            <a:lvl2pPr lvl="1">
-              <a:buSzPct val="45000"/>
-              <a:buFont typeface="StarSymbol"/>
-              <a:buChar char="●"/>
-            </a:lvl2pPr>
-            <a:lvl3pPr lvl="2">
-              <a:buSzPct val="45000"/>
-              <a:buFont typeface="StarSymbol"/>
-              <a:buChar char="●"/>
-            </a:lvl3pPr>
-            <a:lvl4pPr lvl="3">
-              <a:buSzPct val="45000"/>
-              <a:buFont typeface="StarSymbol"/>
-              <a:buChar char="●"/>
-            </a:lvl4pPr>
-            <a:lvl5pPr lvl="4">
-              <a:buSzPct val="45000"/>
-              <a:buFont typeface="StarSymbol"/>
-              <a:buChar char="●"/>
-            </a:lvl5pPr>
-            <a:lvl6pPr lvl="5">
-              <a:buSzPct val="45000"/>
-              <a:buFont typeface="StarSymbol"/>
-              <a:buChar char="●"/>
-            </a:lvl6pPr>
-            <a:lvl7pPr lvl="6">
-              <a:buSzPct val="45000"/>
-              <a:buFont typeface="StarSymbol"/>
-              <a:buChar char="●"/>
-            </a:lvl7pPr>
-            <a:lvl8pPr lvl="7">
-              <a:buSzPct val="45000"/>
-              <a:buFont typeface="StarSymbol"/>
-              <a:buChar char="●"/>
-            </a:lvl8pPr>
-            <a:lvl9pPr lvl="8">
-              <a:buSzPct val="45000"/>
-              <a:buFont typeface="StarSymbol"/>
-              <a:buChar char="●"/>
-            </a:lvl9pPr>
-          </a:lstStyle>
-          <a:p>
-            <a:pPr marL="0" marR="0" lvl="0" indent="0" rtl="0" hangingPunct="0">
-              <a:lnSpc>
-                <a:spcPct val="100000"/>
-              </a:lnSpc>
-              <a:spcBef>
-                <a:spcPts val="0"/>
-              </a:spcBef>
-              <a:spcAft>
-                <a:spcPts val="0"/>
-              </a:spcAft>
-              <a:buNone/>
-              <a:tabLst/>
-              <a:defRPr sz="2920"/>
-            </a:pPr>
-            <a:endParaRPr lang="en-US" sz="2400" b="0" i="0" u="none" strike="noStrike" kern="1200" dirty="0">
-              <a:ln>
-                <a:noFill/>
-              </a:ln>
-              <a:latin typeface="Arial" pitchFamily="18"/>
-              <a:ea typeface="MS Gothic" pitchFamily="2"/>
-              <a:cs typeface="Tahoma" pitchFamily="2"/>
-            </a:endParaRPr>
-          </a:p>
-        </p:txBody>
-      </p:sp>
-      <p:sp>
-        <p:nvSpPr>
-          <p:cNvPr id="4" name="Title 3"/>
-          <p:cNvSpPr>
-            <a:spLocks noGrp="1"/>
-          </p:cNvSpPr>
-          <p:nvPr>
-            <p:ph type="title"/>
-          </p:nvPr>
-        </p:nvSpPr>
-        <p:spPr/>
-        <p:txBody>
-          <a:bodyPr/>
-          <a:lstStyle/>
-          <a:p>
-            <a:r>
-              <a:rPr lang="en-US" dirty="0" smtClean="0"/>
-              <a:t>Settings</a:t>
-            </a:r>
-            <a:endParaRPr lang="en-US" dirty="0"/>
-          </a:p>
-        </p:txBody>
-      </p:sp>
-      <p:sp>
-        <p:nvSpPr>
-          <p:cNvPr id="5" name="Content Placeholder 4"/>
-          <p:cNvSpPr>
-            <a:spLocks noGrp="1"/>
-          </p:cNvSpPr>
-          <p:nvPr>
-            <p:ph idx="1"/>
-          </p:nvPr>
-        </p:nvSpPr>
-        <p:spPr/>
-        <p:txBody>
-          <a:bodyPr/>
-          <a:lstStyle/>
-          <a:p>
-            <a:pPr lvl="0" hangingPunct="0">
-              <a:spcBef>
-                <a:spcPts val="0"/>
-              </a:spcBef>
-              <a:defRPr sz="2920"/>
-            </a:pPr>
-            <a:r>
-              <a:rPr lang="en-US" dirty="0" smtClean="0">
-                <a:latin typeface="Arial" pitchFamily="18"/>
-                <a:ea typeface="MS Gothic" pitchFamily="2"/>
-                <a:cs typeface="Tahoma" pitchFamily="2"/>
-              </a:rPr>
-              <a:t>With WeSay, we had good success with separating the program into 2 parts... the “Configuration Tool” and WeSay itself.</a:t>
-            </a:r>
-          </a:p>
-          <a:p>
-            <a:pPr lvl="0" hangingPunct="0">
-              <a:spcBef>
-                <a:spcPts val="0"/>
-              </a:spcBef>
-              <a:defRPr sz="2920"/>
-            </a:pPr>
-            <a:endParaRPr lang="en-US" dirty="0" smtClean="0">
-              <a:latin typeface="Arial" pitchFamily="18"/>
-              <a:ea typeface="MS Gothic" pitchFamily="2"/>
-              <a:cs typeface="Tahoma" pitchFamily="2"/>
-            </a:endParaRPr>
-          </a:p>
-          <a:p>
-            <a:pPr lvl="0" hangingPunct="0">
-              <a:spcBef>
-                <a:spcPts val="0"/>
-              </a:spcBef>
-              <a:defRPr sz="2920"/>
-            </a:pPr>
-            <a:r>
-              <a:rPr lang="en-US" dirty="0" smtClean="0">
-                <a:latin typeface="Arial" pitchFamily="18"/>
-                <a:ea typeface="MS Gothic" pitchFamily="2"/>
-                <a:cs typeface="Tahoma" pitchFamily="2"/>
-              </a:rPr>
-              <a:t>With Bloom, I'm trying to get rid of the separate applications, while keeping the benefits.  All settings are under a single tab, which would ordinarily be locked.  When locked, the adviser can still get to it by pressing some magic key combination</a:t>
-            </a:r>
-            <a:r>
-              <a:rPr lang="en-US" dirty="0" smtClean="0">
-                <a:latin typeface="Arial" pitchFamily="18"/>
-                <a:ea typeface="MS Gothic" pitchFamily="2"/>
-                <a:cs typeface="Tahoma" pitchFamily="2"/>
-              </a:rPr>
-              <a:t>.</a:t>
-            </a:r>
-            <a:endParaRPr lang="en-US" dirty="0" smtClean="0">
-              <a:latin typeface="Arial" pitchFamily="18"/>
-              <a:ea typeface="MS Gothic" pitchFamily="2"/>
-              <a:cs typeface="Tahoma" pitchFamily="2"/>
-            </a:endParaRPr>
-          </a:p>
-        </p:txBody>
-      </p:sp>
-    </p:spTree>
-  </p:cSld>
-  <p:clrMapOvr>
-    <a:masterClrMapping/>
-  </p:clrMapOvr>
-  <p:transition/>
-  <p:timing>
-    <p:tnLst>
-      <p:par>
-        <p:cTn id="1" dur="indefinite" restart="never" nodeType="tmRoot"/>
-      </p:par>
-    </p:tnLst>
-  </p:timing>
-</p:sld>
-</file>
-
-<file path=ppt/slides/slide24.xml><?xml version="1.0" encoding="utf-8"?>
-<p:sld xmlns:a="http://schemas.openxmlformats.org/drawingml/2006/main" xmlns:r="http://schemas.openxmlformats.org/officeDocument/2006/relationships" xmlns:p="http://schemas.openxmlformats.org/presentationml/2006/main">
-  <p:cSld name="page16">
-    <p:spTree>
-      <p:nvGrpSpPr>
-        <p:cNvPr id="1" name=""/>
-        <p:cNvGrpSpPr/>
-        <p:nvPr/>
-      </p:nvGrpSpPr>
-      <p:grpSpPr>
-        <a:xfrm>
-          <a:off x="0" y="0"/>
-          <a:ext cx="0" cy="0"/>
-          <a:chOff x="0" y="0"/>
-          <a:chExt cx="0" cy="0"/>
-        </a:xfrm>
-      </p:grpSpPr>
-      <p:pic>
-        <p:nvPicPr>
-          <p:cNvPr id="2" name="Picture 1"/>
-          <p:cNvPicPr>
-            <a:picLocks noChangeAspect="1"/>
-          </p:cNvPicPr>
-          <p:nvPr/>
-        </p:nvPicPr>
-        <p:blipFill>
-          <a:blip r:embed="rId3" cstate="print"/>
-          <a:stretch>
-            <a:fillRect/>
-          </a:stretch>
-        </p:blipFill>
-        <p:spPr>
-          <a:xfrm>
-            <a:off x="985" y="0"/>
-            <a:ext cx="10079640" cy="5864400"/>
-          </a:xfrm>
-          <a:prstGeom prst="rect">
-            <a:avLst/>
-          </a:prstGeom>
-          <a:noFill/>
-          <a:ln>
-            <a:noFill/>
-          </a:ln>
-        </p:spPr>
-      </p:pic>
-    </p:spTree>
-  </p:cSld>
-  <p:clrMapOvr>
-    <a:masterClrMapping/>
-  </p:clrMapOvr>
-  <p:transition/>
-  <p:timing>
-    <p:tnLst>
-      <p:par>
-        <p:cTn id="1" dur="indefinite" restart="never" nodeType="tmRoot"/>
-      </p:par>
-    </p:tnLst>
-  </p:timing>
-</p:sld>
-</file>
-
-<file path=ppt/slides/slide25.xml><?xml version="1.0" encoding="utf-8"?>
-<p:sld xmlns:a="http://schemas.openxmlformats.org/drawingml/2006/main" xmlns:r="http://schemas.openxmlformats.org/officeDocument/2006/relationships" xmlns:p="http://schemas.openxmlformats.org/presentationml/2006/main">
-  <p:cSld name="page17">
-    <p:spTree>
-      <p:nvGrpSpPr>
-        <p:cNvPr id="1" name=""/>
-        <p:cNvGrpSpPr/>
-        <p:nvPr/>
-      </p:nvGrpSpPr>
-      <p:grpSpPr>
-        <a:xfrm>
-          <a:off x="0" y="0"/>
-          <a:ext cx="0" cy="0"/>
-          <a:chOff x="0" y="0"/>
-          <a:chExt cx="0" cy="0"/>
-        </a:xfrm>
-      </p:grpSpPr>
-      <p:pic>
-        <p:nvPicPr>
-          <p:cNvPr id="2" name="Picture 1"/>
-          <p:cNvPicPr>
-            <a:picLocks noChangeAspect="1"/>
-          </p:cNvPicPr>
-          <p:nvPr/>
-        </p:nvPicPr>
-        <p:blipFill>
-          <a:blip r:embed="rId3" cstate="print"/>
-          <a:srcRect b="8840"/>
-          <a:stretch>
-            <a:fillRect/>
-          </a:stretch>
-        </p:blipFill>
-        <p:spPr>
-          <a:xfrm>
-            <a:off x="985" y="0"/>
-            <a:ext cx="10079640" cy="6294437"/>
-          </a:xfrm>
-          <a:prstGeom prst="rect">
-            <a:avLst/>
-          </a:prstGeom>
-          <a:noFill/>
-          <a:ln>
-            <a:noFill/>
-          </a:ln>
-        </p:spPr>
-      </p:pic>
-    </p:spTree>
-  </p:cSld>
-  <p:clrMapOvr>
-    <a:masterClrMapping/>
-  </p:clrMapOvr>
-  <p:transition/>
-  <p:timing>
-    <p:tnLst>
-      <p:par>
-        <p:cTn id="1" dur="indefinite" restart="never" nodeType="tmRoot"/>
-      </p:par>
-    </p:tnLst>
-  </p:timing>
-</p:sld>
-</file>
-
-<file path=ppt/slides/slide26.xml><?xml version="1.0" encoding="utf-8"?>
-<p:sld xmlns:a="http://schemas.openxmlformats.org/drawingml/2006/main" xmlns:r="http://schemas.openxmlformats.org/officeDocument/2006/relationships" xmlns:p="http://schemas.openxmlformats.org/presentationml/2006/main">
-  <p:cSld name="page18">
-    <p:spTree>
-      <p:nvGrpSpPr>
-        <p:cNvPr id="1" name=""/>
-        <p:cNvGrpSpPr/>
-        <p:nvPr/>
-      </p:nvGrpSpPr>
-      <p:grpSpPr>
-        <a:xfrm>
-          <a:off x="0" y="0"/>
-          <a:ext cx="0" cy="0"/>
-          <a:chOff x="0" y="0"/>
-          <a:chExt cx="0" cy="0"/>
-        </a:xfrm>
-      </p:grpSpPr>
-      <p:pic>
-        <p:nvPicPr>
-          <p:cNvPr id="2" name="Picture 1"/>
-          <p:cNvPicPr>
-            <a:picLocks noChangeAspect="1"/>
-          </p:cNvPicPr>
-          <p:nvPr/>
-        </p:nvPicPr>
-        <p:blipFill>
-          <a:blip r:embed="rId3" cstate="print"/>
-          <a:stretch>
-            <a:fillRect/>
-          </a:stretch>
-        </p:blipFill>
-        <p:spPr>
-          <a:xfrm>
-            <a:off x="0" y="0"/>
-            <a:ext cx="10079640" cy="5864400"/>
-          </a:xfrm>
-          <a:prstGeom prst="rect">
-            <a:avLst/>
-          </a:prstGeom>
-          <a:noFill/>
-          <a:ln>
-            <a:noFill/>
-          </a:ln>
-        </p:spPr>
-      </p:pic>
-    </p:spTree>
-  </p:cSld>
-  <p:clrMapOvr>
-    <a:masterClrMapping/>
-  </p:clrMapOvr>
-  <p:transition/>
-  <p:timing>
-    <p:tnLst>
-      <p:par>
-        <p:cTn id="1" dur="indefinite" restart="never" nodeType="tmRoot"/>
-      </p:par>
-    </p:tnLst>
-  </p:timing>
-</p:sld>
-</file>
-
-<file path=ppt/slides/slide27.xml><?xml version="1.0" encoding="utf-8"?>
-<p:sld xmlns:a="http://schemas.openxmlformats.org/drawingml/2006/main" xmlns:r="http://schemas.openxmlformats.org/officeDocument/2006/relationships" xmlns:p="http://schemas.openxmlformats.org/presentationml/2006/main">
-  <p:cSld name="page19">
-    <p:spTree>
-      <p:nvGrpSpPr>
-        <p:cNvPr id="1" name=""/>
-        <p:cNvGrpSpPr/>
-        <p:nvPr/>
-      </p:nvGrpSpPr>
-      <p:grpSpPr>
-        <a:xfrm>
-          <a:off x="0" y="0"/>
-          <a:ext cx="0" cy="0"/>
-          <a:chOff x="0" y="0"/>
-          <a:chExt cx="0" cy="0"/>
-        </a:xfrm>
-      </p:grpSpPr>
-      <p:pic>
-        <p:nvPicPr>
-          <p:cNvPr id="2" name="Picture 1"/>
-          <p:cNvPicPr>
-            <a:picLocks noChangeAspect="1"/>
-          </p:cNvPicPr>
-          <p:nvPr/>
-        </p:nvPicPr>
-        <p:blipFill>
-          <a:blip r:embed="rId3" cstate="print"/>
-          <a:stretch>
-            <a:fillRect/>
-          </a:stretch>
-        </p:blipFill>
-        <p:spPr>
-          <a:xfrm>
-            <a:off x="0" y="0"/>
-            <a:ext cx="10079640" cy="5864400"/>
           </a:xfrm>
           <a:prstGeom prst="rect">
             <a:avLst/>
@@ -11543,7 +13376,7 @@
           <a:p>
             <a:r>
               <a:rPr lang="en-US" dirty="0" smtClean="0"/>
-              <a:t>User Profiles</a:t>
+              <a:t>Summary</a:t>
             </a:r>
             <a:endParaRPr lang="en-US" dirty="0"/>
           </a:p>
@@ -11571,55 +13404,588 @@
             </a:pPr>
             <a:r>
               <a:rPr lang="en-US" dirty="0" smtClean="0"/>
-              <a:t>Like </a:t>
-            </a:r>
+              <a:t>Bloom is a proposed desktop computer software application. It aims to encourage a low-training, high-output system where mother tongue speakers and their advocates work together to foster both community authorship and access to external material in the vernacular.  </a:t>
+            </a:r>
+            <a:endParaRPr lang="en-US" dirty="0"/>
+          </a:p>
+        </p:txBody>
+      </p:sp>
+    </p:spTree>
+  </p:cSld>
+  <p:clrMapOvr>
+    <a:masterClrMapping/>
+  </p:clrMapOvr>
+</p:sld>
+</file>
+
+<file path=ppt/slides/slide30.xml><?xml version="1.0" encoding="utf-8"?>
+<p:sld xmlns:a="http://schemas.openxmlformats.org/drawingml/2006/main" xmlns:r="http://schemas.openxmlformats.org/officeDocument/2006/relationships" xmlns:p="http://schemas.openxmlformats.org/presentationml/2006/main">
+  <p:cSld name="page20">
+    <p:spTree>
+      <p:nvGrpSpPr>
+        <p:cNvPr id="1" name=""/>
+        <p:cNvGrpSpPr/>
+        <p:nvPr/>
+      </p:nvGrpSpPr>
+      <p:grpSpPr>
+        <a:xfrm>
+          <a:off x="0" y="0"/>
+          <a:ext cx="0" cy="0"/>
+          <a:chOff x="0" y="0"/>
+          <a:chExt cx="0" cy="0"/>
+        </a:xfrm>
+      </p:grpSpPr>
+      <p:sp>
+        <p:nvSpPr>
+          <p:cNvPr id="2" name="TextBox 1"/>
+          <p:cNvSpPr txBox="1"/>
+          <p:nvPr/>
+        </p:nvSpPr>
+        <p:spPr>
+          <a:xfrm>
+            <a:off x="1233721" y="832679"/>
+            <a:ext cx="6415560" cy="4167360"/>
+          </a:xfrm>
+          <a:prstGeom prst="rect">
+            <a:avLst/>
+          </a:prstGeom>
+          <a:noFill/>
+          <a:ln>
+            <a:noFill/>
+          </a:ln>
+        </p:spPr>
+        <p:txBody>
+          <a:bodyPr vert="horz" lIns="90000" tIns="45000" rIns="90000" bIns="45000" compatLnSpc="0"/>
+          <a:lstStyle>
+            <a:defPPr lvl="0">
+              <a:buSzPct val="45000"/>
+              <a:buFont typeface="StarSymbol"/>
+              <a:buNone/>
+            </a:defPPr>
+            <a:lvl1pPr lvl="0">
+              <a:buSzPct val="45000"/>
+              <a:buFont typeface="StarSymbol"/>
+              <a:buChar char="●"/>
+            </a:lvl1pPr>
+            <a:lvl2pPr lvl="1">
+              <a:buSzPct val="45000"/>
+              <a:buFont typeface="StarSymbol"/>
+              <a:buChar char="●"/>
+            </a:lvl2pPr>
+            <a:lvl3pPr lvl="2">
+              <a:buSzPct val="45000"/>
+              <a:buFont typeface="StarSymbol"/>
+              <a:buChar char="●"/>
+            </a:lvl3pPr>
+            <a:lvl4pPr lvl="3">
+              <a:buSzPct val="45000"/>
+              <a:buFont typeface="StarSymbol"/>
+              <a:buChar char="●"/>
+            </a:lvl4pPr>
+            <a:lvl5pPr lvl="4">
+              <a:buSzPct val="45000"/>
+              <a:buFont typeface="StarSymbol"/>
+              <a:buChar char="●"/>
+            </a:lvl5pPr>
+            <a:lvl6pPr lvl="5">
+              <a:buSzPct val="45000"/>
+              <a:buFont typeface="StarSymbol"/>
+              <a:buChar char="●"/>
+            </a:lvl6pPr>
+            <a:lvl7pPr lvl="6">
+              <a:buSzPct val="45000"/>
+              <a:buFont typeface="StarSymbol"/>
+              <a:buChar char="●"/>
+            </a:lvl7pPr>
+            <a:lvl8pPr lvl="7">
+              <a:buSzPct val="45000"/>
+              <a:buFont typeface="StarSymbol"/>
+              <a:buChar char="●"/>
+            </a:lvl8pPr>
+            <a:lvl9pPr lvl="8">
+              <a:buSzPct val="45000"/>
+              <a:buFont typeface="StarSymbol"/>
+              <a:buChar char="●"/>
+            </a:lvl9pPr>
+          </a:lstStyle>
+          <a:p>
+            <a:pPr marL="0" marR="0" lvl="0" indent="0" rtl="0" hangingPunct="0">
+              <a:lnSpc>
+                <a:spcPct val="100000"/>
+              </a:lnSpc>
+              <a:spcBef>
+                <a:spcPts val="0"/>
+              </a:spcBef>
+              <a:spcAft>
+                <a:spcPts val="0"/>
+              </a:spcAft>
+              <a:buNone/>
+              <a:tabLst/>
+              <a:defRPr sz="2920"/>
+            </a:pPr>
+            <a:endParaRPr lang="en-US" sz="2400" b="0" i="0" u="none" strike="noStrike" kern="1200" dirty="0">
+              <a:ln>
+                <a:noFill/>
+              </a:ln>
+              <a:latin typeface="Arial" pitchFamily="18"/>
+              <a:ea typeface="MS Gothic" pitchFamily="2"/>
+              <a:cs typeface="Tahoma" pitchFamily="2"/>
+            </a:endParaRPr>
+          </a:p>
+        </p:txBody>
+      </p:sp>
+      <p:sp>
+        <p:nvSpPr>
+          <p:cNvPr id="4" name="Title 3"/>
+          <p:cNvSpPr>
+            <a:spLocks noGrp="1"/>
+          </p:cNvSpPr>
+          <p:nvPr>
+            <p:ph type="title"/>
+          </p:nvPr>
+        </p:nvSpPr>
+        <p:spPr/>
+        <p:txBody>
+          <a:bodyPr/>
+          <a:lstStyle/>
+          <a:p>
             <a:r>
               <a:rPr lang="en-US" dirty="0" smtClean="0"/>
-              <a:t>WeSay, there are two intended </a:t>
-            </a:r>
+              <a:t>Settings</a:t>
+            </a:r>
+            <a:endParaRPr lang="en-US" dirty="0"/>
+          </a:p>
+        </p:txBody>
+      </p:sp>
+      <p:sp>
+        <p:nvSpPr>
+          <p:cNvPr id="5" name="Content Placeholder 4"/>
+          <p:cNvSpPr>
+            <a:spLocks noGrp="1"/>
+          </p:cNvSpPr>
+          <p:nvPr>
+            <p:ph idx="1"/>
+          </p:nvPr>
+        </p:nvSpPr>
+        <p:spPr/>
+        <p:txBody>
+          <a:bodyPr/>
+          <a:lstStyle/>
+          <a:p>
+            <a:pPr lvl="0" hangingPunct="0">
+              <a:spcBef>
+                <a:spcPts val="0"/>
+              </a:spcBef>
+              <a:defRPr sz="2920"/>
+            </a:pPr>
+            <a:r>
+              <a:rPr lang="en-US" dirty="0" smtClean="0">
+                <a:latin typeface="Arial" pitchFamily="18"/>
+                <a:ea typeface="MS Gothic" pitchFamily="2"/>
+                <a:cs typeface="Tahoma" pitchFamily="2"/>
+              </a:rPr>
+              <a:t>With WeSay, we had good success with separating the program into 2 parts... the “Configuration Tool” and WeSay itself.</a:t>
+            </a:r>
+          </a:p>
+          <a:p>
+            <a:pPr lvl="0" hangingPunct="0">
+              <a:spcBef>
+                <a:spcPts val="0"/>
+              </a:spcBef>
+              <a:defRPr sz="2920"/>
+            </a:pPr>
+            <a:endParaRPr lang="en-US" dirty="0" smtClean="0">
+              <a:latin typeface="Arial" pitchFamily="18"/>
+              <a:ea typeface="MS Gothic" pitchFamily="2"/>
+              <a:cs typeface="Tahoma" pitchFamily="2"/>
+            </a:endParaRPr>
+          </a:p>
+          <a:p>
+            <a:pPr lvl="0" hangingPunct="0">
+              <a:spcBef>
+                <a:spcPts val="0"/>
+              </a:spcBef>
+              <a:defRPr sz="2920"/>
+            </a:pPr>
+            <a:r>
+              <a:rPr lang="en-US" dirty="0" smtClean="0">
+                <a:latin typeface="Arial" pitchFamily="18"/>
+                <a:ea typeface="MS Gothic" pitchFamily="2"/>
+                <a:cs typeface="Tahoma" pitchFamily="2"/>
+              </a:rPr>
+              <a:t>With Bloom, I'm trying to get rid of the separate applications, while keeping the benefits.  All settings are under a single tab, which would ordinarily be locked.  When locked, the adviser can still get to it by pressing some magic key combination.</a:t>
+            </a:r>
+          </a:p>
+        </p:txBody>
+      </p:sp>
+    </p:spTree>
+  </p:cSld>
+  <p:clrMapOvr>
+    <a:masterClrMapping/>
+  </p:clrMapOvr>
+  <p:transition/>
+  <p:timing>
+    <p:tnLst>
+      <p:par>
+        <p:cTn id="1" dur="indefinite" restart="never" nodeType="tmRoot"/>
+      </p:par>
+    </p:tnLst>
+  </p:timing>
+</p:sld>
+</file>
+
+<file path=ppt/slides/slide31.xml><?xml version="1.0" encoding="utf-8"?>
+<p:sld xmlns:a="http://schemas.openxmlformats.org/drawingml/2006/main" xmlns:r="http://schemas.openxmlformats.org/officeDocument/2006/relationships" xmlns:p="http://schemas.openxmlformats.org/presentationml/2006/main">
+  <p:cSld name="page16">
+    <p:spTree>
+      <p:nvGrpSpPr>
+        <p:cNvPr id="1" name=""/>
+        <p:cNvGrpSpPr/>
+        <p:nvPr/>
+      </p:nvGrpSpPr>
+      <p:grpSpPr>
+        <a:xfrm>
+          <a:off x="0" y="0"/>
+          <a:ext cx="0" cy="0"/>
+          <a:chOff x="0" y="0"/>
+          <a:chExt cx="0" cy="0"/>
+        </a:xfrm>
+      </p:grpSpPr>
+      <p:pic>
+        <p:nvPicPr>
+          <p:cNvPr id="2" name="Picture 1"/>
+          <p:cNvPicPr>
+            <a:picLocks noChangeAspect="1"/>
+          </p:cNvPicPr>
+          <p:nvPr/>
+        </p:nvPicPr>
+        <p:blipFill>
+          <a:blip r:embed="rId3" cstate="print"/>
+          <a:stretch>
+            <a:fillRect/>
+          </a:stretch>
+        </p:blipFill>
+        <p:spPr>
+          <a:xfrm>
+            <a:off x="985" y="0"/>
+            <a:ext cx="10079640" cy="5864400"/>
+          </a:xfrm>
+          <a:prstGeom prst="rect">
+            <a:avLst/>
+          </a:prstGeom>
+          <a:noFill/>
+          <a:ln>
+            <a:noFill/>
+          </a:ln>
+        </p:spPr>
+      </p:pic>
+    </p:spTree>
+  </p:cSld>
+  <p:clrMapOvr>
+    <a:masterClrMapping/>
+  </p:clrMapOvr>
+  <p:transition/>
+  <p:timing>
+    <p:tnLst>
+      <p:par>
+        <p:cTn id="1" dur="indefinite" restart="never" nodeType="tmRoot"/>
+      </p:par>
+    </p:tnLst>
+  </p:timing>
+</p:sld>
+</file>
+
+<file path=ppt/slides/slide32.xml><?xml version="1.0" encoding="utf-8"?>
+<p:sld xmlns:a="http://schemas.openxmlformats.org/drawingml/2006/main" xmlns:r="http://schemas.openxmlformats.org/officeDocument/2006/relationships" xmlns:p="http://schemas.openxmlformats.org/presentationml/2006/main">
+  <p:cSld name="page17">
+    <p:spTree>
+      <p:nvGrpSpPr>
+        <p:cNvPr id="1" name=""/>
+        <p:cNvGrpSpPr/>
+        <p:nvPr/>
+      </p:nvGrpSpPr>
+      <p:grpSpPr>
+        <a:xfrm>
+          <a:off x="0" y="0"/>
+          <a:ext cx="0" cy="0"/>
+          <a:chOff x="0" y="0"/>
+          <a:chExt cx="0" cy="0"/>
+        </a:xfrm>
+      </p:grpSpPr>
+      <p:pic>
+        <p:nvPicPr>
+          <p:cNvPr id="2" name="Picture 1"/>
+          <p:cNvPicPr>
+            <a:picLocks noChangeAspect="1"/>
+          </p:cNvPicPr>
+          <p:nvPr/>
+        </p:nvPicPr>
+        <p:blipFill>
+          <a:blip r:embed="rId3" cstate="print"/>
+          <a:srcRect b="8840"/>
+          <a:stretch>
+            <a:fillRect/>
+          </a:stretch>
+        </p:blipFill>
+        <p:spPr>
+          <a:xfrm>
+            <a:off x="985" y="0"/>
+            <a:ext cx="10079640" cy="6294437"/>
+          </a:xfrm>
+          <a:prstGeom prst="rect">
+            <a:avLst/>
+          </a:prstGeom>
+          <a:noFill/>
+          <a:ln>
+            <a:noFill/>
+          </a:ln>
+        </p:spPr>
+      </p:pic>
+    </p:spTree>
+  </p:cSld>
+  <p:clrMapOvr>
+    <a:masterClrMapping/>
+  </p:clrMapOvr>
+  <p:transition/>
+  <p:timing>
+    <p:tnLst>
+      <p:par>
+        <p:cTn id="1" dur="indefinite" restart="never" nodeType="tmRoot"/>
+      </p:par>
+    </p:tnLst>
+  </p:timing>
+</p:sld>
+</file>
+
+<file path=ppt/slides/slide33.xml><?xml version="1.0" encoding="utf-8"?>
+<p:sld xmlns:a="http://schemas.openxmlformats.org/drawingml/2006/main" xmlns:r="http://schemas.openxmlformats.org/officeDocument/2006/relationships" xmlns:p="http://schemas.openxmlformats.org/presentationml/2006/main">
+  <p:cSld name="page18">
+    <p:spTree>
+      <p:nvGrpSpPr>
+        <p:cNvPr id="1" name=""/>
+        <p:cNvGrpSpPr/>
+        <p:nvPr/>
+      </p:nvGrpSpPr>
+      <p:grpSpPr>
+        <a:xfrm>
+          <a:off x="0" y="0"/>
+          <a:ext cx="0" cy="0"/>
+          <a:chOff x="0" y="0"/>
+          <a:chExt cx="0" cy="0"/>
+        </a:xfrm>
+      </p:grpSpPr>
+      <p:pic>
+        <p:nvPicPr>
+          <p:cNvPr id="2" name="Picture 1"/>
+          <p:cNvPicPr>
+            <a:picLocks noChangeAspect="1"/>
+          </p:cNvPicPr>
+          <p:nvPr/>
+        </p:nvPicPr>
+        <p:blipFill>
+          <a:blip r:embed="rId3" cstate="print"/>
+          <a:stretch>
+            <a:fillRect/>
+          </a:stretch>
+        </p:blipFill>
+        <p:spPr>
+          <a:xfrm>
+            <a:off x="0" y="0"/>
+            <a:ext cx="10079640" cy="5864400"/>
+          </a:xfrm>
+          <a:prstGeom prst="rect">
+            <a:avLst/>
+          </a:prstGeom>
+          <a:noFill/>
+          <a:ln>
+            <a:noFill/>
+          </a:ln>
+        </p:spPr>
+      </p:pic>
+    </p:spTree>
+  </p:cSld>
+  <p:clrMapOvr>
+    <a:masterClrMapping/>
+  </p:clrMapOvr>
+  <p:transition/>
+  <p:timing>
+    <p:tnLst>
+      <p:par>
+        <p:cTn id="1" dur="indefinite" restart="never" nodeType="tmRoot"/>
+      </p:par>
+    </p:tnLst>
+  </p:timing>
+</p:sld>
+</file>
+
+<file path=ppt/slides/slide34.xml><?xml version="1.0" encoding="utf-8"?>
+<p:sld xmlns:a="http://schemas.openxmlformats.org/drawingml/2006/main" xmlns:r="http://schemas.openxmlformats.org/officeDocument/2006/relationships" xmlns:p="http://schemas.openxmlformats.org/presentationml/2006/main">
+  <p:cSld name="page19">
+    <p:spTree>
+      <p:nvGrpSpPr>
+        <p:cNvPr id="1" name=""/>
+        <p:cNvGrpSpPr/>
+        <p:nvPr/>
+      </p:nvGrpSpPr>
+      <p:grpSpPr>
+        <a:xfrm>
+          <a:off x="0" y="0"/>
+          <a:ext cx="0" cy="0"/>
+          <a:chOff x="0" y="0"/>
+          <a:chExt cx="0" cy="0"/>
+        </a:xfrm>
+      </p:grpSpPr>
+      <p:pic>
+        <p:nvPicPr>
+          <p:cNvPr id="2" name="Picture 1"/>
+          <p:cNvPicPr>
+            <a:picLocks noChangeAspect="1"/>
+          </p:cNvPicPr>
+          <p:nvPr/>
+        </p:nvPicPr>
+        <p:blipFill>
+          <a:blip r:embed="rId3" cstate="print"/>
+          <a:stretch>
+            <a:fillRect/>
+          </a:stretch>
+        </p:blipFill>
+        <p:spPr>
+          <a:xfrm>
+            <a:off x="0" y="0"/>
+            <a:ext cx="10079640" cy="5864400"/>
+          </a:xfrm>
+          <a:prstGeom prst="rect">
+            <a:avLst/>
+          </a:prstGeom>
+          <a:noFill/>
+          <a:ln>
+            <a:noFill/>
+          </a:ln>
+        </p:spPr>
+      </p:pic>
+    </p:spTree>
+  </p:cSld>
+  <p:clrMapOvr>
+    <a:masterClrMapping/>
+  </p:clrMapOvr>
+  <p:transition/>
+  <p:timing>
+    <p:tnLst>
+      <p:par>
+        <p:cTn id="1" dur="indefinite" restart="never" nodeType="tmRoot"/>
+      </p:par>
+    </p:tnLst>
+  </p:timing>
+</p:sld>
+</file>
+
+<file path=ppt/slides/slide35.xml><?xml version="1.0" encoding="utf-8"?>
+<p:sld xmlns:a="http://schemas.openxmlformats.org/drawingml/2006/main" xmlns:r="http://schemas.openxmlformats.org/officeDocument/2006/relationships" xmlns:p="http://schemas.openxmlformats.org/presentationml/2006/main">
+  <p:cSld>
+    <p:spTree>
+      <p:nvGrpSpPr>
+        <p:cNvPr id="1" name=""/>
+        <p:cNvGrpSpPr/>
+        <p:nvPr/>
+      </p:nvGrpSpPr>
+      <p:grpSpPr>
+        <a:xfrm>
+          <a:off x="0" y="0"/>
+          <a:ext cx="0" cy="0"/>
+          <a:chOff x="0" y="0"/>
+          <a:chExt cx="0" cy="0"/>
+        </a:xfrm>
+      </p:grpSpPr>
+      <p:sp>
+        <p:nvSpPr>
+          <p:cNvPr id="2" name="Title 1"/>
+          <p:cNvSpPr>
+            <a:spLocks noGrp="1"/>
+          </p:cNvSpPr>
+          <p:nvPr>
+            <p:ph type="title"/>
+          </p:nvPr>
+        </p:nvSpPr>
+        <p:spPr/>
+        <p:txBody>
+          <a:bodyPr/>
+          <a:lstStyle/>
+          <a:p>
             <a:r>
               <a:rPr lang="en-US" dirty="0" smtClean="0"/>
-              <a:t>users:</a:t>
-            </a:r>
-            <a:endParaRPr lang="en-US" dirty="0" smtClean="0"/>
-          </a:p>
-          <a:p>
-            <a:pPr>
-              <a:buFont typeface="Arial" pitchFamily="34" charset="0"/>
-              <a:buChar char="•"/>
-            </a:pPr>
+              <a:t>File Formats</a:t>
+            </a:r>
+            <a:endParaRPr lang="en-US" dirty="0"/>
+          </a:p>
+        </p:txBody>
+      </p:sp>
+      <p:sp>
+        <p:nvSpPr>
+          <p:cNvPr id="3" name="Content Placeholder 2"/>
+          <p:cNvSpPr>
+            <a:spLocks noGrp="1"/>
+          </p:cNvSpPr>
+          <p:nvPr>
+            <p:ph idx="1"/>
+          </p:nvPr>
+        </p:nvSpPr>
+        <p:spPr/>
+        <p:txBody>
+          <a:bodyPr>
+            <a:normAutofit fontScale="70000" lnSpcReduction="20000"/>
+          </a:bodyPr>
+          <a:lstStyle/>
+          <a:p>
             <a:r>
               <a:rPr lang="en-US" dirty="0" smtClean="0"/>
-              <a:t>The primary user is a Mother Tongue Literacy Worker.  </a:t>
+              <a:t>Ideally, Bloom would use the same file format as some open source page layout application.  This would make it easier to get existing materials into the system. </a:t>
             </a:r>
             <a:r>
               <a:rPr lang="en-US" dirty="0" smtClean="0"/>
-              <a:t>She </a:t>
-            </a:r>
-            <a:r>
-              <a:rPr lang="en-US" dirty="0" smtClean="0"/>
-              <a:t>has basic computer skills, little access to technical help</a:t>
+              <a:t>It would also mean than instead of exporting to a full-strength application for tweaking (a one-way operation), post-tweaking books could still be kept in the Bloom library</a:t>
             </a:r>
             <a:r>
               <a:rPr lang="en-US" dirty="0" smtClean="0"/>
               <a:t>.</a:t>
             </a:r>
-            <a:endParaRPr lang="en-US" dirty="0" smtClean="0"/>
-          </a:p>
-          <a:p>
-            <a:pPr>
-              <a:buFont typeface="Arial" pitchFamily="34" charset="0"/>
-              <a:buChar char="•"/>
-            </a:pPr>
+          </a:p>
+          <a:p>
             <a:r>
               <a:rPr lang="en-US" dirty="0" smtClean="0"/>
-              <a:t>The secondary user is the Advisor/Advocate.  He or she has more advanced computer skills and lots of access to technical help</a:t>
-            </a:r>
+              <a:t>It’s unclear whether we could offer this ideal initially.</a:t>
+            </a:r>
+          </a:p>
+          <a:p>
             <a:r>
               <a:rPr lang="en-US" dirty="0" smtClean="0"/>
-              <a:t>.  </a:t>
-            </a:r>
-            <a:endParaRPr lang="en-US" dirty="0"/>
+              <a:t>It may be better to develop Bloom with a more simple, home-grown format initially.  Bloom might </a:t>
+            </a:r>
+            <a:r>
+              <a:rPr lang="en-US" dirty="0" smtClean="0"/>
+              <a:t>require templates to be made from scratch, perhaps using a carefully limited set of features in a program like </a:t>
+            </a:r>
+            <a:r>
+              <a:rPr lang="en-US" dirty="0" err="1" smtClean="0"/>
+              <a:t>OpenOffice</a:t>
+            </a:r>
+            <a:r>
+              <a:rPr lang="en-US" dirty="0" smtClean="0"/>
+              <a:t> </a:t>
+            </a:r>
+            <a:r>
+              <a:rPr lang="en-US" dirty="0" smtClean="0"/>
+              <a:t>Draw (which has a multiple-page model).  This would allow us to get it “out there” and see if it catches on.</a:t>
+            </a:r>
+          </a:p>
+          <a:p>
+            <a:r>
+              <a:rPr lang="en-US" dirty="0" smtClean="0"/>
+              <a:t>If /when Bloom proves </a:t>
+            </a:r>
+            <a:r>
+              <a:rPr lang="en-US" dirty="0" smtClean="0"/>
+              <a:t>widely popular, then money or people could be easily freed up for a second stage, in which Bloom would use some common page-layout file format (and perhaps even display/editing engine) for both templates and documents.</a:t>
+            </a:r>
           </a:p>
         </p:txBody>
       </p:sp>
@@ -11665,7 +14031,7 @@
           <a:p>
             <a:r>
               <a:rPr lang="en-US" dirty="0" smtClean="0"/>
-              <a:t>Key Ideas</a:t>
+              <a:t>User Profiles</a:t>
             </a:r>
             <a:endParaRPr lang="en-US" dirty="0"/>
           </a:p>
@@ -11693,29 +14059,8 @@
             </a:pPr>
             <a:r>
               <a:rPr lang="en-US" dirty="0" smtClean="0"/>
-              <a:t>The key </a:t>
-            </a:r>
-            <a:r>
-              <a:rPr lang="en-US" dirty="0" smtClean="0"/>
-              <a:t>ideas </a:t>
-            </a:r>
-            <a:r>
-              <a:rPr lang="en-US" dirty="0" smtClean="0"/>
-              <a:t>of Bloom </a:t>
-            </a:r>
-            <a:r>
-              <a:rPr lang="en-US" dirty="0" smtClean="0"/>
-              <a:t>are</a:t>
-            </a:r>
-            <a:r>
-              <a:rPr lang="en-US" dirty="0" smtClean="0"/>
-              <a:t> </a:t>
-            </a:r>
-            <a:r>
-              <a:rPr lang="en-US" dirty="0" smtClean="0"/>
-              <a:t>simple. </a:t>
-            </a:r>
-            <a:endParaRPr lang="en-US" dirty="0" smtClean="0"/>
+              <a:t>Like WeSay, there are two intended users:</a:t>
+            </a:r>
           </a:p>
           <a:p>
             <a:pPr>
@@ -11724,23 +14069,7 @@
             </a:pPr>
             <a:r>
               <a:rPr lang="en-US" dirty="0" smtClean="0"/>
-              <a:t>Provide </a:t>
-            </a:r>
-            <a:r>
-              <a:rPr lang="en-US" dirty="0" smtClean="0"/>
-              <a:t>lots of templates, and let people fill them in. </a:t>
-            </a:r>
-            <a:endParaRPr lang="en-US" dirty="0" smtClean="0"/>
-          </a:p>
-          <a:p>
-            <a:pPr lvl="2"/>
-            <a:r>
-              <a:rPr lang="en-US" dirty="0" smtClean="0"/>
-              <a:t>The </a:t>
-            </a:r>
-            <a:r>
-              <a:rPr lang="en-US" dirty="0" smtClean="0"/>
-              <a:t>closest analogy is how presentation software (e.g. PowerPoint) works.  These programs generally encourage pumping out the content, not tweaking the layout.</a:t>
+              <a:t>The primary user is a Mother Tongue Literacy Worker.  She has basic computer skills, little access to technical help.</a:t>
             </a:r>
           </a:p>
           <a:p>
@@ -11750,17 +14079,7 @@
             </a:pPr>
             <a:r>
               <a:rPr lang="en-US" dirty="0" smtClean="0"/>
-              <a:t>Hide the file system, just show books.</a:t>
-            </a:r>
-          </a:p>
-          <a:p>
-            <a:pPr>
-              <a:buFont typeface="Arial" pitchFamily="34" charset="0"/>
-              <a:buChar char="•"/>
-            </a:pPr>
-            <a:r>
-              <a:rPr lang="en-US" dirty="0" smtClean="0"/>
-              <a:t>Make it trivial to share the library with remote colleagues.</a:t>
+              <a:t>The secondary user is the Advisor/Advocate.  He or she has more advanced computer skills and lots of access to technical help.  </a:t>
             </a:r>
             <a:endParaRPr lang="en-US" dirty="0"/>
           </a:p>
@@ -11775,6 +14094,214 @@
 </file>
 
 <file path=ppt/slides/slide5.xml><?xml version="1.0" encoding="utf-8"?>
+<p:sld xmlns:a="http://schemas.openxmlformats.org/drawingml/2006/main" xmlns:r="http://schemas.openxmlformats.org/officeDocument/2006/relationships" xmlns:p="http://schemas.openxmlformats.org/presentationml/2006/main">
+  <p:cSld>
+    <p:spTree>
+      <p:nvGrpSpPr>
+        <p:cNvPr id="1" name=""/>
+        <p:cNvGrpSpPr/>
+        <p:nvPr/>
+      </p:nvGrpSpPr>
+      <p:grpSpPr>
+        <a:xfrm>
+          <a:off x="0" y="0"/>
+          <a:ext cx="0" cy="0"/>
+          <a:chOff x="0" y="0"/>
+          <a:chExt cx="0" cy="0"/>
+        </a:xfrm>
+      </p:grpSpPr>
+      <p:sp>
+        <p:nvSpPr>
+          <p:cNvPr id="2" name="Title 1"/>
+          <p:cNvSpPr>
+            <a:spLocks noGrp="1"/>
+          </p:cNvSpPr>
+          <p:nvPr>
+            <p:ph type="title"/>
+          </p:nvPr>
+        </p:nvSpPr>
+        <p:spPr/>
+        <p:txBody>
+          <a:bodyPr/>
+          <a:lstStyle/>
+          <a:p>
+            <a:r>
+              <a:rPr lang="en-US" dirty="0" smtClean="0"/>
+              <a:t>Key </a:t>
+            </a:r>
+            <a:r>
+              <a:rPr lang="en-US" dirty="0" smtClean="0"/>
+              <a:t>Goals</a:t>
+            </a:r>
+            <a:endParaRPr lang="en-US" dirty="0"/>
+          </a:p>
+        </p:txBody>
+      </p:sp>
+      <p:sp>
+        <p:nvSpPr>
+          <p:cNvPr id="3" name="Content Placeholder 2"/>
+          <p:cNvSpPr>
+            <a:spLocks noGrp="1"/>
+          </p:cNvSpPr>
+          <p:nvPr>
+            <p:ph idx="1"/>
+          </p:nvPr>
+        </p:nvSpPr>
+        <p:spPr>
+          <a:xfrm>
+            <a:off x="1230312" y="1417637"/>
+            <a:ext cx="8347076" cy="5335588"/>
+          </a:xfrm>
+        </p:spPr>
+        <p:txBody>
+          <a:bodyPr>
+            <a:normAutofit fontScale="77500" lnSpcReduction="20000"/>
+          </a:bodyPr>
+          <a:lstStyle/>
+          <a:p>
+            <a:pPr>
+              <a:spcBef>
+                <a:spcPts val="1800"/>
+              </a:spcBef>
+              <a:spcAft>
+                <a:spcPts val="0"/>
+              </a:spcAft>
+            </a:pPr>
+            <a:r>
+              <a:rPr lang="en-US" dirty="0" smtClean="0"/>
+              <a:t>Templates</a:t>
+            </a:r>
+          </a:p>
+          <a:p>
+            <a:pPr lvl="1">
+              <a:buNone/>
+            </a:pPr>
+            <a:r>
+              <a:rPr lang="en-US" dirty="0" smtClean="0"/>
+              <a:t>Provide </a:t>
+            </a:r>
+            <a:r>
+              <a:rPr lang="en-US" dirty="0" smtClean="0"/>
+              <a:t>lots of templates, and let people fill them in. </a:t>
+            </a:r>
+          </a:p>
+          <a:p>
+            <a:pPr lvl="2">
+              <a:buNone/>
+            </a:pPr>
+            <a:r>
+              <a:rPr lang="en-US" dirty="0" smtClean="0"/>
+              <a:t>The closest analogy is how presentation software (e.g. PowerPoint) works.  These programs generally encourage pumping out the content, not tweaking the layout.</a:t>
+            </a:r>
+          </a:p>
+          <a:p>
+            <a:pPr>
+              <a:spcAft>
+                <a:spcPts val="0"/>
+              </a:spcAft>
+            </a:pPr>
+            <a:r>
+              <a:rPr lang="en-US" dirty="0" smtClean="0"/>
+              <a:t>No File System</a:t>
+            </a:r>
+          </a:p>
+          <a:p>
+            <a:pPr lvl="1">
+              <a:buNone/>
+            </a:pPr>
+            <a:r>
+              <a:rPr lang="en-US" dirty="0" smtClean="0"/>
+              <a:t>Hide the file </a:t>
+            </a:r>
+            <a:r>
+              <a:rPr lang="en-US" dirty="0" smtClean="0"/>
+              <a:t>system, just show books.</a:t>
+            </a:r>
+          </a:p>
+          <a:p>
+            <a:pPr>
+              <a:spcAft>
+                <a:spcPts val="0"/>
+              </a:spcAft>
+            </a:pPr>
+            <a:r>
+              <a:rPr lang="en-US" dirty="0" smtClean="0"/>
+              <a:t>Sharing</a:t>
+            </a:r>
+          </a:p>
+          <a:p>
+            <a:pPr lvl="1">
+              <a:buNone/>
+            </a:pPr>
+            <a:r>
+              <a:rPr lang="en-US" dirty="0" smtClean="0"/>
+              <a:t>Make </a:t>
+            </a:r>
+            <a:r>
+              <a:rPr lang="en-US" dirty="0" smtClean="0"/>
+              <a:t>it trivial to share the library with remote colleagues</a:t>
+            </a:r>
+            <a:r>
+              <a:rPr lang="en-US" dirty="0" smtClean="0"/>
+              <a:t>.</a:t>
+            </a:r>
+          </a:p>
+          <a:p>
+            <a:pPr>
+              <a:spcAft>
+                <a:spcPts val="0"/>
+              </a:spcAft>
+            </a:pPr>
+            <a:r>
+              <a:rPr lang="en-US" dirty="0" smtClean="0"/>
+              <a:t>Customizing</a:t>
+            </a:r>
+          </a:p>
+          <a:p>
+            <a:pPr lvl="1">
+              <a:buNone/>
+            </a:pPr>
+            <a:r>
+              <a:rPr lang="en-US" dirty="0" smtClean="0"/>
+              <a:t>Make it easy to get existing templates/shell books into the system.</a:t>
+            </a:r>
+          </a:p>
+          <a:p>
+            <a:pPr>
+              <a:spcBef>
+                <a:spcPts val="1800"/>
+              </a:spcBef>
+              <a:spcAft>
+                <a:spcPts val="0"/>
+              </a:spcAft>
+            </a:pPr>
+            <a:r>
+              <a:rPr lang="en-US" dirty="0" smtClean="0"/>
+              <a:t>Tweaking</a:t>
+            </a:r>
+          </a:p>
+          <a:p>
+            <a:pPr lvl="1">
+              <a:buFont typeface="Arial" pitchFamily="34" charset="0"/>
+              <a:buChar char="•"/>
+            </a:pPr>
+            <a:r>
+              <a:rPr lang="en-US" dirty="0" smtClean="0"/>
+              <a:t>Make it easy to open the resulting books in a full-strength page layout program for tweaking.</a:t>
+            </a:r>
+            <a:endParaRPr lang="en-US" dirty="0"/>
+          </a:p>
+        </p:txBody>
+      </p:sp>
+    </p:spTree>
+  </p:cSld>
+  <p:clrMapOvr>
+    <a:masterClrMapping/>
+  </p:clrMapOvr>
+</p:sld>
+</file>
+
+<file path=ppt/slides/slide6.xml><?xml version="1.0" encoding="utf-8"?>
 <p:sld xmlns:a="http://schemas.openxmlformats.org/drawingml/2006/main" xmlns:r="http://schemas.openxmlformats.org/officeDocument/2006/relationships" xmlns:p="http://schemas.openxmlformats.org/presentationml/2006/main">
   <p:cSld name="page1">
     <p:spTree>
@@ -11833,7 +14360,7 @@
         </p:spPr>
         <p:txBody>
           <a:bodyPr>
-            <a:normAutofit fontScale="85000" lnSpcReduction="10000"/>
+            <a:normAutofit fontScale="92500" lnSpcReduction="20000"/>
           </a:bodyPr>
           <a:lstStyle/>
           <a:p>
@@ -11850,7 +14377,23 @@
                 <a:ea typeface="MS Gothic" pitchFamily="2"/>
                 <a:cs typeface="Tahoma" pitchFamily="2"/>
               </a:rPr>
-              <a:t>Bloom attempts to make things simple by replacing </a:t>
+              <a:t>Bloom </a:t>
+            </a:r>
+            <a:r>
+              <a:rPr lang="en-US" dirty="0" smtClean="0">
+                <a:latin typeface="Arial" pitchFamily="18"/>
+                <a:ea typeface="MS Gothic" pitchFamily="2"/>
+                <a:cs typeface="Tahoma" pitchFamily="2"/>
+              </a:rPr>
+              <a:t>keeps things </a:t>
+            </a:r>
+            <a:r>
+              <a:rPr lang="en-US" dirty="0">
+                <a:latin typeface="Arial" pitchFamily="18"/>
+                <a:ea typeface="MS Gothic" pitchFamily="2"/>
+                <a:cs typeface="Tahoma" pitchFamily="2"/>
+              </a:rPr>
+              <a:t>simple by replacing </a:t>
             </a:r>
             <a:r>
               <a:rPr lang="en-US" dirty="0" smtClean="0">
@@ -11969,372 +14512,6 @@
           </a:ln>
         </p:spPr>
       </p:pic>
-    </p:spTree>
-  </p:cSld>
-  <p:clrMapOvr>
-    <a:masterClrMapping/>
-  </p:clrMapOvr>
-  <p:transition/>
-  <p:timing>
-    <p:tnLst>
-      <p:par>
-        <p:cTn id="1" dur="indefinite" restart="never" nodeType="tmRoot"/>
-      </p:par>
-    </p:tnLst>
-  </p:timing>
-</p:sld>
-</file>
-
-<file path=ppt/slides/slide6.xml><?xml version="1.0" encoding="utf-8"?>
-<p:sld xmlns:a="http://schemas.openxmlformats.org/drawingml/2006/main" xmlns:r="http://schemas.openxmlformats.org/officeDocument/2006/relationships" xmlns:p="http://schemas.openxmlformats.org/presentationml/2006/main">
-  <p:cSld>
-    <p:spTree>
-      <p:nvGrpSpPr>
-        <p:cNvPr id="1" name=""/>
-        <p:cNvGrpSpPr/>
-        <p:nvPr/>
-      </p:nvGrpSpPr>
-      <p:grpSpPr>
-        <a:xfrm>
-          <a:off x="0" y="0"/>
-          <a:ext cx="0" cy="0"/>
-          <a:chOff x="0" y="0"/>
-          <a:chExt cx="0" cy="0"/>
-        </a:xfrm>
-      </p:grpSpPr>
-      <p:sp>
-        <p:nvSpPr>
-          <p:cNvPr id="6" name="Title 5"/>
-          <p:cNvSpPr>
-            <a:spLocks noGrp="1"/>
-          </p:cNvSpPr>
-          <p:nvPr>
-            <p:ph type="title"/>
-          </p:nvPr>
-        </p:nvSpPr>
-        <p:spPr/>
-        <p:txBody>
-          <a:bodyPr/>
-          <a:lstStyle/>
-          <a:p>
-            <a:pPr algn="l"/>
-            <a:r>
-              <a:rPr lang="en-US" dirty="0" smtClean="0"/>
-              <a:t>Blank Book Templates</a:t>
-            </a:r>
-            <a:endParaRPr lang="en-US" dirty="0"/>
-          </a:p>
-        </p:txBody>
-      </p:sp>
-      <p:sp>
-        <p:nvSpPr>
-          <p:cNvPr id="7" name="Content Placeholder 6"/>
-          <p:cNvSpPr>
-            <a:spLocks noGrp="1"/>
-          </p:cNvSpPr>
-          <p:nvPr>
-            <p:ph idx="1"/>
-          </p:nvPr>
-        </p:nvSpPr>
-        <p:spPr>
-          <a:xfrm>
-            <a:off x="1230312" y="1763713"/>
-            <a:ext cx="4724400" cy="4989512"/>
-          </a:xfrm>
-        </p:spPr>
-        <p:txBody>
-          <a:bodyPr>
-            <a:normAutofit lnSpcReduction="10000"/>
-          </a:bodyPr>
-          <a:lstStyle/>
-          <a:p>
-            <a:pPr marL="0" lvl="0" indent="0" hangingPunct="0">
-              <a:spcBef>
-                <a:spcPts val="0"/>
-              </a:spcBef>
-              <a:buNone/>
-              <a:defRPr sz="2920"/>
-            </a:pPr>
-            <a:r>
-              <a:rPr lang="en-US" dirty="0" smtClean="0">
-                <a:latin typeface="Arial" pitchFamily="18"/>
-                <a:ea typeface="MS Gothic" pitchFamily="2"/>
-                <a:cs typeface="Tahoma" pitchFamily="2"/>
-              </a:rPr>
-              <a:t>The templates at the top are just </a:t>
-            </a:r>
-            <a:r>
-              <a:rPr lang="en-US" dirty="0">
-                <a:latin typeface="Arial" pitchFamily="18"/>
-                <a:ea typeface="MS Gothic" pitchFamily="2"/>
-                <a:cs typeface="Tahoma" pitchFamily="2"/>
-              </a:rPr>
-              <a:t>layout aids. These are used for locally authored titles</a:t>
-            </a:r>
-            <a:r>
-              <a:rPr lang="en-US" dirty="0" smtClean="0">
-                <a:latin typeface="Arial" pitchFamily="18"/>
-                <a:ea typeface="MS Gothic" pitchFamily="2"/>
-                <a:cs typeface="Tahoma" pitchFamily="2"/>
-              </a:rPr>
-              <a:t>.</a:t>
-            </a:r>
-          </a:p>
-          <a:p>
-            <a:pPr marL="0" lvl="0" indent="0" hangingPunct="0">
-              <a:spcBef>
-                <a:spcPts val="0"/>
-              </a:spcBef>
-              <a:buNone/>
-              <a:defRPr sz="2920"/>
-            </a:pPr>
-            <a:endParaRPr lang="en-US" dirty="0" smtClean="0">
-              <a:latin typeface="Arial" pitchFamily="18"/>
-              <a:ea typeface="MS Gothic" pitchFamily="2"/>
-              <a:cs typeface="Tahoma" pitchFamily="2"/>
-            </a:endParaRPr>
-          </a:p>
-          <a:p>
-            <a:pPr marL="0" lvl="0" indent="0" hangingPunct="0">
-              <a:spcBef>
-                <a:spcPts val="0"/>
-              </a:spcBef>
-              <a:buNone/>
-              <a:defRPr sz="2920"/>
-            </a:pPr>
-            <a:r>
-              <a:rPr lang="en-US" dirty="0" smtClean="0">
-                <a:latin typeface="Arial" pitchFamily="18"/>
-                <a:ea typeface="MS Gothic" pitchFamily="2"/>
-                <a:cs typeface="Tahoma" pitchFamily="2"/>
-              </a:rPr>
-              <a:t>A template has a paper size and orientation.</a:t>
-            </a:r>
-          </a:p>
-          <a:p>
-            <a:pPr marL="0" lvl="0" indent="0" hangingPunct="0">
-              <a:spcBef>
-                <a:spcPts val="0"/>
-              </a:spcBef>
-              <a:buNone/>
-              <a:defRPr sz="2920"/>
-            </a:pPr>
-            <a:endParaRPr lang="en-US" dirty="0" smtClean="0">
-              <a:latin typeface="Arial" pitchFamily="18"/>
-              <a:ea typeface="MS Gothic" pitchFamily="2"/>
-              <a:cs typeface="Tahoma" pitchFamily="2"/>
-            </a:endParaRPr>
-          </a:p>
-          <a:p>
-            <a:pPr marL="0" lvl="0" indent="0" hangingPunct="0">
-              <a:spcBef>
-                <a:spcPts val="0"/>
-              </a:spcBef>
-              <a:buNone/>
-              <a:defRPr sz="2920"/>
-            </a:pPr>
-            <a:endParaRPr lang="en-US" sz="1900" dirty="0" smtClean="0">
-              <a:latin typeface="Arial" pitchFamily="18"/>
-              <a:ea typeface="MS Gothic" pitchFamily="2"/>
-              <a:cs typeface="Tahoma" pitchFamily="2"/>
-            </a:endParaRPr>
-          </a:p>
-          <a:p>
-            <a:pPr marL="0" lvl="0" indent="0" hangingPunct="0">
-              <a:spcBef>
-                <a:spcPts val="0"/>
-              </a:spcBef>
-              <a:buNone/>
-              <a:defRPr sz="2920"/>
-            </a:pPr>
-            <a:r>
-              <a:rPr lang="en-US" sz="1900" dirty="0" smtClean="0">
-                <a:latin typeface="Arial" pitchFamily="18"/>
-                <a:ea typeface="MS Gothic" pitchFamily="2"/>
-                <a:cs typeface="Tahoma" pitchFamily="2"/>
-              </a:rPr>
-              <a:t>(</a:t>
-            </a:r>
-            <a:r>
-              <a:rPr lang="en-US" sz="1900" dirty="0" err="1" smtClean="0">
-                <a:latin typeface="Arial" pitchFamily="18"/>
-                <a:ea typeface="MS Gothic" pitchFamily="2"/>
-                <a:cs typeface="Tahoma" pitchFamily="2"/>
-              </a:rPr>
-              <a:t>nb</a:t>
-            </a:r>
-            <a:r>
-              <a:rPr lang="en-US" sz="1900" dirty="0" smtClean="0">
-                <a:latin typeface="Arial" pitchFamily="18"/>
-                <a:ea typeface="MS Gothic" pitchFamily="2"/>
-                <a:cs typeface="Tahoma" pitchFamily="2"/>
-              </a:rPr>
-              <a:t>: Picture Dictionary is perhaps out of place in this illustration… if it comes with illustrations and national-language words, then it’s more of a shell book)</a:t>
-            </a:r>
-            <a:endParaRPr lang="en-US" sz="1900" dirty="0">
-              <a:latin typeface="Arial" pitchFamily="18"/>
-              <a:ea typeface="MS Gothic" pitchFamily="2"/>
-              <a:cs typeface="Tahoma" pitchFamily="2"/>
-            </a:endParaRPr>
-          </a:p>
-          <a:p>
-            <a:pPr marL="0" lvl="0" indent="0" hangingPunct="0">
-              <a:spcBef>
-                <a:spcPts val="0"/>
-              </a:spcBef>
-              <a:buNone/>
-              <a:defRPr sz="2920"/>
-            </a:pPr>
-            <a:endParaRPr lang="en-US" dirty="0">
-              <a:latin typeface="Arial" pitchFamily="18"/>
-              <a:ea typeface="MS Gothic" pitchFamily="2"/>
-              <a:cs typeface="Tahoma" pitchFamily="2"/>
-            </a:endParaRPr>
-          </a:p>
-          <a:p>
-            <a:pPr marL="0" lvl="0" indent="0" hangingPunct="0">
-              <a:spcBef>
-                <a:spcPts val="0"/>
-              </a:spcBef>
-              <a:buNone/>
-              <a:defRPr sz="2920"/>
-            </a:pPr>
-            <a:endParaRPr lang="en-US" dirty="0">
-              <a:latin typeface="Arial" pitchFamily="18"/>
-              <a:ea typeface="MS Gothic" pitchFamily="2"/>
-              <a:cs typeface="Tahoma" pitchFamily="2"/>
-            </a:endParaRPr>
-          </a:p>
-          <a:p>
-            <a:endParaRPr lang="en-US" dirty="0"/>
-          </a:p>
-        </p:txBody>
-      </p:sp>
-      <p:pic>
-        <p:nvPicPr>
-          <p:cNvPr id="8" name="Picture 7"/>
-          <p:cNvPicPr>
-            <a:picLocks noChangeAspect="1"/>
-          </p:cNvPicPr>
-          <p:nvPr/>
-        </p:nvPicPr>
-        <p:blipFill>
-          <a:blip r:embed="rId3" cstate="print"/>
-          <a:srcRect t="3898" r="67493"/>
-          <a:stretch>
-            <a:fillRect/>
-          </a:stretch>
-        </p:blipFill>
-        <p:spPr>
-          <a:xfrm>
-            <a:off x="6411912" y="1265237"/>
-            <a:ext cx="3276600" cy="5635800"/>
-          </a:xfrm>
-          <a:prstGeom prst="rect">
-            <a:avLst/>
-          </a:prstGeom>
-          <a:noFill/>
-          <a:ln>
-            <a:noFill/>
-          </a:ln>
-        </p:spPr>
-      </p:pic>
-      <p:sp>
-        <p:nvSpPr>
-          <p:cNvPr id="5" name="Rectangle 4"/>
-          <p:cNvSpPr/>
-          <p:nvPr/>
-        </p:nvSpPr>
-        <p:spPr>
-          <a:xfrm>
-            <a:off x="6259512" y="4160837"/>
-            <a:ext cx="3581400" cy="2971800"/>
-          </a:xfrm>
-          <a:prstGeom prst="rect">
-            <a:avLst/>
-          </a:prstGeom>
-          <a:solidFill>
-            <a:srgbClr val="FFFFFF">
-              <a:alpha val="80000"/>
-            </a:srgbClr>
-          </a:solidFill>
-          <a:ln>
-            <a:noFill/>
-          </a:ln>
-        </p:spPr>
-        <p:style>
-          <a:lnRef idx="2">
-            <a:schemeClr val="accent1">
-              <a:shade val="50000"/>
-            </a:schemeClr>
-          </a:lnRef>
-          <a:fillRef idx="1">
-            <a:schemeClr val="accent1"/>
-          </a:fillRef>
-          <a:effectRef idx="0">
-            <a:schemeClr val="accent1"/>
-          </a:effectRef>
-          <a:fontRef idx="minor">
-            <a:schemeClr val="lt1"/>
-          </a:fontRef>
-        </p:style>
-        <p:txBody>
-          <a:bodyPr rtlCol="0" anchor="ctr"/>
-          <a:lstStyle/>
-          <a:p>
-            <a:pPr algn="ctr"/>
-            <a:endParaRPr lang="en-US"/>
-          </a:p>
-        </p:txBody>
-      </p:sp>
-      <p:sp>
-        <p:nvSpPr>
-          <p:cNvPr id="9" name="Rectangle 8"/>
-          <p:cNvSpPr/>
-          <p:nvPr/>
-        </p:nvSpPr>
-        <p:spPr>
-          <a:xfrm>
-            <a:off x="6030912" y="1189037"/>
-            <a:ext cx="3581400" cy="609600"/>
-          </a:xfrm>
-          <a:prstGeom prst="rect">
-            <a:avLst/>
-          </a:prstGeom>
-          <a:solidFill>
-            <a:srgbClr val="FFFFFF">
-              <a:alpha val="80000"/>
-            </a:srgbClr>
-          </a:solidFill>
-          <a:ln>
-            <a:noFill/>
-          </a:ln>
-        </p:spPr>
-        <p:style>
-          <a:lnRef idx="2">
-            <a:schemeClr val="accent1">
-              <a:shade val="50000"/>
-            </a:schemeClr>
-          </a:lnRef>
-          <a:fillRef idx="1">
-            <a:schemeClr val="accent1"/>
-          </a:fillRef>
-          <a:effectRef idx="0">
-            <a:schemeClr val="accent1"/>
-          </a:effectRef>
-          <a:fontRef idx="minor">
-            <a:schemeClr val="lt1"/>
-          </a:fontRef>
-        </p:style>
-        <p:txBody>
-          <a:bodyPr rtlCol="0" anchor="ctr"/>
-          <a:lstStyle/>
-          <a:p>
-            <a:pPr algn="ctr"/>
-            <a:endParaRPr lang="en-US"/>
-          </a:p>
-        </p:txBody>
-      </p:sp>
     </p:spTree>
   </p:cSld>
   <p:clrMapOvr>
@@ -12370,6 +14547,192 @@
       </p:grpSpPr>
       <p:sp>
         <p:nvSpPr>
+          <p:cNvPr id="2" name="Title 1"/>
+          <p:cNvSpPr>
+            <a:spLocks noGrp="1"/>
+          </p:cNvSpPr>
+          <p:nvPr>
+            <p:ph type="title"/>
+          </p:nvPr>
+        </p:nvSpPr>
+        <p:spPr/>
+        <p:txBody>
+          <a:bodyPr/>
+          <a:lstStyle/>
+          <a:p>
+            <a:r>
+              <a:rPr lang="en-US" dirty="0" smtClean="0"/>
+              <a:t>Templates</a:t>
+            </a:r>
+            <a:endParaRPr lang="en-US" dirty="0"/>
+          </a:p>
+        </p:txBody>
+      </p:sp>
+      <p:sp>
+        <p:nvSpPr>
+          <p:cNvPr id="3" name="Content Placeholder 2"/>
+          <p:cNvSpPr>
+            <a:spLocks noGrp="1"/>
+          </p:cNvSpPr>
+          <p:nvPr>
+            <p:ph idx="1"/>
+          </p:nvPr>
+        </p:nvSpPr>
+        <p:spPr>
+          <a:xfrm>
+            <a:off x="1230312" y="1763713"/>
+            <a:ext cx="8347076" cy="5368924"/>
+          </a:xfrm>
+        </p:spPr>
+        <p:txBody>
+          <a:bodyPr>
+            <a:normAutofit fontScale="92500" lnSpcReduction="10000"/>
+          </a:bodyPr>
+          <a:lstStyle/>
+          <a:p>
+            <a:r>
+              <a:rPr lang="en-US" dirty="0" smtClean="0"/>
+              <a:t>Where do templates come from?</a:t>
+            </a:r>
+          </a:p>
+          <a:p>
+            <a:r>
+              <a:rPr lang="en-US" dirty="0" smtClean="0"/>
+              <a:t>Bloom would come with some templates, but literacy advisors could copy them and make their own.  They are just files, editable in some full-strength open-source program.  See the section on “File Formats” for more information.</a:t>
+            </a:r>
+          </a:p>
+          <a:p>
+            <a:r>
+              <a:rPr lang="en-US" dirty="0" smtClean="0"/>
+              <a:t>Templates would also be available on internet repositories.  In areas with occasional internet access, advisors could set up Bloom to “subscribe” to one or more of these, so that as new templates become available, they would show up in Bloom.</a:t>
+            </a:r>
+          </a:p>
+          <a:p>
+            <a:endParaRPr lang="en-US" dirty="0" smtClean="0"/>
+          </a:p>
+        </p:txBody>
+      </p:sp>
+    </p:spTree>
+  </p:cSld>
+  <p:clrMapOvr>
+    <a:masterClrMapping/>
+  </p:clrMapOvr>
+</p:sld>
+</file>
+
+<file path=ppt/slides/slide8.xml><?xml version="1.0" encoding="utf-8"?>
+<p:sld xmlns:a="http://schemas.openxmlformats.org/drawingml/2006/main" xmlns:r="http://schemas.openxmlformats.org/officeDocument/2006/relationships" xmlns:p="http://schemas.openxmlformats.org/presentationml/2006/main">
+  <p:cSld>
+    <p:spTree>
+      <p:nvGrpSpPr>
+        <p:cNvPr id="1" name=""/>
+        <p:cNvGrpSpPr/>
+        <p:nvPr/>
+      </p:nvGrpSpPr>
+      <p:grpSpPr>
+        <a:xfrm>
+          <a:off x="0" y="0"/>
+          <a:ext cx="0" cy="0"/>
+          <a:chOff x="0" y="0"/>
+          <a:chExt cx="0" cy="0"/>
+        </a:xfrm>
+      </p:grpSpPr>
+      <p:sp>
+        <p:nvSpPr>
+          <p:cNvPr id="2" name="Title 1"/>
+          <p:cNvSpPr>
+            <a:spLocks noGrp="1"/>
+          </p:cNvSpPr>
+          <p:nvPr>
+            <p:ph type="title"/>
+          </p:nvPr>
+        </p:nvSpPr>
+        <p:spPr/>
+        <p:txBody>
+          <a:bodyPr/>
+          <a:lstStyle/>
+          <a:p>
+            <a:r>
+              <a:rPr lang="en-US" dirty="0" smtClean="0"/>
+              <a:t>Templates</a:t>
+            </a:r>
+            <a:endParaRPr lang="en-US" dirty="0"/>
+          </a:p>
+        </p:txBody>
+      </p:sp>
+      <p:sp>
+        <p:nvSpPr>
+          <p:cNvPr id="3" name="Content Placeholder 2"/>
+          <p:cNvSpPr>
+            <a:spLocks noGrp="1"/>
+          </p:cNvSpPr>
+          <p:nvPr>
+            <p:ph idx="1"/>
+          </p:nvPr>
+        </p:nvSpPr>
+        <p:spPr/>
+        <p:txBody>
+          <a:bodyPr/>
+          <a:lstStyle/>
+          <a:p>
+            <a:r>
+              <a:rPr lang="en-US" dirty="0" smtClean="0"/>
+              <a:t>The actual templates would be created by literacy specialists, or you yourself, not by a software developer.</a:t>
+            </a:r>
+            <a:endParaRPr lang="en-US" dirty="0" smtClean="0"/>
+          </a:p>
+          <a:p>
+            <a:r>
+              <a:rPr lang="en-US" dirty="0" smtClean="0"/>
+              <a:t>Therefore, pay no attention to the details of the templates you see in this document.  </a:t>
+            </a:r>
+          </a:p>
+          <a:p>
+            <a:r>
+              <a:rPr lang="en-US" dirty="0" smtClean="0"/>
+              <a:t>These details are </a:t>
+            </a:r>
+            <a:r>
+              <a:rPr lang="en-US" i="1" dirty="0" smtClean="0"/>
+              <a:t>not</a:t>
+            </a:r>
+            <a:r>
+              <a:rPr lang="en-US" dirty="0" smtClean="0"/>
+              <a:t> part of the proposal.</a:t>
+            </a:r>
+          </a:p>
+          <a:p>
+            <a:endParaRPr lang="en-US" dirty="0" smtClean="0"/>
+          </a:p>
+        </p:txBody>
+      </p:sp>
+    </p:spTree>
+  </p:cSld>
+  <p:clrMapOvr>
+    <a:masterClrMapping/>
+  </p:clrMapOvr>
+</p:sld>
+</file>
+
+<file path=ppt/slides/slide9.xml><?xml version="1.0" encoding="utf-8"?>
+<p:sld xmlns:a="http://schemas.openxmlformats.org/drawingml/2006/main" xmlns:r="http://schemas.openxmlformats.org/officeDocument/2006/relationships" xmlns:p="http://schemas.openxmlformats.org/presentationml/2006/main">
+  <p:cSld>
+    <p:spTree>
+      <p:nvGrpSpPr>
+        <p:cNvPr id="1" name=""/>
+        <p:cNvGrpSpPr/>
+        <p:nvPr/>
+      </p:nvGrpSpPr>
+      <p:grpSpPr>
+        <a:xfrm>
+          <a:off x="0" y="0"/>
+          <a:ext cx="0" cy="0"/>
+          <a:chOff x="0" y="0"/>
+          <a:chExt cx="0" cy="0"/>
+        </a:xfrm>
+      </p:grpSpPr>
+      <p:sp>
+        <p:nvSpPr>
           <p:cNvPr id="6" name="Title 5"/>
           <p:cNvSpPr>
             <a:spLocks noGrp="1"/>
@@ -12386,7 +14749,7 @@
             <a:pPr algn="l"/>
             <a:r>
               <a:rPr lang="en-US" dirty="0" smtClean="0"/>
-              <a:t>Shell Book Templates</a:t>
+              <a:t>Blank Book Templates</a:t>
             </a:r>
             <a:endParaRPr lang="en-US" dirty="0"/>
           </a:p>
@@ -12410,7 +14773,7 @@
         </p:spPr>
         <p:txBody>
           <a:bodyPr>
-            <a:normAutofit/>
+            <a:normAutofit lnSpcReduction="10000"/>
           </a:bodyPr>
           <a:lstStyle/>
           <a:p>
@@ -12427,7 +14790,7 @@
                 <a:ea typeface="MS Gothic" pitchFamily="2"/>
                 <a:cs typeface="Tahoma" pitchFamily="2"/>
               </a:rPr>
-              <a:t>At </a:t>
+              <a:t>The templates at the top are just </a:t>
             </a:r>
             <a:r>
               <a:rPr lang="en-US" dirty="0">
@@ -12435,7 +14798,7 @@
                 <a:ea typeface="MS Gothic" pitchFamily="2"/>
                 <a:cs typeface="Tahoma" pitchFamily="2"/>
               </a:rPr>
-              <a:t>the bottom of the Templates </a:t>
+              <a:t>layout aids. These are used for locally authored titles</a:t>
             </a:r>
             <a:r>
               <a:rPr lang="en-US" dirty="0" smtClean="0">
@@ -12443,16 +14806,17 @@
                 <a:ea typeface="MS Gothic" pitchFamily="2"/>
                 <a:cs typeface="Tahoma" pitchFamily="2"/>
               </a:rPr>
-              <a:t>tab are templates which come with content in one or more major languages. </a:t>
-            </a:r>
-            <a:r>
-              <a:rPr lang="en-US" dirty="0">
-                <a:latin typeface="Arial" pitchFamily="18"/>
-                <a:ea typeface="MS Gothic" pitchFamily="2"/>
-                <a:cs typeface="Tahoma" pitchFamily="2"/>
-              </a:rPr>
-              <a:t>With these, your job is to translate them. </a:t>
-            </a:r>
+              <a:t>.</a:t>
+            </a:r>
+          </a:p>
+          <a:p>
+            <a:pPr marL="0" lvl="0" indent="0" hangingPunct="0">
+              <a:spcBef>
+                <a:spcPts val="0"/>
+              </a:spcBef>
+              <a:buNone/>
+              <a:defRPr sz="2920"/>
+            </a:pPr>
             <a:endParaRPr lang="en-US" dirty="0" smtClean="0">
               <a:latin typeface="Arial" pitchFamily="18"/>
               <a:ea typeface="MS Gothic" pitchFamily="2"/>
@@ -12467,7 +14831,24 @@
               <a:buNone/>
               <a:defRPr sz="2920"/>
             </a:pPr>
-            <a:endParaRPr lang="en-US" sz="1400" dirty="0">
+            <a:r>
+              <a:rPr lang="en-US" dirty="0" smtClean="0">
+                <a:latin typeface="Arial" pitchFamily="18"/>
+                <a:ea typeface="MS Gothic" pitchFamily="2"/>
+                <a:cs typeface="Tahoma" pitchFamily="2"/>
+              </a:rPr>
+              <a:t>A template has a paper size and orientation.</a:t>
+            </a:r>
+          </a:p>
+          <a:p>
+            <a:pPr marL="0" lvl="0" indent="0" hangingPunct="0">
+              <a:spcBef>
+                <a:spcPts val="0"/>
+              </a:spcBef>
+              <a:buNone/>
+              <a:defRPr sz="2920"/>
+            </a:pPr>
+            <a:endParaRPr lang="en-US" dirty="0" smtClean="0">
               <a:latin typeface="Arial" pitchFamily="18"/>
               <a:ea typeface="MS Gothic" pitchFamily="2"/>
               <a:cs typeface="Tahoma" pitchFamily="2"/>
@@ -12481,63 +14862,45 @@
               <a:buNone/>
               <a:defRPr sz="2920"/>
             </a:pPr>
-            <a:r>
-              <a:rPr lang="en-US" sz="1400" dirty="0" smtClean="0">
+            <a:endParaRPr lang="en-US" sz="1900" dirty="0" smtClean="0">
+              <a:latin typeface="Arial" pitchFamily="18"/>
+              <a:ea typeface="MS Gothic" pitchFamily="2"/>
+              <a:cs typeface="Tahoma" pitchFamily="2"/>
+            </a:endParaRPr>
+          </a:p>
+          <a:p>
+            <a:pPr marL="0" lvl="0" indent="0" hangingPunct="0">
+              <a:spcBef>
+                <a:spcPts val="0"/>
+              </a:spcBef>
+              <a:buNone/>
+              <a:defRPr sz="2920"/>
+            </a:pPr>
+            <a:r>
+              <a:rPr lang="en-US" sz="1900" dirty="0" smtClean="0">
                 <a:latin typeface="Arial" pitchFamily="18"/>
                 <a:ea typeface="MS Gothic" pitchFamily="2"/>
                 <a:cs typeface="Tahoma" pitchFamily="2"/>
               </a:rPr>
-              <a:t>This part of the task should be very similar to Mike Trainum’s “</a:t>
-            </a:r>
-            <a:r>
-              <a:rPr lang="en-US" sz="1400" dirty="0" err="1" smtClean="0">
+              <a:t>(</a:t>
+            </a:r>
+            <a:r>
+              <a:rPr lang="en-US" sz="1900" dirty="0" err="1" smtClean="0">
                 <a:latin typeface="Arial" pitchFamily="18"/>
                 <a:ea typeface="MS Gothic" pitchFamily="2"/>
                 <a:cs typeface="Tahoma" pitchFamily="2"/>
               </a:rPr>
-              <a:t>ShellBook</a:t>
-            </a:r>
-            <a:r>
-              <a:rPr lang="en-US" sz="1400" dirty="0" smtClean="0">
+              <a:t>nb</a:t>
+            </a:r>
+            <a:r>
+              <a:rPr lang="en-US" sz="1900" dirty="0" smtClean="0">
                 <a:latin typeface="Arial" pitchFamily="18"/>
                 <a:ea typeface="MS Gothic" pitchFamily="2"/>
                 <a:cs typeface="Tahoma" pitchFamily="2"/>
               </a:rPr>
-              <a:t> Maker” program, so it has not been illustrated in this document.  The user can read what the page says English and </a:t>
-            </a:r>
-            <a:r>
-              <a:rPr lang="en-US" sz="1400" dirty="0" err="1" smtClean="0">
-                <a:latin typeface="Arial" pitchFamily="18"/>
-                <a:ea typeface="MS Gothic" pitchFamily="2"/>
-                <a:cs typeface="Tahoma" pitchFamily="2"/>
-              </a:rPr>
-              <a:t>Tok</a:t>
-            </a:r>
-            <a:r>
-              <a:rPr lang="en-US" sz="1400" dirty="0" smtClean="0">
-                <a:latin typeface="Arial" pitchFamily="18"/>
-                <a:ea typeface="MS Gothic" pitchFamily="2"/>
-                <a:cs typeface="Tahoma" pitchFamily="2"/>
-              </a:rPr>
-              <a:t> </a:t>
-            </a:r>
-            <a:r>
-              <a:rPr lang="en-US" sz="1400" dirty="0" err="1" smtClean="0">
-                <a:latin typeface="Arial" pitchFamily="18"/>
-                <a:ea typeface="MS Gothic" pitchFamily="2"/>
-                <a:cs typeface="Tahoma" pitchFamily="2"/>
-              </a:rPr>
-              <a:t>Pisin</a:t>
-            </a:r>
-            <a:r>
-              <a:rPr lang="en-US" sz="1400" dirty="0" smtClean="0">
-                <a:latin typeface="Arial" pitchFamily="18"/>
-                <a:ea typeface="MS Gothic" pitchFamily="2"/>
-                <a:cs typeface="Tahoma" pitchFamily="2"/>
-              </a:rPr>
-              <a:t> versions, and also read other background material related to the page.  He  cannot add new pages.  If his text is too long, the type-face automatically shrinks.</a:t>
-            </a:r>
-            <a:endParaRPr lang="en-US" sz="1400" dirty="0">
+              <a:t>: Picture Dictionary is perhaps out of place in this illustration… if it comes with illustrations and national-language words, then it’s more of a shell book)</a:t>
+            </a:r>
+            <a:endParaRPr lang="en-US" sz="1900" dirty="0">
               <a:latin typeface="Arial" pitchFamily="18"/>
               <a:ea typeface="MS Gothic" pitchFamily="2"/>
               <a:cs typeface="Tahoma" pitchFamily="2"/>
@@ -12607,14 +14970,14 @@
       </p:pic>
       <p:sp>
         <p:nvSpPr>
-          <p:cNvPr id="9" name="Rectangle 8"/>
+          <p:cNvPr id="5" name="Rectangle 4"/>
           <p:cNvSpPr/>
           <p:nvPr/>
         </p:nvSpPr>
         <p:spPr>
           <a:xfrm>
-            <a:off x="6030912" y="1189037"/>
-            <a:ext cx="3810000" cy="2971800"/>
+            <a:off x="6259512" y="4160837"/>
+            <a:ext cx="3581400" cy="2971800"/>
           </a:xfrm>
           <a:prstGeom prst="rect">
             <a:avLst/>
@@ -12653,505 +15016,23 @@
           </a:p>
         </p:txBody>
       </p:sp>
-    </p:spTree>
-  </p:cSld>
-  <p:clrMapOvr>
-    <a:masterClrMapping/>
-  </p:clrMapOvr>
-  <p:transition/>
-  <p:timing>
-    <p:tnLst>
-      <p:par>
-        <p:cTn id="1" dur="indefinite" restart="never" nodeType="tmRoot"/>
-      </p:par>
-    </p:tnLst>
-  </p:timing>
-</p:sld>
-</file>
-
-<file path=ppt/slides/slide8.xml><?xml version="1.0" encoding="utf-8"?>
-<p:sld xmlns:a="http://schemas.openxmlformats.org/drawingml/2006/main" xmlns:r="http://schemas.openxmlformats.org/officeDocument/2006/relationships" xmlns:p="http://schemas.openxmlformats.org/presentationml/2006/main">
-  <p:cSld name="page3">
-    <p:spTree>
-      <p:nvGrpSpPr>
-        <p:cNvPr id="1" name=""/>
-        <p:cNvGrpSpPr/>
-        <p:nvPr/>
-      </p:nvGrpSpPr>
-      <p:grpSpPr>
-        <a:xfrm>
-          <a:off x="0" y="0"/>
-          <a:ext cx="0" cy="0"/>
-          <a:chOff x="0" y="0"/>
-          <a:chExt cx="0" cy="0"/>
-        </a:xfrm>
-      </p:grpSpPr>
-      <p:sp>
-        <p:nvSpPr>
-          <p:cNvPr id="2" name="TextBox 1"/>
-          <p:cNvSpPr txBox="1"/>
-          <p:nvPr/>
-        </p:nvSpPr>
-        <p:spPr>
-          <a:xfrm>
-            <a:off x="1233721" y="832680"/>
-            <a:ext cx="6415560" cy="3887279"/>
-          </a:xfrm>
-          <a:prstGeom prst="rect">
-            <a:avLst/>
-          </a:prstGeom>
-          <a:noFill/>
-          <a:ln>
-            <a:noFill/>
-          </a:ln>
-        </p:spPr>
-        <p:txBody>
-          <a:bodyPr vert="horz" lIns="90000" tIns="45000" rIns="90000" bIns="45000" compatLnSpc="0"/>
-          <a:lstStyle>
-            <a:defPPr lvl="0">
-              <a:buSzPct val="45000"/>
-              <a:buFont typeface="StarSymbol"/>
-              <a:buNone/>
-            </a:defPPr>
-            <a:lvl1pPr lvl="0">
-              <a:buSzPct val="45000"/>
-              <a:buFont typeface="StarSymbol"/>
-              <a:buChar char="●"/>
-            </a:lvl1pPr>
-            <a:lvl2pPr lvl="1">
-              <a:buSzPct val="45000"/>
-              <a:buFont typeface="StarSymbol"/>
-              <a:buChar char="●"/>
-            </a:lvl2pPr>
-            <a:lvl3pPr lvl="2">
-              <a:buSzPct val="45000"/>
-              <a:buFont typeface="StarSymbol"/>
-              <a:buChar char="●"/>
-            </a:lvl3pPr>
-            <a:lvl4pPr lvl="3">
-              <a:buSzPct val="45000"/>
-              <a:buFont typeface="StarSymbol"/>
-              <a:buChar char="●"/>
-            </a:lvl4pPr>
-            <a:lvl5pPr lvl="4">
-              <a:buSzPct val="45000"/>
-              <a:buFont typeface="StarSymbol"/>
-              <a:buChar char="●"/>
-            </a:lvl5pPr>
-            <a:lvl6pPr lvl="5">
-              <a:buSzPct val="45000"/>
-              <a:buFont typeface="StarSymbol"/>
-              <a:buChar char="●"/>
-            </a:lvl6pPr>
-            <a:lvl7pPr lvl="6">
-              <a:buSzPct val="45000"/>
-              <a:buFont typeface="StarSymbol"/>
-              <a:buChar char="●"/>
-            </a:lvl7pPr>
-            <a:lvl8pPr lvl="7">
-              <a:buSzPct val="45000"/>
-              <a:buFont typeface="StarSymbol"/>
-              <a:buChar char="●"/>
-            </a:lvl8pPr>
-            <a:lvl9pPr lvl="8">
-              <a:buSzPct val="45000"/>
-              <a:buFont typeface="StarSymbol"/>
-              <a:buChar char="●"/>
-            </a:lvl9pPr>
-          </a:lstStyle>
-          <a:p>
-            <a:pPr marL="0" marR="0" lvl="0" indent="0" rtl="0" hangingPunct="0">
-              <a:lnSpc>
-                <a:spcPct val="100000"/>
-              </a:lnSpc>
-              <a:spcBef>
-                <a:spcPts val="0"/>
-              </a:spcBef>
-              <a:spcAft>
-                <a:spcPts val="0"/>
-              </a:spcAft>
-              <a:buNone/>
-              <a:tabLst/>
-              <a:defRPr sz="2920"/>
-            </a:pPr>
-            <a:endParaRPr lang="en-US" sz="2400" b="0" i="0" u="none" strike="noStrike" kern="1200" dirty="0">
-              <a:ln>
-                <a:noFill/>
-              </a:ln>
-              <a:latin typeface="Arial" pitchFamily="18"/>
-              <a:ea typeface="MS Gothic" pitchFamily="2"/>
-              <a:cs typeface="Tahoma" pitchFamily="2"/>
-            </a:endParaRPr>
-          </a:p>
-        </p:txBody>
-      </p:sp>
-      <p:pic>
-        <p:nvPicPr>
-          <p:cNvPr id="4" name="Picture 3"/>
-          <p:cNvPicPr>
-            <a:picLocks noChangeAspect="1"/>
-          </p:cNvPicPr>
-          <p:nvPr/>
-        </p:nvPicPr>
-        <p:blipFill>
-          <a:blip r:embed="rId3" cstate="print"/>
-          <a:srcRect l="756" t="5477" r="87148" b="12663"/>
-          <a:stretch>
-            <a:fillRect/>
-          </a:stretch>
-        </p:blipFill>
-        <p:spPr>
-          <a:xfrm>
-            <a:off x="1447800" y="1951037"/>
-            <a:ext cx="1219200" cy="4800600"/>
-          </a:xfrm>
-          <a:prstGeom prst="rect">
-            <a:avLst/>
-          </a:prstGeom>
-          <a:noFill/>
-          <a:ln>
-            <a:noFill/>
-          </a:ln>
-        </p:spPr>
-      </p:pic>
-      <p:sp>
-        <p:nvSpPr>
-          <p:cNvPr id="5" name="Title 4"/>
-          <p:cNvSpPr>
-            <a:spLocks noGrp="1"/>
-          </p:cNvSpPr>
-          <p:nvPr>
-            <p:ph type="title"/>
-          </p:nvPr>
-        </p:nvSpPr>
-        <p:spPr/>
-        <p:txBody>
-          <a:bodyPr>
-            <a:normAutofit/>
-          </a:bodyPr>
-          <a:lstStyle/>
-          <a:p>
-            <a:pPr lvl="0"/>
-            <a:r>
-              <a:rPr lang="en-US" dirty="0">
-                <a:latin typeface="Arial" pitchFamily="18"/>
-                <a:ea typeface="MS Gothic" pitchFamily="2"/>
-                <a:cs typeface="Tahoma" pitchFamily="2"/>
-              </a:rPr>
-              <a:t>Our </a:t>
-            </a:r>
-            <a:r>
-              <a:rPr lang="en-US" dirty="0" smtClean="0">
-                <a:latin typeface="Arial" pitchFamily="18"/>
-                <a:ea typeface="MS Gothic" pitchFamily="2"/>
-                <a:cs typeface="Tahoma" pitchFamily="2"/>
-              </a:rPr>
-              <a:t>books </a:t>
-            </a:r>
-            <a:r>
-              <a:rPr lang="en-US" dirty="0" smtClean="0">
-                <a:latin typeface="Arial" pitchFamily="18"/>
-                <a:ea typeface="MS Gothic" pitchFamily="2"/>
-                <a:cs typeface="Tahoma" pitchFamily="2"/>
-              </a:rPr>
-              <a:t>collection</a:t>
-            </a:r>
-            <a:endParaRPr lang="en-US" dirty="0"/>
-          </a:p>
-        </p:txBody>
-      </p:sp>
-      <p:sp>
-        <p:nvSpPr>
-          <p:cNvPr id="6" name="Content Placeholder 5"/>
-          <p:cNvSpPr>
-            <a:spLocks noGrp="1"/>
-          </p:cNvSpPr>
-          <p:nvPr>
-            <p:ph idx="1"/>
-          </p:nvPr>
-        </p:nvSpPr>
-        <p:spPr>
-          <a:xfrm>
-            <a:off x="3516312" y="3094037"/>
-            <a:ext cx="6019800" cy="4038600"/>
-          </a:xfrm>
-        </p:spPr>
-        <p:txBody>
-          <a:bodyPr>
-            <a:normAutofit fontScale="92500" lnSpcReduction="20000"/>
-          </a:bodyPr>
-          <a:lstStyle/>
-          <a:p>
-            <a:pPr lvl="0">
-              <a:buNone/>
-            </a:pPr>
-            <a:r>
-              <a:rPr lang="en-US" dirty="0"/>
-              <a:t>The collection of vernacular books in our library is shown under a </a:t>
-            </a:r>
-            <a:r>
-              <a:rPr lang="en-US" dirty="0" smtClean="0"/>
-              <a:t>tab.  </a:t>
-            </a:r>
-            <a:r>
-              <a:rPr lang="en-US" dirty="0"/>
-              <a:t>Clicking on one lets us preview, edit, or publish it.</a:t>
-            </a:r>
-          </a:p>
-          <a:p>
-            <a:pPr>
-              <a:buNone/>
-            </a:pPr>
-            <a:r>
-              <a:rPr lang="en-US" dirty="0" smtClean="0"/>
-              <a:t>Notice that the user never has to go find a book on her hard drive. </a:t>
-            </a:r>
-          </a:p>
-          <a:p>
-            <a:pPr>
-              <a:buNone/>
-            </a:pPr>
-            <a:r>
-              <a:rPr lang="en-US" dirty="0" smtClean="0"/>
-              <a:t>If more than one person is working on books, those books will appear in everyone else’s library when they do a Send/Receive.</a:t>
-            </a:r>
-            <a:endParaRPr lang="en-US" dirty="0"/>
-          </a:p>
-        </p:txBody>
-      </p:sp>
-      <p:pic>
-        <p:nvPicPr>
-          <p:cNvPr id="7" name="Picture 6"/>
-          <p:cNvPicPr>
-            <a:picLocks noChangeAspect="1"/>
-          </p:cNvPicPr>
-          <p:nvPr/>
-        </p:nvPicPr>
-        <p:blipFill>
-          <a:blip r:embed="rId4" cstate="print"/>
-          <a:srcRect r="40923" b="88026"/>
-          <a:stretch>
-            <a:fillRect/>
-          </a:stretch>
-        </p:blipFill>
-        <p:spPr>
-          <a:xfrm>
-            <a:off x="1371600" y="1646237"/>
-            <a:ext cx="5954712" cy="702196"/>
-          </a:xfrm>
-          <a:prstGeom prst="rect">
-            <a:avLst/>
-          </a:prstGeom>
-          <a:noFill/>
-          <a:ln>
-            <a:noFill/>
-          </a:ln>
-        </p:spPr>
-      </p:pic>
-    </p:spTree>
-  </p:cSld>
-  <p:clrMapOvr>
-    <a:masterClrMapping/>
-  </p:clrMapOvr>
-  <p:transition/>
-  <p:timing>
-    <p:tnLst>
-      <p:par>
-        <p:cTn id="1" dur="indefinite" restart="never" nodeType="tmRoot"/>
-      </p:par>
-    </p:tnLst>
-  </p:timing>
-</p:sld>
-</file>
-
-<file path=ppt/slides/slide9.xml><?xml version="1.0" encoding="utf-8"?>
-<p:sld xmlns:a="http://schemas.openxmlformats.org/drawingml/2006/main" xmlns:r="http://schemas.openxmlformats.org/officeDocument/2006/relationships" xmlns:p="http://schemas.openxmlformats.org/presentationml/2006/main">
-  <p:cSld name="page5">
-    <p:spTree>
-      <p:nvGrpSpPr>
-        <p:cNvPr id="1" name=""/>
-        <p:cNvGrpSpPr/>
-        <p:nvPr/>
-      </p:nvGrpSpPr>
-      <p:grpSpPr>
-        <a:xfrm>
-          <a:off x="0" y="0"/>
-          <a:ext cx="0" cy="0"/>
-          <a:chOff x="0" y="0"/>
-          <a:chExt cx="0" cy="0"/>
-        </a:xfrm>
-      </p:grpSpPr>
-      <p:pic>
-        <p:nvPicPr>
-          <p:cNvPr id="2" name="Picture 1"/>
-          <p:cNvPicPr>
-            <a:picLocks noChangeAspect="1"/>
-          </p:cNvPicPr>
-          <p:nvPr/>
-        </p:nvPicPr>
-        <p:blipFill>
-          <a:blip r:embed="rId3" cstate="print"/>
-          <a:stretch>
-            <a:fillRect/>
-          </a:stretch>
-        </p:blipFill>
-        <p:spPr>
-          <a:xfrm>
-            <a:off x="985" y="0"/>
-            <a:ext cx="10079640" cy="5864400"/>
-          </a:xfrm>
-          <a:prstGeom prst="rect">
-            <a:avLst/>
-          </a:prstGeom>
-          <a:noFill/>
-          <a:ln>
-            <a:noFill/>
-          </a:ln>
-        </p:spPr>
-      </p:pic>
-      <p:sp>
-        <p:nvSpPr>
-          <p:cNvPr id="4" name="Content Placeholder 3"/>
-          <p:cNvSpPr>
-            <a:spLocks noGrp="1"/>
-          </p:cNvSpPr>
-          <p:nvPr>
-            <p:ph idx="1"/>
-          </p:nvPr>
-        </p:nvSpPr>
-        <p:spPr>
-          <a:xfrm>
-            <a:off x="1077912" y="6142037"/>
-            <a:ext cx="8347076" cy="1220788"/>
-          </a:xfrm>
-        </p:spPr>
-        <p:txBody>
-          <a:bodyPr>
-            <a:normAutofit fontScale="77500" lnSpcReduction="20000"/>
-          </a:bodyPr>
-          <a:lstStyle/>
-          <a:p>
-            <a:r>
-              <a:rPr lang="en-US" dirty="0" smtClean="0"/>
-              <a:t>Here we see the cover of the book, in Edit mode.  The user has 3 things to do. She’s already typed in the title &amp;  chosen an illustration. She hasn’t yet entered the names of the authors.</a:t>
-            </a:r>
-            <a:endParaRPr lang="en-US" dirty="0"/>
-          </a:p>
-        </p:txBody>
-      </p:sp>
-      <p:sp>
-        <p:nvSpPr>
-          <p:cNvPr id="5" name="Rectangle 4"/>
+      <p:sp>
+        <p:nvSpPr>
+          <p:cNvPr id="9" name="Rectangle 8"/>
           <p:cNvSpPr/>
           <p:nvPr/>
         </p:nvSpPr>
         <p:spPr>
           <a:xfrm>
-            <a:off x="8164511" y="-1"/>
-            <a:ext cx="1916113" cy="5913437"/>
+            <a:off x="6030912" y="1189037"/>
+            <a:ext cx="3581400" cy="609600"/>
           </a:xfrm>
           <a:prstGeom prst="rect">
             <a:avLst/>
           </a:prstGeom>
           <a:solidFill>
             <a:srgbClr val="FFFFFF">
-              <a:alpha val="69804"/>
-            </a:srgbClr>
-          </a:solidFill>
-          <a:ln>
-            <a:noFill/>
-          </a:ln>
-        </p:spPr>
-        <p:style>
-          <a:lnRef idx="2">
-            <a:schemeClr val="accent1">
-              <a:shade val="50000"/>
-            </a:schemeClr>
-          </a:lnRef>
-          <a:fillRef idx="1">
-            <a:schemeClr val="accent1"/>
-          </a:fillRef>
-          <a:effectRef idx="0">
-            <a:schemeClr val="accent1"/>
-          </a:effectRef>
-          <a:fontRef idx="minor">
-            <a:schemeClr val="lt1"/>
-          </a:fontRef>
-        </p:style>
-        <p:txBody>
-          <a:bodyPr rtlCol="0" anchor="ctr"/>
-          <a:lstStyle/>
-          <a:p>
-            <a:pPr algn="ctr"/>
-            <a:endParaRPr lang="en-US"/>
-          </a:p>
-        </p:txBody>
-      </p:sp>
-      <p:sp>
-        <p:nvSpPr>
-          <p:cNvPr id="6" name="Rectangle 5"/>
-          <p:cNvSpPr/>
-          <p:nvPr/>
-        </p:nvSpPr>
-        <p:spPr>
-          <a:xfrm>
-            <a:off x="0" y="0"/>
-            <a:ext cx="1916113" cy="5913437"/>
-          </a:xfrm>
-          <a:prstGeom prst="rect">
-            <a:avLst/>
-          </a:prstGeom>
-          <a:solidFill>
-            <a:srgbClr val="FFFFFF">
-              <a:alpha val="69804"/>
-            </a:srgbClr>
-          </a:solidFill>
-          <a:ln>
-            <a:noFill/>
-          </a:ln>
-        </p:spPr>
-        <p:style>
-          <a:lnRef idx="2">
-            <a:schemeClr val="accent1">
-              <a:shade val="50000"/>
-            </a:schemeClr>
-          </a:lnRef>
-          <a:fillRef idx="1">
-            <a:schemeClr val="accent1"/>
-          </a:fillRef>
-          <a:effectRef idx="0">
-            <a:schemeClr val="accent1"/>
-          </a:effectRef>
-          <a:fontRef idx="minor">
-            <a:schemeClr val="lt1"/>
-          </a:fontRef>
-        </p:style>
-        <p:txBody>
-          <a:bodyPr rtlCol="0" anchor="ctr"/>
-          <a:lstStyle/>
-          <a:p>
-            <a:pPr algn="ctr"/>
-            <a:endParaRPr lang="en-US"/>
-          </a:p>
-        </p:txBody>
-      </p:sp>
-      <p:sp>
-        <p:nvSpPr>
-          <p:cNvPr id="7" name="Rectangle 6"/>
-          <p:cNvSpPr/>
-          <p:nvPr/>
-        </p:nvSpPr>
-        <p:spPr>
-          <a:xfrm>
-            <a:off x="1916112" y="0"/>
-            <a:ext cx="6270623" cy="960436"/>
-          </a:xfrm>
-          <a:prstGeom prst="rect">
-            <a:avLst/>
-          </a:prstGeom>
-          <a:solidFill>
-            <a:srgbClr val="FFFFFF">
-              <a:alpha val="69804"/>
+              <a:alpha val="80000"/>
             </a:srgbClr>
           </a:solidFill>
           <a:ln>

--- a/Design/BloomOverview.pptx
+++ b/Design/BloomOverview.pptx
@@ -32,21 +32,21 @@
     <p:sldId id="294" r:id="rId20"/>
     <p:sldId id="295" r:id="rId21"/>
     <p:sldId id="296" r:id="rId22"/>
-    <p:sldId id="267" r:id="rId23"/>
-    <p:sldId id="261" r:id="rId24"/>
-    <p:sldId id="262" r:id="rId25"/>
-    <p:sldId id="263" r:id="rId26"/>
-    <p:sldId id="268" r:id="rId27"/>
-    <p:sldId id="269" r:id="rId28"/>
-    <p:sldId id="270" r:id="rId29"/>
-    <p:sldId id="276" r:id="rId30"/>
-    <p:sldId id="277" r:id="rId31"/>
-    <p:sldId id="275" r:id="rId32"/>
-    <p:sldId id="271" r:id="rId33"/>
-    <p:sldId id="272" r:id="rId34"/>
-    <p:sldId id="273" r:id="rId35"/>
-    <p:sldId id="274" r:id="rId36"/>
-    <p:sldId id="289" r:id="rId37"/>
+    <p:sldId id="261" r:id="rId23"/>
+    <p:sldId id="262" r:id="rId24"/>
+    <p:sldId id="263" r:id="rId25"/>
+    <p:sldId id="268" r:id="rId26"/>
+    <p:sldId id="269" r:id="rId27"/>
+    <p:sldId id="270" r:id="rId28"/>
+    <p:sldId id="276" r:id="rId29"/>
+    <p:sldId id="277" r:id="rId30"/>
+    <p:sldId id="275" r:id="rId31"/>
+    <p:sldId id="271" r:id="rId32"/>
+    <p:sldId id="272" r:id="rId33"/>
+    <p:sldId id="273" r:id="rId34"/>
+    <p:sldId id="274" r:id="rId35"/>
+    <p:sldId id="289" r:id="rId36"/>
+    <p:sldId id="297" r:id="rId37"/>
   </p:sldIdLst>
   <p:sldSz cx="10080625" cy="7559675"/>
   <p:notesSz cx="7772400" cy="10058400"/>
@@ -2426,83 +2426,6 @@
 </p:notes>
 </file>
 
-<file path=ppt/notesSlides/notesSlide27.xml><?xml version="1.0" encoding="utf-8"?>
-<p:notes xmlns:a="http://schemas.openxmlformats.org/drawingml/2006/main" xmlns:r="http://schemas.openxmlformats.org/officeDocument/2006/relationships" xmlns:p="http://schemas.openxmlformats.org/presentationml/2006/main">
-  <p:cSld>
-    <p:spTree>
-      <p:nvGrpSpPr>
-        <p:cNvPr id="1" name=""/>
-        <p:cNvGrpSpPr/>
-        <p:nvPr/>
-      </p:nvGrpSpPr>
-      <p:grpSpPr>
-        <a:xfrm>
-          <a:off x="0" y="0"/>
-          <a:ext cx="0" cy="0"/>
-          <a:chOff x="0" y="0"/>
-          <a:chExt cx="0" cy="0"/>
-        </a:xfrm>
-      </p:grpSpPr>
-      <p:sp>
-        <p:nvSpPr>
-          <p:cNvPr id="2" name="Slide Image Placeholder 1"/>
-          <p:cNvSpPr>
-            <a:spLocks noGrp="1" noRot="1" noChangeAspect="1" noResize="1"/>
-          </p:cNvSpPr>
-          <p:nvPr>
-            <p:ph type="sldImg"/>
-          </p:nvPr>
-        </p:nvSpPr>
-        <p:spPr>
-          <a:xfrm>
-            <a:off x="1371600" y="763588"/>
-            <a:ext cx="5029200" cy="3771900"/>
-          </a:xfrm>
-          <a:solidFill>
-            <a:schemeClr val="accent1"/>
-          </a:solidFill>
-          <a:ln w="25400">
-            <a:solidFill>
-              <a:schemeClr val="accent1">
-                <a:shade val="50000"/>
-              </a:schemeClr>
-            </a:solidFill>
-            <a:prstDash val="solid"/>
-          </a:ln>
-        </p:spPr>
-      </p:sp>
-      <p:sp>
-        <p:nvSpPr>
-          <p:cNvPr id="3" name="Notes Placeholder 2"/>
-          <p:cNvSpPr txBox="1">
-            <a:spLocks noGrp="1"/>
-          </p:cNvSpPr>
-          <p:nvPr>
-            <p:ph type="body" sz="quarter" idx="1"/>
-          </p:nvPr>
-        </p:nvSpPr>
-        <p:spPr>
-          <a:xfrm>
-            <a:off x="777239" y="4777560"/>
-            <a:ext cx="6217560" cy="4526280"/>
-          </a:xfrm>
-        </p:spPr>
-        <p:txBody>
-          <a:bodyPr/>
-          <a:lstStyle/>
-          <a:p>
-            <a:endParaRPr lang="en-US"/>
-          </a:p>
-        </p:txBody>
-      </p:sp>
-    </p:spTree>
-  </p:cSld>
-  <p:clrMapOvr>
-    <a:masterClrMapping/>
-  </p:clrMapOvr>
-</p:notes>
-</file>
-
 <file path=ppt/notesSlides/notesSlide3.xml><?xml version="1.0" encoding="utf-8"?>
 <p:notes xmlns:a="http://schemas.openxmlformats.org/drawingml/2006/main" xmlns:r="http://schemas.openxmlformats.org/officeDocument/2006/relationships" xmlns:p="http://schemas.openxmlformats.org/presentationml/2006/main">
   <p:cSld>
@@ -3224,7 +3147,7 @@
             <a:fld id="{F4BE94FE-0590-477B-80AF-AB5621389EFE}" type="datetimeFigureOut">
               <a:rPr lang="en-US" smtClean="0"/>
               <a:pPr/>
-              <a:t>1/19/2010</a:t>
+              <a:t>5/5/2010</a:t>
             </a:fld>
             <a:endParaRPr lang="en-US"/>
           </a:p>
@@ -3391,7 +3314,7 @@
             <a:fld id="{F4BE94FE-0590-477B-80AF-AB5621389EFE}" type="datetimeFigureOut">
               <a:rPr lang="en-US" smtClean="0"/>
               <a:pPr/>
-              <a:t>1/19/2010</a:t>
+              <a:t>5/5/2010</a:t>
             </a:fld>
             <a:endParaRPr lang="en-US"/>
           </a:p>
@@ -3568,7 +3491,7 @@
             <a:fld id="{F4BE94FE-0590-477B-80AF-AB5621389EFE}" type="datetimeFigureOut">
               <a:rPr lang="en-US" smtClean="0"/>
               <a:pPr/>
-              <a:t>1/19/2010</a:t>
+              <a:t>5/5/2010</a:t>
             </a:fld>
             <a:endParaRPr lang="en-US"/>
           </a:p>
@@ -3807,7 +3730,7 @@
             <a:fld id="{F4BE94FE-0590-477B-80AF-AB5621389EFE}" type="datetimeFigureOut">
               <a:rPr lang="en-US" smtClean="0"/>
               <a:pPr/>
-              <a:t>1/19/2010</a:t>
+              <a:t>5/5/2010</a:t>
             </a:fld>
             <a:endParaRPr lang="en-US"/>
           </a:p>
@@ -3951,7 +3874,7 @@
             <a:fld id="{F4BE94FE-0590-477B-80AF-AB5621389EFE}" type="datetimeFigureOut">
               <a:rPr lang="en-US" smtClean="0"/>
               <a:pPr/>
-              <a:t>1/19/2010</a:t>
+              <a:t>5/5/2010</a:t>
             </a:fld>
             <a:endParaRPr lang="en-US"/>
           </a:p>
@@ -4194,7 +4117,7 @@
             <a:fld id="{F4BE94FE-0590-477B-80AF-AB5621389EFE}" type="datetimeFigureOut">
               <a:rPr lang="en-US" smtClean="0"/>
               <a:pPr/>
-              <a:t>1/19/2010</a:t>
+              <a:t>5/5/2010</a:t>
             </a:fld>
             <a:endParaRPr lang="en-US"/>
           </a:p>
@@ -4479,7 +4402,7 @@
             <a:fld id="{F4BE94FE-0590-477B-80AF-AB5621389EFE}" type="datetimeFigureOut">
               <a:rPr lang="en-US" smtClean="0"/>
               <a:pPr/>
-              <a:t>1/19/2010</a:t>
+              <a:t>5/5/2010</a:t>
             </a:fld>
             <a:endParaRPr lang="en-US"/>
           </a:p>
@@ -4898,7 +4821,7 @@
             <a:fld id="{F4BE94FE-0590-477B-80AF-AB5621389EFE}" type="datetimeFigureOut">
               <a:rPr lang="en-US" smtClean="0"/>
               <a:pPr/>
-              <a:t>1/19/2010</a:t>
+              <a:t>5/5/2010</a:t>
             </a:fld>
             <a:endParaRPr lang="en-US"/>
           </a:p>
@@ -5013,7 +4936,7 @@
             <a:fld id="{F4BE94FE-0590-477B-80AF-AB5621389EFE}" type="datetimeFigureOut">
               <a:rPr lang="en-US" smtClean="0"/>
               <a:pPr/>
-              <a:t>1/19/2010</a:t>
+              <a:t>5/5/2010</a:t>
             </a:fld>
             <a:endParaRPr lang="en-US"/>
           </a:p>
@@ -5105,7 +5028,7 @@
             <a:fld id="{F4BE94FE-0590-477B-80AF-AB5621389EFE}" type="datetimeFigureOut">
               <a:rPr lang="en-US" smtClean="0"/>
               <a:pPr/>
-              <a:t>1/19/2010</a:t>
+              <a:t>5/5/2010</a:t>
             </a:fld>
             <a:endParaRPr lang="en-US"/>
           </a:p>
@@ -5379,7 +5302,7 @@
             <a:fld id="{F4BE94FE-0590-477B-80AF-AB5621389EFE}" type="datetimeFigureOut">
               <a:rPr lang="en-US" smtClean="0"/>
               <a:pPr/>
-              <a:t>1/19/2010</a:t>
+              <a:t>5/5/2010</a:t>
             </a:fld>
             <a:endParaRPr lang="en-US"/>
           </a:p>
@@ -5523,7 +5446,7 @@
             <a:fld id="{F4BE94FE-0590-477B-80AF-AB5621389EFE}" type="datetimeFigureOut">
               <a:rPr lang="en-US" smtClean="0"/>
               <a:pPr/>
-              <a:t>1/19/2010</a:t>
+              <a:t>5/5/2010</a:t>
             </a:fld>
             <a:endParaRPr lang="en-US"/>
           </a:p>
@@ -5773,7 +5696,7 @@
             <a:fld id="{F4BE94FE-0590-477B-80AF-AB5621389EFE}" type="datetimeFigureOut">
               <a:rPr lang="en-US" smtClean="0"/>
               <a:pPr/>
-              <a:t>1/19/2010</a:t>
+              <a:t>5/5/2010</a:t>
             </a:fld>
             <a:endParaRPr lang="en-US"/>
           </a:p>
@@ -5940,7 +5863,7 @@
             <a:fld id="{F4BE94FE-0590-477B-80AF-AB5621389EFE}" type="datetimeFigureOut">
               <a:rPr lang="en-US" smtClean="0"/>
               <a:pPr/>
-              <a:t>1/19/2010</a:t>
+              <a:t>5/5/2010</a:t>
             </a:fld>
             <a:endParaRPr lang="en-US"/>
           </a:p>
@@ -6117,7 +6040,7 @@
             <a:fld id="{F4BE94FE-0590-477B-80AF-AB5621389EFE}" type="datetimeFigureOut">
               <a:rPr lang="en-US" smtClean="0"/>
               <a:pPr/>
-              <a:t>1/19/2010</a:t>
+              <a:t>5/5/2010</a:t>
             </a:fld>
             <a:endParaRPr lang="en-US"/>
           </a:p>
@@ -6360,7 +6283,7 @@
             <a:fld id="{F4BE94FE-0590-477B-80AF-AB5621389EFE}" type="datetimeFigureOut">
               <a:rPr lang="en-US" smtClean="0"/>
               <a:pPr/>
-              <a:t>1/19/2010</a:t>
+              <a:t>5/5/2010</a:t>
             </a:fld>
             <a:endParaRPr lang="en-US"/>
           </a:p>
@@ -6645,7 +6568,7 @@
             <a:fld id="{F4BE94FE-0590-477B-80AF-AB5621389EFE}" type="datetimeFigureOut">
               <a:rPr lang="en-US" smtClean="0"/>
               <a:pPr/>
-              <a:t>1/19/2010</a:t>
+              <a:t>5/5/2010</a:t>
             </a:fld>
             <a:endParaRPr lang="en-US"/>
           </a:p>
@@ -7064,7 +6987,7 @@
             <a:fld id="{F4BE94FE-0590-477B-80AF-AB5621389EFE}" type="datetimeFigureOut">
               <a:rPr lang="en-US" smtClean="0"/>
               <a:pPr/>
-              <a:t>1/19/2010</a:t>
+              <a:t>5/5/2010</a:t>
             </a:fld>
             <a:endParaRPr lang="en-US"/>
           </a:p>
@@ -7179,7 +7102,7 @@
             <a:fld id="{F4BE94FE-0590-477B-80AF-AB5621389EFE}" type="datetimeFigureOut">
               <a:rPr lang="en-US" smtClean="0"/>
               <a:pPr/>
-              <a:t>1/19/2010</a:t>
+              <a:t>5/5/2010</a:t>
             </a:fld>
             <a:endParaRPr lang="en-US"/>
           </a:p>
@@ -7271,7 +7194,7 @@
             <a:fld id="{F4BE94FE-0590-477B-80AF-AB5621389EFE}" type="datetimeFigureOut">
               <a:rPr lang="en-US" smtClean="0"/>
               <a:pPr/>
-              <a:t>1/19/2010</a:t>
+              <a:t>5/5/2010</a:t>
             </a:fld>
             <a:endParaRPr lang="en-US"/>
           </a:p>
@@ -7545,7 +7468,7 @@
             <a:fld id="{F4BE94FE-0590-477B-80AF-AB5621389EFE}" type="datetimeFigureOut">
               <a:rPr lang="en-US" smtClean="0"/>
               <a:pPr/>
-              <a:t>1/19/2010</a:t>
+              <a:t>5/5/2010</a:t>
             </a:fld>
             <a:endParaRPr lang="en-US"/>
           </a:p>
@@ -7795,7 +7718,7 @@
             <a:fld id="{F4BE94FE-0590-477B-80AF-AB5621389EFE}" type="datetimeFigureOut">
               <a:rPr lang="en-US" smtClean="0"/>
               <a:pPr/>
-              <a:t>1/19/2010</a:t>
+              <a:t>5/5/2010</a:t>
             </a:fld>
             <a:endParaRPr lang="en-US"/>
           </a:p>
@@ -8009,11 +7932,7 @@
             <a:pPr lvl="4"/>
             <a:r>
               <a:rPr lang="en-US" dirty="0" smtClean="0"/>
-              <a:t>Fifth </a:t>
-            </a:r>
-            <a:r>
-              <a:rPr lang="en-US" dirty="0" smtClean="0"/>
-              <a:t>level</a:t>
+              <a:t>Fifth level</a:t>
             </a:r>
           </a:p>
           <a:p>
@@ -8062,7 +7981,7 @@
             <a:fld id="{F4BE94FE-0590-477B-80AF-AB5621389EFE}" type="datetimeFigureOut">
               <a:rPr lang="en-US" smtClean="0"/>
               <a:pPr/>
-              <a:t>1/19/2010</a:t>
+              <a:t>5/5/2010</a:t>
             </a:fld>
             <a:endParaRPr lang="en-US"/>
           </a:p>
@@ -8596,7 +8515,7 @@
             <a:fld id="{F4BE94FE-0590-477B-80AF-AB5621389EFE}" type="datetimeFigureOut">
               <a:rPr lang="en-US" smtClean="0"/>
               <a:pPr/>
-              <a:t>1/19/2010</a:t>
+              <a:t>5/5/2010</a:t>
             </a:fld>
             <a:endParaRPr lang="en-US"/>
           </a:p>
@@ -9122,7 +9041,8 @@
             </a:r>
             <a:fld id="{19615034-2B20-4FB6-B104-E640F6FEAD8E}" type="datetime1">
               <a:rPr lang="en-US" sz="2000" smtClean="0"/>
-              <a:t>1/19/2010</a:t>
+              <a:pPr/>
+              <a:t>5/5/2010</a:t>
             </a:fld>
             <a:endParaRPr lang="en-US" dirty="0"/>
           </a:p>
@@ -10913,21 +10833,8 @@
                 <a:ea typeface="MS Gothic" pitchFamily="2"/>
                 <a:cs typeface="Tahoma" pitchFamily="2"/>
               </a:rPr>
-              <a:t>When the template has an illustration frame, it provides buttons for getting the illustration in.  The adviser will enable the buttons which make sense for this user.  These might include getting a picture from a disk, from a gallery (e.g. Art of Reading), a scanner, or a digital camera (with some automatic filter for turning the image into hi-contrast line art, if that's possible</a:t>
-            </a:r>
-            <a:r>
-              <a:rPr lang="en-US" dirty="0" smtClean="0">
-                <a:latin typeface="Arial" pitchFamily="18"/>
-                <a:ea typeface="MS Gothic" pitchFamily="2"/>
-                <a:cs typeface="Tahoma" pitchFamily="2"/>
-              </a:rPr>
-              <a:t>).</a:t>
-            </a:r>
-            <a:endParaRPr lang="en-US" dirty="0" smtClean="0">
-              <a:latin typeface="Arial" pitchFamily="18"/>
-              <a:ea typeface="MS Gothic" pitchFamily="2"/>
-              <a:cs typeface="Tahoma" pitchFamily="2"/>
-            </a:endParaRPr>
+              <a:t>When the template has an illustration frame, it provides buttons for getting the illustration in.  The adviser will enable the buttons which make sense for this user.  These might include getting a picture from a disk, from a gallery (e.g. Art of Reading), a scanner, or a digital camera (with some automatic filter for turning the image into hi-contrast line art, if that's possible).</a:t>
+            </a:r>
           </a:p>
         </p:txBody>
       </p:sp>
@@ -11250,23 +11157,7 @@
                 <a:ea typeface="MS Gothic" pitchFamily="2"/>
                 <a:cs typeface="Tahoma" pitchFamily="2"/>
               </a:rPr>
-              <a:t>We </a:t>
-            </a:r>
-            <a:r>
-              <a:rPr lang="en-US" dirty="0" smtClean="0">
-                <a:latin typeface="Arial" pitchFamily="18"/>
-                <a:ea typeface="MS Gothic" pitchFamily="2"/>
-                <a:cs typeface="Tahoma" pitchFamily="2"/>
-              </a:rPr>
-              <a:t>would try to avoid cropping and sizing options, at least initially, doing as much as possible automatically (e.g. expanding the image to fit the frame</a:t>
-            </a:r>
-            <a:r>
-              <a:rPr lang="en-US" dirty="0" smtClean="0">
-                <a:latin typeface="Arial" pitchFamily="18"/>
-                <a:ea typeface="MS Gothic" pitchFamily="2"/>
-                <a:cs typeface="Tahoma" pitchFamily="2"/>
-              </a:rPr>
-              <a:t>).</a:t>
+              <a:t>We would try to avoid cropping and sizing options, at least initially, doing as much as possible automatically (e.g. expanding the image to fit the frame).</a:t>
             </a:r>
           </a:p>
           <a:p>
@@ -11339,11 +11230,6 @@
               </a:rPr>
               <a:t>When scanning or photographing a line drawing, an image filter could be automatically applied to improve the contrast and filter out noise.</a:t>
             </a:r>
-            <a:endParaRPr lang="en-US" dirty="0" smtClean="0">
-              <a:latin typeface="Arial" pitchFamily="18"/>
-              <a:ea typeface="MS Gothic" pitchFamily="2"/>
-              <a:cs typeface="Tahoma" pitchFamily="2"/>
-            </a:endParaRPr>
           </a:p>
           <a:p>
             <a:pPr lvl="0" hangingPunct="0">
@@ -11652,11 +11538,6 @@
               </a:rPr>
               <a:t>The gallery button would open a searchable set of thumbnails, like we have in WeSay.  In addition to SIL’s Art Of Reading, advisors could set up their own galleries.</a:t>
             </a:r>
-            <a:endParaRPr lang="en-US" dirty="0" smtClean="0">
-              <a:latin typeface="Arial" pitchFamily="18"/>
-              <a:ea typeface="MS Gothic" pitchFamily="2"/>
-              <a:cs typeface="Tahoma" pitchFamily="2"/>
-            </a:endParaRPr>
           </a:p>
         </p:txBody>
       </p:sp>
@@ -12047,21 +11928,8 @@
                 <a:ea typeface="MS Gothic" pitchFamily="2"/>
                 <a:cs typeface="Tahoma" pitchFamily="2"/>
               </a:rPr>
-              <a:t>Keeping track of and honoring copyrights and licenses is a little recognized problem, at least in SIL.  It is technically possible to keep this information with each image file.  For example, Art of Reading could easily embed, in each illustration file, the fact that it may be freely used but not modified.  Other images may have an “attribution” license, wher</a:t>
-            </a:r>
-            <a:r>
-              <a:rPr lang="en-US" dirty="0" smtClean="0">
-                <a:latin typeface="Arial" pitchFamily="18"/>
-                <a:ea typeface="MS Gothic" pitchFamily="2"/>
-                <a:cs typeface="Tahoma" pitchFamily="2"/>
-              </a:rPr>
-              <a:t>e they may be freely used but the work must be attributed to the artist, say, on the meta data page.</a:t>
-            </a:r>
-            <a:endParaRPr lang="en-US" dirty="0" smtClean="0">
-              <a:latin typeface="Arial" pitchFamily="18"/>
-              <a:ea typeface="MS Gothic" pitchFamily="2"/>
-              <a:cs typeface="Tahoma" pitchFamily="2"/>
-            </a:endParaRPr>
+              <a:t>Keeping track of and honoring copyrights and licenses is a little recognized problem, at least in SIL.  It is technically possible to keep this information with each image file.  For example, Art of Reading could easily embed, in each illustration file, the fact that it may be freely used but not modified.  Other images may have an “attribution” license, where they may be freely used but the work must be attributed to the artist, say, on the meta data page.</a:t>
+            </a:r>
           </a:p>
           <a:p>
             <a:pPr lvl="0" hangingPunct="0">
@@ -12089,29 +11957,8 @@
                 <a:ea typeface="MS Gothic" pitchFamily="2"/>
                 <a:cs typeface="Tahoma" pitchFamily="2"/>
               </a:rPr>
-              <a:t>A nice thing for Bloom to do, then, </a:t>
-            </a:r>
-            <a:r>
-              <a:rPr lang="en-US" dirty="0" smtClean="0">
-                <a:latin typeface="Arial" pitchFamily="18"/>
-                <a:ea typeface="MS Gothic" pitchFamily="2"/>
-                <a:cs typeface="Tahoma" pitchFamily="2"/>
-              </a:rPr>
-              <a:t>would be </a:t>
-            </a:r>
-            <a:r>
-              <a:rPr lang="en-US" dirty="0" smtClean="0">
-                <a:latin typeface="Arial" pitchFamily="18"/>
-                <a:ea typeface="MS Gothic" pitchFamily="2"/>
-                <a:cs typeface="Tahoma" pitchFamily="2"/>
-              </a:rPr>
-              <a:t>to help the user ensure that the license applied to the book is compatible with those of the illustrations, and to automatically include any attributions it finds in the illustrations.</a:t>
-            </a:r>
-            <a:endParaRPr lang="en-US" dirty="0" smtClean="0">
-              <a:latin typeface="Arial" pitchFamily="18"/>
-              <a:ea typeface="MS Gothic" pitchFamily="2"/>
-              <a:cs typeface="Tahoma" pitchFamily="2"/>
-            </a:endParaRPr>
+              <a:t>A nice thing for Bloom to do, then, would be to help the user ensure that the license applied to the book is compatible with those of the illustrations, and to automatically include any attributions it finds in the illustrations.</a:t>
+            </a:r>
           </a:p>
         </p:txBody>
       </p:sp>
@@ -12133,7 +11980,7 @@
 
 <file path=ppt/slides/slide21.xml><?xml version="1.0" encoding="utf-8"?>
 <p:sld xmlns:a="http://schemas.openxmlformats.org/drawingml/2006/main" xmlns:r="http://schemas.openxmlformats.org/officeDocument/2006/relationships" xmlns:p="http://schemas.openxmlformats.org/presentationml/2006/main">
-  <p:cSld name="page12">
+  <p:cSld name="page6">
     <p:spTree>
       <p:nvGrpSpPr>
         <p:cNvPr id="1" name=""/>
@@ -12148,34 +11995,81 @@
           <a:chExt cx="0" cy="0"/>
         </a:xfrm>
       </p:grpSpPr>
-      <p:pic>
-        <p:nvPicPr>
-          <p:cNvPr id="2" name="Picture 1"/>
-          <p:cNvPicPr>
-            <a:picLocks noChangeAspect="1"/>
-          </p:cNvPicPr>
-          <p:nvPr/>
-        </p:nvPicPr>
-        <p:blipFill>
-          <a:blip r:embed="rId3" cstate="print"/>
-          <a:stretch>
-            <a:fillRect/>
-          </a:stretch>
-        </p:blipFill>
-        <p:spPr>
-          <a:xfrm>
-            <a:off x="985" y="0"/>
-            <a:ext cx="10079640" cy="5864400"/>
-          </a:xfrm>
-          <a:prstGeom prst="rect">
-            <a:avLst/>
-          </a:prstGeom>
-          <a:noFill/>
-          <a:ln>
-            <a:noFill/>
-          </a:ln>
-        </p:spPr>
-      </p:pic>
+      <p:sp>
+        <p:nvSpPr>
+          <p:cNvPr id="4" name="Title 3"/>
+          <p:cNvSpPr>
+            <a:spLocks noGrp="1"/>
+          </p:cNvSpPr>
+          <p:nvPr>
+            <p:ph type="title"/>
+          </p:nvPr>
+        </p:nvSpPr>
+        <p:spPr/>
+        <p:txBody>
+          <a:bodyPr>
+            <a:normAutofit/>
+          </a:bodyPr>
+          <a:lstStyle/>
+          <a:p>
+            <a:pPr lvl="0"/>
+            <a:r>
+              <a:rPr lang="en-US" dirty="0" err="1" smtClean="0">
+                <a:latin typeface="Arial" pitchFamily="18"/>
+                <a:ea typeface="MS Gothic" pitchFamily="2"/>
+                <a:cs typeface="Tahoma" pitchFamily="2"/>
+              </a:rPr>
+              <a:t>MetaData</a:t>
+            </a:r>
+            <a:endParaRPr lang="en-US" dirty="0"/>
+          </a:p>
+        </p:txBody>
+      </p:sp>
+      <p:sp>
+        <p:nvSpPr>
+          <p:cNvPr id="5" name="Content Placeholder 4"/>
+          <p:cNvSpPr>
+            <a:spLocks noGrp="1"/>
+          </p:cNvSpPr>
+          <p:nvPr>
+            <p:ph idx="1"/>
+          </p:nvPr>
+        </p:nvSpPr>
+        <p:spPr/>
+        <p:txBody>
+          <a:bodyPr/>
+          <a:lstStyle/>
+          <a:p>
+            <a:pPr lvl="0" hangingPunct="0">
+              <a:spcBef>
+                <a:spcPts val="0"/>
+              </a:spcBef>
+              <a:defRPr sz="2920"/>
+            </a:pPr>
+            <a:r>
+              <a:rPr lang="en-US" dirty="0" smtClean="0">
+                <a:latin typeface="Arial" pitchFamily="18"/>
+                <a:ea typeface="MS Gothic" pitchFamily="2"/>
+                <a:cs typeface="Tahoma" pitchFamily="2"/>
+              </a:rPr>
+              <a:t>An important task in book making is getting all the meta data together.  Who holds the copyright?  How is it licensed?  Who to contact for more copies? ISBN number, etc.</a:t>
+            </a:r>
+          </a:p>
+          <a:p>
+            <a:pPr lvl="0" hangingPunct="0">
+              <a:spcBef>
+                <a:spcPts val="0"/>
+              </a:spcBef>
+              <a:defRPr sz="2920"/>
+            </a:pPr>
+            <a:endParaRPr lang="en-US" dirty="0" smtClean="0">
+              <a:latin typeface="Arial" pitchFamily="18"/>
+              <a:ea typeface="MS Gothic" pitchFamily="2"/>
+              <a:cs typeface="Tahoma" pitchFamily="2"/>
+            </a:endParaRPr>
+          </a:p>
+        </p:txBody>
+      </p:sp>
     </p:spTree>
   </p:cSld>
   <p:clrMapOvr>
@@ -12193,114 +12087,6 @@
 </file>
 
 <file path=ppt/slides/slide22.xml><?xml version="1.0" encoding="utf-8"?>
-<p:sld xmlns:a="http://schemas.openxmlformats.org/drawingml/2006/main" xmlns:r="http://schemas.openxmlformats.org/officeDocument/2006/relationships" xmlns:p="http://schemas.openxmlformats.org/presentationml/2006/main">
-  <p:cSld name="page6">
-    <p:spTree>
-      <p:nvGrpSpPr>
-        <p:cNvPr id="1" name=""/>
-        <p:cNvGrpSpPr/>
-        <p:nvPr/>
-      </p:nvGrpSpPr>
-      <p:grpSpPr>
-        <a:xfrm>
-          <a:off x="0" y="0"/>
-          <a:ext cx="0" cy="0"/>
-          <a:chOff x="0" y="0"/>
-          <a:chExt cx="0" cy="0"/>
-        </a:xfrm>
-      </p:grpSpPr>
-      <p:sp>
-        <p:nvSpPr>
-          <p:cNvPr id="4" name="Title 3"/>
-          <p:cNvSpPr>
-            <a:spLocks noGrp="1"/>
-          </p:cNvSpPr>
-          <p:nvPr>
-            <p:ph type="title"/>
-          </p:nvPr>
-        </p:nvSpPr>
-        <p:spPr/>
-        <p:txBody>
-          <a:bodyPr>
-            <a:normAutofit/>
-          </a:bodyPr>
-          <a:lstStyle/>
-          <a:p>
-            <a:pPr lvl="0"/>
-            <a:r>
-              <a:rPr lang="en-US" dirty="0" err="1" smtClean="0">
-                <a:latin typeface="Arial" pitchFamily="18"/>
-                <a:ea typeface="MS Gothic" pitchFamily="2"/>
-                <a:cs typeface="Tahoma" pitchFamily="2"/>
-              </a:rPr>
-              <a:t>MetaData</a:t>
-            </a:r>
-            <a:endParaRPr lang="en-US" dirty="0"/>
-          </a:p>
-        </p:txBody>
-      </p:sp>
-      <p:sp>
-        <p:nvSpPr>
-          <p:cNvPr id="5" name="Content Placeholder 4"/>
-          <p:cNvSpPr>
-            <a:spLocks noGrp="1"/>
-          </p:cNvSpPr>
-          <p:nvPr>
-            <p:ph idx="1"/>
-          </p:nvPr>
-        </p:nvSpPr>
-        <p:spPr/>
-        <p:txBody>
-          <a:bodyPr/>
-          <a:lstStyle/>
-          <a:p>
-            <a:pPr lvl="0" hangingPunct="0">
-              <a:spcBef>
-                <a:spcPts val="0"/>
-              </a:spcBef>
-              <a:defRPr sz="2920"/>
-            </a:pPr>
-            <a:r>
-              <a:rPr lang="en-US" dirty="0" smtClean="0">
-                <a:latin typeface="Arial" pitchFamily="18"/>
-                <a:ea typeface="MS Gothic" pitchFamily="2"/>
-                <a:cs typeface="Tahoma" pitchFamily="2"/>
-              </a:rPr>
-              <a:t>An important task in book making is getting all the meta data together.  Who holds the copyright?  How is it licensed?  Who to contact for more copies? ISBN number, etc.</a:t>
-            </a:r>
-          </a:p>
-          <a:p>
-            <a:pPr lvl="0" hangingPunct="0">
-              <a:spcBef>
-                <a:spcPts val="0"/>
-              </a:spcBef>
-              <a:defRPr sz="2920"/>
-            </a:pPr>
-            <a:endParaRPr lang="en-US" dirty="0" smtClean="0">
-              <a:latin typeface="Arial" pitchFamily="18"/>
-              <a:ea typeface="MS Gothic" pitchFamily="2"/>
-              <a:cs typeface="Tahoma" pitchFamily="2"/>
-            </a:endParaRPr>
-          </a:p>
-        </p:txBody>
-      </p:sp>
-    </p:spTree>
-  </p:cSld>
-  <p:clrMapOvr>
-    <a:masterClrMapping/>
-  </p:clrMapOvr>
-  <p:transition/>
-  <p:timing>
-    <p:tnLst>
-      <p:par>
-        <p:cTn id="1" dur="indefinite" restart="never" nodeType="tmRoot"/>
-      </p:par>
-    </p:tnLst>
-  </p:timing>
-</p:sld>
-</file>
-
-<file path=ppt/slides/slide23.xml><?xml version="1.0" encoding="utf-8"?>
 <p:sld xmlns:a="http://schemas.openxmlformats.org/drawingml/2006/main" xmlns:r="http://schemas.openxmlformats.org/officeDocument/2006/relationships" xmlns:p="http://schemas.openxmlformats.org/presentationml/2006/main">
   <p:cSld name="page7">
     <p:spTree>
@@ -12395,7 +12181,7 @@
 </p:sld>
 </file>
 
-<file path=ppt/slides/slide24.xml><?xml version="1.0" encoding="utf-8"?>
+<file path=ppt/slides/slide23.xml><?xml version="1.0" encoding="utf-8"?>
 <p:sld xmlns:a="http://schemas.openxmlformats.org/drawingml/2006/main" xmlns:r="http://schemas.openxmlformats.org/officeDocument/2006/relationships" xmlns:p="http://schemas.openxmlformats.org/presentationml/2006/main">
   <p:cSld name="page8">
     <p:spTree>
@@ -12490,7 +12276,7 @@
 </p:sld>
 </file>
 
-<file path=ppt/slides/slide25.xml><?xml version="1.0" encoding="utf-8"?>
+<file path=ppt/slides/slide24.xml><?xml version="1.0" encoding="utf-8"?>
 <p:sld xmlns:a="http://schemas.openxmlformats.org/drawingml/2006/main" xmlns:r="http://schemas.openxmlformats.org/officeDocument/2006/relationships" xmlns:p="http://schemas.openxmlformats.org/presentationml/2006/main">
   <p:cSld name="page13">
     <p:spTree>
@@ -12778,7 +12564,7 @@
 </p:sld>
 </file>
 
-<file path=ppt/slides/slide26.xml><?xml version="1.0" encoding="utf-8"?>
+<file path=ppt/slides/slide25.xml><?xml version="1.0" encoding="utf-8"?>
 <p:sld xmlns:a="http://schemas.openxmlformats.org/drawingml/2006/main" xmlns:r="http://schemas.openxmlformats.org/officeDocument/2006/relationships" xmlns:p="http://schemas.openxmlformats.org/presentationml/2006/main">
   <p:cSld name="page14">
     <p:spTree>
@@ -12840,7 +12626,7 @@
 </p:sld>
 </file>
 
-<file path=ppt/slides/slide27.xml><?xml version="1.0" encoding="utf-8"?>
+<file path=ppt/slides/slide26.xml><?xml version="1.0" encoding="utf-8"?>
 <p:sld xmlns:a="http://schemas.openxmlformats.org/drawingml/2006/main" xmlns:r="http://schemas.openxmlformats.org/officeDocument/2006/relationships" xmlns:p="http://schemas.openxmlformats.org/presentationml/2006/main">
   <p:cSld name="page15">
     <p:spTree>
@@ -13218,7 +13004,7 @@
 </p:sld>
 </file>
 
-<file path=ppt/slides/slide28.xml><?xml version="1.0" encoding="utf-8"?>
+<file path=ppt/slides/slide27.xml><?xml version="1.0" encoding="utf-8"?>
 <p:sld xmlns:a="http://schemas.openxmlformats.org/drawingml/2006/main" xmlns:r="http://schemas.openxmlformats.org/officeDocument/2006/relationships" xmlns:p="http://schemas.openxmlformats.org/presentationml/2006/main">
   <p:cSld name="page21">
     <p:spTree>
@@ -13280,7 +13066,7 @@
 </p:sld>
 </file>
 
-<file path=ppt/slides/slide29.xml><?xml version="1.0" encoding="utf-8"?>
+<file path=ppt/slides/slide28.xml><?xml version="1.0" encoding="utf-8"?>
 <p:sld xmlns:a="http://schemas.openxmlformats.org/drawingml/2006/main" xmlns:r="http://schemas.openxmlformats.org/officeDocument/2006/relationships" xmlns:p="http://schemas.openxmlformats.org/presentationml/2006/main">
   <p:cSld name="page22">
     <p:spTree>
@@ -13326,6 +13112,222 @@
           </a:ln>
         </p:spPr>
       </p:pic>
+    </p:spTree>
+  </p:cSld>
+  <p:clrMapOvr>
+    <a:masterClrMapping/>
+  </p:clrMapOvr>
+  <p:transition/>
+  <p:timing>
+    <p:tnLst>
+      <p:par>
+        <p:cTn id="1" dur="indefinite" restart="never" nodeType="tmRoot"/>
+      </p:par>
+    </p:tnLst>
+  </p:timing>
+</p:sld>
+</file>
+
+<file path=ppt/slides/slide29.xml><?xml version="1.0" encoding="utf-8"?>
+<p:sld xmlns:a="http://schemas.openxmlformats.org/drawingml/2006/main" xmlns:r="http://schemas.openxmlformats.org/officeDocument/2006/relationships" xmlns:p="http://schemas.openxmlformats.org/presentationml/2006/main">
+  <p:cSld name="page20">
+    <p:spTree>
+      <p:nvGrpSpPr>
+        <p:cNvPr id="1" name=""/>
+        <p:cNvGrpSpPr/>
+        <p:nvPr/>
+      </p:nvGrpSpPr>
+      <p:grpSpPr>
+        <a:xfrm>
+          <a:off x="0" y="0"/>
+          <a:ext cx="0" cy="0"/>
+          <a:chOff x="0" y="0"/>
+          <a:chExt cx="0" cy="0"/>
+        </a:xfrm>
+      </p:grpSpPr>
+      <p:sp>
+        <p:nvSpPr>
+          <p:cNvPr id="2" name="TextBox 1"/>
+          <p:cNvSpPr txBox="1"/>
+          <p:nvPr/>
+        </p:nvSpPr>
+        <p:spPr>
+          <a:xfrm>
+            <a:off x="1233721" y="832679"/>
+            <a:ext cx="6415560" cy="4167360"/>
+          </a:xfrm>
+          <a:prstGeom prst="rect">
+            <a:avLst/>
+          </a:prstGeom>
+          <a:noFill/>
+          <a:ln>
+            <a:noFill/>
+          </a:ln>
+        </p:spPr>
+        <p:txBody>
+          <a:bodyPr vert="horz" lIns="90000" tIns="45000" rIns="90000" bIns="45000" compatLnSpc="0"/>
+          <a:lstStyle>
+            <a:defPPr lvl="0">
+              <a:buSzPct val="45000"/>
+              <a:buFont typeface="StarSymbol"/>
+              <a:buNone/>
+            </a:defPPr>
+            <a:lvl1pPr lvl="0">
+              <a:buSzPct val="45000"/>
+              <a:buFont typeface="StarSymbol"/>
+              <a:buChar char="●"/>
+            </a:lvl1pPr>
+            <a:lvl2pPr lvl="1">
+              <a:buSzPct val="45000"/>
+              <a:buFont typeface="StarSymbol"/>
+              <a:buChar char="●"/>
+            </a:lvl2pPr>
+            <a:lvl3pPr lvl="2">
+              <a:buSzPct val="45000"/>
+              <a:buFont typeface="StarSymbol"/>
+              <a:buChar char="●"/>
+            </a:lvl3pPr>
+            <a:lvl4pPr lvl="3">
+              <a:buSzPct val="45000"/>
+              <a:buFont typeface="StarSymbol"/>
+              <a:buChar char="●"/>
+            </a:lvl4pPr>
+            <a:lvl5pPr lvl="4">
+              <a:buSzPct val="45000"/>
+              <a:buFont typeface="StarSymbol"/>
+              <a:buChar char="●"/>
+            </a:lvl5pPr>
+            <a:lvl6pPr lvl="5">
+              <a:buSzPct val="45000"/>
+              <a:buFont typeface="StarSymbol"/>
+              <a:buChar char="●"/>
+            </a:lvl6pPr>
+            <a:lvl7pPr lvl="6">
+              <a:buSzPct val="45000"/>
+              <a:buFont typeface="StarSymbol"/>
+              <a:buChar char="●"/>
+            </a:lvl7pPr>
+            <a:lvl8pPr lvl="7">
+              <a:buSzPct val="45000"/>
+              <a:buFont typeface="StarSymbol"/>
+              <a:buChar char="●"/>
+            </a:lvl8pPr>
+            <a:lvl9pPr lvl="8">
+              <a:buSzPct val="45000"/>
+              <a:buFont typeface="StarSymbol"/>
+              <a:buChar char="●"/>
+            </a:lvl9pPr>
+          </a:lstStyle>
+          <a:p>
+            <a:pPr marL="0" marR="0" lvl="0" indent="0" rtl="0" hangingPunct="0">
+              <a:lnSpc>
+                <a:spcPct val="100000"/>
+              </a:lnSpc>
+              <a:spcBef>
+                <a:spcPts val="0"/>
+              </a:spcBef>
+              <a:spcAft>
+                <a:spcPts val="0"/>
+              </a:spcAft>
+              <a:buNone/>
+              <a:tabLst/>
+              <a:defRPr sz="2920"/>
+            </a:pPr>
+            <a:endParaRPr lang="en-US" sz="2400" b="0" i="0" u="none" strike="noStrike" kern="1200" dirty="0">
+              <a:ln>
+                <a:noFill/>
+              </a:ln>
+              <a:latin typeface="Arial" pitchFamily="18"/>
+              <a:ea typeface="MS Gothic" pitchFamily="2"/>
+              <a:cs typeface="Tahoma" pitchFamily="2"/>
+            </a:endParaRPr>
+          </a:p>
+        </p:txBody>
+      </p:sp>
+      <p:sp>
+        <p:nvSpPr>
+          <p:cNvPr id="4" name="Title 3"/>
+          <p:cNvSpPr>
+            <a:spLocks noGrp="1"/>
+          </p:cNvSpPr>
+          <p:nvPr>
+            <p:ph type="title"/>
+          </p:nvPr>
+        </p:nvSpPr>
+        <p:spPr/>
+        <p:txBody>
+          <a:bodyPr/>
+          <a:lstStyle/>
+          <a:p>
+            <a:r>
+              <a:rPr lang="en-US" dirty="0" smtClean="0"/>
+              <a:t>Settings</a:t>
+            </a:r>
+            <a:endParaRPr lang="en-US" dirty="0"/>
+          </a:p>
+        </p:txBody>
+      </p:sp>
+      <p:sp>
+        <p:nvSpPr>
+          <p:cNvPr id="5" name="Content Placeholder 4"/>
+          <p:cNvSpPr>
+            <a:spLocks noGrp="1"/>
+          </p:cNvSpPr>
+          <p:nvPr>
+            <p:ph idx="1"/>
+          </p:nvPr>
+        </p:nvSpPr>
+        <p:spPr/>
+        <p:txBody>
+          <a:bodyPr/>
+          <a:lstStyle/>
+          <a:p>
+            <a:pPr lvl="0" hangingPunct="0">
+              <a:spcBef>
+                <a:spcPts val="0"/>
+              </a:spcBef>
+              <a:defRPr sz="2920"/>
+            </a:pPr>
+            <a:r>
+              <a:rPr lang="en-US" dirty="0" smtClean="0">
+                <a:latin typeface="Arial" pitchFamily="18"/>
+                <a:ea typeface="MS Gothic" pitchFamily="2"/>
+                <a:cs typeface="Tahoma" pitchFamily="2"/>
+              </a:rPr>
+              <a:t>With WeSay, we had good success with separating the program into 2 parts... the “Configuration Tool” and WeSay itself.</a:t>
+            </a:r>
+          </a:p>
+          <a:p>
+            <a:pPr lvl="0" hangingPunct="0">
+              <a:spcBef>
+                <a:spcPts val="0"/>
+              </a:spcBef>
+              <a:defRPr sz="2920"/>
+            </a:pPr>
+            <a:endParaRPr lang="en-US" dirty="0" smtClean="0">
+              <a:latin typeface="Arial" pitchFamily="18"/>
+              <a:ea typeface="MS Gothic" pitchFamily="2"/>
+              <a:cs typeface="Tahoma" pitchFamily="2"/>
+            </a:endParaRPr>
+          </a:p>
+          <a:p>
+            <a:pPr lvl="0" hangingPunct="0">
+              <a:spcBef>
+                <a:spcPts val="0"/>
+              </a:spcBef>
+              <a:defRPr sz="2920"/>
+            </a:pPr>
+            <a:r>
+              <a:rPr lang="en-US" dirty="0" smtClean="0">
+                <a:latin typeface="Arial" pitchFamily="18"/>
+                <a:ea typeface="MS Gothic" pitchFamily="2"/>
+                <a:cs typeface="Tahoma" pitchFamily="2"/>
+              </a:rPr>
+              <a:t>With Bloom, I'm trying to get rid of the separate applications, while keeping the benefits.  All settings are under a single tab, which would ordinarily be locked.  When locked, the adviser can still get to it by pressing some magic key combination.</a:t>
+            </a:r>
+          </a:p>
+        </p:txBody>
+      </p:sp>
     </p:spTree>
   </p:cSld>
   <p:clrMapOvr>
@@ -13420,222 +13422,6 @@
 
 <file path=ppt/slides/slide30.xml><?xml version="1.0" encoding="utf-8"?>
 <p:sld xmlns:a="http://schemas.openxmlformats.org/drawingml/2006/main" xmlns:r="http://schemas.openxmlformats.org/officeDocument/2006/relationships" xmlns:p="http://schemas.openxmlformats.org/presentationml/2006/main">
-  <p:cSld name="page20">
-    <p:spTree>
-      <p:nvGrpSpPr>
-        <p:cNvPr id="1" name=""/>
-        <p:cNvGrpSpPr/>
-        <p:nvPr/>
-      </p:nvGrpSpPr>
-      <p:grpSpPr>
-        <a:xfrm>
-          <a:off x="0" y="0"/>
-          <a:ext cx="0" cy="0"/>
-          <a:chOff x="0" y="0"/>
-          <a:chExt cx="0" cy="0"/>
-        </a:xfrm>
-      </p:grpSpPr>
-      <p:sp>
-        <p:nvSpPr>
-          <p:cNvPr id="2" name="TextBox 1"/>
-          <p:cNvSpPr txBox="1"/>
-          <p:nvPr/>
-        </p:nvSpPr>
-        <p:spPr>
-          <a:xfrm>
-            <a:off x="1233721" y="832679"/>
-            <a:ext cx="6415560" cy="4167360"/>
-          </a:xfrm>
-          <a:prstGeom prst="rect">
-            <a:avLst/>
-          </a:prstGeom>
-          <a:noFill/>
-          <a:ln>
-            <a:noFill/>
-          </a:ln>
-        </p:spPr>
-        <p:txBody>
-          <a:bodyPr vert="horz" lIns="90000" tIns="45000" rIns="90000" bIns="45000" compatLnSpc="0"/>
-          <a:lstStyle>
-            <a:defPPr lvl="0">
-              <a:buSzPct val="45000"/>
-              <a:buFont typeface="StarSymbol"/>
-              <a:buNone/>
-            </a:defPPr>
-            <a:lvl1pPr lvl="0">
-              <a:buSzPct val="45000"/>
-              <a:buFont typeface="StarSymbol"/>
-              <a:buChar char="●"/>
-            </a:lvl1pPr>
-            <a:lvl2pPr lvl="1">
-              <a:buSzPct val="45000"/>
-              <a:buFont typeface="StarSymbol"/>
-              <a:buChar char="●"/>
-            </a:lvl2pPr>
-            <a:lvl3pPr lvl="2">
-              <a:buSzPct val="45000"/>
-              <a:buFont typeface="StarSymbol"/>
-              <a:buChar char="●"/>
-            </a:lvl3pPr>
-            <a:lvl4pPr lvl="3">
-              <a:buSzPct val="45000"/>
-              <a:buFont typeface="StarSymbol"/>
-              <a:buChar char="●"/>
-            </a:lvl4pPr>
-            <a:lvl5pPr lvl="4">
-              <a:buSzPct val="45000"/>
-              <a:buFont typeface="StarSymbol"/>
-              <a:buChar char="●"/>
-            </a:lvl5pPr>
-            <a:lvl6pPr lvl="5">
-              <a:buSzPct val="45000"/>
-              <a:buFont typeface="StarSymbol"/>
-              <a:buChar char="●"/>
-            </a:lvl6pPr>
-            <a:lvl7pPr lvl="6">
-              <a:buSzPct val="45000"/>
-              <a:buFont typeface="StarSymbol"/>
-              <a:buChar char="●"/>
-            </a:lvl7pPr>
-            <a:lvl8pPr lvl="7">
-              <a:buSzPct val="45000"/>
-              <a:buFont typeface="StarSymbol"/>
-              <a:buChar char="●"/>
-            </a:lvl8pPr>
-            <a:lvl9pPr lvl="8">
-              <a:buSzPct val="45000"/>
-              <a:buFont typeface="StarSymbol"/>
-              <a:buChar char="●"/>
-            </a:lvl9pPr>
-          </a:lstStyle>
-          <a:p>
-            <a:pPr marL="0" marR="0" lvl="0" indent="0" rtl="0" hangingPunct="0">
-              <a:lnSpc>
-                <a:spcPct val="100000"/>
-              </a:lnSpc>
-              <a:spcBef>
-                <a:spcPts val="0"/>
-              </a:spcBef>
-              <a:spcAft>
-                <a:spcPts val="0"/>
-              </a:spcAft>
-              <a:buNone/>
-              <a:tabLst/>
-              <a:defRPr sz="2920"/>
-            </a:pPr>
-            <a:endParaRPr lang="en-US" sz="2400" b="0" i="0" u="none" strike="noStrike" kern="1200" dirty="0">
-              <a:ln>
-                <a:noFill/>
-              </a:ln>
-              <a:latin typeface="Arial" pitchFamily="18"/>
-              <a:ea typeface="MS Gothic" pitchFamily="2"/>
-              <a:cs typeface="Tahoma" pitchFamily="2"/>
-            </a:endParaRPr>
-          </a:p>
-        </p:txBody>
-      </p:sp>
-      <p:sp>
-        <p:nvSpPr>
-          <p:cNvPr id="4" name="Title 3"/>
-          <p:cNvSpPr>
-            <a:spLocks noGrp="1"/>
-          </p:cNvSpPr>
-          <p:nvPr>
-            <p:ph type="title"/>
-          </p:nvPr>
-        </p:nvSpPr>
-        <p:spPr/>
-        <p:txBody>
-          <a:bodyPr/>
-          <a:lstStyle/>
-          <a:p>
-            <a:r>
-              <a:rPr lang="en-US" dirty="0" smtClean="0"/>
-              <a:t>Settings</a:t>
-            </a:r>
-            <a:endParaRPr lang="en-US" dirty="0"/>
-          </a:p>
-        </p:txBody>
-      </p:sp>
-      <p:sp>
-        <p:nvSpPr>
-          <p:cNvPr id="5" name="Content Placeholder 4"/>
-          <p:cNvSpPr>
-            <a:spLocks noGrp="1"/>
-          </p:cNvSpPr>
-          <p:nvPr>
-            <p:ph idx="1"/>
-          </p:nvPr>
-        </p:nvSpPr>
-        <p:spPr/>
-        <p:txBody>
-          <a:bodyPr/>
-          <a:lstStyle/>
-          <a:p>
-            <a:pPr lvl="0" hangingPunct="0">
-              <a:spcBef>
-                <a:spcPts val="0"/>
-              </a:spcBef>
-              <a:defRPr sz="2920"/>
-            </a:pPr>
-            <a:r>
-              <a:rPr lang="en-US" dirty="0" smtClean="0">
-                <a:latin typeface="Arial" pitchFamily="18"/>
-                <a:ea typeface="MS Gothic" pitchFamily="2"/>
-                <a:cs typeface="Tahoma" pitchFamily="2"/>
-              </a:rPr>
-              <a:t>With WeSay, we had good success with separating the program into 2 parts... the “Configuration Tool” and WeSay itself.</a:t>
-            </a:r>
-          </a:p>
-          <a:p>
-            <a:pPr lvl="0" hangingPunct="0">
-              <a:spcBef>
-                <a:spcPts val="0"/>
-              </a:spcBef>
-              <a:defRPr sz="2920"/>
-            </a:pPr>
-            <a:endParaRPr lang="en-US" dirty="0" smtClean="0">
-              <a:latin typeface="Arial" pitchFamily="18"/>
-              <a:ea typeface="MS Gothic" pitchFamily="2"/>
-              <a:cs typeface="Tahoma" pitchFamily="2"/>
-            </a:endParaRPr>
-          </a:p>
-          <a:p>
-            <a:pPr lvl="0" hangingPunct="0">
-              <a:spcBef>
-                <a:spcPts val="0"/>
-              </a:spcBef>
-              <a:defRPr sz="2920"/>
-            </a:pPr>
-            <a:r>
-              <a:rPr lang="en-US" dirty="0" smtClean="0">
-                <a:latin typeface="Arial" pitchFamily="18"/>
-                <a:ea typeface="MS Gothic" pitchFamily="2"/>
-                <a:cs typeface="Tahoma" pitchFamily="2"/>
-              </a:rPr>
-              <a:t>With Bloom, I'm trying to get rid of the separate applications, while keeping the benefits.  All settings are under a single tab, which would ordinarily be locked.  When locked, the adviser can still get to it by pressing some magic key combination.</a:t>
-            </a:r>
-          </a:p>
-        </p:txBody>
-      </p:sp>
-    </p:spTree>
-  </p:cSld>
-  <p:clrMapOvr>
-    <a:masterClrMapping/>
-  </p:clrMapOvr>
-  <p:transition/>
-  <p:timing>
-    <p:tnLst>
-      <p:par>
-        <p:cTn id="1" dur="indefinite" restart="never" nodeType="tmRoot"/>
-      </p:par>
-    </p:tnLst>
-  </p:timing>
-</p:sld>
-</file>
-
-<file path=ppt/slides/slide31.xml><?xml version="1.0" encoding="utf-8"?>
-<p:sld xmlns:a="http://schemas.openxmlformats.org/drawingml/2006/main" xmlns:r="http://schemas.openxmlformats.org/officeDocument/2006/relationships" xmlns:p="http://schemas.openxmlformats.org/presentationml/2006/main">
   <p:cSld name="page16">
     <p:spTree>
       <p:nvGrpSpPr>
@@ -13695,7 +13481,7 @@
 </p:sld>
 </file>
 
-<file path=ppt/slides/slide32.xml><?xml version="1.0" encoding="utf-8"?>
+<file path=ppt/slides/slide31.xml><?xml version="1.0" encoding="utf-8"?>
 <p:sld xmlns:a="http://schemas.openxmlformats.org/drawingml/2006/main" xmlns:r="http://schemas.openxmlformats.org/officeDocument/2006/relationships" xmlns:p="http://schemas.openxmlformats.org/presentationml/2006/main">
   <p:cSld name="page17">
     <p:spTree>
@@ -13757,7 +13543,7 @@
 </p:sld>
 </file>
 
-<file path=ppt/slides/slide33.xml><?xml version="1.0" encoding="utf-8"?>
+<file path=ppt/slides/slide32.xml><?xml version="1.0" encoding="utf-8"?>
 <p:sld xmlns:a="http://schemas.openxmlformats.org/drawingml/2006/main" xmlns:r="http://schemas.openxmlformats.org/officeDocument/2006/relationships" xmlns:p="http://schemas.openxmlformats.org/presentationml/2006/main">
   <p:cSld name="page18">
     <p:spTree>
@@ -13818,7 +13604,7 @@
 </p:sld>
 </file>
 
-<file path=ppt/slides/slide34.xml><?xml version="1.0" encoding="utf-8"?>
+<file path=ppt/slides/slide33.xml><?xml version="1.0" encoding="utf-8"?>
 <p:sld xmlns:a="http://schemas.openxmlformats.org/drawingml/2006/main" xmlns:r="http://schemas.openxmlformats.org/officeDocument/2006/relationships" xmlns:p="http://schemas.openxmlformats.org/presentationml/2006/main">
   <p:cSld name="page19">
     <p:spTree>
@@ -13879,6 +13665,167 @@
 </p:sld>
 </file>
 
+<file path=ppt/slides/slide34.xml><?xml version="1.0" encoding="utf-8"?>
+<p:sld xmlns:a="http://schemas.openxmlformats.org/drawingml/2006/main" xmlns:r="http://schemas.openxmlformats.org/officeDocument/2006/relationships" xmlns:p="http://schemas.openxmlformats.org/presentationml/2006/main">
+  <p:cSld>
+    <p:spTree>
+      <p:nvGrpSpPr>
+        <p:cNvPr id="1" name=""/>
+        <p:cNvGrpSpPr/>
+        <p:nvPr/>
+      </p:nvGrpSpPr>
+      <p:grpSpPr>
+        <a:xfrm>
+          <a:off x="0" y="0"/>
+          <a:ext cx="0" cy="0"/>
+          <a:chOff x="0" y="0"/>
+          <a:chExt cx="0" cy="0"/>
+        </a:xfrm>
+      </p:grpSpPr>
+      <p:sp>
+        <p:nvSpPr>
+          <p:cNvPr id="2" name="Title 1"/>
+          <p:cNvSpPr>
+            <a:spLocks noGrp="1"/>
+          </p:cNvSpPr>
+          <p:nvPr>
+            <p:ph type="title"/>
+          </p:nvPr>
+        </p:nvSpPr>
+        <p:spPr/>
+        <p:txBody>
+          <a:bodyPr/>
+          <a:lstStyle/>
+          <a:p>
+            <a:r>
+              <a:rPr lang="en-US" dirty="0" smtClean="0"/>
+              <a:t>File Formats</a:t>
+            </a:r>
+            <a:endParaRPr lang="en-US" dirty="0"/>
+          </a:p>
+        </p:txBody>
+      </p:sp>
+      <p:sp>
+        <p:nvSpPr>
+          <p:cNvPr id="3" name="Content Placeholder 2"/>
+          <p:cNvSpPr>
+            <a:spLocks noGrp="1"/>
+          </p:cNvSpPr>
+          <p:nvPr>
+            <p:ph idx="1"/>
+          </p:nvPr>
+        </p:nvSpPr>
+        <p:spPr>
+          <a:xfrm>
+            <a:off x="1230312" y="1763713"/>
+            <a:ext cx="7162800" cy="4302124"/>
+          </a:xfrm>
+        </p:spPr>
+        <p:txBody>
+          <a:bodyPr>
+            <a:normAutofit fontScale="47500" lnSpcReduction="20000"/>
+          </a:bodyPr>
+          <a:lstStyle/>
+          <a:p>
+            <a:r>
+              <a:rPr lang="en-US" dirty="0" smtClean="0"/>
+              <a:t>The initial Bloom prototype uses a subset of the same format as web pages: </a:t>
+            </a:r>
+            <a:r>
+              <a:rPr lang="en-US" dirty="0" err="1" smtClean="0"/>
+              <a:t>xhtml</a:t>
+            </a:r>
+            <a:r>
+              <a:rPr lang="en-US" dirty="0" smtClean="0"/>
+              <a:t> (XML Hypertext Markup Language) + CSS (Cascading Style Sheets).  Advantages:</a:t>
+            </a:r>
+          </a:p>
+          <a:p>
+            <a:pPr lvl="0"/>
+            <a:r>
+              <a:rPr lang="en-US" dirty="0" smtClean="0"/>
+              <a:t>Longevity</a:t>
+            </a:r>
+          </a:p>
+          <a:p>
+            <a:pPr lvl="1"/>
+            <a:r>
+              <a:rPr lang="en-US" dirty="0" smtClean="0"/>
+              <a:t>Even after Bloom goes away, you’ll always be able to open them.  </a:t>
+            </a:r>
+          </a:p>
+          <a:p>
+            <a:pPr lvl="0"/>
+            <a:r>
+              <a:rPr lang="en-US" dirty="0" smtClean="0"/>
+              <a:t>Lower development/maintenance</a:t>
+            </a:r>
+            <a:r>
+              <a:rPr lang="en-US" baseline="0" dirty="0" smtClean="0"/>
+              <a:t> </a:t>
+            </a:r>
+            <a:r>
+              <a:rPr lang="en-US" dirty="0" smtClean="0"/>
+              <a:t>costs</a:t>
+            </a:r>
+          </a:p>
+          <a:p>
+            <a:pPr lvl="1"/>
+            <a:r>
+              <a:rPr lang="en-US" dirty="0" smtClean="0"/>
+              <a:t>We can also leverage freely-available components to do screen and print rendering, without having to program and maintain all that ourselves. For example, the prototype uses </a:t>
+            </a:r>
+            <a:r>
+              <a:rPr lang="en-US" dirty="0" err="1" smtClean="0"/>
+              <a:t>FireFox’s</a:t>
+            </a:r>
+            <a:r>
+              <a:rPr lang="en-US" dirty="0" smtClean="0"/>
+              <a:t> rendering engine.</a:t>
+            </a:r>
+          </a:p>
+          <a:p>
+            <a:r>
+              <a:rPr lang="en-US" dirty="0" smtClean="0"/>
+              <a:t>Capability</a:t>
+            </a:r>
+          </a:p>
+          <a:p>
+            <a:pPr lvl="1"/>
+            <a:r>
+              <a:rPr lang="en-US" dirty="0" smtClean="0"/>
+              <a:t>Since Firefox can display Complex Non-Roman scripts, Bloom can too.  Text can wrap around images, be laid out in tables, etc.</a:t>
+            </a:r>
+          </a:p>
+          <a:p>
+            <a:r>
+              <a:rPr lang="en-US" dirty="0" smtClean="0"/>
+              <a:t>Other Tools</a:t>
+            </a:r>
+          </a:p>
+          <a:p>
+            <a:pPr lvl="1"/>
+            <a:r>
+              <a:rPr lang="en-US" dirty="0" smtClean="0"/>
+              <a:t>Using these open standards also means that a technician (not the target audience) may be able to use other tools, such as those from Adobe, to create content for Bloom as well as tweak Bloom-created books for final printing, when necessary.</a:t>
+            </a:r>
+          </a:p>
+          <a:p>
+            <a:endParaRPr lang="en-US" dirty="0" smtClean="0"/>
+          </a:p>
+          <a:p>
+            <a:endParaRPr lang="en-US" dirty="0" smtClean="0"/>
+          </a:p>
+        </p:txBody>
+      </p:sp>
+    </p:spTree>
+  </p:cSld>
+  <p:clrMapOvr>
+    <a:masterClrMapping/>
+  </p:clrMapOvr>
+</p:sld>
+</file>
+
 <file path=ppt/slides/slide35.xml><?xml version="1.0" encoding="utf-8"?>
 <p:sld xmlns:a="http://schemas.openxmlformats.org/drawingml/2006/main" xmlns:r="http://schemas.openxmlformats.org/officeDocument/2006/relationships" xmlns:p="http://schemas.openxmlformats.org/presentationml/2006/main">
   <p:cSld>
@@ -13913,7 +13860,7 @@
           <a:p>
             <a:r>
               <a:rPr lang="en-US" dirty="0" smtClean="0"/>
-              <a:t>File Formats</a:t>
+              <a:t>Format conversion</a:t>
             </a:r>
             <a:endParaRPr lang="en-US" dirty="0"/>
           </a:p>
@@ -13932,60 +13879,184 @@
         <p:spPr/>
         <p:txBody>
           <a:bodyPr>
-            <a:normAutofit fontScale="70000" lnSpcReduction="20000"/>
+            <a:normAutofit fontScale="40000" lnSpcReduction="20000"/>
           </a:bodyPr>
           <a:lstStyle/>
           <a:p>
             <a:r>
               <a:rPr lang="en-US" dirty="0" smtClean="0"/>
-              <a:t>Ideally, Bloom would use the same file format as some open source page layout application.  This would make it easier to get existing materials into the system. </a:t>
-            </a:r>
+              <a:t>People often ask, “How hard would it be to get documents from X to Bloom, or Bloom to X?” It’s important that as we evaluate the Bloom concept, we have realistic expectations.  I can make some predictions, but I’m afraid they get a bit technical:</a:t>
+            </a:r>
+          </a:p>
+          <a:p>
             <a:r>
               <a:rPr lang="en-US" dirty="0" smtClean="0"/>
-              <a:t>It would also mean than instead of exporting to a full-strength application for tweaking (a one-way operation), post-tweaking books could still be kept in the Bloom library</a:t>
+              <a:t>It’s helpful to talk about formats in terms of how </a:t>
+            </a:r>
+            <a:r>
+              <a:rPr lang="en-US" i="1" dirty="0" smtClean="0"/>
+              <a:t>constrained, </a:t>
             </a:r>
             <a:r>
               <a:rPr lang="en-US" dirty="0" smtClean="0"/>
-              <a:t>.</a:t>
-            </a:r>
-          </a:p>
-          <a:p>
+              <a:t>or </a:t>
+            </a:r>
+            <a:r>
+              <a:rPr lang="en-US" i="1" dirty="0" smtClean="0"/>
+              <a:t>targeted </a:t>
+            </a:r>
             <a:r>
               <a:rPr lang="en-US" dirty="0" smtClean="0"/>
-              <a:t>It’s unclear whether we could offer this ideal initially.</a:t>
-            </a:r>
-          </a:p>
-          <a:p>
+              <a:t>they are. Html, as you can see from the Web, serves many different layout purposes, and PDF can represent any possible page. At the other end of the spectrum, Shell Book Maker’s format is tuned to the job of making basic books.  Bloom’s </a:t>
+            </a:r>
+            <a:r>
+              <a:rPr lang="en-US" dirty="0" err="1" smtClean="0"/>
+              <a:t>html+css</a:t>
+            </a:r>
             <a:r>
               <a:rPr lang="en-US" dirty="0" smtClean="0"/>
-              <a:t>It may be better to develop Bloom with a more simple, home-grown format initially.  Bloom might </a:t>
+              <a:t> lies in-between, because </a:t>
             </a:r>
             <a:r>
               <a:rPr lang="en-US" dirty="0" smtClean="0"/>
-              <a:t>require templates to be made from scratch, perhaps using a carefully limited set of features in a program like </a:t>
+              <a:t>in order to help the user as much as it </a:t>
+            </a:r>
+            <a:r>
+              <a:rPr lang="en-US" dirty="0" smtClean="0"/>
+              <a:t>does, it will </a:t>
+            </a:r>
+            <a:r>
+              <a:rPr lang="en-US" dirty="0" smtClean="0"/>
+              <a:t>have to require the html to be laid out in particular </a:t>
+            </a:r>
+            <a:r>
+              <a:rPr lang="en-US" dirty="0" smtClean="0"/>
+              <a:t>ways</a:t>
+            </a:r>
+            <a:r>
+              <a:rPr lang="en-US" dirty="0" smtClean="0"/>
+              <a:t>:</a:t>
+            </a:r>
+            <a:endParaRPr lang="en-US" dirty="0" smtClean="0"/>
+          </a:p>
+          <a:p>
+            <a:r>
+              <a:rPr lang="en-US" dirty="0" smtClean="0"/>
+              <a:t>Shell Book Maker --&gt; Bloom Html </a:t>
+            </a:r>
+            <a:r>
+              <a:rPr lang="en-US" dirty="0" smtClean="0">
+                <a:sym typeface="Wingdings" pitchFamily="2" charset="2"/>
+              </a:rPr>
+              <a:t> Any valid Html  PDF</a:t>
+            </a:r>
+          </a:p>
+          <a:p>
+            <a:r>
+              <a:rPr lang="en-US" dirty="0" smtClean="0">
+                <a:sym typeface="Wingdings" pitchFamily="2" charset="2"/>
+              </a:rPr>
+              <a:t>Moving from more targeted to less is normally easier then going the other direction.  </a:t>
+            </a:r>
+          </a:p>
+          <a:p>
+            <a:r>
+              <a:rPr lang="en-US" dirty="0" smtClean="0">
+                <a:sym typeface="Wingdings" pitchFamily="2" charset="2"/>
+              </a:rPr>
+              <a:t>Some implications of this:</a:t>
+            </a:r>
+            <a:endParaRPr lang="en-US" dirty="0" smtClean="0"/>
+          </a:p>
+          <a:p>
+            <a:pPr>
+              <a:buFont typeface="Arial" pitchFamily="34" charset="0"/>
+              <a:buChar char="•"/>
+            </a:pPr>
+            <a:r>
+              <a:rPr lang="en-US" dirty="0" smtClean="0"/>
+              <a:t>The development effort required to automate conversion from </a:t>
             </a:r>
             <a:r>
               <a:rPr lang="en-US" dirty="0" err="1" smtClean="0"/>
-              <a:t>OpenOffice</a:t>
+              <a:t>ShellBook</a:t>
             </a:r>
             <a:r>
               <a:rPr lang="en-US" dirty="0" smtClean="0"/>
-              <a:t> </a:t>
-            </a:r>
+              <a:t> Maker’s format to Bloom’s may be much less than going the other direction. </a:t>
+            </a:r>
+          </a:p>
+          <a:p>
+            <a:pPr>
+              <a:buFont typeface="Wingdings" pitchFamily="2" charset="2"/>
+              <a:buChar char="§"/>
+            </a:pPr>
             <a:r>
               <a:rPr lang="en-US" dirty="0" smtClean="0"/>
-              <a:t>Draw (which has a multiple-page model).  This would allow us to get it “out there” and see if it catches on.</a:t>
-            </a:r>
-          </a:p>
-          <a:p>
+              <a:t>We should not expect </a:t>
+            </a:r>
             <a:r>
               <a:rPr lang="en-US" dirty="0" smtClean="0"/>
-              <a:t>If /when Bloom proves </a:t>
+              <a:t>to open </a:t>
             </a:r>
             <a:r>
               <a:rPr lang="en-US" dirty="0" smtClean="0"/>
-              <a:t>widely popular, then money or people could be easily freed up for a second stage, in which Bloom would use some common page-layout file format (and perhaps even display/editing engine) for both templates and documents.</a:t>
-            </a:r>
+              <a:t>an existing complicated </a:t>
+            </a:r>
+            <a:r>
+              <a:rPr lang="en-US" dirty="0" smtClean="0"/>
+              <a:t>document in, say, Publisher or </a:t>
+            </a:r>
+            <a:r>
+              <a:rPr lang="en-US" dirty="0" err="1" smtClean="0"/>
+              <a:t>Pagemaker</a:t>
+            </a:r>
+            <a:r>
+              <a:rPr lang="en-US" dirty="0" smtClean="0"/>
+              <a:t>, choose “save as html” and </a:t>
+            </a:r>
+            <a:r>
+              <a:rPr lang="en-US" dirty="0" smtClean="0"/>
+              <a:t>have </a:t>
+            </a:r>
+            <a:r>
+              <a:rPr lang="en-US" dirty="0" smtClean="0"/>
+              <a:t>a Bloom-compatible book.  </a:t>
+            </a:r>
+            <a:r>
+              <a:rPr lang="en-US" dirty="0" smtClean="0"/>
+              <a:t>It’s likely that creating Bloom templates/shells would require a technician who can handle actual html and </a:t>
+            </a:r>
+            <a:r>
+              <a:rPr lang="en-US" dirty="0" err="1" smtClean="0"/>
+              <a:t>css</a:t>
+            </a:r>
+            <a:r>
+              <a:rPr lang="en-US" dirty="0" smtClean="0"/>
+              <a:t> markup; the skill level should be less than that required, say, for Bible typesetting.</a:t>
+            </a:r>
+            <a:endParaRPr lang="en-US" dirty="0" smtClean="0"/>
+          </a:p>
+          <a:p>
+            <a:pPr>
+              <a:buFont typeface="Arial" pitchFamily="34" charset="0"/>
+              <a:buChar char="•"/>
+            </a:pPr>
+            <a:r>
+              <a:rPr lang="en-US" dirty="0" smtClean="0"/>
+              <a:t>Going the opposite direction, however is easier.  </a:t>
+            </a:r>
+            <a:r>
+              <a:rPr lang="en-US" dirty="0" err="1" smtClean="0"/>
+              <a:t>Html+CSS</a:t>
+            </a:r>
+            <a:r>
+              <a:rPr lang="en-US" dirty="0" smtClean="0"/>
+              <a:t> created by Bloom will display correctly when opened in any browser, and should be readily importable into full-strength page layout applications.</a:t>
+            </a:r>
+          </a:p>
+          <a:p>
+            <a:endParaRPr lang="en-US" dirty="0"/>
           </a:p>
         </p:txBody>
       </p:sp>
@@ -14127,11 +14198,7 @@
           <a:p>
             <a:r>
               <a:rPr lang="en-US" dirty="0" smtClean="0"/>
-              <a:t>Key </a:t>
-            </a:r>
-            <a:r>
-              <a:rPr lang="en-US" dirty="0" smtClean="0"/>
-              <a:t>Goals</a:t>
+              <a:t>Key Goals</a:t>
             </a:r>
             <a:endParaRPr lang="en-US" dirty="0"/>
           </a:p>
@@ -14178,11 +14245,7 @@
             </a:pPr>
             <a:r>
               <a:rPr lang="en-US" dirty="0" smtClean="0"/>
-              <a:t>Provide </a:t>
-            </a:r>
-            <a:r>
-              <a:rPr lang="en-US" dirty="0" smtClean="0"/>
-              <a:t>lots of templates, and let people fill them in. </a:t>
+              <a:t>Provide lots of templates, and let people fill them in. </a:t>
             </a:r>
           </a:p>
           <a:p>
@@ -14211,11 +14274,7 @@
             </a:pPr>
             <a:r>
               <a:rPr lang="en-US" dirty="0" smtClean="0"/>
-              <a:t>Hide the file </a:t>
-            </a:r>
-            <a:r>
-              <a:rPr lang="en-US" dirty="0" smtClean="0"/>
-              <a:t>system, just show books.</a:t>
+              <a:t>Hide the file system, just show books.</a:t>
             </a:r>
           </a:p>
           <a:p>
@@ -14235,15 +14294,7 @@
             </a:pPr>
             <a:r>
               <a:rPr lang="en-US" dirty="0" smtClean="0"/>
-              <a:t>Make </a:t>
-            </a:r>
-            <a:r>
-              <a:rPr lang="en-US" dirty="0" smtClean="0"/>
-              <a:t>it trivial to share the library with remote colleagues</a:t>
-            </a:r>
-            <a:r>
-              <a:rPr lang="en-US" dirty="0" smtClean="0"/>
-              <a:t>.</a:t>
+              <a:t>Make it trivial to share the library with remote colleagues.</a:t>
             </a:r>
           </a:p>
           <a:p>
@@ -14679,7 +14730,6 @@
               <a:rPr lang="en-US" dirty="0" smtClean="0"/>
               <a:t>The actual templates would be created by literacy specialists, or you yourself, not by a software developer.</a:t>
             </a:r>
-            <a:endParaRPr lang="en-US" dirty="0" smtClean="0"/>
           </a:p>
           <a:p>
             <a:r>

--- a/Design/BloomOverview.pptx
+++ b/Design/BloomOverview.pptx
@@ -6,10 +6,10 @@
     <p:sldMasterId id="2147483708" r:id="rId2"/>
   </p:sldMasterIdLst>
   <p:notesMasterIdLst>
-    <p:notesMasterId r:id="rId38"/>
+    <p:notesMasterId r:id="rId39"/>
   </p:notesMasterIdLst>
   <p:handoutMasterIdLst>
-    <p:handoutMasterId r:id="rId39"/>
+    <p:handoutMasterId r:id="rId40"/>
   </p:handoutMasterIdLst>
   <p:sldIdLst>
     <p:sldId id="279" r:id="rId3"/>
@@ -44,9 +44,10 @@
     <p:sldId id="271" r:id="rId32"/>
     <p:sldId id="272" r:id="rId33"/>
     <p:sldId id="273" r:id="rId34"/>
-    <p:sldId id="274" r:id="rId35"/>
-    <p:sldId id="289" r:id="rId36"/>
-    <p:sldId id="297" r:id="rId37"/>
+    <p:sldId id="298" r:id="rId35"/>
+    <p:sldId id="274" r:id="rId36"/>
+    <p:sldId id="289" r:id="rId37"/>
+    <p:sldId id="297" r:id="rId38"/>
   </p:sldIdLst>
   <p:sldSz cx="10080625" cy="7559675"/>
   <p:notesSz cx="7772400" cy="10058400"/>
@@ -3147,7 +3148,7 @@
             <a:fld id="{F4BE94FE-0590-477B-80AF-AB5621389EFE}" type="datetimeFigureOut">
               <a:rPr lang="en-US" smtClean="0"/>
               <a:pPr/>
-              <a:t>5/5/2010</a:t>
+              <a:t>5/11/2010</a:t>
             </a:fld>
             <a:endParaRPr lang="en-US"/>
           </a:p>
@@ -3314,7 +3315,7 @@
             <a:fld id="{F4BE94FE-0590-477B-80AF-AB5621389EFE}" type="datetimeFigureOut">
               <a:rPr lang="en-US" smtClean="0"/>
               <a:pPr/>
-              <a:t>5/5/2010</a:t>
+              <a:t>5/11/2010</a:t>
             </a:fld>
             <a:endParaRPr lang="en-US"/>
           </a:p>
@@ -3491,7 +3492,7 @@
             <a:fld id="{F4BE94FE-0590-477B-80AF-AB5621389EFE}" type="datetimeFigureOut">
               <a:rPr lang="en-US" smtClean="0"/>
               <a:pPr/>
-              <a:t>5/5/2010</a:t>
+              <a:t>5/11/2010</a:t>
             </a:fld>
             <a:endParaRPr lang="en-US"/>
           </a:p>
@@ -3730,7 +3731,7 @@
             <a:fld id="{F4BE94FE-0590-477B-80AF-AB5621389EFE}" type="datetimeFigureOut">
               <a:rPr lang="en-US" smtClean="0"/>
               <a:pPr/>
-              <a:t>5/5/2010</a:t>
+              <a:t>5/11/2010</a:t>
             </a:fld>
             <a:endParaRPr lang="en-US"/>
           </a:p>
@@ -3874,7 +3875,7 @@
             <a:fld id="{F4BE94FE-0590-477B-80AF-AB5621389EFE}" type="datetimeFigureOut">
               <a:rPr lang="en-US" smtClean="0"/>
               <a:pPr/>
-              <a:t>5/5/2010</a:t>
+              <a:t>5/11/2010</a:t>
             </a:fld>
             <a:endParaRPr lang="en-US"/>
           </a:p>
@@ -4117,7 +4118,7 @@
             <a:fld id="{F4BE94FE-0590-477B-80AF-AB5621389EFE}" type="datetimeFigureOut">
               <a:rPr lang="en-US" smtClean="0"/>
               <a:pPr/>
-              <a:t>5/5/2010</a:t>
+              <a:t>5/11/2010</a:t>
             </a:fld>
             <a:endParaRPr lang="en-US"/>
           </a:p>
@@ -4402,7 +4403,7 @@
             <a:fld id="{F4BE94FE-0590-477B-80AF-AB5621389EFE}" type="datetimeFigureOut">
               <a:rPr lang="en-US" smtClean="0"/>
               <a:pPr/>
-              <a:t>5/5/2010</a:t>
+              <a:t>5/11/2010</a:t>
             </a:fld>
             <a:endParaRPr lang="en-US"/>
           </a:p>
@@ -4821,7 +4822,7 @@
             <a:fld id="{F4BE94FE-0590-477B-80AF-AB5621389EFE}" type="datetimeFigureOut">
               <a:rPr lang="en-US" smtClean="0"/>
               <a:pPr/>
-              <a:t>5/5/2010</a:t>
+              <a:t>5/11/2010</a:t>
             </a:fld>
             <a:endParaRPr lang="en-US"/>
           </a:p>
@@ -4936,7 +4937,7 @@
             <a:fld id="{F4BE94FE-0590-477B-80AF-AB5621389EFE}" type="datetimeFigureOut">
               <a:rPr lang="en-US" smtClean="0"/>
               <a:pPr/>
-              <a:t>5/5/2010</a:t>
+              <a:t>5/11/2010</a:t>
             </a:fld>
             <a:endParaRPr lang="en-US"/>
           </a:p>
@@ -5028,7 +5029,7 @@
             <a:fld id="{F4BE94FE-0590-477B-80AF-AB5621389EFE}" type="datetimeFigureOut">
               <a:rPr lang="en-US" smtClean="0"/>
               <a:pPr/>
-              <a:t>5/5/2010</a:t>
+              <a:t>5/11/2010</a:t>
             </a:fld>
             <a:endParaRPr lang="en-US"/>
           </a:p>
@@ -5302,7 +5303,7 @@
             <a:fld id="{F4BE94FE-0590-477B-80AF-AB5621389EFE}" type="datetimeFigureOut">
               <a:rPr lang="en-US" smtClean="0"/>
               <a:pPr/>
-              <a:t>5/5/2010</a:t>
+              <a:t>5/11/2010</a:t>
             </a:fld>
             <a:endParaRPr lang="en-US"/>
           </a:p>
@@ -5446,7 +5447,7 @@
             <a:fld id="{F4BE94FE-0590-477B-80AF-AB5621389EFE}" type="datetimeFigureOut">
               <a:rPr lang="en-US" smtClean="0"/>
               <a:pPr/>
-              <a:t>5/5/2010</a:t>
+              <a:t>5/11/2010</a:t>
             </a:fld>
             <a:endParaRPr lang="en-US"/>
           </a:p>
@@ -5696,7 +5697,7 @@
             <a:fld id="{F4BE94FE-0590-477B-80AF-AB5621389EFE}" type="datetimeFigureOut">
               <a:rPr lang="en-US" smtClean="0"/>
               <a:pPr/>
-              <a:t>5/5/2010</a:t>
+              <a:t>5/11/2010</a:t>
             </a:fld>
             <a:endParaRPr lang="en-US"/>
           </a:p>
@@ -5863,7 +5864,7 @@
             <a:fld id="{F4BE94FE-0590-477B-80AF-AB5621389EFE}" type="datetimeFigureOut">
               <a:rPr lang="en-US" smtClean="0"/>
               <a:pPr/>
-              <a:t>5/5/2010</a:t>
+              <a:t>5/11/2010</a:t>
             </a:fld>
             <a:endParaRPr lang="en-US"/>
           </a:p>
@@ -6040,7 +6041,7 @@
             <a:fld id="{F4BE94FE-0590-477B-80AF-AB5621389EFE}" type="datetimeFigureOut">
               <a:rPr lang="en-US" smtClean="0"/>
               <a:pPr/>
-              <a:t>5/5/2010</a:t>
+              <a:t>5/11/2010</a:t>
             </a:fld>
             <a:endParaRPr lang="en-US"/>
           </a:p>
@@ -6283,7 +6284,7 @@
             <a:fld id="{F4BE94FE-0590-477B-80AF-AB5621389EFE}" type="datetimeFigureOut">
               <a:rPr lang="en-US" smtClean="0"/>
               <a:pPr/>
-              <a:t>5/5/2010</a:t>
+              <a:t>5/11/2010</a:t>
             </a:fld>
             <a:endParaRPr lang="en-US"/>
           </a:p>
@@ -6568,7 +6569,7 @@
             <a:fld id="{F4BE94FE-0590-477B-80AF-AB5621389EFE}" type="datetimeFigureOut">
               <a:rPr lang="en-US" smtClean="0"/>
               <a:pPr/>
-              <a:t>5/5/2010</a:t>
+              <a:t>5/11/2010</a:t>
             </a:fld>
             <a:endParaRPr lang="en-US"/>
           </a:p>
@@ -6987,7 +6988,7 @@
             <a:fld id="{F4BE94FE-0590-477B-80AF-AB5621389EFE}" type="datetimeFigureOut">
               <a:rPr lang="en-US" smtClean="0"/>
               <a:pPr/>
-              <a:t>5/5/2010</a:t>
+              <a:t>5/11/2010</a:t>
             </a:fld>
             <a:endParaRPr lang="en-US"/>
           </a:p>
@@ -7102,7 +7103,7 @@
             <a:fld id="{F4BE94FE-0590-477B-80AF-AB5621389EFE}" type="datetimeFigureOut">
               <a:rPr lang="en-US" smtClean="0"/>
               <a:pPr/>
-              <a:t>5/5/2010</a:t>
+              <a:t>5/11/2010</a:t>
             </a:fld>
             <a:endParaRPr lang="en-US"/>
           </a:p>
@@ -7194,7 +7195,7 @@
             <a:fld id="{F4BE94FE-0590-477B-80AF-AB5621389EFE}" type="datetimeFigureOut">
               <a:rPr lang="en-US" smtClean="0"/>
               <a:pPr/>
-              <a:t>5/5/2010</a:t>
+              <a:t>5/11/2010</a:t>
             </a:fld>
             <a:endParaRPr lang="en-US"/>
           </a:p>
@@ -7468,7 +7469,7 @@
             <a:fld id="{F4BE94FE-0590-477B-80AF-AB5621389EFE}" type="datetimeFigureOut">
               <a:rPr lang="en-US" smtClean="0"/>
               <a:pPr/>
-              <a:t>5/5/2010</a:t>
+              <a:t>5/11/2010</a:t>
             </a:fld>
             <a:endParaRPr lang="en-US"/>
           </a:p>
@@ -7718,7 +7719,7 @@
             <a:fld id="{F4BE94FE-0590-477B-80AF-AB5621389EFE}" type="datetimeFigureOut">
               <a:rPr lang="en-US" smtClean="0"/>
               <a:pPr/>
-              <a:t>5/5/2010</a:t>
+              <a:t>5/11/2010</a:t>
             </a:fld>
             <a:endParaRPr lang="en-US"/>
           </a:p>
@@ -7981,7 +7982,7 @@
             <a:fld id="{F4BE94FE-0590-477B-80AF-AB5621389EFE}" type="datetimeFigureOut">
               <a:rPr lang="en-US" smtClean="0"/>
               <a:pPr/>
-              <a:t>5/5/2010</a:t>
+              <a:t>5/11/2010</a:t>
             </a:fld>
             <a:endParaRPr lang="en-US"/>
           </a:p>
@@ -8515,7 +8516,7 @@
             <a:fld id="{F4BE94FE-0590-477B-80AF-AB5621389EFE}" type="datetimeFigureOut">
               <a:rPr lang="en-US" smtClean="0"/>
               <a:pPr/>
-              <a:t>5/5/2010</a:t>
+              <a:t>5/11/2010</a:t>
             </a:fld>
             <a:endParaRPr lang="en-US"/>
           </a:p>
@@ -9042,7 +9043,7 @@
             <a:fld id="{19615034-2B20-4FB6-B104-E640F6FEAD8E}" type="datetime1">
               <a:rPr lang="en-US" sz="2000" smtClean="0"/>
               <a:pPr/>
-              <a:t>5/5/2010</a:t>
+              <a:t>5/11/2010</a:t>
             </a:fld>
             <a:endParaRPr lang="en-US" dirty="0"/>
           </a:p>
@@ -13606,6 +13607,175 @@
 
 <file path=ppt/slides/slide33.xml><?xml version="1.0" encoding="utf-8"?>
 <p:sld xmlns:a="http://schemas.openxmlformats.org/drawingml/2006/main" xmlns:r="http://schemas.openxmlformats.org/officeDocument/2006/relationships" xmlns:p="http://schemas.openxmlformats.org/presentationml/2006/main">
+  <p:cSld>
+    <p:spTree>
+      <p:nvGrpSpPr>
+        <p:cNvPr id="1" name=""/>
+        <p:cNvGrpSpPr/>
+        <p:nvPr/>
+      </p:nvGrpSpPr>
+      <p:grpSpPr>
+        <a:xfrm>
+          <a:off x="0" y="0"/>
+          <a:ext cx="0" cy="0"/>
+          <a:chOff x="0" y="0"/>
+          <a:chExt cx="0" cy="0"/>
+        </a:xfrm>
+      </p:grpSpPr>
+      <p:sp>
+        <p:nvSpPr>
+          <p:cNvPr id="2" name="Title 1"/>
+          <p:cNvSpPr>
+            <a:spLocks noGrp="1"/>
+          </p:cNvSpPr>
+          <p:nvPr>
+            <p:ph type="title"/>
+          </p:nvPr>
+        </p:nvSpPr>
+        <p:spPr/>
+        <p:txBody>
+          <a:bodyPr/>
+          <a:lstStyle/>
+          <a:p>
+            <a:r>
+              <a:rPr lang="en-US" dirty="0" smtClean="0"/>
+              <a:t>Licenses</a:t>
+            </a:r>
+            <a:endParaRPr lang="en-US" dirty="0"/>
+          </a:p>
+        </p:txBody>
+      </p:sp>
+      <p:sp>
+        <p:nvSpPr>
+          <p:cNvPr id="3" name="Content Placeholder 2"/>
+          <p:cNvSpPr>
+            <a:spLocks noGrp="1"/>
+          </p:cNvSpPr>
+          <p:nvPr>
+            <p:ph idx="1"/>
+          </p:nvPr>
+        </p:nvSpPr>
+        <p:spPr>
+          <a:xfrm>
+            <a:off x="1230312" y="1417637"/>
+            <a:ext cx="8347076" cy="5335588"/>
+          </a:xfrm>
+        </p:spPr>
+        <p:txBody>
+          <a:bodyPr>
+            <a:normAutofit fontScale="55000" lnSpcReduction="20000"/>
+          </a:bodyPr>
+          <a:lstStyle/>
+          <a:p>
+            <a:r>
+              <a:rPr lang="en-US" dirty="0" smtClean="0"/>
+              <a:t>In PNG we are promoting shift in attention away from simple “Copyright” with an “all rights reserved” message, to an explicit license which applies to everyone.  That is, the copyright is still there, but the copyright holder(s) agree to offer the content for reuse under specified conditions, as in “some rights reserved”. For example, they might agree that derivative works can be made, but only non-commercially, and only if the derivative works still gives them credit.</a:t>
+            </a:r>
+          </a:p>
+          <a:p>
+            <a:r>
+              <a:rPr lang="en-US" dirty="0" smtClean="0"/>
+              <a:t>It is the absence of such licenses which is currently giving many of us so much grief, as we simply seek to get native-authored materials “out there” where they can do the good the authors intended for them to do.</a:t>
+            </a:r>
+          </a:p>
+          <a:p>
+            <a:r>
+              <a:rPr lang="en-US" dirty="0" smtClean="0"/>
+              <a:t>Bloom joins a growing body of software in being license-savvy.  This has two parts:</a:t>
+            </a:r>
+          </a:p>
+          <a:p>
+            <a:pPr marL="514350" indent="-514350">
+              <a:buAutoNum type="arabicParenR"/>
+            </a:pPr>
+            <a:r>
+              <a:rPr lang="en-US" dirty="0" smtClean="0"/>
+              <a:t>Bloom will require that the user indicate the license that the material is published under, and will embed that license in the document itself an using industry-standard format (</a:t>
+            </a:r>
+            <a:r>
+              <a:rPr lang="en-US" dirty="0" smtClean="0">
+                <a:hlinkClick r:id="rId2"/>
+              </a:rPr>
+              <a:t>XMP</a:t>
+            </a:r>
+            <a:r>
+              <a:rPr lang="en-US" dirty="0" smtClean="0"/>
+              <a:t>).  This includes individual illustrations, which may each have their own license.</a:t>
+            </a:r>
+          </a:p>
+          <a:p>
+            <a:pPr marL="514350" indent="-514350">
+              <a:buAutoNum type="arabicParenR"/>
+            </a:pPr>
+            <a:r>
+              <a:rPr lang="en-US" dirty="0" smtClean="0"/>
+              <a:t>If/when Bloom supports </a:t>
+            </a:r>
+            <a:r>
+              <a:rPr lang="en-US" dirty="0" err="1" smtClean="0"/>
+              <a:t>shellbooks</a:t>
+            </a:r>
+            <a:r>
+              <a:rPr lang="en-US" dirty="0" smtClean="0"/>
+              <a:t>, it will help to enforce the terms of well-known licenses (like </a:t>
+            </a:r>
+            <a:r>
+              <a:rPr lang="en-US" dirty="0" smtClean="0">
+                <a:hlinkClick r:id="rId3"/>
+              </a:rPr>
+              <a:t>Creative Commons</a:t>
+            </a:r>
+            <a:r>
+              <a:rPr lang="en-US" dirty="0" smtClean="0"/>
+              <a:t>).  For example, if the license on an illustration requires attribution to the artist, Bloom could make it impossible to remove his/her name.</a:t>
+            </a:r>
+          </a:p>
+          <a:p>
+            <a:pPr indent="-514350"/>
+            <a:r>
+              <a:rPr lang="en-US" dirty="0" smtClean="0"/>
+              <a:t>What Bloom will </a:t>
+            </a:r>
+            <a:r>
+              <a:rPr lang="en-US" i="1" dirty="0" smtClean="0"/>
+              <a:t>not</a:t>
+            </a:r>
+            <a:r>
+              <a:rPr lang="en-US" dirty="0" smtClean="0"/>
+              <a:t> attempt is to foil efforts to remove the license by opening Bloom document in some text editor.  If you go to that extreme, it’s you who is breaking the law, and it’s not worth our effort to stop you.</a:t>
+            </a:r>
+            <a:endParaRPr lang="en-US" dirty="0" smtClean="0"/>
+          </a:p>
+          <a:p>
+            <a:pPr marL="514350" indent="-514350">
+              <a:buAutoNum type="arabicParenR"/>
+            </a:pPr>
+            <a:endParaRPr lang="en-US" dirty="0" smtClean="0"/>
+          </a:p>
+          <a:p>
+            <a:pPr marL="514350" indent="-514350">
+              <a:buAutoNum type="arabicParenR"/>
+            </a:pPr>
+            <a:endParaRPr lang="en-US" dirty="0" smtClean="0"/>
+          </a:p>
+          <a:p>
+            <a:pPr marL="514350" indent="-514350">
+              <a:buAutoNum type="arabicParenR"/>
+            </a:pPr>
+            <a:endParaRPr lang="en-US" dirty="0"/>
+          </a:p>
+        </p:txBody>
+      </p:sp>
+    </p:spTree>
+  </p:cSld>
+  <p:clrMapOvr>
+    <a:masterClrMapping/>
+  </p:clrMapOvr>
+</p:sld>
+</file>
+
+<file path=ppt/slides/slide34.xml><?xml version="1.0" encoding="utf-8"?>
+<p:sld xmlns:a="http://schemas.openxmlformats.org/drawingml/2006/main" xmlns:r="http://schemas.openxmlformats.org/officeDocument/2006/relationships" xmlns:p="http://schemas.openxmlformats.org/presentationml/2006/main">
   <p:cSld name="page19">
     <p:spTree>
       <p:nvGrpSpPr>
@@ -13665,167 +13835,6 @@
 </p:sld>
 </file>
 
-<file path=ppt/slides/slide34.xml><?xml version="1.0" encoding="utf-8"?>
-<p:sld xmlns:a="http://schemas.openxmlformats.org/drawingml/2006/main" xmlns:r="http://schemas.openxmlformats.org/officeDocument/2006/relationships" xmlns:p="http://schemas.openxmlformats.org/presentationml/2006/main">
-  <p:cSld>
-    <p:spTree>
-      <p:nvGrpSpPr>
-        <p:cNvPr id="1" name=""/>
-        <p:cNvGrpSpPr/>
-        <p:nvPr/>
-      </p:nvGrpSpPr>
-      <p:grpSpPr>
-        <a:xfrm>
-          <a:off x="0" y="0"/>
-          <a:ext cx="0" cy="0"/>
-          <a:chOff x="0" y="0"/>
-          <a:chExt cx="0" cy="0"/>
-        </a:xfrm>
-      </p:grpSpPr>
-      <p:sp>
-        <p:nvSpPr>
-          <p:cNvPr id="2" name="Title 1"/>
-          <p:cNvSpPr>
-            <a:spLocks noGrp="1"/>
-          </p:cNvSpPr>
-          <p:nvPr>
-            <p:ph type="title"/>
-          </p:nvPr>
-        </p:nvSpPr>
-        <p:spPr/>
-        <p:txBody>
-          <a:bodyPr/>
-          <a:lstStyle/>
-          <a:p>
-            <a:r>
-              <a:rPr lang="en-US" dirty="0" smtClean="0"/>
-              <a:t>File Formats</a:t>
-            </a:r>
-            <a:endParaRPr lang="en-US" dirty="0"/>
-          </a:p>
-        </p:txBody>
-      </p:sp>
-      <p:sp>
-        <p:nvSpPr>
-          <p:cNvPr id="3" name="Content Placeholder 2"/>
-          <p:cNvSpPr>
-            <a:spLocks noGrp="1"/>
-          </p:cNvSpPr>
-          <p:nvPr>
-            <p:ph idx="1"/>
-          </p:nvPr>
-        </p:nvSpPr>
-        <p:spPr>
-          <a:xfrm>
-            <a:off x="1230312" y="1763713"/>
-            <a:ext cx="7162800" cy="4302124"/>
-          </a:xfrm>
-        </p:spPr>
-        <p:txBody>
-          <a:bodyPr>
-            <a:normAutofit fontScale="47500" lnSpcReduction="20000"/>
-          </a:bodyPr>
-          <a:lstStyle/>
-          <a:p>
-            <a:r>
-              <a:rPr lang="en-US" dirty="0" smtClean="0"/>
-              <a:t>The initial Bloom prototype uses a subset of the same format as web pages: </a:t>
-            </a:r>
-            <a:r>
-              <a:rPr lang="en-US" dirty="0" err="1" smtClean="0"/>
-              <a:t>xhtml</a:t>
-            </a:r>
-            <a:r>
-              <a:rPr lang="en-US" dirty="0" smtClean="0"/>
-              <a:t> (XML Hypertext Markup Language) + CSS (Cascading Style Sheets).  Advantages:</a:t>
-            </a:r>
-          </a:p>
-          <a:p>
-            <a:pPr lvl="0"/>
-            <a:r>
-              <a:rPr lang="en-US" dirty="0" smtClean="0"/>
-              <a:t>Longevity</a:t>
-            </a:r>
-          </a:p>
-          <a:p>
-            <a:pPr lvl="1"/>
-            <a:r>
-              <a:rPr lang="en-US" dirty="0" smtClean="0"/>
-              <a:t>Even after Bloom goes away, you’ll always be able to open them.  </a:t>
-            </a:r>
-          </a:p>
-          <a:p>
-            <a:pPr lvl="0"/>
-            <a:r>
-              <a:rPr lang="en-US" dirty="0" smtClean="0"/>
-              <a:t>Lower development/maintenance</a:t>
-            </a:r>
-            <a:r>
-              <a:rPr lang="en-US" baseline="0" dirty="0" smtClean="0"/>
-              <a:t> </a:t>
-            </a:r>
-            <a:r>
-              <a:rPr lang="en-US" dirty="0" smtClean="0"/>
-              <a:t>costs</a:t>
-            </a:r>
-          </a:p>
-          <a:p>
-            <a:pPr lvl="1"/>
-            <a:r>
-              <a:rPr lang="en-US" dirty="0" smtClean="0"/>
-              <a:t>We can also leverage freely-available components to do screen and print rendering, without having to program and maintain all that ourselves. For example, the prototype uses </a:t>
-            </a:r>
-            <a:r>
-              <a:rPr lang="en-US" dirty="0" err="1" smtClean="0"/>
-              <a:t>FireFox’s</a:t>
-            </a:r>
-            <a:r>
-              <a:rPr lang="en-US" dirty="0" smtClean="0"/>
-              <a:t> rendering engine.</a:t>
-            </a:r>
-          </a:p>
-          <a:p>
-            <a:r>
-              <a:rPr lang="en-US" dirty="0" smtClean="0"/>
-              <a:t>Capability</a:t>
-            </a:r>
-          </a:p>
-          <a:p>
-            <a:pPr lvl="1"/>
-            <a:r>
-              <a:rPr lang="en-US" dirty="0" smtClean="0"/>
-              <a:t>Since Firefox can display Complex Non-Roman scripts, Bloom can too.  Text can wrap around images, be laid out in tables, etc.</a:t>
-            </a:r>
-          </a:p>
-          <a:p>
-            <a:r>
-              <a:rPr lang="en-US" dirty="0" smtClean="0"/>
-              <a:t>Other Tools</a:t>
-            </a:r>
-          </a:p>
-          <a:p>
-            <a:pPr lvl="1"/>
-            <a:r>
-              <a:rPr lang="en-US" dirty="0" smtClean="0"/>
-              <a:t>Using these open standards also means that a technician (not the target audience) may be able to use other tools, such as those from Adobe, to create content for Bloom as well as tweak Bloom-created books for final printing, when necessary.</a:t>
-            </a:r>
-          </a:p>
-          <a:p>
-            <a:endParaRPr lang="en-US" dirty="0" smtClean="0"/>
-          </a:p>
-          <a:p>
-            <a:endParaRPr lang="en-US" dirty="0" smtClean="0"/>
-          </a:p>
-        </p:txBody>
-      </p:sp>
-    </p:spTree>
-  </p:cSld>
-  <p:clrMapOvr>
-    <a:masterClrMapping/>
-  </p:clrMapOvr>
-</p:sld>
-</file>
-
 <file path=ppt/slides/slide35.xml><?xml version="1.0" encoding="utf-8"?>
 <p:sld xmlns:a="http://schemas.openxmlformats.org/drawingml/2006/main" xmlns:r="http://schemas.openxmlformats.org/officeDocument/2006/relationships" xmlns:p="http://schemas.openxmlformats.org/presentationml/2006/main">
   <p:cSld>
@@ -13860,6 +13869,167 @@
           <a:p>
             <a:r>
               <a:rPr lang="en-US" dirty="0" smtClean="0"/>
+              <a:t>File Formats</a:t>
+            </a:r>
+            <a:endParaRPr lang="en-US" dirty="0"/>
+          </a:p>
+        </p:txBody>
+      </p:sp>
+      <p:sp>
+        <p:nvSpPr>
+          <p:cNvPr id="3" name="Content Placeholder 2"/>
+          <p:cNvSpPr>
+            <a:spLocks noGrp="1"/>
+          </p:cNvSpPr>
+          <p:nvPr>
+            <p:ph idx="1"/>
+          </p:nvPr>
+        </p:nvSpPr>
+        <p:spPr>
+          <a:xfrm>
+            <a:off x="1230312" y="1763713"/>
+            <a:ext cx="7162800" cy="4302124"/>
+          </a:xfrm>
+        </p:spPr>
+        <p:txBody>
+          <a:bodyPr>
+            <a:normAutofit fontScale="47500" lnSpcReduction="20000"/>
+          </a:bodyPr>
+          <a:lstStyle/>
+          <a:p>
+            <a:r>
+              <a:rPr lang="en-US" dirty="0" smtClean="0"/>
+              <a:t>The initial Bloom prototype uses a subset of the same format as web pages: </a:t>
+            </a:r>
+            <a:r>
+              <a:rPr lang="en-US" dirty="0" err="1" smtClean="0"/>
+              <a:t>xhtml</a:t>
+            </a:r>
+            <a:r>
+              <a:rPr lang="en-US" dirty="0" smtClean="0"/>
+              <a:t> (XML Hypertext Markup Language) + CSS (Cascading Style Sheets).  Advantages:</a:t>
+            </a:r>
+          </a:p>
+          <a:p>
+            <a:pPr lvl="0"/>
+            <a:r>
+              <a:rPr lang="en-US" dirty="0" smtClean="0"/>
+              <a:t>Longevity</a:t>
+            </a:r>
+          </a:p>
+          <a:p>
+            <a:pPr lvl="1"/>
+            <a:r>
+              <a:rPr lang="en-US" dirty="0" smtClean="0"/>
+              <a:t>Even after Bloom goes away, you’ll always be able to open them.  </a:t>
+            </a:r>
+          </a:p>
+          <a:p>
+            <a:pPr lvl="0"/>
+            <a:r>
+              <a:rPr lang="en-US" dirty="0" smtClean="0"/>
+              <a:t>Lower development/maintenance</a:t>
+            </a:r>
+            <a:r>
+              <a:rPr lang="en-US" baseline="0" dirty="0" smtClean="0"/>
+              <a:t> </a:t>
+            </a:r>
+            <a:r>
+              <a:rPr lang="en-US" dirty="0" smtClean="0"/>
+              <a:t>costs</a:t>
+            </a:r>
+          </a:p>
+          <a:p>
+            <a:pPr lvl="1"/>
+            <a:r>
+              <a:rPr lang="en-US" dirty="0" smtClean="0"/>
+              <a:t>We can also leverage freely-available components to do screen and print rendering, without having to program and maintain all that ourselves. For example, the prototype uses </a:t>
+            </a:r>
+            <a:r>
+              <a:rPr lang="en-US" dirty="0" err="1" smtClean="0"/>
+              <a:t>FireFox’s</a:t>
+            </a:r>
+            <a:r>
+              <a:rPr lang="en-US" dirty="0" smtClean="0"/>
+              <a:t> rendering engine.</a:t>
+            </a:r>
+          </a:p>
+          <a:p>
+            <a:r>
+              <a:rPr lang="en-US" dirty="0" smtClean="0"/>
+              <a:t>Capability</a:t>
+            </a:r>
+          </a:p>
+          <a:p>
+            <a:pPr lvl="1"/>
+            <a:r>
+              <a:rPr lang="en-US" dirty="0" smtClean="0"/>
+              <a:t>Since Firefox can display Complex Non-Roman scripts, Bloom can too.  Text can wrap around images, be laid out in tables, etc.</a:t>
+            </a:r>
+          </a:p>
+          <a:p>
+            <a:r>
+              <a:rPr lang="en-US" dirty="0" smtClean="0"/>
+              <a:t>Other Tools</a:t>
+            </a:r>
+          </a:p>
+          <a:p>
+            <a:pPr lvl="1"/>
+            <a:r>
+              <a:rPr lang="en-US" dirty="0" smtClean="0"/>
+              <a:t>Using these open standards also means that a technician (not the target audience) may be able to use other tools, such as those from Adobe, to create content for Bloom as well as tweak Bloom-created books for final printing, when necessary.</a:t>
+            </a:r>
+          </a:p>
+          <a:p>
+            <a:endParaRPr lang="en-US" dirty="0" smtClean="0"/>
+          </a:p>
+          <a:p>
+            <a:endParaRPr lang="en-US" dirty="0" smtClean="0"/>
+          </a:p>
+        </p:txBody>
+      </p:sp>
+    </p:spTree>
+  </p:cSld>
+  <p:clrMapOvr>
+    <a:masterClrMapping/>
+  </p:clrMapOvr>
+</p:sld>
+</file>
+
+<file path=ppt/slides/slide36.xml><?xml version="1.0" encoding="utf-8"?>
+<p:sld xmlns:a="http://schemas.openxmlformats.org/drawingml/2006/main" xmlns:r="http://schemas.openxmlformats.org/officeDocument/2006/relationships" xmlns:p="http://schemas.openxmlformats.org/presentationml/2006/main">
+  <p:cSld>
+    <p:spTree>
+      <p:nvGrpSpPr>
+        <p:cNvPr id="1" name=""/>
+        <p:cNvGrpSpPr/>
+        <p:nvPr/>
+      </p:nvGrpSpPr>
+      <p:grpSpPr>
+        <a:xfrm>
+          <a:off x="0" y="0"/>
+          <a:ext cx="0" cy="0"/>
+          <a:chOff x="0" y="0"/>
+          <a:chExt cx="0" cy="0"/>
+        </a:xfrm>
+      </p:grpSpPr>
+      <p:sp>
+        <p:nvSpPr>
+          <p:cNvPr id="2" name="Title 1"/>
+          <p:cNvSpPr>
+            <a:spLocks noGrp="1"/>
+          </p:cNvSpPr>
+          <p:nvPr>
+            <p:ph type="title"/>
+          </p:nvPr>
+        </p:nvSpPr>
+        <p:spPr/>
+        <p:txBody>
+          <a:bodyPr/>
+          <a:lstStyle/>
+          <a:p>
+            <a:r>
+              <a:rPr lang="en-US" dirty="0" smtClean="0"/>
               <a:t>Format conversion</a:t>
             </a:r>
             <a:endParaRPr lang="en-US" dirty="0"/>
@@ -13915,29 +14085,8 @@
             </a:r>
             <a:r>
               <a:rPr lang="en-US" dirty="0" smtClean="0"/>
-              <a:t> lies in-between, because </a:t>
-            </a:r>
-            <a:r>
-              <a:rPr lang="en-US" dirty="0" smtClean="0"/>
-              <a:t>in order to help the user as much as it </a:t>
-            </a:r>
-            <a:r>
-              <a:rPr lang="en-US" dirty="0" smtClean="0"/>
-              <a:t>does, it will </a:t>
-            </a:r>
-            <a:r>
-              <a:rPr lang="en-US" dirty="0" smtClean="0"/>
-              <a:t>have to require the html to be laid out in particular </a:t>
-            </a:r>
-            <a:r>
-              <a:rPr lang="en-US" dirty="0" smtClean="0"/>
-              <a:t>ways</a:t>
-            </a:r>
-            <a:r>
-              <a:rPr lang="en-US" dirty="0" smtClean="0"/>
-              <a:t>:</a:t>
-            </a:r>
-            <a:endParaRPr lang="en-US" dirty="0" smtClean="0"/>
+              <a:t> lies in-between, because in order to help the user as much as it does, it will have to require the html to be laid out in particular ways:</a:t>
+            </a:r>
           </a:p>
           <a:p>
             <a:r>
@@ -13993,19 +14142,7 @@
             </a:pPr>
             <a:r>
               <a:rPr lang="en-US" dirty="0" smtClean="0"/>
-              <a:t>We should not expect </a:t>
-            </a:r>
-            <a:r>
-              <a:rPr lang="en-US" dirty="0" smtClean="0"/>
-              <a:t>to open </a:t>
-            </a:r>
-            <a:r>
-              <a:rPr lang="en-US" dirty="0" smtClean="0"/>
-              <a:t>an existing complicated </a:t>
-            </a:r>
-            <a:r>
-              <a:rPr lang="en-US" dirty="0" smtClean="0"/>
-              <a:t>document in, say, Publisher or </a:t>
+              <a:t>We should not expect to open an existing complicated document in, say, Publisher or </a:t>
             </a:r>
             <a:r>
               <a:rPr lang="en-US" dirty="0" err="1" smtClean="0"/>
@@ -14013,19 +14150,7 @@
             </a:r>
             <a:r>
               <a:rPr lang="en-US" dirty="0" smtClean="0"/>
-              <a:t>, choose “save as html” and </a:t>
-            </a:r>
-            <a:r>
-              <a:rPr lang="en-US" dirty="0" smtClean="0"/>
-              <a:t>have </a:t>
-            </a:r>
-            <a:r>
-              <a:rPr lang="en-US" dirty="0" smtClean="0"/>
-              <a:t>a Bloom-compatible book.  </a:t>
-            </a:r>
-            <a:r>
-              <a:rPr lang="en-US" dirty="0" smtClean="0"/>
-              <a:t>It’s likely that creating Bloom templates/shells would require a technician who can handle actual html and </a:t>
+              <a:t>, choose “save as html” and have a Bloom-compatible book.  It’s likely that creating Bloom templates/shells would require a technician who can handle actual html and </a:t>
             </a:r>
             <a:r>
               <a:rPr lang="en-US" dirty="0" err="1" smtClean="0"/>
@@ -14035,7 +14160,6 @@
               <a:rPr lang="en-US" dirty="0" smtClean="0"/>
               <a:t> markup; the skill level should be less than that required, say, for Bible typesetting.</a:t>
             </a:r>
-            <a:endParaRPr lang="en-US" dirty="0" smtClean="0"/>
           </a:p>
           <a:p>
             <a:pPr>
